--- a/No-Code_Low-Code Development/No-Code_Low-Code Development.pptx
+++ b/No-Code_Low-Code Development/No-Code_Low-Code Development.pptx
@@ -121,6 +121,11 @@
       </a:defRPr>
     </a:lvl9pPr>
   </p:defaultTextStyle>
+  <p:extLst>
+    <p:ext uri="{EFAFB233-063F-42B5-8137-9DF3F51BA10A}">
+      <p15:sldGuideLst xmlns:p15="http://schemas.microsoft.com/office/powerpoint/2012/main"/>
+    </p:ext>
+  </p:extLst>
 </p:presentation>
 </file>
 
@@ -129,7 +134,7 @@
   <pc:docChgLst>
     <pc:chgData name="shemal rathnasuriya" userId="e8bb0d295c9c231f" providerId="LiveId" clId="{69DDC8F8-F0E5-4E49-A245-23C9CFE4311F}"/>
     <pc:docChg chg="undo custSel addSld modSld sldOrd">
-      <pc:chgData name="shemal rathnasuriya" userId="e8bb0d295c9c231f" providerId="LiveId" clId="{69DDC8F8-F0E5-4E49-A245-23C9CFE4311F}" dt="2021-07-25T16:35:11.995" v="4719" actId="255"/>
+      <pc:chgData name="shemal rathnasuriya" userId="e8bb0d295c9c231f" providerId="LiveId" clId="{69DDC8F8-F0E5-4E49-A245-23C9CFE4311F}" dt="2021-07-27T00:56:22.583" v="4724" actId="20577"/>
       <pc:docMkLst>
         <pc:docMk/>
       </pc:docMkLst>
@@ -145,6 +150,21 @@
             <pc:docMk/>
             <pc:sldMk cId="1369706271" sldId="257"/>
             <ac:spMk id="3" creationId="{63EC20A8-FD37-498D-941E-1EEC1124E98A}"/>
+          </ac:spMkLst>
+        </pc:spChg>
+      </pc:sldChg>
+      <pc:sldChg chg="modSp mod">
+        <pc:chgData name="shemal rathnasuriya" userId="e8bb0d295c9c231f" providerId="LiveId" clId="{69DDC8F8-F0E5-4E49-A245-23C9CFE4311F}" dt="2021-07-26T21:48:50.836" v="4720" actId="313"/>
+        <pc:sldMkLst>
+          <pc:docMk/>
+          <pc:sldMk cId="2161865464" sldId="259"/>
+        </pc:sldMkLst>
+        <pc:spChg chg="mod">
+          <ac:chgData name="shemal rathnasuriya" userId="e8bb0d295c9c231f" providerId="LiveId" clId="{69DDC8F8-F0E5-4E49-A245-23C9CFE4311F}" dt="2021-07-26T21:48:50.836" v="4720" actId="313"/>
+          <ac:spMkLst>
+            <pc:docMk/>
+            <pc:sldMk cId="2161865464" sldId="259"/>
+            <ac:spMk id="3" creationId="{B8BBD716-DEE1-49E1-8B7E-555CE7AAD107}"/>
           </ac:spMkLst>
         </pc:spChg>
       </pc:sldChg>
@@ -171,8 +191,23 @@
           </ac:spMkLst>
         </pc:spChg>
       </pc:sldChg>
+      <pc:sldChg chg="modSp mod">
+        <pc:chgData name="shemal rathnasuriya" userId="e8bb0d295c9c231f" providerId="LiveId" clId="{69DDC8F8-F0E5-4E49-A245-23C9CFE4311F}" dt="2021-07-27T00:56:22.583" v="4724" actId="20577"/>
+        <pc:sldMkLst>
+          <pc:docMk/>
+          <pc:sldMk cId="458327308" sldId="264"/>
+        </pc:sldMkLst>
+        <pc:spChg chg="mod">
+          <ac:chgData name="shemal rathnasuriya" userId="e8bb0d295c9c231f" providerId="LiveId" clId="{69DDC8F8-F0E5-4E49-A245-23C9CFE4311F}" dt="2021-07-27T00:56:22.583" v="4724" actId="20577"/>
+          <ac:spMkLst>
+            <pc:docMk/>
+            <pc:sldMk cId="458327308" sldId="264"/>
+            <ac:spMk id="3" creationId="{0BAF6F50-4698-4B55-A554-3BCF47A19A2B}"/>
+          </ac:spMkLst>
+        </pc:spChg>
+      </pc:sldChg>
       <pc:sldChg chg="addSp modSp mod ord">
-        <pc:chgData name="shemal rathnasuriya" userId="e8bb0d295c9c231f" providerId="LiveId" clId="{69DDC8F8-F0E5-4E49-A245-23C9CFE4311F}" dt="2021-07-25T15:34:55.020" v="711"/>
+        <pc:chgData name="shemal rathnasuriya" userId="e8bb0d295c9c231f" providerId="LiveId" clId="{69DDC8F8-F0E5-4E49-A245-23C9CFE4311F}" dt="2021-07-26T22:02:49.902" v="4722" actId="20577"/>
         <pc:sldMkLst>
           <pc:docMk/>
           <pc:sldMk cId="3998472431" sldId="266"/>
@@ -186,7 +221,7 @@
           </ac:spMkLst>
         </pc:spChg>
         <pc:spChg chg="mod">
-          <ac:chgData name="shemal rathnasuriya" userId="e8bb0d295c9c231f" providerId="LiveId" clId="{69DDC8F8-F0E5-4E49-A245-23C9CFE4311F}" dt="2021-07-25T15:26:45.934" v="706" actId="255"/>
+          <ac:chgData name="shemal rathnasuriya" userId="e8bb0d295c9c231f" providerId="LiveId" clId="{69DDC8F8-F0E5-4E49-A245-23C9CFE4311F}" dt="2021-07-26T22:02:49.902" v="4722" actId="20577"/>
           <ac:spMkLst>
             <pc:docMk/>
             <pc:sldMk cId="3998472431" sldId="266"/>
@@ -594,7 +629,7 @@
           <a:p>
             <a:fld id="{A423BF71-38B7-8642-BFCE-EDAE9BD0CBAF}" type="datetimeFigureOut">
               <a:rPr lang="en-US" smtClean="0"/>
-              <a:t>7/25/2021</a:t>
+              <a:t>7/26/2021</a:t>
             </a:fld>
             <a:endParaRPr lang="en-US" dirty="0"/>
           </a:p>
@@ -802,7 +837,7 @@
           <a:p>
             <a:fld id="{73B025CB-9D18-264E-A945-2D020344C9DA}" type="datetimeFigureOut">
               <a:rPr lang="en-US" smtClean="0"/>
-              <a:t>7/25/2021</a:t>
+              <a:t>7/26/2021</a:t>
             </a:fld>
             <a:endParaRPr lang="en-US" dirty="0"/>
           </a:p>
@@ -1058,7 +1093,7 @@
           <a:p>
             <a:fld id="{507EFB6C-7E96-8F41-8872-189CA1C59F84}" type="datetimeFigureOut">
               <a:rPr lang="en-US" smtClean="0"/>
-              <a:t>7/25/2021</a:t>
+              <a:t>7/26/2021</a:t>
             </a:fld>
             <a:endParaRPr lang="en-US" dirty="0"/>
           </a:p>
@@ -1232,7 +1267,7 @@
           <a:p>
             <a:fld id="{B6981CDE-9BE7-C544-8ACB-7077DFC4270F}" type="datetimeFigureOut">
               <a:rPr lang="en-US" smtClean="0"/>
-              <a:t>7/25/2021</a:t>
+              <a:t>7/26/2021</a:t>
             </a:fld>
             <a:endParaRPr lang="en-US" dirty="0"/>
           </a:p>
@@ -1575,7 +1610,7 @@
           <a:p>
             <a:fld id="{B55BA285-9698-1B45-8319-D90A8C63F150}" type="datetimeFigureOut">
               <a:rPr lang="en-US" smtClean="0"/>
-              <a:t>7/25/2021</a:t>
+              <a:t>7/26/2021</a:t>
             </a:fld>
             <a:endParaRPr lang="en-US" dirty="0"/>
           </a:p>
@@ -1850,7 +1885,7 @@
           <a:p>
             <a:fld id="{0A86CD42-43FF-B740-998F-DCC3802C4CE3}" type="datetimeFigureOut">
               <a:rPr lang="en-US" smtClean="0"/>
-              <a:t>7/25/2021</a:t>
+              <a:t>7/26/2021</a:t>
             </a:fld>
             <a:endParaRPr lang="en-US" dirty="0"/>
           </a:p>
@@ -2229,7 +2264,7 @@
           <a:p>
             <a:fld id="{CEA0FFBD-2EE4-8547-BBAE-A1AC91C8D77E}" type="datetimeFigureOut">
               <a:rPr lang="en-US" smtClean="0"/>
-              <a:t>7/25/2021</a:t>
+              <a:t>7/26/2021</a:t>
             </a:fld>
             <a:endParaRPr lang="en-US" dirty="0"/>
           </a:p>
@@ -2347,7 +2382,7 @@
           <a:p>
             <a:fld id="{955A2352-D7AC-F242-9256-A4477BCBF354}" type="datetimeFigureOut">
               <a:rPr lang="en-US" smtClean="0"/>
-              <a:t>7/25/2021</a:t>
+              <a:t>7/26/2021</a:t>
             </a:fld>
             <a:endParaRPr lang="en-US" dirty="0"/>
           </a:p>
@@ -2518,7 +2553,7 @@
           <a:p>
             <a:fld id="{4EFCFC6A-9AE6-404D-9FDD-168B477B9C90}" type="datetimeFigureOut">
               <a:rPr lang="en-US" smtClean="0"/>
-              <a:t>7/25/2021</a:t>
+              <a:t>7/26/2021</a:t>
             </a:fld>
             <a:endParaRPr lang="en-US" dirty="0"/>
           </a:p>
@@ -2872,7 +2907,7 @@
           <a:p>
             <a:fld id="{61CFCDFD-B4CF-A241-8D71-E814B10BEAF4}" type="datetimeFigureOut">
               <a:rPr lang="en-US" smtClean="0"/>
-              <a:t>7/25/2021</a:t>
+              <a:t>7/26/2021</a:t>
             </a:fld>
             <a:endParaRPr lang="en-US" dirty="0"/>
           </a:p>
@@ -3254,7 +3289,7 @@
           <a:p>
             <a:fld id="{26A7B589-FD4B-7E46-869A-CBADC5FC564E}" type="datetimeFigureOut">
               <a:rPr lang="en-US" smtClean="0"/>
-              <a:t>7/25/2021</a:t>
+              <a:t>7/26/2021</a:t>
             </a:fld>
             <a:endParaRPr lang="en-US" dirty="0"/>
           </a:p>
@@ -3541,7 +3576,7 @@
           <a:p>
             <a:fld id="{4CD8A92E-5FF9-8143-81B3-CCB531513398}" type="datetimeFigureOut">
               <a:rPr lang="en-US" smtClean="0"/>
-              <a:t>7/25/2021</a:t>
+              <a:t>7/26/2021</a:t>
             </a:fld>
             <a:endParaRPr lang="en-US" dirty="0"/>
           </a:p>
@@ -4471,7 +4506,7 @@
                 <a:latin typeface="Times New Roman" panose="02020603050405020304" pitchFamily="18" charset="0"/>
                 <a:cs typeface="Times New Roman" panose="02020603050405020304" pitchFamily="18" charset="0"/>
               </a:rPr>
-              <a:t>String integration and expansion capability </a:t>
+              <a:t>Strong integration and expansion capability </a:t>
             </a:r>
           </a:p>
           <a:p>
@@ -6349,18 +6384,11 @@
           </a:p>
           <a:p>
             <a:r>
-              <a:rPr lang="en-US" dirty="0" err="1">
-                <a:latin typeface="Times New Roman" panose="02020603050405020304" pitchFamily="18" charset="0"/>
-                <a:cs typeface="Times New Roman" panose="02020603050405020304" pitchFamily="18" charset="0"/>
-              </a:rPr>
-              <a:t>Javascript</a:t>
-            </a:r>
-            <a:r>
-              <a:rPr lang="en-US" dirty="0">
-                <a:latin typeface="Times New Roman" panose="02020603050405020304" pitchFamily="18" charset="0"/>
-                <a:cs typeface="Times New Roman" panose="02020603050405020304" pitchFamily="18" charset="0"/>
-              </a:rPr>
-              <a:t> </a:t>
+              <a:rPr lang="en-US" dirty="0">
+                <a:latin typeface="Times New Roman" panose="02020603050405020304" pitchFamily="18" charset="0"/>
+                <a:cs typeface="Times New Roman" panose="02020603050405020304" pitchFamily="18" charset="0"/>
+              </a:rPr>
+              <a:t>JavaScript </a:t>
             </a:r>
           </a:p>
           <a:p>
@@ -6571,7 +6599,7 @@
                 <a:latin typeface="Times New Roman" panose="02020603050405020304" pitchFamily="18" charset="0"/>
                 <a:cs typeface="Times New Roman" panose="02020603050405020304" pitchFamily="18" charset="0"/>
               </a:rPr>
-              <a:t>4. Deployment Layer: Deploy of cloud infrastructures or on-premise environments</a:t>
+              <a:t>4. Deployment Layer: Deploy on cloud infrastructures or on-premise environments</a:t>
             </a:r>
           </a:p>
         </p:txBody>

--- a/No-Code_Low-Code Development/No-Code_Low-Code Development.pptx
+++ b/No-Code_Low-Code Development/No-Code_Low-Code Development.pptx
@@ -7,22 +7,28 @@
   <p:sldIdLst>
     <p:sldId id="256" r:id="rId2"/>
     <p:sldId id="257" r:id="rId3"/>
-    <p:sldId id="258" r:id="rId4"/>
-    <p:sldId id="259" r:id="rId5"/>
-    <p:sldId id="266" r:id="rId6"/>
-    <p:sldId id="267" r:id="rId7"/>
-    <p:sldId id="260" r:id="rId8"/>
-    <p:sldId id="261" r:id="rId9"/>
-    <p:sldId id="262" r:id="rId10"/>
-    <p:sldId id="263" r:id="rId11"/>
-    <p:sldId id="264" r:id="rId12"/>
-    <p:sldId id="265" r:id="rId13"/>
-    <p:sldId id="268" r:id="rId14"/>
-    <p:sldId id="271" r:id="rId15"/>
-    <p:sldId id="269" r:id="rId16"/>
-    <p:sldId id="270" r:id="rId17"/>
-    <p:sldId id="272" r:id="rId18"/>
-    <p:sldId id="273" r:id="rId19"/>
+    <p:sldId id="274" r:id="rId4"/>
+    <p:sldId id="275" r:id="rId5"/>
+    <p:sldId id="286" r:id="rId6"/>
+    <p:sldId id="287" r:id="rId7"/>
+    <p:sldId id="288" r:id="rId8"/>
+    <p:sldId id="258" r:id="rId9"/>
+    <p:sldId id="261" r:id="rId10"/>
+    <p:sldId id="280" r:id="rId11"/>
+    <p:sldId id="279" r:id="rId12"/>
+    <p:sldId id="282" r:id="rId13"/>
+    <p:sldId id="281" r:id="rId14"/>
+    <p:sldId id="284" r:id="rId15"/>
+    <p:sldId id="285" r:id="rId16"/>
+    <p:sldId id="283" r:id="rId17"/>
+    <p:sldId id="262" r:id="rId18"/>
+    <p:sldId id="289" r:id="rId19"/>
+    <p:sldId id="264" r:id="rId20"/>
+    <p:sldId id="265" r:id="rId21"/>
+    <p:sldId id="269" r:id="rId22"/>
+    <p:sldId id="270" r:id="rId23"/>
+    <p:sldId id="272" r:id="rId24"/>
+    <p:sldId id="273" r:id="rId25"/>
   </p:sldIdLst>
   <p:sldSz cx="12192000" cy="6858000"/>
   <p:notesSz cx="6858000" cy="9144000"/>
@@ -133,19 +139,19 @@
 <pc:chgInfo xmlns:a="http://schemas.openxmlformats.org/drawingml/2006/main" xmlns:r="http://schemas.openxmlformats.org/officeDocument/2006/relationships" xmlns:ac="http://schemas.microsoft.com/office/drawing/2013/main/command" xmlns:pc="http://schemas.microsoft.com/office/powerpoint/2013/main/command">
   <pc:docChgLst>
     <pc:chgData name="shemal rathnasuriya" userId="e8bb0d295c9c231f" providerId="LiveId" clId="{69DDC8F8-F0E5-4E49-A245-23C9CFE4311F}"/>
-    <pc:docChg chg="undo custSel addSld modSld sldOrd">
-      <pc:chgData name="shemal rathnasuriya" userId="e8bb0d295c9c231f" providerId="LiveId" clId="{69DDC8F8-F0E5-4E49-A245-23C9CFE4311F}" dt="2021-07-27T00:56:22.583" v="4724" actId="20577"/>
+    <pc:docChg chg="undo custSel addSld delSld modSld sldOrd">
+      <pc:chgData name="shemal rathnasuriya" userId="e8bb0d295c9c231f" providerId="LiveId" clId="{69DDC8F8-F0E5-4E49-A245-23C9CFE4311F}" dt="2021-08-02T00:04:43.255" v="10372" actId="20577"/>
       <pc:docMkLst>
         <pc:docMk/>
       </pc:docMkLst>
       <pc:sldChg chg="modSp mod">
-        <pc:chgData name="shemal rathnasuriya" userId="e8bb0d295c9c231f" providerId="LiveId" clId="{69DDC8F8-F0E5-4E49-A245-23C9CFE4311F}" dt="2021-07-25T15:18:22.416" v="295" actId="20577"/>
+        <pc:chgData name="shemal rathnasuriya" userId="e8bb0d295c9c231f" providerId="LiveId" clId="{69DDC8F8-F0E5-4E49-A245-23C9CFE4311F}" dt="2021-08-01T18:23:31.750" v="4869" actId="20577"/>
         <pc:sldMkLst>
           <pc:docMk/>
           <pc:sldMk cId="1369706271" sldId="257"/>
         </pc:sldMkLst>
         <pc:spChg chg="mod">
-          <ac:chgData name="shemal rathnasuriya" userId="e8bb0d295c9c231f" providerId="LiveId" clId="{69DDC8F8-F0E5-4E49-A245-23C9CFE4311F}" dt="2021-07-25T15:18:22.416" v="295" actId="20577"/>
+          <ac:chgData name="shemal rathnasuriya" userId="e8bb0d295c9c231f" providerId="LiveId" clId="{69DDC8F8-F0E5-4E49-A245-23C9CFE4311F}" dt="2021-08-01T18:23:31.750" v="4869" actId="20577"/>
           <ac:spMkLst>
             <pc:docMk/>
             <pc:sldMk cId="1369706271" sldId="257"/>
@@ -153,8 +159,31 @@
           </ac:spMkLst>
         </pc:spChg>
       </pc:sldChg>
-      <pc:sldChg chg="modSp mod">
-        <pc:chgData name="shemal rathnasuriya" userId="e8bb0d295c9c231f" providerId="LiveId" clId="{69DDC8F8-F0E5-4E49-A245-23C9CFE4311F}" dt="2021-07-26T21:48:50.836" v="4720" actId="313"/>
+      <pc:sldChg chg="addSp delSp modSp mod ord">
+        <pc:chgData name="shemal rathnasuriya" userId="e8bb0d295c9c231f" providerId="LiveId" clId="{69DDC8F8-F0E5-4E49-A245-23C9CFE4311F}" dt="2021-08-01T19:04:29.381" v="5673"/>
+        <pc:sldMkLst>
+          <pc:docMk/>
+          <pc:sldMk cId="3320547315" sldId="258"/>
+        </pc:sldMkLst>
+        <pc:picChg chg="del">
+          <ac:chgData name="shemal rathnasuriya" userId="e8bb0d295c9c231f" providerId="LiveId" clId="{69DDC8F8-F0E5-4E49-A245-23C9CFE4311F}" dt="2021-08-01T18:05:30.506" v="4725" actId="478"/>
+          <ac:picMkLst>
+            <pc:docMk/>
+            <pc:sldMk cId="3320547315" sldId="258"/>
+            <ac:picMk id="5" creationId="{8ED0428F-522F-4400-A93C-04C818C58D7B}"/>
+          </ac:picMkLst>
+        </pc:picChg>
+        <pc:picChg chg="add del mod">
+          <ac:chgData name="shemal rathnasuriya" userId="e8bb0d295c9c231f" providerId="LiveId" clId="{69DDC8F8-F0E5-4E49-A245-23C9CFE4311F}" dt="2021-08-01T18:13:13.586" v="4734" actId="478"/>
+          <ac:picMkLst>
+            <pc:docMk/>
+            <pc:sldMk cId="3320547315" sldId="258"/>
+            <ac:picMk id="6" creationId="{A12B26B0-A1F5-4A3E-A171-018965DA9630}"/>
+          </ac:picMkLst>
+        </pc:picChg>
+      </pc:sldChg>
+      <pc:sldChg chg="modSp del mod">
+        <pc:chgData name="shemal rathnasuriya" userId="e8bb0d295c9c231f" providerId="LiveId" clId="{69DDC8F8-F0E5-4E49-A245-23C9CFE4311F}" dt="2021-08-01T18:13:10.507" v="4733" actId="2696"/>
         <pc:sldMkLst>
           <pc:docMk/>
           <pc:sldMk cId="2161865464" sldId="259"/>
@@ -168,14 +197,44 @@
           </ac:spMkLst>
         </pc:spChg>
       </pc:sldChg>
+      <pc:sldChg chg="del ord">
+        <pc:chgData name="shemal rathnasuriya" userId="e8bb0d295c9c231f" providerId="LiveId" clId="{69DDC8F8-F0E5-4E49-A245-23C9CFE4311F}" dt="2021-08-01T21:38:49.250" v="8277" actId="2696"/>
+        <pc:sldMkLst>
+          <pc:docMk/>
+          <pc:sldMk cId="458680471" sldId="260"/>
+        </pc:sldMkLst>
+      </pc:sldChg>
       <pc:sldChg chg="modSp mod">
-        <pc:chgData name="shemal rathnasuriya" userId="e8bb0d295c9c231f" providerId="LiveId" clId="{69DDC8F8-F0E5-4E49-A245-23C9CFE4311F}" dt="2021-07-25T16:26:13.203" v="4159" actId="207"/>
+        <pc:chgData name="shemal rathnasuriya" userId="e8bb0d295c9c231f" providerId="LiveId" clId="{69DDC8F8-F0E5-4E49-A245-23C9CFE4311F}" dt="2021-08-01T21:56:00.061" v="8363" actId="20577"/>
+        <pc:sldMkLst>
+          <pc:docMk/>
+          <pc:sldMk cId="2320478064" sldId="261"/>
+        </pc:sldMkLst>
+        <pc:spChg chg="mod">
+          <ac:chgData name="shemal rathnasuriya" userId="e8bb0d295c9c231f" providerId="LiveId" clId="{69DDC8F8-F0E5-4E49-A245-23C9CFE4311F}" dt="2021-08-01T21:56:00.061" v="8363" actId="20577"/>
+          <ac:spMkLst>
+            <pc:docMk/>
+            <pc:sldMk cId="2320478064" sldId="261"/>
+            <ac:spMk id="2" creationId="{9287A362-4C33-4477-A4E2-2D1DD5B8229F}"/>
+          </ac:spMkLst>
+        </pc:spChg>
+        <pc:spChg chg="mod">
+          <ac:chgData name="shemal rathnasuriya" userId="e8bb0d295c9c231f" providerId="LiveId" clId="{69DDC8F8-F0E5-4E49-A245-23C9CFE4311F}" dt="2021-08-01T21:15:30.695" v="7493" actId="207"/>
+          <ac:spMkLst>
+            <pc:docMk/>
+            <pc:sldMk cId="2320478064" sldId="261"/>
+            <ac:spMk id="3" creationId="{78BBDDB5-FD0B-47C9-9A24-226B2F930E6E}"/>
+          </ac:spMkLst>
+        </pc:spChg>
+      </pc:sldChg>
+      <pc:sldChg chg="addSp modSp mod">
+        <pc:chgData name="shemal rathnasuriya" userId="e8bb0d295c9c231f" providerId="LiveId" clId="{69DDC8F8-F0E5-4E49-A245-23C9CFE4311F}" dt="2021-08-01T23:49:49.089" v="10319" actId="1076"/>
         <pc:sldMkLst>
           <pc:docMk/>
           <pc:sldMk cId="1530031968" sldId="262"/>
         </pc:sldMkLst>
         <pc:spChg chg="mod">
-          <ac:chgData name="shemal rathnasuriya" userId="e8bb0d295c9c231f" providerId="LiveId" clId="{69DDC8F8-F0E5-4E49-A245-23C9CFE4311F}" dt="2021-07-25T16:25:45.217" v="4157" actId="20577"/>
+          <ac:chgData name="shemal rathnasuriya" userId="e8bb0d295c9c231f" providerId="LiveId" clId="{69DDC8F8-F0E5-4E49-A245-23C9CFE4311F}" dt="2021-08-01T23:48:45.952" v="10275" actId="20577"/>
           <ac:spMkLst>
             <pc:docMk/>
             <pc:sldMk cId="1530031968" sldId="262"/>
@@ -183,13 +242,28 @@
           </ac:spMkLst>
         </pc:spChg>
         <pc:spChg chg="mod">
-          <ac:chgData name="shemal rathnasuriya" userId="e8bb0d295c9c231f" providerId="LiveId" clId="{69DDC8F8-F0E5-4E49-A245-23C9CFE4311F}" dt="2021-07-25T16:26:13.203" v="4159" actId="207"/>
+          <ac:chgData name="shemal rathnasuriya" userId="e8bb0d295c9c231f" providerId="LiveId" clId="{69DDC8F8-F0E5-4E49-A245-23C9CFE4311F}" dt="2021-08-01T23:49:26.919" v="10313" actId="20577"/>
           <ac:spMkLst>
             <pc:docMk/>
             <pc:sldMk cId="1530031968" sldId="262"/>
             <ac:spMk id="3" creationId="{E6AB921C-6701-499B-8776-5834A5AB8811}"/>
           </ac:spMkLst>
         </pc:spChg>
+        <pc:picChg chg="add mod">
+          <ac:chgData name="shemal rathnasuriya" userId="e8bb0d295c9c231f" providerId="LiveId" clId="{69DDC8F8-F0E5-4E49-A245-23C9CFE4311F}" dt="2021-08-01T23:49:49.089" v="10319" actId="1076"/>
+          <ac:picMkLst>
+            <pc:docMk/>
+            <pc:sldMk cId="1530031968" sldId="262"/>
+            <ac:picMk id="5" creationId="{548232FE-6323-4287-B07E-03A0203E891A}"/>
+          </ac:picMkLst>
+        </pc:picChg>
+      </pc:sldChg>
+      <pc:sldChg chg="del">
+        <pc:chgData name="shemal rathnasuriya" userId="e8bb0d295c9c231f" providerId="LiveId" clId="{69DDC8F8-F0E5-4E49-A245-23C9CFE4311F}" dt="2021-08-02T00:04:05.265" v="10328" actId="2696"/>
+        <pc:sldMkLst>
+          <pc:docMk/>
+          <pc:sldMk cId="2136935129" sldId="263"/>
+        </pc:sldMkLst>
       </pc:sldChg>
       <pc:sldChg chg="modSp mod">
         <pc:chgData name="shemal rathnasuriya" userId="e8bb0d295c9c231f" providerId="LiveId" clId="{69DDC8F8-F0E5-4E49-A245-23C9CFE4311F}" dt="2021-07-27T00:56:22.583" v="4724" actId="20577"/>
@@ -206,8 +280,8 @@
           </ac:spMkLst>
         </pc:spChg>
       </pc:sldChg>
-      <pc:sldChg chg="addSp modSp mod ord">
-        <pc:chgData name="shemal rathnasuriya" userId="e8bb0d295c9c231f" providerId="LiveId" clId="{69DDC8F8-F0E5-4E49-A245-23C9CFE4311F}" dt="2021-07-26T22:02:49.902" v="4722" actId="20577"/>
+      <pc:sldChg chg="addSp modSp del mod ord">
+        <pc:chgData name="shemal rathnasuriya" userId="e8bb0d295c9c231f" providerId="LiveId" clId="{69DDC8F8-F0E5-4E49-A245-23C9CFE4311F}" dt="2021-08-01T18:59:49.209" v="5668" actId="2696"/>
         <pc:sldMkLst>
           <pc:docMk/>
           <pc:sldMk cId="3998472431" sldId="266"/>
@@ -237,8 +311,8 @@
           </ac:picMkLst>
         </pc:picChg>
       </pc:sldChg>
-      <pc:sldChg chg="modSp new mod">
-        <pc:chgData name="shemal rathnasuriya" userId="e8bb0d295c9c231f" providerId="LiveId" clId="{69DDC8F8-F0E5-4E49-A245-23C9CFE4311F}" dt="2021-07-25T15:46:59.286" v="1342" actId="255"/>
+      <pc:sldChg chg="modSp new del mod">
+        <pc:chgData name="shemal rathnasuriya" userId="e8bb0d295c9c231f" providerId="LiveId" clId="{69DDC8F8-F0E5-4E49-A245-23C9CFE4311F}" dt="2021-08-01T18:59:45.786" v="5667" actId="2696"/>
         <pc:sldMkLst>
           <pc:docMk/>
           <pc:sldMk cId="3374330520" sldId="267"/>
@@ -260,8 +334,8 @@
           </ac:spMkLst>
         </pc:spChg>
       </pc:sldChg>
-      <pc:sldChg chg="modSp new mod">
-        <pc:chgData name="shemal rathnasuriya" userId="e8bb0d295c9c231f" providerId="LiveId" clId="{69DDC8F8-F0E5-4E49-A245-23C9CFE4311F}" dt="2021-07-25T15:58:11.738" v="2278" actId="255"/>
+      <pc:sldChg chg="modSp new del mod">
+        <pc:chgData name="shemal rathnasuriya" userId="e8bb0d295c9c231f" providerId="LiveId" clId="{69DDC8F8-F0E5-4E49-A245-23C9CFE4311F}" dt="2021-08-01T23:04:27.683" v="9956" actId="2696"/>
         <pc:sldMkLst>
           <pc:docMk/>
           <pc:sldMk cId="3614784765" sldId="268"/>
@@ -329,8 +403,8 @@
           </ac:spMkLst>
         </pc:spChg>
       </pc:sldChg>
-      <pc:sldChg chg="modSp new mod">
-        <pc:chgData name="shemal rathnasuriya" userId="e8bb0d295c9c231f" providerId="LiveId" clId="{69DDC8F8-F0E5-4E49-A245-23C9CFE4311F}" dt="2021-07-25T16:32:10.580" v="4621" actId="255"/>
+      <pc:sldChg chg="modSp new del mod">
+        <pc:chgData name="shemal rathnasuriya" userId="e8bb0d295c9c231f" providerId="LiveId" clId="{69DDC8F8-F0E5-4E49-A245-23C9CFE4311F}" dt="2021-08-01T21:50:29.237" v="8285" actId="2696"/>
         <pc:sldMkLst>
           <pc:docMk/>
           <pc:sldMk cId="716749831" sldId="271"/>
@@ -353,7 +427,7 @@
         </pc:spChg>
       </pc:sldChg>
       <pc:sldChg chg="modSp new mod">
-        <pc:chgData name="shemal rathnasuriya" userId="e8bb0d295c9c231f" providerId="LiveId" clId="{69DDC8F8-F0E5-4E49-A245-23C9CFE4311F}" dt="2021-07-25T16:34:53.706" v="4711" actId="255"/>
+        <pc:chgData name="shemal rathnasuriya" userId="e8bb0d295c9c231f" providerId="LiveId" clId="{69DDC8F8-F0E5-4E49-A245-23C9CFE4311F}" dt="2021-08-01T23:50:18.376" v="10325" actId="20577"/>
         <pc:sldMkLst>
           <pc:docMk/>
           <pc:sldMk cId="2223375267" sldId="272"/>
@@ -367,7 +441,7 @@
           </ac:spMkLst>
         </pc:spChg>
         <pc:spChg chg="mod">
-          <ac:chgData name="shemal rathnasuriya" userId="e8bb0d295c9c231f" providerId="LiveId" clId="{69DDC8F8-F0E5-4E49-A245-23C9CFE4311F}" dt="2021-07-25T16:34:53.706" v="4711" actId="255"/>
+          <ac:chgData name="shemal rathnasuriya" userId="e8bb0d295c9c231f" providerId="LiveId" clId="{69DDC8F8-F0E5-4E49-A245-23C9CFE4311F}" dt="2021-08-01T23:50:18.376" v="10325" actId="20577"/>
           <ac:spMkLst>
             <pc:docMk/>
             <pc:sldMk cId="2223375267" sldId="272"/>
@@ -395,6 +469,477 @@
             <pc:docMk/>
             <pc:sldMk cId="1408708893" sldId="273"/>
             <ac:spMk id="3" creationId="{609EE2BC-9DCF-475A-ADCC-FF0B8FFD526C}"/>
+          </ac:spMkLst>
+        </pc:spChg>
+      </pc:sldChg>
+      <pc:sldChg chg="modSp new mod">
+        <pc:chgData name="shemal rathnasuriya" userId="e8bb0d295c9c231f" providerId="LiveId" clId="{69DDC8F8-F0E5-4E49-A245-23C9CFE4311F}" dt="2021-08-01T18:38:34.189" v="5666" actId="12"/>
+        <pc:sldMkLst>
+          <pc:docMk/>
+          <pc:sldMk cId="1872148240" sldId="274"/>
+        </pc:sldMkLst>
+        <pc:spChg chg="mod">
+          <ac:chgData name="shemal rathnasuriya" userId="e8bb0d295c9c231f" providerId="LiveId" clId="{69DDC8F8-F0E5-4E49-A245-23C9CFE4311F}" dt="2021-08-01T18:24:24.053" v="4944" actId="255"/>
+          <ac:spMkLst>
+            <pc:docMk/>
+            <pc:sldMk cId="1872148240" sldId="274"/>
+            <ac:spMk id="2" creationId="{0899847E-38F6-47B1-A023-D1333F461B23}"/>
+          </ac:spMkLst>
+        </pc:spChg>
+        <pc:spChg chg="mod">
+          <ac:chgData name="shemal rathnasuriya" userId="e8bb0d295c9c231f" providerId="LiveId" clId="{69DDC8F8-F0E5-4E49-A245-23C9CFE4311F}" dt="2021-08-01T18:38:34.189" v="5666" actId="12"/>
+          <ac:spMkLst>
+            <pc:docMk/>
+            <pc:sldMk cId="1872148240" sldId="274"/>
+            <ac:spMk id="3" creationId="{0C235494-50E6-43B8-80F0-C684D3FF72D1}"/>
+          </ac:spMkLst>
+        </pc:spChg>
+      </pc:sldChg>
+      <pc:sldChg chg="addSp delSp modSp new mod">
+        <pc:chgData name="shemal rathnasuriya" userId="e8bb0d295c9c231f" providerId="LiveId" clId="{69DDC8F8-F0E5-4E49-A245-23C9CFE4311F}" dt="2021-08-01T19:20:44.140" v="5706" actId="14100"/>
+        <pc:sldMkLst>
+          <pc:docMk/>
+          <pc:sldMk cId="3984868616" sldId="275"/>
+        </pc:sldMkLst>
+        <pc:spChg chg="mod">
+          <ac:chgData name="shemal rathnasuriya" userId="e8bb0d295c9c231f" providerId="LiveId" clId="{69DDC8F8-F0E5-4E49-A245-23C9CFE4311F}" dt="2021-08-01T19:19:41.826" v="5692" actId="255"/>
+          <ac:spMkLst>
+            <pc:docMk/>
+            <pc:sldMk cId="3984868616" sldId="275"/>
+            <ac:spMk id="2" creationId="{09D2676F-7F55-40B8-893F-3C22B79F4A19}"/>
+          </ac:spMkLst>
+        </pc:spChg>
+        <pc:spChg chg="del">
+          <ac:chgData name="shemal rathnasuriya" userId="e8bb0d295c9c231f" providerId="LiveId" clId="{69DDC8F8-F0E5-4E49-A245-23C9CFE4311F}" dt="2021-08-01T19:18:43.902" v="5675"/>
+          <ac:spMkLst>
+            <pc:docMk/>
+            <pc:sldMk cId="3984868616" sldId="275"/>
+            <ac:spMk id="3" creationId="{F8539BD6-438D-4E69-A842-BC1260CB2ED9}"/>
+          </ac:spMkLst>
+        </pc:spChg>
+        <pc:spChg chg="add del mod">
+          <ac:chgData name="shemal rathnasuriya" userId="e8bb0d295c9c231f" providerId="LiveId" clId="{69DDC8F8-F0E5-4E49-A245-23C9CFE4311F}" dt="2021-08-01T19:20:25.553" v="5702"/>
+          <ac:spMkLst>
+            <pc:docMk/>
+            <pc:sldMk cId="3984868616" sldId="275"/>
+            <ac:spMk id="9" creationId="{02FD8AFB-178B-469B-9E2E-33049AD35730}"/>
+          </ac:spMkLst>
+        </pc:spChg>
+        <pc:picChg chg="add del mod ord">
+          <ac:chgData name="shemal rathnasuriya" userId="e8bb0d295c9c231f" providerId="LiveId" clId="{69DDC8F8-F0E5-4E49-A245-23C9CFE4311F}" dt="2021-08-01T19:20:14.719" v="5700" actId="478"/>
+          <ac:picMkLst>
+            <pc:docMk/>
+            <pc:sldMk cId="3984868616" sldId="275"/>
+            <ac:picMk id="5" creationId="{8D33BEC4-CD54-487C-BD90-84483C3C1008}"/>
+          </ac:picMkLst>
+        </pc:picChg>
+        <pc:picChg chg="add del mod">
+          <ac:chgData name="shemal rathnasuriya" userId="e8bb0d295c9c231f" providerId="LiveId" clId="{69DDC8F8-F0E5-4E49-A245-23C9CFE4311F}" dt="2021-08-01T19:20:12.962" v="5699" actId="478"/>
+          <ac:picMkLst>
+            <pc:docMk/>
+            <pc:sldMk cId="3984868616" sldId="275"/>
+            <ac:picMk id="7" creationId="{89FD6C81-97A4-4598-A2BD-C012F9B21ACE}"/>
+          </ac:picMkLst>
+        </pc:picChg>
+        <pc:picChg chg="add mod ord">
+          <ac:chgData name="shemal rathnasuriya" userId="e8bb0d295c9c231f" providerId="LiveId" clId="{69DDC8F8-F0E5-4E49-A245-23C9CFE4311F}" dt="2021-08-01T19:20:44.140" v="5706" actId="14100"/>
+          <ac:picMkLst>
+            <pc:docMk/>
+            <pc:sldMk cId="3984868616" sldId="275"/>
+            <ac:picMk id="11" creationId="{08759934-6E06-4B0A-BE2F-2AB693848038}"/>
+          </ac:picMkLst>
+        </pc:picChg>
+      </pc:sldChg>
+      <pc:sldChg chg="modSp new add del mod ord">
+        <pc:chgData name="shemal rathnasuriya" userId="e8bb0d295c9c231f" providerId="LiveId" clId="{69DDC8F8-F0E5-4E49-A245-23C9CFE4311F}" dt="2021-08-01T21:39:15.835" v="8282" actId="2696"/>
+        <pc:sldMkLst>
+          <pc:docMk/>
+          <pc:sldMk cId="1662444500" sldId="276"/>
+        </pc:sldMkLst>
+        <pc:spChg chg="mod">
+          <ac:chgData name="shemal rathnasuriya" userId="e8bb0d295c9c231f" providerId="LiveId" clId="{69DDC8F8-F0E5-4E49-A245-23C9CFE4311F}" dt="2021-08-01T20:27:47.865" v="6528" actId="255"/>
+          <ac:spMkLst>
+            <pc:docMk/>
+            <pc:sldMk cId="1662444500" sldId="276"/>
+            <ac:spMk id="2" creationId="{2EC00A5A-C1F6-41F3-A686-A4F00CECAC80}"/>
+          </ac:spMkLst>
+        </pc:spChg>
+        <pc:spChg chg="mod">
+          <ac:chgData name="shemal rathnasuriya" userId="e8bb0d295c9c231f" providerId="LiveId" clId="{69DDC8F8-F0E5-4E49-A245-23C9CFE4311F}" dt="2021-08-01T20:30:36.150" v="6615" actId="20577"/>
+          <ac:spMkLst>
+            <pc:docMk/>
+            <pc:sldMk cId="1662444500" sldId="276"/>
+            <ac:spMk id="3" creationId="{0B06629C-17DD-4891-8825-807E5175C8E0}"/>
+          </ac:spMkLst>
+        </pc:spChg>
+      </pc:sldChg>
+      <pc:sldChg chg="addSp delSp modSp new add del mod">
+        <pc:chgData name="shemal rathnasuriya" userId="e8bb0d295c9c231f" providerId="LiveId" clId="{69DDC8F8-F0E5-4E49-A245-23C9CFE4311F}" dt="2021-08-01T21:39:19.812" v="8283" actId="2696"/>
+        <pc:sldMkLst>
+          <pc:docMk/>
+          <pc:sldMk cId="2929169915" sldId="277"/>
+        </pc:sldMkLst>
+        <pc:picChg chg="add del mod">
+          <ac:chgData name="shemal rathnasuriya" userId="e8bb0d295c9c231f" providerId="LiveId" clId="{69DDC8F8-F0E5-4E49-A245-23C9CFE4311F}" dt="2021-08-01T20:33:11.489" v="6616" actId="478"/>
+          <ac:picMkLst>
+            <pc:docMk/>
+            <pc:sldMk cId="2929169915" sldId="277"/>
+            <ac:picMk id="3" creationId="{16075993-BCEA-470D-9FF0-66D65F46FADB}"/>
+          </ac:picMkLst>
+        </pc:picChg>
+        <pc:picChg chg="add del mod">
+          <ac:chgData name="shemal rathnasuriya" userId="e8bb0d295c9c231f" providerId="LiveId" clId="{69DDC8F8-F0E5-4E49-A245-23C9CFE4311F}" dt="2021-08-01T20:33:13.063" v="6617" actId="478"/>
+          <ac:picMkLst>
+            <pc:docMk/>
+            <pc:sldMk cId="2929169915" sldId="277"/>
+            <ac:picMk id="5" creationId="{C24740D9-2E55-4AF3-9670-07A4FCF75F82}"/>
+          </ac:picMkLst>
+        </pc:picChg>
+      </pc:sldChg>
+      <pc:sldChg chg="modSp new del mod">
+        <pc:chgData name="shemal rathnasuriya" userId="e8bb0d295c9c231f" providerId="LiveId" clId="{69DDC8F8-F0E5-4E49-A245-23C9CFE4311F}" dt="2021-08-01T21:39:26.187" v="8284" actId="2696"/>
+        <pc:sldMkLst>
+          <pc:docMk/>
+          <pc:sldMk cId="1346530345" sldId="278"/>
+        </pc:sldMkLst>
+        <pc:spChg chg="mod">
+          <ac:chgData name="shemal rathnasuriya" userId="e8bb0d295c9c231f" providerId="LiveId" clId="{69DDC8F8-F0E5-4E49-A245-23C9CFE4311F}" dt="2021-08-01T20:49:09.339" v="6648" actId="255"/>
+          <ac:spMkLst>
+            <pc:docMk/>
+            <pc:sldMk cId="1346530345" sldId="278"/>
+            <ac:spMk id="2" creationId="{C934326F-6480-4E26-8CBB-6449CC094D2D}"/>
+          </ac:spMkLst>
+        </pc:spChg>
+        <pc:spChg chg="mod">
+          <ac:chgData name="shemal rathnasuriya" userId="e8bb0d295c9c231f" providerId="LiveId" clId="{69DDC8F8-F0E5-4E49-A245-23C9CFE4311F}" dt="2021-08-01T20:50:20.930" v="6717" actId="20577"/>
+          <ac:spMkLst>
+            <pc:docMk/>
+            <pc:sldMk cId="1346530345" sldId="278"/>
+            <ac:spMk id="3" creationId="{F5835261-0D33-471F-9643-3C15465E2E0A}"/>
+          </ac:spMkLst>
+        </pc:spChg>
+      </pc:sldChg>
+      <pc:sldChg chg="modSp new mod">
+        <pc:chgData name="shemal rathnasuriya" userId="e8bb0d295c9c231f" providerId="LiveId" clId="{69DDC8F8-F0E5-4E49-A245-23C9CFE4311F}" dt="2021-08-01T21:55:46.072" v="8358" actId="255"/>
+        <pc:sldMkLst>
+          <pc:docMk/>
+          <pc:sldMk cId="3780670187" sldId="279"/>
+        </pc:sldMkLst>
+        <pc:spChg chg="mod">
+          <ac:chgData name="shemal rathnasuriya" userId="e8bb0d295c9c231f" providerId="LiveId" clId="{69DDC8F8-F0E5-4E49-A245-23C9CFE4311F}" dt="2021-08-01T21:55:46.072" v="8358" actId="255"/>
+          <ac:spMkLst>
+            <pc:docMk/>
+            <pc:sldMk cId="3780670187" sldId="279"/>
+            <ac:spMk id="2" creationId="{4A9987AA-278A-4A8F-A819-938BB73B3032}"/>
+          </ac:spMkLst>
+        </pc:spChg>
+        <pc:spChg chg="mod">
+          <ac:chgData name="shemal rathnasuriya" userId="e8bb0d295c9c231f" providerId="LiveId" clId="{69DDC8F8-F0E5-4E49-A245-23C9CFE4311F}" dt="2021-08-01T21:34:18.413" v="8246" actId="20577"/>
+          <ac:spMkLst>
+            <pc:docMk/>
+            <pc:sldMk cId="3780670187" sldId="279"/>
+            <ac:spMk id="3" creationId="{7B81DDEC-0864-4BA0-A677-C7CAEADD1774}"/>
+          </ac:spMkLst>
+        </pc:spChg>
+      </pc:sldChg>
+      <pc:sldChg chg="addSp modSp new mod">
+        <pc:chgData name="shemal rathnasuriya" userId="e8bb0d295c9c231f" providerId="LiveId" clId="{69DDC8F8-F0E5-4E49-A245-23C9CFE4311F}" dt="2021-08-01T21:14:04.696" v="7488" actId="1076"/>
+        <pc:sldMkLst>
+          <pc:docMk/>
+          <pc:sldMk cId="1048305896" sldId="280"/>
+        </pc:sldMkLst>
+        <pc:picChg chg="add mod">
+          <ac:chgData name="shemal rathnasuriya" userId="e8bb0d295c9c231f" providerId="LiveId" clId="{69DDC8F8-F0E5-4E49-A245-23C9CFE4311F}" dt="2021-08-01T21:14:04.696" v="7488" actId="1076"/>
+          <ac:picMkLst>
+            <pc:docMk/>
+            <pc:sldMk cId="1048305896" sldId="280"/>
+            <ac:picMk id="3" creationId="{EADDCFCE-E91D-44A0-968B-0AA47E5FCD81}"/>
+          </ac:picMkLst>
+        </pc:picChg>
+      </pc:sldChg>
+      <pc:sldChg chg="modSp new mod">
+        <pc:chgData name="shemal rathnasuriya" userId="e8bb0d295c9c231f" providerId="LiveId" clId="{69DDC8F8-F0E5-4E49-A245-23C9CFE4311F}" dt="2021-08-01T22:06:09.995" v="9069" actId="20577"/>
+        <pc:sldMkLst>
+          <pc:docMk/>
+          <pc:sldMk cId="3568249634" sldId="281"/>
+        </pc:sldMkLst>
+        <pc:spChg chg="mod">
+          <ac:chgData name="shemal rathnasuriya" userId="e8bb0d295c9c231f" providerId="LiveId" clId="{69DDC8F8-F0E5-4E49-A245-23C9CFE4311F}" dt="2021-08-01T21:55:22.091" v="8355" actId="20577"/>
+          <ac:spMkLst>
+            <pc:docMk/>
+            <pc:sldMk cId="3568249634" sldId="281"/>
+            <ac:spMk id="2" creationId="{E3C2AC19-F433-403D-BA46-7921FB54AFEC}"/>
+          </ac:spMkLst>
+        </pc:spChg>
+        <pc:spChg chg="mod">
+          <ac:chgData name="shemal rathnasuriya" userId="e8bb0d295c9c231f" providerId="LiveId" clId="{69DDC8F8-F0E5-4E49-A245-23C9CFE4311F}" dt="2021-08-01T22:06:09.995" v="9069" actId="20577"/>
+          <ac:spMkLst>
+            <pc:docMk/>
+            <pc:sldMk cId="3568249634" sldId="281"/>
+            <ac:spMk id="3" creationId="{1C6AAA85-2518-4E47-AA00-3D563923E5F7}"/>
+          </ac:spMkLst>
+        </pc:spChg>
+      </pc:sldChg>
+      <pc:sldChg chg="addSp modSp new mod">
+        <pc:chgData name="shemal rathnasuriya" userId="e8bb0d295c9c231f" providerId="LiveId" clId="{69DDC8F8-F0E5-4E49-A245-23C9CFE4311F}" dt="2021-08-01T21:38:30.191" v="8269" actId="14100"/>
+        <pc:sldMkLst>
+          <pc:docMk/>
+          <pc:sldMk cId="196522739" sldId="282"/>
+        </pc:sldMkLst>
+        <pc:picChg chg="add mod">
+          <ac:chgData name="shemal rathnasuriya" userId="e8bb0d295c9c231f" providerId="LiveId" clId="{69DDC8F8-F0E5-4E49-A245-23C9CFE4311F}" dt="2021-08-01T21:37:25.121" v="8252" actId="14100"/>
+          <ac:picMkLst>
+            <pc:docMk/>
+            <pc:sldMk cId="196522739" sldId="282"/>
+            <ac:picMk id="3" creationId="{DB3AEBB8-E383-4E3A-991C-EB337421654F}"/>
+          </ac:picMkLst>
+        </pc:picChg>
+        <pc:picChg chg="add mod">
+          <ac:chgData name="shemal rathnasuriya" userId="e8bb0d295c9c231f" providerId="LiveId" clId="{69DDC8F8-F0E5-4E49-A245-23C9CFE4311F}" dt="2021-08-01T21:38:02.802" v="8262" actId="1076"/>
+          <ac:picMkLst>
+            <pc:docMk/>
+            <pc:sldMk cId="196522739" sldId="282"/>
+            <ac:picMk id="5" creationId="{4258DB4C-BF38-48B5-A89F-0D04E0A1BAAE}"/>
+          </ac:picMkLst>
+        </pc:picChg>
+        <pc:picChg chg="add mod">
+          <ac:chgData name="shemal rathnasuriya" userId="e8bb0d295c9c231f" providerId="LiveId" clId="{69DDC8F8-F0E5-4E49-A245-23C9CFE4311F}" dt="2021-08-01T21:38:10.794" v="8264" actId="14100"/>
+          <ac:picMkLst>
+            <pc:docMk/>
+            <pc:sldMk cId="196522739" sldId="282"/>
+            <ac:picMk id="7" creationId="{EFFB96D1-3A35-45ED-90A6-87D71BED6509}"/>
+          </ac:picMkLst>
+        </pc:picChg>
+        <pc:picChg chg="add mod">
+          <ac:chgData name="shemal rathnasuriya" userId="e8bb0d295c9c231f" providerId="LiveId" clId="{69DDC8F8-F0E5-4E49-A245-23C9CFE4311F}" dt="2021-08-01T21:38:30.191" v="8269" actId="14100"/>
+          <ac:picMkLst>
+            <pc:docMk/>
+            <pc:sldMk cId="196522739" sldId="282"/>
+            <ac:picMk id="9" creationId="{53775315-BA13-43C2-A3AA-4D594B482792}"/>
+          </ac:picMkLst>
+        </pc:picChg>
+      </pc:sldChg>
+      <pc:sldChg chg="addSp delSp modSp new mod">
+        <pc:chgData name="shemal rathnasuriya" userId="e8bb0d295c9c231f" providerId="LiveId" clId="{69DDC8F8-F0E5-4E49-A245-23C9CFE4311F}" dt="2021-08-01T22:38:27.438" v="9655" actId="14100"/>
+        <pc:sldMkLst>
+          <pc:docMk/>
+          <pc:sldMk cId="1316560020" sldId="283"/>
+        </pc:sldMkLst>
+        <pc:spChg chg="mod">
+          <ac:chgData name="shemal rathnasuriya" userId="e8bb0d295c9c231f" providerId="LiveId" clId="{69DDC8F8-F0E5-4E49-A245-23C9CFE4311F}" dt="2021-08-01T22:27:38.230" v="9418" actId="255"/>
+          <ac:spMkLst>
+            <pc:docMk/>
+            <pc:sldMk cId="1316560020" sldId="283"/>
+            <ac:spMk id="2" creationId="{8850C926-D99F-4E09-A943-8324D758F127}"/>
+          </ac:spMkLst>
+        </pc:spChg>
+        <pc:spChg chg="mod">
+          <ac:chgData name="shemal rathnasuriya" userId="e8bb0d295c9c231f" providerId="LiveId" clId="{69DDC8F8-F0E5-4E49-A245-23C9CFE4311F}" dt="2021-08-01T22:36:04.900" v="9646" actId="20577"/>
+          <ac:spMkLst>
+            <pc:docMk/>
+            <pc:sldMk cId="1316560020" sldId="283"/>
+            <ac:spMk id="3" creationId="{8748903B-0695-4B53-9EC1-422F0E9D5B2A}"/>
+          </ac:spMkLst>
+        </pc:spChg>
+        <pc:picChg chg="add del mod">
+          <ac:chgData name="shemal rathnasuriya" userId="e8bb0d295c9c231f" providerId="LiveId" clId="{69DDC8F8-F0E5-4E49-A245-23C9CFE4311F}" dt="2021-08-01T22:33:01.841" v="9633" actId="478"/>
+          <ac:picMkLst>
+            <pc:docMk/>
+            <pc:sldMk cId="1316560020" sldId="283"/>
+            <ac:picMk id="5" creationId="{AF2BE28F-8098-432C-ACFE-1FD0E057F37F}"/>
+          </ac:picMkLst>
+        </pc:picChg>
+        <pc:picChg chg="add del mod">
+          <ac:chgData name="shemal rathnasuriya" userId="e8bb0d295c9c231f" providerId="LiveId" clId="{69DDC8F8-F0E5-4E49-A245-23C9CFE4311F}" dt="2021-08-01T22:34:45.810" v="9640" actId="478"/>
+          <ac:picMkLst>
+            <pc:docMk/>
+            <pc:sldMk cId="1316560020" sldId="283"/>
+            <ac:picMk id="7" creationId="{9D548100-3133-4865-B83B-989FE5C05B2A}"/>
+          </ac:picMkLst>
+        </pc:picChg>
+        <pc:picChg chg="add del mod">
+          <ac:chgData name="shemal rathnasuriya" userId="e8bb0d295c9c231f" providerId="LiveId" clId="{69DDC8F8-F0E5-4E49-A245-23C9CFE4311F}" dt="2021-08-01T22:36:22.048" v="9649" actId="478"/>
+          <ac:picMkLst>
+            <pc:docMk/>
+            <pc:sldMk cId="1316560020" sldId="283"/>
+            <ac:picMk id="9" creationId="{CBB2A06A-89EA-4AD6-BC68-2BC70868ACA5}"/>
+          </ac:picMkLst>
+        </pc:picChg>
+        <pc:picChg chg="add mod">
+          <ac:chgData name="shemal rathnasuriya" userId="e8bb0d295c9c231f" providerId="LiveId" clId="{69DDC8F8-F0E5-4E49-A245-23C9CFE4311F}" dt="2021-08-01T22:38:27.438" v="9655" actId="14100"/>
+          <ac:picMkLst>
+            <pc:docMk/>
+            <pc:sldMk cId="1316560020" sldId="283"/>
+            <ac:picMk id="11" creationId="{FF91D9C2-5A9E-4AF4-80AE-D72C2BDE8E13}"/>
+          </ac:picMkLst>
+        </pc:picChg>
+      </pc:sldChg>
+      <pc:sldChg chg="new del">
+        <pc:chgData name="shemal rathnasuriya" userId="e8bb0d295c9c231f" providerId="LiveId" clId="{69DDC8F8-F0E5-4E49-A245-23C9CFE4311F}" dt="2021-08-01T22:09:03.691" v="9071" actId="680"/>
+        <pc:sldMkLst>
+          <pc:docMk/>
+          <pc:sldMk cId="594484349" sldId="284"/>
+        </pc:sldMkLst>
+      </pc:sldChg>
+      <pc:sldChg chg="addSp delSp modSp new mod">
+        <pc:chgData name="shemal rathnasuriya" userId="e8bb0d295c9c231f" providerId="LiveId" clId="{69DDC8F8-F0E5-4E49-A245-23C9CFE4311F}" dt="2021-08-01T22:10:11.282" v="9089" actId="1076"/>
+        <pc:sldMkLst>
+          <pc:docMk/>
+          <pc:sldMk cId="3458821628" sldId="284"/>
+        </pc:sldMkLst>
+        <pc:picChg chg="add del mod">
+          <ac:chgData name="shemal rathnasuriya" userId="e8bb0d295c9c231f" providerId="LiveId" clId="{69DDC8F8-F0E5-4E49-A245-23C9CFE4311F}" dt="2021-08-01T22:09:34.992" v="9078" actId="478"/>
+          <ac:picMkLst>
+            <pc:docMk/>
+            <pc:sldMk cId="3458821628" sldId="284"/>
+            <ac:picMk id="3" creationId="{BD57E31F-6FB6-471F-BA14-B6BC3DDDB9F8}"/>
+          </ac:picMkLst>
+        </pc:picChg>
+        <pc:picChg chg="add mod">
+          <ac:chgData name="shemal rathnasuriya" userId="e8bb0d295c9c231f" providerId="LiveId" clId="{69DDC8F8-F0E5-4E49-A245-23C9CFE4311F}" dt="2021-08-01T22:09:53.686" v="9083" actId="14100"/>
+          <ac:picMkLst>
+            <pc:docMk/>
+            <pc:sldMk cId="3458821628" sldId="284"/>
+            <ac:picMk id="5" creationId="{21B4F833-B8FC-4C62-B34E-3B7962B5D1DA}"/>
+          </ac:picMkLst>
+        </pc:picChg>
+        <pc:picChg chg="add mod">
+          <ac:chgData name="shemal rathnasuriya" userId="e8bb0d295c9c231f" providerId="LiveId" clId="{69DDC8F8-F0E5-4E49-A245-23C9CFE4311F}" dt="2021-08-01T22:10:11.282" v="9089" actId="1076"/>
+          <ac:picMkLst>
+            <pc:docMk/>
+            <pc:sldMk cId="3458821628" sldId="284"/>
+            <ac:picMk id="7" creationId="{537F4B77-9369-44AB-B448-474ECFB43A7B}"/>
+          </ac:picMkLst>
+        </pc:picChg>
+      </pc:sldChg>
+      <pc:sldChg chg="addSp modSp new mod">
+        <pc:chgData name="shemal rathnasuriya" userId="e8bb0d295c9c231f" providerId="LiveId" clId="{69DDC8F8-F0E5-4E49-A245-23C9CFE4311F}" dt="2021-08-01T22:23:12.780" v="9341" actId="14100"/>
+        <pc:sldMkLst>
+          <pc:docMk/>
+          <pc:sldMk cId="2915278377" sldId="285"/>
+        </pc:sldMkLst>
+        <pc:spChg chg="mod">
+          <ac:chgData name="shemal rathnasuriya" userId="e8bb0d295c9c231f" providerId="LiveId" clId="{69DDC8F8-F0E5-4E49-A245-23C9CFE4311F}" dt="2021-08-01T22:14:34.960" v="9092" actId="255"/>
+          <ac:spMkLst>
+            <pc:docMk/>
+            <pc:sldMk cId="2915278377" sldId="285"/>
+            <ac:spMk id="2" creationId="{9B1F3E75-D1BC-4DD0-97BF-604D45FCD7B1}"/>
+          </ac:spMkLst>
+        </pc:spChg>
+        <pc:spChg chg="mod">
+          <ac:chgData name="shemal rathnasuriya" userId="e8bb0d295c9c231f" providerId="LiveId" clId="{69DDC8F8-F0E5-4E49-A245-23C9CFE4311F}" dt="2021-08-01T22:22:50.560" v="9337" actId="20577"/>
+          <ac:spMkLst>
+            <pc:docMk/>
+            <pc:sldMk cId="2915278377" sldId="285"/>
+            <ac:spMk id="3" creationId="{C76850EB-3DD9-48BE-81B8-59BB7F8D5EE2}"/>
+          </ac:spMkLst>
+        </pc:spChg>
+        <pc:picChg chg="add mod">
+          <ac:chgData name="shemal rathnasuriya" userId="e8bb0d295c9c231f" providerId="LiveId" clId="{69DDC8F8-F0E5-4E49-A245-23C9CFE4311F}" dt="2021-08-01T22:23:12.780" v="9341" actId="14100"/>
+          <ac:picMkLst>
+            <pc:docMk/>
+            <pc:sldMk cId="2915278377" sldId="285"/>
+            <ac:picMk id="5" creationId="{14A13A29-51A3-4A86-907B-56C5C217323A}"/>
+          </ac:picMkLst>
+        </pc:picChg>
+      </pc:sldChg>
+      <pc:sldChg chg="addSp delSp modSp new mod">
+        <pc:chgData name="shemal rathnasuriya" userId="e8bb0d295c9c231f" providerId="LiveId" clId="{69DDC8F8-F0E5-4E49-A245-23C9CFE4311F}" dt="2021-08-01T22:54:58.515" v="9943" actId="14734"/>
+        <pc:sldMkLst>
+          <pc:docMk/>
+          <pc:sldMk cId="3158724016" sldId="286"/>
+        </pc:sldMkLst>
+        <pc:spChg chg="mod">
+          <ac:chgData name="shemal rathnasuriya" userId="e8bb0d295c9c231f" providerId="LiveId" clId="{69DDC8F8-F0E5-4E49-A245-23C9CFE4311F}" dt="2021-08-01T22:46:24.363" v="9702" actId="255"/>
+          <ac:spMkLst>
+            <pc:docMk/>
+            <pc:sldMk cId="3158724016" sldId="286"/>
+            <ac:spMk id="2" creationId="{873EE4D1-846D-4C9B-BE7B-DAD51AA6CA89}"/>
+          </ac:spMkLst>
+        </pc:spChg>
+        <pc:spChg chg="add del">
+          <ac:chgData name="shemal rathnasuriya" userId="e8bb0d295c9c231f" providerId="LiveId" clId="{69DDC8F8-F0E5-4E49-A245-23C9CFE4311F}" dt="2021-08-01T22:50:37.482" v="9742" actId="3680"/>
+          <ac:spMkLst>
+            <pc:docMk/>
+            <pc:sldMk cId="3158724016" sldId="286"/>
+            <ac:spMk id="3" creationId="{F59610CA-246A-4C3C-A994-D2779E71D18D}"/>
+          </ac:spMkLst>
+        </pc:spChg>
+        <pc:graphicFrameChg chg="add del mod ord modGraphic">
+          <ac:chgData name="shemal rathnasuriya" userId="e8bb0d295c9c231f" providerId="LiveId" clId="{69DDC8F8-F0E5-4E49-A245-23C9CFE4311F}" dt="2021-08-01T22:50:23.780" v="9741" actId="3680"/>
+          <ac:graphicFrameMkLst>
+            <pc:docMk/>
+            <pc:sldMk cId="3158724016" sldId="286"/>
+            <ac:graphicFrameMk id="4" creationId="{0B19716B-0F11-42BF-B0D8-03F1D298EAFC}"/>
+          </ac:graphicFrameMkLst>
+        </pc:graphicFrameChg>
+        <pc:graphicFrameChg chg="add mod ord modGraphic">
+          <ac:chgData name="shemal rathnasuriya" userId="e8bb0d295c9c231f" providerId="LiveId" clId="{69DDC8F8-F0E5-4E49-A245-23C9CFE4311F}" dt="2021-08-01T22:54:58.515" v="9943" actId="14734"/>
+          <ac:graphicFrameMkLst>
+            <pc:docMk/>
+            <pc:sldMk cId="3158724016" sldId="286"/>
+            <ac:graphicFrameMk id="5" creationId="{2804194A-05CE-4C76-B800-CDE9D9EB6E92}"/>
+          </ac:graphicFrameMkLst>
+        </pc:graphicFrameChg>
+      </pc:sldChg>
+      <pc:sldChg chg="addSp modSp new mod">
+        <pc:chgData name="shemal rathnasuriya" userId="e8bb0d295c9c231f" providerId="LiveId" clId="{69DDC8F8-F0E5-4E49-A245-23C9CFE4311F}" dt="2021-08-01T22:56:09.230" v="9949" actId="14734"/>
+        <pc:sldMkLst>
+          <pc:docMk/>
+          <pc:sldMk cId="1323836709" sldId="287"/>
+        </pc:sldMkLst>
+        <pc:graphicFrameChg chg="add mod modGraphic">
+          <ac:chgData name="shemal rathnasuriya" userId="e8bb0d295c9c231f" providerId="LiveId" clId="{69DDC8F8-F0E5-4E49-A245-23C9CFE4311F}" dt="2021-08-01T22:56:09.230" v="9949" actId="14734"/>
+          <ac:graphicFrameMkLst>
+            <pc:docMk/>
+            <pc:sldMk cId="1323836709" sldId="287"/>
+            <ac:graphicFrameMk id="2" creationId="{6F32F017-7ADA-4AE8-A927-2A2E656E3F0E}"/>
+          </ac:graphicFrameMkLst>
+        </pc:graphicFrameChg>
+      </pc:sldChg>
+      <pc:sldChg chg="modSp new mod">
+        <pc:chgData name="shemal rathnasuriya" userId="e8bb0d295c9c231f" providerId="LiveId" clId="{69DDC8F8-F0E5-4E49-A245-23C9CFE4311F}" dt="2021-08-01T23:09:01.865" v="10121" actId="20577"/>
+        <pc:sldMkLst>
+          <pc:docMk/>
+          <pc:sldMk cId="1550630764" sldId="288"/>
+        </pc:sldMkLst>
+        <pc:spChg chg="mod">
+          <ac:chgData name="shemal rathnasuriya" userId="e8bb0d295c9c231f" providerId="LiveId" clId="{69DDC8F8-F0E5-4E49-A245-23C9CFE4311F}" dt="2021-08-01T23:06:05.041" v="10014" actId="255"/>
+          <ac:spMkLst>
+            <pc:docMk/>
+            <pc:sldMk cId="1550630764" sldId="288"/>
+            <ac:spMk id="2" creationId="{EC35F4D5-8D6A-4782-BFB3-FE34EE087DD3}"/>
+          </ac:spMkLst>
+        </pc:spChg>
+        <pc:spChg chg="mod">
+          <ac:chgData name="shemal rathnasuriya" userId="e8bb0d295c9c231f" providerId="LiveId" clId="{69DDC8F8-F0E5-4E49-A245-23C9CFE4311F}" dt="2021-08-01T23:09:01.865" v="10121" actId="20577"/>
+          <ac:spMkLst>
+            <pc:docMk/>
+            <pc:sldMk cId="1550630764" sldId="288"/>
+            <ac:spMk id="3" creationId="{3B1FB56B-3285-495B-87D3-B69A92C7F263}"/>
+          </ac:spMkLst>
+        </pc:spChg>
+      </pc:sldChg>
+      <pc:sldChg chg="modSp new mod">
+        <pc:chgData name="shemal rathnasuriya" userId="e8bb0d295c9c231f" providerId="LiveId" clId="{69DDC8F8-F0E5-4E49-A245-23C9CFE4311F}" dt="2021-08-02T00:04:43.255" v="10372" actId="20577"/>
+        <pc:sldMkLst>
+          <pc:docMk/>
+          <pc:sldMk cId="449676743" sldId="289"/>
+        </pc:sldMkLst>
+        <pc:spChg chg="mod">
+          <ac:chgData name="shemal rathnasuriya" userId="e8bb0d295c9c231f" providerId="LiveId" clId="{69DDC8F8-F0E5-4E49-A245-23C9CFE4311F}" dt="2021-08-01T23:34:50.437" v="10260" actId="255"/>
+          <ac:spMkLst>
+            <pc:docMk/>
+            <pc:sldMk cId="449676743" sldId="289"/>
+            <ac:spMk id="2" creationId="{ABCBFA45-7663-406D-945A-EEB8E3D56CDE}"/>
+          </ac:spMkLst>
+        </pc:spChg>
+        <pc:spChg chg="mod">
+          <ac:chgData name="shemal rathnasuriya" userId="e8bb0d295c9c231f" providerId="LiveId" clId="{69DDC8F8-F0E5-4E49-A245-23C9CFE4311F}" dt="2021-08-02T00:04:43.255" v="10372" actId="20577"/>
+          <ac:spMkLst>
+            <pc:docMk/>
+            <pc:sldMk cId="449676743" sldId="289"/>
+            <ac:spMk id="3" creationId="{66991791-60D4-4D71-AB36-3DB5F7BBCF2A}"/>
           </ac:spMkLst>
         </pc:spChg>
       </pc:sldChg>
@@ -629,7 +1174,7 @@
           <a:p>
             <a:fld id="{A423BF71-38B7-8642-BFCE-EDAE9BD0CBAF}" type="datetimeFigureOut">
               <a:rPr lang="en-US" smtClean="0"/>
-              <a:t>7/26/2021</a:t>
+              <a:t>8/1/2021</a:t>
             </a:fld>
             <a:endParaRPr lang="en-US" dirty="0"/>
           </a:p>
@@ -837,7 +1382,7 @@
           <a:p>
             <a:fld id="{73B025CB-9D18-264E-A945-2D020344C9DA}" type="datetimeFigureOut">
               <a:rPr lang="en-US" smtClean="0"/>
-              <a:t>7/26/2021</a:t>
+              <a:t>8/1/2021</a:t>
             </a:fld>
             <a:endParaRPr lang="en-US" dirty="0"/>
           </a:p>
@@ -1093,7 +1638,7 @@
           <a:p>
             <a:fld id="{507EFB6C-7E96-8F41-8872-189CA1C59F84}" type="datetimeFigureOut">
               <a:rPr lang="en-US" smtClean="0"/>
-              <a:t>7/26/2021</a:t>
+              <a:t>8/1/2021</a:t>
             </a:fld>
             <a:endParaRPr lang="en-US" dirty="0"/>
           </a:p>
@@ -1267,7 +1812,7 @@
           <a:p>
             <a:fld id="{B6981CDE-9BE7-C544-8ACB-7077DFC4270F}" type="datetimeFigureOut">
               <a:rPr lang="en-US" smtClean="0"/>
-              <a:t>7/26/2021</a:t>
+              <a:t>8/1/2021</a:t>
             </a:fld>
             <a:endParaRPr lang="en-US" dirty="0"/>
           </a:p>
@@ -1610,7 +2155,7 @@
           <a:p>
             <a:fld id="{B55BA285-9698-1B45-8319-D90A8C63F150}" type="datetimeFigureOut">
               <a:rPr lang="en-US" smtClean="0"/>
-              <a:t>7/26/2021</a:t>
+              <a:t>8/1/2021</a:t>
             </a:fld>
             <a:endParaRPr lang="en-US" dirty="0"/>
           </a:p>
@@ -1885,7 +2430,7 @@
           <a:p>
             <a:fld id="{0A86CD42-43FF-B740-998F-DCC3802C4CE3}" type="datetimeFigureOut">
               <a:rPr lang="en-US" smtClean="0"/>
-              <a:t>7/26/2021</a:t>
+              <a:t>8/1/2021</a:t>
             </a:fld>
             <a:endParaRPr lang="en-US" dirty="0"/>
           </a:p>
@@ -2264,7 +2809,7 @@
           <a:p>
             <a:fld id="{CEA0FFBD-2EE4-8547-BBAE-A1AC91C8D77E}" type="datetimeFigureOut">
               <a:rPr lang="en-US" smtClean="0"/>
-              <a:t>7/26/2021</a:t>
+              <a:t>8/1/2021</a:t>
             </a:fld>
             <a:endParaRPr lang="en-US" dirty="0"/>
           </a:p>
@@ -2382,7 +2927,7 @@
           <a:p>
             <a:fld id="{955A2352-D7AC-F242-9256-A4477BCBF354}" type="datetimeFigureOut">
               <a:rPr lang="en-US" smtClean="0"/>
-              <a:t>7/26/2021</a:t>
+              <a:t>8/1/2021</a:t>
             </a:fld>
             <a:endParaRPr lang="en-US" dirty="0"/>
           </a:p>
@@ -2553,7 +3098,7 @@
           <a:p>
             <a:fld id="{4EFCFC6A-9AE6-404D-9FDD-168B477B9C90}" type="datetimeFigureOut">
               <a:rPr lang="en-US" smtClean="0"/>
-              <a:t>7/26/2021</a:t>
+              <a:t>8/1/2021</a:t>
             </a:fld>
             <a:endParaRPr lang="en-US" dirty="0"/>
           </a:p>
@@ -2907,7 +3452,7 @@
           <a:p>
             <a:fld id="{61CFCDFD-B4CF-A241-8D71-E814B10BEAF4}" type="datetimeFigureOut">
               <a:rPr lang="en-US" smtClean="0"/>
-              <a:t>7/26/2021</a:t>
+              <a:t>8/1/2021</a:t>
             </a:fld>
             <a:endParaRPr lang="en-US" dirty="0"/>
           </a:p>
@@ -3289,7 +3834,7 @@
           <a:p>
             <a:fld id="{26A7B589-FD4B-7E46-869A-CBADC5FC564E}" type="datetimeFigureOut">
               <a:rPr lang="en-US" smtClean="0"/>
-              <a:t>7/26/2021</a:t>
+              <a:t>8/1/2021</a:t>
             </a:fld>
             <a:endParaRPr lang="en-US" dirty="0"/>
           </a:p>
@@ -3576,7 +4121,7 @@
           <a:p>
             <a:fld id="{4CD8A92E-5FF9-8143-81B3-CCB531513398}" type="datetimeFigureOut">
               <a:rPr lang="en-US" smtClean="0"/>
-              <a:t>7/26/2021</a:t>
+              <a:t>8/1/2021</a:t>
             </a:fld>
             <a:endParaRPr lang="en-US" dirty="0"/>
           </a:p>
@@ -4218,148 +4763,40 @@
           <a:chExt cx="0" cy="0"/>
         </a:xfrm>
       </p:grpSpPr>
-      <p:sp>
-        <p:nvSpPr>
-          <p:cNvPr id="2" name="Title 1">
+      <p:pic>
+        <p:nvPicPr>
+          <p:cNvPr id="3" name="Picture 2">
             <a:extLst>
               <a:ext uri="{FF2B5EF4-FFF2-40B4-BE49-F238E27FC236}">
-                <a16:creationId xmlns:a16="http://schemas.microsoft.com/office/drawing/2014/main" id="{9297CF08-2B2A-49AB-8843-79B98859AB8D}"/>
+                <a16:creationId xmlns:a16="http://schemas.microsoft.com/office/drawing/2014/main" id="{EADDCFCE-E91D-44A0-968B-0AA47E5FCD81}"/>
               </a:ext>
             </a:extLst>
           </p:cNvPr>
-          <p:cNvSpPr>
-            <a:spLocks noGrp="1"/>
-          </p:cNvSpPr>
-          <p:nvPr>
-            <p:ph type="title"/>
-          </p:nvPr>
-        </p:nvSpPr>
-        <p:spPr/>
-        <p:txBody>
-          <a:bodyPr>
-            <a:normAutofit/>
-          </a:bodyPr>
-          <a:lstStyle/>
-          <a:p>
-            <a:r>
-              <a:rPr lang="en-US" sz="3600" dirty="0">
-                <a:latin typeface="Times New Roman" panose="02020603050405020304" pitchFamily="18" charset="0"/>
-                <a:cs typeface="Times New Roman" panose="02020603050405020304" pitchFamily="18" charset="0"/>
-              </a:rPr>
-              <a:t>Domains Used</a:t>
-            </a:r>
-          </a:p>
-        </p:txBody>
-      </p:sp>
-      <p:sp>
-        <p:nvSpPr>
-          <p:cNvPr id="3" name="Content Placeholder 2">
-            <a:extLst>
-              <a:ext uri="{FF2B5EF4-FFF2-40B4-BE49-F238E27FC236}">
-                <a16:creationId xmlns:a16="http://schemas.microsoft.com/office/drawing/2014/main" id="{292EA1FF-580A-4DBE-9E34-2B6F681AC888}"/>
-              </a:ext>
-            </a:extLst>
-          </p:cNvPr>
-          <p:cNvSpPr>
-            <a:spLocks noGrp="1"/>
-          </p:cNvSpPr>
-          <p:nvPr>
-            <p:ph idx="1"/>
-          </p:nvPr>
-        </p:nvSpPr>
-        <p:spPr/>
-        <p:txBody>
-          <a:bodyPr>
-            <a:normAutofit/>
-          </a:bodyPr>
-          <a:lstStyle/>
-          <a:p>
-            <a:r>
-              <a:rPr lang="en-US" dirty="0">
-                <a:latin typeface="Times New Roman" panose="02020603050405020304" pitchFamily="18" charset="0"/>
-                <a:cs typeface="Times New Roman" panose="02020603050405020304" pitchFamily="18" charset="0"/>
-              </a:rPr>
-              <a:t>E-Commerce </a:t>
-            </a:r>
-          </a:p>
-          <a:p>
-            <a:r>
-              <a:rPr lang="en-US" dirty="0">
-                <a:latin typeface="Times New Roman" panose="02020603050405020304" pitchFamily="18" charset="0"/>
-                <a:cs typeface="Times New Roman" panose="02020603050405020304" pitchFamily="18" charset="0"/>
-              </a:rPr>
-              <a:t>Business Process Management </a:t>
-            </a:r>
-          </a:p>
-          <a:p>
-            <a:r>
-              <a:rPr lang="en-US" dirty="0">
-                <a:latin typeface="Times New Roman" panose="02020603050405020304" pitchFamily="18" charset="0"/>
-                <a:cs typeface="Times New Roman" panose="02020603050405020304" pitchFamily="18" charset="0"/>
-              </a:rPr>
-              <a:t>Social Media</a:t>
-            </a:r>
-          </a:p>
-          <a:p>
-            <a:r>
-              <a:rPr lang="en-US" dirty="0">
-                <a:latin typeface="Times New Roman" panose="02020603050405020304" pitchFamily="18" charset="0"/>
-                <a:cs typeface="Times New Roman" panose="02020603050405020304" pitchFamily="18" charset="0"/>
-              </a:rPr>
-              <a:t>Customer Relationship Management</a:t>
-            </a:r>
-          </a:p>
-          <a:p>
-            <a:r>
-              <a:rPr lang="en-US" dirty="0">
-                <a:latin typeface="Times New Roman" panose="02020603050405020304" pitchFamily="18" charset="0"/>
-                <a:cs typeface="Times New Roman" panose="02020603050405020304" pitchFamily="18" charset="0"/>
-              </a:rPr>
-              <a:t>Content Management System </a:t>
-            </a:r>
-          </a:p>
-          <a:p>
-            <a:r>
-              <a:rPr lang="en-US" dirty="0">
-                <a:latin typeface="Times New Roman" panose="02020603050405020304" pitchFamily="18" charset="0"/>
-                <a:cs typeface="Times New Roman" panose="02020603050405020304" pitchFamily="18" charset="0"/>
-              </a:rPr>
-              <a:t>Extract-Transform-Load </a:t>
-            </a:r>
-          </a:p>
-          <a:p>
-            <a:r>
-              <a:rPr lang="en-US" dirty="0">
-                <a:latin typeface="Times New Roman" panose="02020603050405020304" pitchFamily="18" charset="0"/>
-                <a:cs typeface="Times New Roman" panose="02020603050405020304" pitchFamily="18" charset="0"/>
-              </a:rPr>
-              <a:t>Entertainment </a:t>
-            </a:r>
-          </a:p>
-          <a:p>
-            <a:r>
-              <a:rPr lang="en-US" dirty="0">
-                <a:latin typeface="Times New Roman" panose="02020603050405020304" pitchFamily="18" charset="0"/>
-                <a:cs typeface="Times New Roman" panose="02020603050405020304" pitchFamily="18" charset="0"/>
-              </a:rPr>
-              <a:t>Robotic Process Automation </a:t>
-            </a:r>
-          </a:p>
-          <a:p>
-            <a:r>
-              <a:rPr lang="en-US" dirty="0">
-                <a:latin typeface="Times New Roman" panose="02020603050405020304" pitchFamily="18" charset="0"/>
-                <a:cs typeface="Times New Roman" panose="02020603050405020304" pitchFamily="18" charset="0"/>
-              </a:rPr>
-              <a:t>Medical </a:t>
-            </a:r>
-          </a:p>
-        </p:txBody>
-      </p:sp>
+          <p:cNvPicPr>
+            <a:picLocks noChangeAspect="1"/>
+          </p:cNvPicPr>
+          <p:nvPr/>
+        </p:nvPicPr>
+        <p:blipFill>
+          <a:blip r:embed="rId2"/>
+          <a:stretch>
+            <a:fillRect/>
+          </a:stretch>
+        </p:blipFill>
+        <p:spPr>
+          <a:xfrm>
+            <a:off x="1503552" y="598415"/>
+            <a:ext cx="7925673" cy="4419600"/>
+          </a:xfrm>
+          <a:prstGeom prst="rect">
+            <a:avLst/>
+          </a:prstGeom>
+        </p:spPr>
+      </p:pic>
     </p:spTree>
     <p:extLst>
       <p:ext uri="{BB962C8B-B14F-4D97-AF65-F5344CB8AC3E}">
-        <p14:creationId xmlns:p14="http://schemas.microsoft.com/office/powerpoint/2010/main" val="2136935129"/>
+        <p14:creationId xmlns:p14="http://schemas.microsoft.com/office/powerpoint/2010/main" val="1048305896"/>
       </p:ext>
     </p:extLst>
   </p:cSld>
@@ -4391,7 +4828,7 @@
           <p:cNvPr id="2" name="Title 1">
             <a:extLst>
               <a:ext uri="{FF2B5EF4-FFF2-40B4-BE49-F238E27FC236}">
-                <a16:creationId xmlns:a16="http://schemas.microsoft.com/office/drawing/2014/main" id="{3612B23A-D9B9-4EDA-91D2-9352323345A0}"/>
+                <a16:creationId xmlns:a16="http://schemas.microsoft.com/office/drawing/2014/main" id="{4A9987AA-278A-4A8F-A819-938BB73B3032}"/>
               </a:ext>
             </a:extLst>
           </p:cNvPr>
@@ -4414,8 +4851,9 @@
                 <a:latin typeface="Times New Roman" panose="02020603050405020304" pitchFamily="18" charset="0"/>
                 <a:cs typeface="Times New Roman" panose="02020603050405020304" pitchFamily="18" charset="0"/>
               </a:rPr>
-              <a:t>Benefits </a:t>
-            </a:r>
+              <a:t>Supporting Technologies Behind LCD/NCD contd. </a:t>
+            </a:r>
+            <a:endParaRPr lang="en-US" sz="3600" dirty="0"/>
           </a:p>
         </p:txBody>
       </p:sp>
@@ -4424,7 +4862,7 @@
           <p:cNvPr id="3" name="Content Placeholder 2">
             <a:extLst>
               <a:ext uri="{FF2B5EF4-FFF2-40B4-BE49-F238E27FC236}">
-                <a16:creationId xmlns:a16="http://schemas.microsoft.com/office/drawing/2014/main" id="{0BAF6F50-4698-4B55-A554-3BCF47A19A2B}"/>
+                <a16:creationId xmlns:a16="http://schemas.microsoft.com/office/drawing/2014/main" id="{7B81DDEC-0864-4BA0-A677-C7CAEADD1774}"/>
               </a:ext>
             </a:extLst>
           </p:cNvPr>
@@ -4435,16 +4873,9 @@
             <p:ph idx="1"/>
           </p:nvPr>
         </p:nvSpPr>
-        <p:spPr>
-          <a:xfrm>
-            <a:off x="1097280" y="1845733"/>
-            <a:ext cx="10058400" cy="4444707"/>
-          </a:xfrm>
-        </p:spPr>
-        <p:txBody>
-          <a:bodyPr>
-            <a:noAutofit/>
-          </a:bodyPr>
+        <p:spPr/>
+        <p:txBody>
+          <a:bodyPr/>
           <a:lstStyle/>
           <a:p>
             <a:r>
@@ -4452,96 +4883,202 @@
                 <a:latin typeface="Times New Roman" panose="02020603050405020304" pitchFamily="18" charset="0"/>
                 <a:cs typeface="Times New Roman" panose="02020603050405020304" pitchFamily="18" charset="0"/>
               </a:rPr>
-              <a:t>Faster development </a:t>
-            </a:r>
-          </a:p>
-          <a:p>
-            <a:r>
-              <a:rPr lang="en-US" dirty="0">
-                <a:latin typeface="Times New Roman" panose="02020603050405020304" pitchFamily="18" charset="0"/>
-                <a:cs typeface="Times New Roman" panose="02020603050405020304" pitchFamily="18" charset="0"/>
-              </a:rPr>
-              <a:t>Ease of study and use </a:t>
-            </a:r>
-          </a:p>
-          <a:p>
-            <a:r>
-              <a:rPr lang="en-US" dirty="0">
-                <a:latin typeface="Times New Roman" panose="02020603050405020304" pitchFamily="18" charset="0"/>
-                <a:cs typeface="Times New Roman" panose="02020603050405020304" pitchFamily="18" charset="0"/>
-              </a:rPr>
-              <a:t>Lower IT cost </a:t>
-            </a:r>
-          </a:p>
-          <a:p>
-            <a:r>
-              <a:rPr lang="en-US" dirty="0">
-                <a:latin typeface="Times New Roman" panose="02020603050405020304" pitchFamily="18" charset="0"/>
-                <a:cs typeface="Times New Roman" panose="02020603050405020304" pitchFamily="18" charset="0"/>
-              </a:rPr>
-              <a:t>Rich and ready-to-use units </a:t>
-            </a:r>
-          </a:p>
-          <a:p>
-            <a:r>
-              <a:rPr lang="en-US" dirty="0">
-                <a:latin typeface="Times New Roman" panose="02020603050405020304" pitchFamily="18" charset="0"/>
-                <a:cs typeface="Times New Roman" panose="02020603050405020304" pitchFamily="18" charset="0"/>
-              </a:rPr>
-              <a:t>Newbie friendly </a:t>
-            </a:r>
-          </a:p>
-          <a:p>
-            <a:r>
-              <a:rPr lang="en-US" dirty="0">
-                <a:latin typeface="Times New Roman" panose="02020603050405020304" pitchFamily="18" charset="0"/>
-                <a:cs typeface="Times New Roman" panose="02020603050405020304" pitchFamily="18" charset="0"/>
-              </a:rPr>
-              <a:t>Improved system quality </a:t>
-            </a:r>
-          </a:p>
-          <a:p>
-            <a:r>
-              <a:rPr lang="en-US" dirty="0">
-                <a:latin typeface="Times New Roman" panose="02020603050405020304" pitchFamily="18" charset="0"/>
-                <a:cs typeface="Times New Roman" panose="02020603050405020304" pitchFamily="18" charset="0"/>
-              </a:rPr>
-              <a:t>Strong integration and expansion capability </a:t>
-            </a:r>
-          </a:p>
-          <a:p>
-            <a:r>
-              <a:rPr lang="en-US" dirty="0">
-                <a:latin typeface="Times New Roman" panose="02020603050405020304" pitchFamily="18" charset="0"/>
-                <a:cs typeface="Times New Roman" panose="02020603050405020304" pitchFamily="18" charset="0"/>
-              </a:rPr>
-              <a:t>Minimal efforts </a:t>
-            </a:r>
-          </a:p>
-          <a:p>
-            <a:r>
-              <a:rPr lang="en-US" dirty="0">
-                <a:latin typeface="Times New Roman" panose="02020603050405020304" pitchFamily="18" charset="0"/>
-                <a:cs typeface="Times New Roman" panose="02020603050405020304" pitchFamily="18" charset="0"/>
-              </a:rPr>
-              <a:t>Better user experience </a:t>
-            </a:r>
-          </a:p>
-          <a:p>
-            <a:r>
-              <a:rPr lang="en-US" dirty="0">
-                <a:latin typeface="Times New Roman" panose="02020603050405020304" pitchFamily="18" charset="0"/>
-                <a:cs typeface="Times New Roman" panose="02020603050405020304" pitchFamily="18" charset="0"/>
-              </a:rPr>
-              <a:t>Improved IT governance </a:t>
-            </a:r>
+              <a:t>2. Node.js </a:t>
+            </a:r>
+          </a:p>
+          <a:p>
+            <a:pPr>
+              <a:buFont typeface="Wingdings" panose="05000000000000000000" pitchFamily="2" charset="2"/>
+              <a:buChar char="q"/>
+            </a:pPr>
+            <a:r>
+              <a:rPr lang="en-US" dirty="0">
+                <a:latin typeface="Times New Roman" panose="02020603050405020304" pitchFamily="18" charset="0"/>
+                <a:cs typeface="Times New Roman" panose="02020603050405020304" pitchFamily="18" charset="0"/>
+              </a:rPr>
+              <a:t>Node-RED is a low-code programming for event-driven applications built on Node.js</a:t>
+            </a:r>
+          </a:p>
+          <a:p>
+            <a:pPr>
+              <a:buFont typeface="Wingdings" panose="05000000000000000000" pitchFamily="2" charset="2"/>
+              <a:buChar char="q"/>
+            </a:pPr>
+            <a:r>
+              <a:rPr lang="en-US" dirty="0" err="1">
+                <a:latin typeface="Times New Roman" panose="02020603050405020304" pitchFamily="18" charset="0"/>
+                <a:cs typeface="Times New Roman" panose="02020603050405020304" pitchFamily="18" charset="0"/>
+              </a:rPr>
+              <a:t>Amplication</a:t>
+            </a:r>
+            <a:r>
+              <a:rPr lang="en-US" dirty="0">
+                <a:latin typeface="Times New Roman" panose="02020603050405020304" pitchFamily="18" charset="0"/>
+                <a:cs typeface="Times New Roman" panose="02020603050405020304" pitchFamily="18" charset="0"/>
+              </a:rPr>
+              <a:t> is an open source development tool that helps to develop quality Node.js</a:t>
+            </a:r>
+            <a:br>
+              <a:rPr lang="en-US" dirty="0">
+                <a:latin typeface="Times New Roman" panose="02020603050405020304" pitchFamily="18" charset="0"/>
+                <a:cs typeface="Times New Roman" panose="02020603050405020304" pitchFamily="18" charset="0"/>
+              </a:rPr>
+            </a:br>
+            <a:r>
+              <a:rPr lang="en-US" dirty="0">
+                <a:latin typeface="Times New Roman" panose="02020603050405020304" pitchFamily="18" charset="0"/>
+                <a:cs typeface="Times New Roman" panose="02020603050405020304" pitchFamily="18" charset="0"/>
+              </a:rPr>
+              <a:t>	applications. </a:t>
+            </a:r>
+          </a:p>
+          <a:p>
+            <a:pPr marL="0" indent="0">
+              <a:buNone/>
+            </a:pPr>
+            <a:r>
+              <a:rPr lang="en-US" dirty="0" err="1">
+                <a:latin typeface="Times New Roman" panose="02020603050405020304" pitchFamily="18" charset="0"/>
+                <a:cs typeface="Times New Roman" panose="02020603050405020304" pitchFamily="18" charset="0"/>
+              </a:rPr>
+              <a:t>Amplication</a:t>
+            </a:r>
+            <a:r>
+              <a:rPr lang="en-US" dirty="0">
+                <a:latin typeface="Times New Roman" panose="02020603050405020304" pitchFamily="18" charset="0"/>
+                <a:cs typeface="Times New Roman" panose="02020603050405020304" pitchFamily="18" charset="0"/>
+              </a:rPr>
+              <a:t> works: </a:t>
+            </a:r>
+            <a:br>
+              <a:rPr lang="en-US" dirty="0">
+                <a:latin typeface="Times New Roman" panose="02020603050405020304" pitchFamily="18" charset="0"/>
+                <a:cs typeface="Times New Roman" panose="02020603050405020304" pitchFamily="18" charset="0"/>
+              </a:rPr>
+            </a:br>
+            <a:r>
+              <a:rPr lang="en-US" dirty="0">
+                <a:latin typeface="Times New Roman" panose="02020603050405020304" pitchFamily="18" charset="0"/>
+                <a:cs typeface="Times New Roman" panose="02020603050405020304" pitchFamily="18" charset="0"/>
+              </a:rPr>
+              <a:t>1. Design model and roles : Define data entities and role-based access through </a:t>
+            </a:r>
+            <a:r>
+              <a:rPr lang="en-US" dirty="0" err="1">
+                <a:latin typeface="Times New Roman" panose="02020603050405020304" pitchFamily="18" charset="0"/>
+                <a:cs typeface="Times New Roman" panose="02020603050405020304" pitchFamily="18" charset="0"/>
+              </a:rPr>
+              <a:t>Amplication’s</a:t>
+            </a:r>
+            <a:r>
+              <a:rPr lang="en-US" dirty="0">
+                <a:latin typeface="Times New Roman" panose="02020603050405020304" pitchFamily="18" charset="0"/>
+                <a:cs typeface="Times New Roman" panose="02020603050405020304" pitchFamily="18" charset="0"/>
+              </a:rPr>
+              <a:t> UI or</a:t>
+            </a:r>
+            <a:br>
+              <a:rPr lang="en-US" dirty="0">
+                <a:latin typeface="Times New Roman" panose="02020603050405020304" pitchFamily="18" charset="0"/>
+                <a:cs typeface="Times New Roman" panose="02020603050405020304" pitchFamily="18" charset="0"/>
+              </a:rPr>
+            </a:br>
+            <a:r>
+              <a:rPr lang="en-US" dirty="0">
+                <a:latin typeface="Times New Roman" panose="02020603050405020304" pitchFamily="18" charset="0"/>
+                <a:cs typeface="Times New Roman" panose="02020603050405020304" pitchFamily="18" charset="0"/>
+              </a:rPr>
+              <a:t>	CLI, and it will auto-generate you database, an Admin UI, and API</a:t>
+            </a:r>
+            <a:br>
+              <a:rPr lang="en-US" dirty="0">
+                <a:latin typeface="Times New Roman" panose="02020603050405020304" pitchFamily="18" charset="0"/>
+                <a:cs typeface="Times New Roman" panose="02020603050405020304" pitchFamily="18" charset="0"/>
+              </a:rPr>
+            </a:br>
+            <a:r>
+              <a:rPr lang="en-US" dirty="0">
+                <a:latin typeface="Times New Roman" panose="02020603050405020304" pitchFamily="18" charset="0"/>
+                <a:cs typeface="Times New Roman" panose="02020603050405020304" pitchFamily="18" charset="0"/>
+              </a:rPr>
+              <a:t>2. Deploy you appl in one click</a:t>
+            </a:r>
+            <a:br>
+              <a:rPr lang="en-US" dirty="0">
+                <a:latin typeface="Times New Roman" panose="02020603050405020304" pitchFamily="18" charset="0"/>
+                <a:cs typeface="Times New Roman" panose="02020603050405020304" pitchFamily="18" charset="0"/>
+              </a:rPr>
+            </a:br>
+            <a:r>
+              <a:rPr lang="en-US" dirty="0">
+                <a:latin typeface="Times New Roman" panose="02020603050405020304" pitchFamily="18" charset="0"/>
+                <a:cs typeface="Times New Roman" panose="02020603050405020304" pitchFamily="18" charset="0"/>
+              </a:rPr>
+              <a:t>3. Sync your app with GitHub</a:t>
+            </a:r>
+            <a:br>
+              <a:rPr lang="en-US" dirty="0">
+                <a:latin typeface="Times New Roman" panose="02020603050405020304" pitchFamily="18" charset="0"/>
+                <a:cs typeface="Times New Roman" panose="02020603050405020304" pitchFamily="18" charset="0"/>
+              </a:rPr>
+            </a:br>
+            <a:r>
+              <a:rPr lang="en-US" dirty="0">
+                <a:latin typeface="Times New Roman" panose="02020603050405020304" pitchFamily="18" charset="0"/>
+                <a:cs typeface="Times New Roman" panose="02020603050405020304" pitchFamily="18" charset="0"/>
+              </a:rPr>
+              <a:t>4. Access your app: Auto-generated admin UI based on the data model schema enables to access</a:t>
+            </a:r>
+            <a:br>
+              <a:rPr lang="en-US" dirty="0">
+                <a:latin typeface="Times New Roman" panose="02020603050405020304" pitchFamily="18" charset="0"/>
+                <a:cs typeface="Times New Roman" panose="02020603050405020304" pitchFamily="18" charset="0"/>
+              </a:rPr>
+            </a:br>
+            <a:r>
+              <a:rPr lang="en-US" dirty="0">
+                <a:latin typeface="Times New Roman" panose="02020603050405020304" pitchFamily="18" charset="0"/>
+                <a:cs typeface="Times New Roman" panose="02020603050405020304" pitchFamily="18" charset="0"/>
+              </a:rPr>
+              <a:t>	data with ease. </a:t>
+            </a:r>
+            <a:br>
+              <a:rPr lang="en-US" dirty="0">
+                <a:latin typeface="Times New Roman" panose="02020603050405020304" pitchFamily="18" charset="0"/>
+                <a:cs typeface="Times New Roman" panose="02020603050405020304" pitchFamily="18" charset="0"/>
+              </a:rPr>
+            </a:br>
+            <a:r>
+              <a:rPr lang="en-US" dirty="0">
+                <a:latin typeface="Times New Roman" panose="02020603050405020304" pitchFamily="18" charset="0"/>
+                <a:cs typeface="Times New Roman" panose="02020603050405020304" pitchFamily="18" charset="0"/>
+              </a:rPr>
+              <a:t>5. Connect your code using REST or </a:t>
+            </a:r>
+            <a:r>
+              <a:rPr lang="en-US" dirty="0" err="1">
+                <a:latin typeface="Times New Roman" panose="02020603050405020304" pitchFamily="18" charset="0"/>
+                <a:cs typeface="Times New Roman" panose="02020603050405020304" pitchFamily="18" charset="0"/>
+              </a:rPr>
+              <a:t>GraphQL</a:t>
+            </a:r>
+            <a:r>
+              <a:rPr lang="en-US" dirty="0">
+                <a:latin typeface="Times New Roman" panose="02020603050405020304" pitchFamily="18" charset="0"/>
+                <a:cs typeface="Times New Roman" panose="02020603050405020304" pitchFamily="18" charset="0"/>
+              </a:rPr>
+              <a:t>. </a:t>
+            </a:r>
+          </a:p>
+          <a:p>
+            <a:endParaRPr lang="en-US" dirty="0"/>
           </a:p>
         </p:txBody>
       </p:sp>
     </p:spTree>
     <p:extLst>
       <p:ext uri="{BB962C8B-B14F-4D97-AF65-F5344CB8AC3E}">
-        <p14:creationId xmlns:p14="http://schemas.microsoft.com/office/powerpoint/2010/main" val="458327308"/>
+        <p14:creationId xmlns:p14="http://schemas.microsoft.com/office/powerpoint/2010/main" val="3780670187"/>
       </p:ext>
     </p:extLst>
   </p:cSld>
@@ -4568,176 +5105,130 @@
           <a:chExt cx="0" cy="0"/>
         </a:xfrm>
       </p:grpSpPr>
-      <p:sp>
-        <p:nvSpPr>
-          <p:cNvPr id="2" name="Title 1">
+      <p:pic>
+        <p:nvPicPr>
+          <p:cNvPr id="3" name="Picture 2">
             <a:extLst>
               <a:ext uri="{FF2B5EF4-FFF2-40B4-BE49-F238E27FC236}">
-                <a16:creationId xmlns:a16="http://schemas.microsoft.com/office/drawing/2014/main" id="{EEC90DCA-411A-4592-956D-A8E067895552}"/>
+                <a16:creationId xmlns:a16="http://schemas.microsoft.com/office/drawing/2014/main" id="{DB3AEBB8-E383-4E3A-991C-EB337421654F}"/>
               </a:ext>
             </a:extLst>
           </p:cNvPr>
-          <p:cNvSpPr>
-            <a:spLocks noGrp="1"/>
-          </p:cNvSpPr>
-          <p:nvPr>
-            <p:ph type="title"/>
-          </p:nvPr>
-        </p:nvSpPr>
+          <p:cNvPicPr>
+            <a:picLocks noChangeAspect="1"/>
+          </p:cNvPicPr>
+          <p:nvPr/>
+        </p:nvPicPr>
+        <p:blipFill>
+          <a:blip r:embed="rId2"/>
+          <a:stretch>
+            <a:fillRect/>
+          </a:stretch>
+        </p:blipFill>
         <p:spPr>
           <a:xfrm>
-            <a:off x="1156003" y="227880"/>
-            <a:ext cx="10058400" cy="1450757"/>
+            <a:off x="0" y="0"/>
+            <a:ext cx="4832059" cy="3338818"/>
           </a:xfrm>
+          <a:prstGeom prst="rect">
+            <a:avLst/>
+          </a:prstGeom>
         </p:spPr>
-        <p:txBody>
-          <a:bodyPr>
-            <a:normAutofit/>
-          </a:bodyPr>
-          <a:lstStyle/>
-          <a:p>
-            <a:r>
-              <a:rPr lang="en-US" sz="3600" dirty="0">
-                <a:latin typeface="Times New Roman" panose="02020603050405020304" pitchFamily="18" charset="0"/>
-                <a:cs typeface="Times New Roman" panose="02020603050405020304" pitchFamily="18" charset="0"/>
-              </a:rPr>
-              <a:t>Limitations and Challenges </a:t>
-            </a:r>
-          </a:p>
-        </p:txBody>
-      </p:sp>
-      <p:sp>
-        <p:nvSpPr>
-          <p:cNvPr id="3" name="Content Placeholder 2">
+      </p:pic>
+      <p:pic>
+        <p:nvPicPr>
+          <p:cNvPr id="5" name="Picture 4">
             <a:extLst>
               <a:ext uri="{FF2B5EF4-FFF2-40B4-BE49-F238E27FC236}">
-                <a16:creationId xmlns:a16="http://schemas.microsoft.com/office/drawing/2014/main" id="{F7C67D76-1D7E-4A17-9415-FA47672571D7}"/>
+                <a16:creationId xmlns:a16="http://schemas.microsoft.com/office/drawing/2014/main" id="{4258DB4C-BF38-48B5-A89F-0D04E0A1BAAE}"/>
               </a:ext>
             </a:extLst>
           </p:cNvPr>
-          <p:cNvSpPr>
-            <a:spLocks noGrp="1"/>
-          </p:cNvSpPr>
-          <p:nvPr>
-            <p:ph idx="1"/>
-          </p:nvPr>
-        </p:nvSpPr>
+          <p:cNvPicPr>
+            <a:picLocks noChangeAspect="1"/>
+          </p:cNvPicPr>
+          <p:nvPr/>
+        </p:nvPicPr>
+        <p:blipFill>
+          <a:blip r:embed="rId3"/>
+          <a:stretch>
+            <a:fillRect/>
+          </a:stretch>
+        </p:blipFill>
         <p:spPr>
           <a:xfrm>
-            <a:off x="1097280" y="1753299"/>
-            <a:ext cx="10058400" cy="4572000"/>
+            <a:off x="5015568" y="58723"/>
+            <a:ext cx="6019800" cy="3280095"/>
           </a:xfrm>
+          <a:prstGeom prst="rect">
+            <a:avLst/>
+          </a:prstGeom>
         </p:spPr>
-        <p:txBody>
-          <a:bodyPr>
-            <a:noAutofit/>
-          </a:bodyPr>
-          <a:lstStyle/>
-          <a:p>
-            <a:r>
-              <a:rPr lang="en-US" sz="1800" dirty="0">
-                <a:latin typeface="Times New Roman" panose="02020603050405020304" pitchFamily="18" charset="0"/>
-                <a:cs typeface="Times New Roman" panose="02020603050405020304" pitchFamily="18" charset="0"/>
-              </a:rPr>
-              <a:t>High learning curve </a:t>
-            </a:r>
-          </a:p>
-          <a:p>
-            <a:r>
-              <a:rPr lang="en-US" sz="1800" dirty="0">
-                <a:latin typeface="Times New Roman" panose="02020603050405020304" pitchFamily="18" charset="0"/>
-                <a:cs typeface="Times New Roman" panose="02020603050405020304" pitchFamily="18" charset="0"/>
-              </a:rPr>
-              <a:t>High pricing </a:t>
-            </a:r>
-          </a:p>
-          <a:p>
-            <a:r>
-              <a:rPr lang="en-US" sz="1800" dirty="0">
-                <a:latin typeface="Times New Roman" panose="02020603050405020304" pitchFamily="18" charset="0"/>
-                <a:cs typeface="Times New Roman" panose="02020603050405020304" pitchFamily="18" charset="0"/>
-              </a:rPr>
-              <a:t>Lack of customization </a:t>
-            </a:r>
-          </a:p>
-          <a:p>
-            <a:r>
-              <a:rPr lang="en-US" sz="1800" dirty="0">
-                <a:latin typeface="Times New Roman" panose="02020603050405020304" pitchFamily="18" charset="0"/>
-                <a:cs typeface="Times New Roman" panose="02020603050405020304" pitchFamily="18" charset="0"/>
-              </a:rPr>
-              <a:t>Slow loading and publishing </a:t>
-            </a:r>
-          </a:p>
-          <a:p>
-            <a:r>
-              <a:rPr lang="en-US" sz="1800" dirty="0">
-                <a:latin typeface="Times New Roman" panose="02020603050405020304" pitchFamily="18" charset="0"/>
-                <a:cs typeface="Times New Roman" panose="02020603050405020304" pitchFamily="18" charset="0"/>
-              </a:rPr>
-              <a:t>Less powerful than programming </a:t>
-            </a:r>
-          </a:p>
-          <a:p>
-            <a:r>
-              <a:rPr lang="en-US" sz="1800" dirty="0">
-                <a:latin typeface="Times New Roman" panose="02020603050405020304" pitchFamily="18" charset="0"/>
-                <a:cs typeface="Times New Roman" panose="02020603050405020304" pitchFamily="18" charset="0"/>
-              </a:rPr>
-              <a:t>Complex issues still need coding</a:t>
-            </a:r>
-          </a:p>
-          <a:p>
-            <a:r>
-              <a:rPr lang="en-US" sz="1800" dirty="0">
-                <a:latin typeface="Times New Roman" panose="02020603050405020304" pitchFamily="18" charset="0"/>
-                <a:cs typeface="Times New Roman" panose="02020603050405020304" pitchFamily="18" charset="0"/>
-              </a:rPr>
-              <a:t>No access to source code </a:t>
-            </a:r>
-          </a:p>
-          <a:p>
-            <a:r>
-              <a:rPr lang="en-US" sz="1800" dirty="0">
-                <a:latin typeface="Times New Roman" panose="02020603050405020304" pitchFamily="18" charset="0"/>
-                <a:cs typeface="Times New Roman" panose="02020603050405020304" pitchFamily="18" charset="0"/>
-              </a:rPr>
-              <a:t>Limitations for experience developers </a:t>
-            </a:r>
-          </a:p>
-          <a:p>
-            <a:r>
-              <a:rPr lang="en-US" sz="1800" dirty="0">
-                <a:latin typeface="Times New Roman" panose="02020603050405020304" pitchFamily="18" charset="0"/>
-                <a:cs typeface="Times New Roman" panose="02020603050405020304" pitchFamily="18" charset="0"/>
-              </a:rPr>
-              <a:t>Vendor lock-in </a:t>
-            </a:r>
-          </a:p>
-          <a:p>
-            <a:r>
-              <a:rPr lang="en-US" sz="1800" dirty="0">
-                <a:latin typeface="Times New Roman" panose="02020603050405020304" pitchFamily="18" charset="0"/>
-                <a:cs typeface="Times New Roman" panose="02020603050405020304" pitchFamily="18" charset="0"/>
-              </a:rPr>
-              <a:t>Difficulty of maintenance and debugging </a:t>
-            </a:r>
-          </a:p>
-          <a:p>
-            <a:r>
-              <a:rPr lang="en-US" sz="1800" dirty="0">
-                <a:latin typeface="Times New Roman" panose="02020603050405020304" pitchFamily="18" charset="0"/>
-                <a:cs typeface="Times New Roman" panose="02020603050405020304" pitchFamily="18" charset="0"/>
-              </a:rPr>
-              <a:t>Need of basic programming knowledge </a:t>
-            </a:r>
-          </a:p>
-        </p:txBody>
-      </p:sp>
+      </p:pic>
+      <p:pic>
+        <p:nvPicPr>
+          <p:cNvPr id="7" name="Picture 6">
+            <a:extLst>
+              <a:ext uri="{FF2B5EF4-FFF2-40B4-BE49-F238E27FC236}">
+                <a16:creationId xmlns:a16="http://schemas.microsoft.com/office/drawing/2014/main" id="{EFFB96D1-3A35-45ED-90A6-87D71BED6509}"/>
+              </a:ext>
+            </a:extLst>
+          </p:cNvPr>
+          <p:cNvPicPr>
+            <a:picLocks noChangeAspect="1"/>
+          </p:cNvPicPr>
+          <p:nvPr/>
+        </p:nvPicPr>
+        <p:blipFill>
+          <a:blip r:embed="rId4"/>
+          <a:stretch>
+            <a:fillRect/>
+          </a:stretch>
+        </p:blipFill>
+        <p:spPr>
+          <a:xfrm>
+            <a:off x="0" y="3519184"/>
+            <a:ext cx="4932727" cy="2789338"/>
+          </a:xfrm>
+          <a:prstGeom prst="rect">
+            <a:avLst/>
+          </a:prstGeom>
+        </p:spPr>
+      </p:pic>
+      <p:pic>
+        <p:nvPicPr>
+          <p:cNvPr id="9" name="Picture 8">
+            <a:extLst>
+              <a:ext uri="{FF2B5EF4-FFF2-40B4-BE49-F238E27FC236}">
+                <a16:creationId xmlns:a16="http://schemas.microsoft.com/office/drawing/2014/main" id="{53775315-BA13-43C2-A3AA-4D594B482792}"/>
+              </a:ext>
+            </a:extLst>
+          </p:cNvPr>
+          <p:cNvPicPr>
+            <a:picLocks noChangeAspect="1"/>
+          </p:cNvPicPr>
+          <p:nvPr/>
+        </p:nvPicPr>
+        <p:blipFill>
+          <a:blip r:embed="rId5"/>
+          <a:stretch>
+            <a:fillRect/>
+          </a:stretch>
+        </p:blipFill>
+        <p:spPr>
+          <a:xfrm>
+            <a:off x="5116236" y="3429000"/>
+            <a:ext cx="4932727" cy="2879522"/>
+          </a:xfrm>
+          <a:prstGeom prst="rect">
+            <a:avLst/>
+          </a:prstGeom>
+        </p:spPr>
+      </p:pic>
     </p:spTree>
     <p:extLst>
       <p:ext uri="{BB962C8B-B14F-4D97-AF65-F5344CB8AC3E}">
-        <p14:creationId xmlns:p14="http://schemas.microsoft.com/office/powerpoint/2010/main" val="3870288137"/>
+        <p14:creationId xmlns:p14="http://schemas.microsoft.com/office/powerpoint/2010/main" val="196522739"/>
       </p:ext>
     </p:extLst>
   </p:cSld>
@@ -4769,7 +5260,7 @@
           <p:cNvPr id="2" name="Title 1">
             <a:extLst>
               <a:ext uri="{FF2B5EF4-FFF2-40B4-BE49-F238E27FC236}">
-                <a16:creationId xmlns:a16="http://schemas.microsoft.com/office/drawing/2014/main" id="{BCE6A8E5-DE63-41A2-B68B-738BCBDBFF85}"/>
+                <a16:creationId xmlns:a16="http://schemas.microsoft.com/office/drawing/2014/main" id="{E3C2AC19-F433-403D-BA46-7921FB54AFEC}"/>
               </a:ext>
             </a:extLst>
           </p:cNvPr>
@@ -4792,7 +5283,7 @@
                 <a:latin typeface="Times New Roman" panose="02020603050405020304" pitchFamily="18" charset="0"/>
                 <a:cs typeface="Times New Roman" panose="02020603050405020304" pitchFamily="18" charset="0"/>
               </a:rPr>
-              <a:t>Development Process [2]</a:t>
+              <a:t>Supporting Technologies Behind LCD/NCD contd. </a:t>
             </a:r>
           </a:p>
         </p:txBody>
@@ -4802,7 +5293,7 @@
           <p:cNvPr id="3" name="Content Placeholder 2">
             <a:extLst>
               <a:ext uri="{FF2B5EF4-FFF2-40B4-BE49-F238E27FC236}">
-                <a16:creationId xmlns:a16="http://schemas.microsoft.com/office/drawing/2014/main" id="{FFE55422-DF1F-4287-A799-C9F8E670D524}"/>
+                <a16:creationId xmlns:a16="http://schemas.microsoft.com/office/drawing/2014/main" id="{1C6AAA85-2518-4E47-AA00-3D563923E5F7}"/>
               </a:ext>
             </a:extLst>
           </p:cNvPr>
@@ -4813,11 +5304,14 @@
             <p:ph idx="1"/>
           </p:nvPr>
         </p:nvSpPr>
-        <p:spPr/>
-        <p:txBody>
-          <a:bodyPr>
-            <a:normAutofit/>
-          </a:bodyPr>
+        <p:spPr>
+          <a:xfrm>
+            <a:off x="1097280" y="1845734"/>
+            <a:ext cx="10411548" cy="4023360"/>
+          </a:xfrm>
+        </p:spPr>
+        <p:txBody>
+          <a:bodyPr/>
           <a:lstStyle/>
           <a:p>
             <a:r>
@@ -4825,7 +5319,25 @@
                 <a:latin typeface="Times New Roman" panose="02020603050405020304" pitchFamily="18" charset="0"/>
                 <a:cs typeface="Times New Roman" panose="02020603050405020304" pitchFamily="18" charset="0"/>
               </a:rPr>
-              <a:t>1. Data Modeling: visual interfaces to configure data schema by creating entities, establishing </a:t>
+              <a:t>Apache Spark : Unified analytics engine for large-scale data processing</a:t>
+            </a:r>
+          </a:p>
+          <a:p>
+            <a:r>
+              <a:rPr lang="en-US" dirty="0">
+                <a:latin typeface="Times New Roman" panose="02020603050405020304" pitchFamily="18" charset="0"/>
+                <a:cs typeface="Times New Roman" panose="02020603050405020304" pitchFamily="18" charset="0"/>
+              </a:rPr>
+              <a:t>Azure Data Factory: A fully managed, serverless data integration service. Accelerate data transformation with code-free data flows. Managed Apache Spark service take care of code generation and maintenance. </a:t>
+            </a:r>
+          </a:p>
+          <a:p>
+            <a:r>
+              <a:rPr lang="en-US" dirty="0">
+                <a:latin typeface="Times New Roman" panose="02020603050405020304" pitchFamily="18" charset="0"/>
+                <a:cs typeface="Times New Roman" panose="02020603050405020304" pitchFamily="18" charset="0"/>
+              </a:rPr>
+              <a:t>Easy-to-use: Rehost SQL Server Integration Services (SSIS) in a few clicks and build ELT and</a:t>
             </a:r>
             <a:br>
               <a:rPr lang="en-US" dirty="0">
@@ -4838,16 +5350,16 @@
                 <a:latin typeface="Times New Roman" panose="02020603050405020304" pitchFamily="18" charset="0"/>
                 <a:cs typeface="Times New Roman" panose="02020603050405020304" pitchFamily="18" charset="0"/>
               </a:rPr>
-              <a:t>		relationships, defining constraints, and dependencies using drag-drop facilities.</a:t>
-            </a:r>
-          </a:p>
-          <a:p>
-            <a:r>
-              <a:rPr lang="en-US" dirty="0">
-                <a:latin typeface="Times New Roman" panose="02020603050405020304" pitchFamily="18" charset="0"/>
-                <a:cs typeface="Times New Roman" panose="02020603050405020304" pitchFamily="18" charset="0"/>
-              </a:rPr>
-              <a:t>2. User Interface Definition: Configure  forms and pages to define application views. Define and </a:t>
+              <a:t>	ELT pipelines code-free, with built-in-Git and CI/CD support. </a:t>
+            </a:r>
+          </a:p>
+          <a:p>
+            <a:r>
+              <a:rPr lang="en-US" dirty="0">
+                <a:latin typeface="Times New Roman" panose="02020603050405020304" pitchFamily="18" charset="0"/>
+                <a:cs typeface="Times New Roman" panose="02020603050405020304" pitchFamily="18" charset="0"/>
+              </a:rPr>
+              <a:t>Cost-effective: Enjoy a pay-as-you-go, fully managed serverless cloud service that scale on demand</a:t>
             </a:r>
             <a:br>
               <a:rPr lang="en-US" dirty="0">
@@ -4860,7 +5372,7 @@
                 <a:latin typeface="Times New Roman" panose="02020603050405020304" pitchFamily="18" charset="0"/>
                 <a:cs typeface="Times New Roman" panose="02020603050405020304" pitchFamily="18" charset="0"/>
               </a:rPr>
-              <a:t>		manage user roles, security mechanisms. Drag-drop capabilities are important </a:t>
+              <a:t>Powerful: Ingest all your premises, and software as a service (SaaS) data with more than 90 built-in</a:t>
             </a:r>
             <a:br>
               <a:rPr lang="en-US" dirty="0">
@@ -4873,16 +5385,7 @@
                 <a:latin typeface="Times New Roman" panose="02020603050405020304" pitchFamily="18" charset="0"/>
                 <a:cs typeface="Times New Roman" panose="02020603050405020304" pitchFamily="18" charset="0"/>
               </a:rPr>
-              <a:t>		to speedup development and render different views quickly. </a:t>
-            </a:r>
-          </a:p>
-          <a:p>
-            <a:r>
-              <a:rPr lang="en-US" dirty="0">
-                <a:latin typeface="Times New Roman" panose="02020603050405020304" pitchFamily="18" charset="0"/>
-                <a:cs typeface="Times New Roman" panose="02020603050405020304" pitchFamily="18" charset="0"/>
-              </a:rPr>
-              <a:t>3. Specification of business logic rules and workflows:</a:t>
+              <a:t>	connectors. </a:t>
             </a:r>
             <a:br>
               <a:rPr lang="en-US" dirty="0">
@@ -4890,51 +5393,20 @@
                 <a:cs typeface="Times New Roman" panose="02020603050405020304" pitchFamily="18" charset="0"/>
               </a:rPr>
             </a:br>
-            <a:r>
-              <a:rPr lang="en-US" dirty="0">
-                <a:latin typeface="Times New Roman" panose="02020603050405020304" pitchFamily="18" charset="0"/>
-                <a:cs typeface="Times New Roman" panose="02020603050405020304" pitchFamily="18" charset="0"/>
-              </a:rPr>
-              <a:t>	Manage workflows among various forms and pages requiring different operations.</a:t>
-            </a:r>
-          </a:p>
-          <a:p>
-            <a:r>
-              <a:rPr lang="en-US" dirty="0">
-                <a:latin typeface="Times New Roman" panose="02020603050405020304" pitchFamily="18" charset="0"/>
-                <a:cs typeface="Times New Roman" panose="02020603050405020304" pitchFamily="18" charset="0"/>
-              </a:rPr>
-              <a:t>4. Integration of external services via third party APIs:</a:t>
-            </a:r>
-            <a:br>
-              <a:rPr lang="en-US" dirty="0">
-                <a:latin typeface="Times New Roman" panose="02020603050405020304" pitchFamily="18" charset="0"/>
-                <a:cs typeface="Times New Roman" panose="02020603050405020304" pitchFamily="18" charset="0"/>
-              </a:rPr>
-            </a:br>
-            <a:r>
-              <a:rPr lang="en-US" dirty="0">
-                <a:latin typeface="Times New Roman" panose="02020603050405020304" pitchFamily="18" charset="0"/>
-                <a:cs typeface="Times New Roman" panose="02020603050405020304" pitchFamily="18" charset="0"/>
-              </a:rPr>
-              <a:t>	Provide ways to consume external services through different APIs. </a:t>
-            </a:r>
-          </a:p>
-          <a:p>
-            <a:r>
-              <a:rPr lang="en-US" dirty="0">
-                <a:latin typeface="Times New Roman" panose="02020603050405020304" pitchFamily="18" charset="0"/>
-                <a:cs typeface="Times New Roman" panose="02020603050405020304" pitchFamily="18" charset="0"/>
-              </a:rPr>
-              <a:t>5. Application Deployment</a:t>
-            </a:r>
+            <a:endParaRPr lang="en-US" dirty="0">
+              <a:latin typeface="Times New Roman" panose="02020603050405020304" pitchFamily="18" charset="0"/>
+              <a:cs typeface="Times New Roman" panose="02020603050405020304" pitchFamily="18" charset="0"/>
+            </a:endParaRPr>
+          </a:p>
+          <a:p>
+            <a:endParaRPr lang="en-US" dirty="0"/>
           </a:p>
         </p:txBody>
       </p:sp>
     </p:spTree>
     <p:extLst>
       <p:ext uri="{BB962C8B-B14F-4D97-AF65-F5344CB8AC3E}">
-        <p14:creationId xmlns:p14="http://schemas.microsoft.com/office/powerpoint/2010/main" val="3614784765"/>
+        <p14:creationId xmlns:p14="http://schemas.microsoft.com/office/powerpoint/2010/main" val="3568249634"/>
       </p:ext>
     </p:extLst>
   </p:cSld>
@@ -4961,215 +5433,70 @@
           <a:chExt cx="0" cy="0"/>
         </a:xfrm>
       </p:grpSpPr>
-      <p:sp>
-        <p:nvSpPr>
-          <p:cNvPr id="2" name="Title 1">
+      <p:pic>
+        <p:nvPicPr>
+          <p:cNvPr id="5" name="Picture 4">
             <a:extLst>
               <a:ext uri="{FF2B5EF4-FFF2-40B4-BE49-F238E27FC236}">
-                <a16:creationId xmlns:a16="http://schemas.microsoft.com/office/drawing/2014/main" id="{22E646C0-8C7D-431D-B5B0-2DB6080CF13F}"/>
+                <a16:creationId xmlns:a16="http://schemas.microsoft.com/office/drawing/2014/main" id="{21B4F833-B8FC-4C62-B34E-3B7962B5D1DA}"/>
               </a:ext>
             </a:extLst>
           </p:cNvPr>
-          <p:cNvSpPr>
-            <a:spLocks noGrp="1"/>
-          </p:cNvSpPr>
-          <p:nvPr>
-            <p:ph type="title"/>
-          </p:nvPr>
-        </p:nvSpPr>
-        <p:spPr/>
-        <p:txBody>
-          <a:bodyPr>
-            <a:normAutofit/>
-          </a:bodyPr>
-          <a:lstStyle/>
-          <a:p>
-            <a:r>
-              <a:rPr lang="en-US" sz="3600" dirty="0">
-                <a:latin typeface="Times New Roman" panose="02020603050405020304" pitchFamily="18" charset="0"/>
-                <a:cs typeface="Times New Roman" panose="02020603050405020304" pitchFamily="18" charset="0"/>
-              </a:rPr>
-              <a:t>Approaches to Built in Software Applications </a:t>
-            </a:r>
-          </a:p>
-        </p:txBody>
-      </p:sp>
-      <p:sp>
-        <p:nvSpPr>
-          <p:cNvPr id="3" name="Content Placeholder 2">
+          <p:cNvPicPr>
+            <a:picLocks noChangeAspect="1"/>
+          </p:cNvPicPr>
+          <p:nvPr/>
+        </p:nvPicPr>
+        <p:blipFill>
+          <a:blip r:embed="rId2"/>
+          <a:stretch>
+            <a:fillRect/>
+          </a:stretch>
+        </p:blipFill>
+        <p:spPr>
+          <a:xfrm>
+            <a:off x="142875" y="133742"/>
+            <a:ext cx="5953125" cy="3549025"/>
+          </a:xfrm>
+          <a:prstGeom prst="rect">
+            <a:avLst/>
+          </a:prstGeom>
+        </p:spPr>
+      </p:pic>
+      <p:pic>
+        <p:nvPicPr>
+          <p:cNvPr id="7" name="Picture 6">
             <a:extLst>
               <a:ext uri="{FF2B5EF4-FFF2-40B4-BE49-F238E27FC236}">
-                <a16:creationId xmlns:a16="http://schemas.microsoft.com/office/drawing/2014/main" id="{3DE3F283-F0BF-4963-ADD0-6B74918B216A}"/>
+                <a16:creationId xmlns:a16="http://schemas.microsoft.com/office/drawing/2014/main" id="{537F4B77-9369-44AB-B448-474ECFB43A7B}"/>
               </a:ext>
             </a:extLst>
           </p:cNvPr>
-          <p:cNvSpPr>
-            <a:spLocks noGrp="1"/>
-          </p:cNvSpPr>
-          <p:nvPr>
-            <p:ph idx="1"/>
-          </p:nvPr>
-        </p:nvSpPr>
-        <p:spPr/>
-        <p:txBody>
-          <a:bodyPr>
-            <a:normAutofit/>
-          </a:bodyPr>
-          <a:lstStyle/>
-          <a:p>
-            <a:pPr>
-              <a:buFont typeface="Arial" panose="020B0604020202020204" pitchFamily="34" charset="0"/>
-              <a:buChar char="•"/>
-            </a:pPr>
-            <a:r>
-              <a:rPr lang="en-US" dirty="0">
-                <a:latin typeface="Times New Roman" panose="02020603050405020304" pitchFamily="18" charset="0"/>
-                <a:cs typeface="Times New Roman" panose="02020603050405020304" pitchFamily="18" charset="0"/>
-              </a:rPr>
-              <a:t>UI to Data: Starts building the application by creating user interfaces and then linking it with </a:t>
-            </a:r>
-            <a:br>
-              <a:rPr lang="en-US" dirty="0">
-                <a:latin typeface="Times New Roman" panose="02020603050405020304" pitchFamily="18" charset="0"/>
-                <a:cs typeface="Times New Roman" panose="02020603050405020304" pitchFamily="18" charset="0"/>
-              </a:rPr>
-            </a:br>
-            <a:r>
-              <a:rPr lang="en-US" dirty="0">
-                <a:latin typeface="Times New Roman" panose="02020603050405020304" pitchFamily="18" charset="0"/>
-                <a:cs typeface="Times New Roman" panose="02020603050405020304" pitchFamily="18" charset="0"/>
-              </a:rPr>
-              <a:t>	needed data sources. </a:t>
-            </a:r>
-            <a:br>
-              <a:rPr lang="en-US" dirty="0">
-                <a:latin typeface="Times New Roman" panose="02020603050405020304" pitchFamily="18" charset="0"/>
-                <a:cs typeface="Times New Roman" panose="02020603050405020304" pitchFamily="18" charset="0"/>
-              </a:rPr>
-            </a:br>
-            <a:r>
-              <a:rPr lang="en-US" dirty="0">
-                <a:latin typeface="Times New Roman" panose="02020603050405020304" pitchFamily="18" charset="0"/>
-                <a:cs typeface="Times New Roman" panose="02020603050405020304" pitchFamily="18" charset="0"/>
-              </a:rPr>
-              <a:t>	</a:t>
-            </a:r>
-            <a:r>
-              <a:rPr lang="en-US" dirty="0" err="1">
-                <a:latin typeface="Times New Roman" panose="02020603050405020304" pitchFamily="18" charset="0"/>
-                <a:cs typeface="Times New Roman" panose="02020603050405020304" pitchFamily="18" charset="0"/>
-              </a:rPr>
-              <a:t>Eg</a:t>
-            </a:r>
-            <a:r>
-              <a:rPr lang="en-US" dirty="0">
-                <a:latin typeface="Times New Roman" panose="02020603050405020304" pitchFamily="18" charset="0"/>
-                <a:cs typeface="Times New Roman" panose="02020603050405020304" pitchFamily="18" charset="0"/>
-              </a:rPr>
-              <a:t>: </a:t>
-            </a:r>
-            <a:r>
-              <a:rPr lang="en-US" dirty="0" err="1">
-                <a:latin typeface="Times New Roman" panose="02020603050405020304" pitchFamily="18" charset="0"/>
-                <a:cs typeface="Times New Roman" panose="02020603050405020304" pitchFamily="18" charset="0"/>
-              </a:rPr>
-              <a:t>Mendix</a:t>
-            </a:r>
-            <a:r>
-              <a:rPr lang="en-US" dirty="0">
-                <a:latin typeface="Times New Roman" panose="02020603050405020304" pitchFamily="18" charset="0"/>
-                <a:cs typeface="Times New Roman" panose="02020603050405020304" pitchFamily="18" charset="0"/>
-              </a:rPr>
-              <a:t>, </a:t>
-            </a:r>
-            <a:r>
-              <a:rPr lang="en-US" dirty="0" err="1">
-                <a:latin typeface="Times New Roman" panose="02020603050405020304" pitchFamily="18" charset="0"/>
-                <a:cs typeface="Times New Roman" panose="02020603050405020304" pitchFamily="18" charset="0"/>
-              </a:rPr>
-              <a:t>Zoho</a:t>
-            </a:r>
-            <a:r>
-              <a:rPr lang="en-US" dirty="0">
-                <a:latin typeface="Times New Roman" panose="02020603050405020304" pitchFamily="18" charset="0"/>
-                <a:cs typeface="Times New Roman" panose="02020603050405020304" pitchFamily="18" charset="0"/>
-              </a:rPr>
-              <a:t> Creator, Microsoft Power Apps</a:t>
-            </a:r>
-          </a:p>
-          <a:p>
-            <a:pPr>
-              <a:buFont typeface="Arial" panose="020B0604020202020204" pitchFamily="34" charset="0"/>
-              <a:buChar char="•"/>
-            </a:pPr>
-            <a:r>
-              <a:rPr lang="en-US" dirty="0">
-                <a:latin typeface="Times New Roman" panose="02020603050405020304" pitchFamily="18" charset="0"/>
-                <a:cs typeface="Times New Roman" panose="02020603050405020304" pitchFamily="18" charset="0"/>
-              </a:rPr>
-              <a:t>Data to UI: Data-driven approach. Starts from data modeling and then builds the user interface </a:t>
-            </a:r>
-            <a:br>
-              <a:rPr lang="en-US" dirty="0">
-                <a:latin typeface="Times New Roman" panose="02020603050405020304" pitchFamily="18" charset="0"/>
-                <a:cs typeface="Times New Roman" panose="02020603050405020304" pitchFamily="18" charset="0"/>
-              </a:rPr>
-            </a:br>
-            <a:r>
-              <a:rPr lang="en-US" dirty="0">
-                <a:latin typeface="Times New Roman" panose="02020603050405020304" pitchFamily="18" charset="0"/>
-                <a:cs typeface="Times New Roman" panose="02020603050405020304" pitchFamily="18" charset="0"/>
-              </a:rPr>
-              <a:t>	of the application</a:t>
-            </a:r>
-            <a:br>
-              <a:rPr lang="en-US" dirty="0">
-                <a:latin typeface="Times New Roman" panose="02020603050405020304" pitchFamily="18" charset="0"/>
-                <a:cs typeface="Times New Roman" panose="02020603050405020304" pitchFamily="18" charset="0"/>
-              </a:rPr>
-            </a:br>
-            <a:r>
-              <a:rPr lang="en-US" dirty="0">
-                <a:latin typeface="Times New Roman" panose="02020603050405020304" pitchFamily="18" charset="0"/>
-                <a:cs typeface="Times New Roman" panose="02020603050405020304" pitchFamily="18" charset="0"/>
-              </a:rPr>
-              <a:t>	</a:t>
-            </a:r>
-            <a:r>
-              <a:rPr lang="en-US" dirty="0" err="1">
-                <a:latin typeface="Times New Roman" panose="02020603050405020304" pitchFamily="18" charset="0"/>
-                <a:cs typeface="Times New Roman" panose="02020603050405020304" pitchFamily="18" charset="0"/>
-              </a:rPr>
-              <a:t>Eg</a:t>
-            </a:r>
-            <a:r>
-              <a:rPr lang="en-US" dirty="0">
-                <a:latin typeface="Times New Roman" panose="02020603050405020304" pitchFamily="18" charset="0"/>
-                <a:cs typeface="Times New Roman" panose="02020603050405020304" pitchFamily="18" charset="0"/>
-              </a:rPr>
-              <a:t>: </a:t>
-            </a:r>
-            <a:r>
-              <a:rPr lang="en-US" dirty="0" err="1">
-                <a:latin typeface="Times New Roman" panose="02020603050405020304" pitchFamily="18" charset="0"/>
-                <a:cs typeface="Times New Roman" panose="02020603050405020304" pitchFamily="18" charset="0"/>
-              </a:rPr>
-              <a:t>OutSystems</a:t>
-            </a:r>
-            <a:r>
-              <a:rPr lang="en-US" dirty="0">
-                <a:latin typeface="Times New Roman" panose="02020603050405020304" pitchFamily="18" charset="0"/>
-                <a:cs typeface="Times New Roman" panose="02020603050405020304" pitchFamily="18" charset="0"/>
-              </a:rPr>
-              <a:t>, Salesforce App Cloud, Microsoft Power Apps, Appian. </a:t>
-            </a:r>
-          </a:p>
-        </p:txBody>
-      </p:sp>
+          <p:cNvPicPr>
+            <a:picLocks noChangeAspect="1"/>
+          </p:cNvPicPr>
+          <p:nvPr/>
+        </p:nvPicPr>
+        <p:blipFill>
+          <a:blip r:embed="rId3"/>
+          <a:stretch>
+            <a:fillRect/>
+          </a:stretch>
+        </p:blipFill>
+        <p:spPr>
+          <a:xfrm>
+            <a:off x="5914238" y="427839"/>
+            <a:ext cx="5018146" cy="4073073"/>
+          </a:xfrm>
+          <a:prstGeom prst="rect">
+            <a:avLst/>
+          </a:prstGeom>
+        </p:spPr>
+      </p:pic>
     </p:spTree>
     <p:extLst>
       <p:ext uri="{BB962C8B-B14F-4D97-AF65-F5344CB8AC3E}">
-        <p14:creationId xmlns:p14="http://schemas.microsoft.com/office/powerpoint/2010/main" val="716749831"/>
+        <p14:creationId xmlns:p14="http://schemas.microsoft.com/office/powerpoint/2010/main" val="3458821628"/>
       </p:ext>
     </p:extLst>
   </p:cSld>
@@ -5201,7 +5528,7 @@
           <p:cNvPr id="2" name="Title 1">
             <a:extLst>
               <a:ext uri="{FF2B5EF4-FFF2-40B4-BE49-F238E27FC236}">
-                <a16:creationId xmlns:a16="http://schemas.microsoft.com/office/drawing/2014/main" id="{F6D61DF8-1B99-49F9-85F4-731F4FE088A7}"/>
+                <a16:creationId xmlns:a16="http://schemas.microsoft.com/office/drawing/2014/main" id="{9B1F3E75-D1BC-4DD0-97BF-604D45FCD7B1}"/>
               </a:ext>
             </a:extLst>
           </p:cNvPr>
@@ -5224,8 +5551,9 @@
                 <a:latin typeface="Times New Roman" panose="02020603050405020304" pitchFamily="18" charset="0"/>
                 <a:cs typeface="Times New Roman" panose="02020603050405020304" pitchFamily="18" charset="0"/>
               </a:rPr>
-              <a:t>Capabilities that a LCD/NCD platform can Offer and their features[2]</a:t>
-            </a:r>
+              <a:t>Supporting Technologies Behind LCD/NCD contd. </a:t>
+            </a:r>
+            <a:endParaRPr lang="en-US" sz="3600" dirty="0"/>
           </a:p>
         </p:txBody>
       </p:sp>
@@ -5234,7 +5562,7 @@
           <p:cNvPr id="3" name="Content Placeholder 2">
             <a:extLst>
               <a:ext uri="{FF2B5EF4-FFF2-40B4-BE49-F238E27FC236}">
-                <a16:creationId xmlns:a16="http://schemas.microsoft.com/office/drawing/2014/main" id="{0F528519-E906-455C-B26D-7F98A78C12B5}"/>
+                <a16:creationId xmlns:a16="http://schemas.microsoft.com/office/drawing/2014/main" id="{C76850EB-3DD9-48BE-81B8-59BB7F8D5EE2}"/>
               </a:ext>
             </a:extLst>
           </p:cNvPr>
@@ -5245,184 +5573,132 @@
             <p:ph idx="1"/>
           </p:nvPr>
         </p:nvSpPr>
+        <p:spPr/>
+        <p:txBody>
+          <a:bodyPr/>
+          <a:lstStyle/>
+          <a:p>
+            <a:r>
+              <a:rPr lang="en-US" dirty="0">
+                <a:latin typeface="Times New Roman" panose="02020603050405020304" pitchFamily="18" charset="0"/>
+                <a:cs typeface="Times New Roman" panose="02020603050405020304" pitchFamily="18" charset="0"/>
+              </a:rPr>
+              <a:t>Server-side scripting : In web development that involves employing scripts on a web server and </a:t>
+            </a:r>
+            <a:br>
+              <a:rPr lang="en-US" dirty="0">
+                <a:latin typeface="Times New Roman" panose="02020603050405020304" pitchFamily="18" charset="0"/>
+                <a:cs typeface="Times New Roman" panose="02020603050405020304" pitchFamily="18" charset="0"/>
+              </a:rPr>
+            </a:br>
+            <a:r>
+              <a:rPr lang="en-US" dirty="0">
+                <a:latin typeface="Times New Roman" panose="02020603050405020304" pitchFamily="18" charset="0"/>
+                <a:cs typeface="Times New Roman" panose="02020603050405020304" pitchFamily="18" charset="0"/>
+              </a:rPr>
+              <a:t>	produces a response customized for each user’s request. Allow user to create website with</a:t>
+            </a:r>
+            <a:br>
+              <a:rPr lang="en-US" dirty="0">
+                <a:latin typeface="Times New Roman" panose="02020603050405020304" pitchFamily="18" charset="0"/>
+                <a:cs typeface="Times New Roman" panose="02020603050405020304" pitchFamily="18" charset="0"/>
+              </a:rPr>
+            </a:br>
+            <a:r>
+              <a:rPr lang="en-US" dirty="0">
+                <a:latin typeface="Times New Roman" panose="02020603050405020304" pitchFamily="18" charset="0"/>
+                <a:cs typeface="Times New Roman" panose="02020603050405020304" pitchFamily="18" charset="0"/>
+              </a:rPr>
+              <a:t>             zero code. </a:t>
+            </a:r>
+          </a:p>
+          <a:p>
+            <a:r>
+              <a:rPr lang="en-US" dirty="0">
+                <a:latin typeface="Times New Roman" panose="02020603050405020304" pitchFamily="18" charset="0"/>
+                <a:cs typeface="Times New Roman" panose="02020603050405020304" pitchFamily="18" charset="0"/>
+              </a:rPr>
+              <a:t>WordPress:</a:t>
+            </a:r>
+            <a:br>
+              <a:rPr lang="en-US" dirty="0">
+                <a:latin typeface="Times New Roman" panose="02020603050405020304" pitchFamily="18" charset="0"/>
+                <a:cs typeface="Times New Roman" panose="02020603050405020304" pitchFamily="18" charset="0"/>
+              </a:rPr>
+            </a:br>
+            <a:r>
+              <a:rPr lang="en-US" dirty="0">
+                <a:latin typeface="Times New Roman" panose="02020603050405020304" pitchFamily="18" charset="0"/>
+                <a:cs typeface="Times New Roman" panose="02020603050405020304" pitchFamily="18" charset="0"/>
+              </a:rPr>
+              <a:t>Plugins: Infinite combinations, infinite possibility. </a:t>
+            </a:r>
+            <a:br>
+              <a:rPr lang="en-US" dirty="0">
+                <a:latin typeface="Times New Roman" panose="02020603050405020304" pitchFamily="18" charset="0"/>
+                <a:cs typeface="Times New Roman" panose="02020603050405020304" pitchFamily="18" charset="0"/>
+              </a:rPr>
+            </a:br>
+            <a:r>
+              <a:rPr lang="en-US" dirty="0">
+                <a:latin typeface="Times New Roman" panose="02020603050405020304" pitchFamily="18" charset="0"/>
+                <a:cs typeface="Times New Roman" panose="02020603050405020304" pitchFamily="18" charset="0"/>
+              </a:rPr>
+              <a:t>Ecommerce: Turn your site into a store</a:t>
+            </a:r>
+            <a:br>
+              <a:rPr lang="en-US" dirty="0">
+                <a:latin typeface="Times New Roman" panose="02020603050405020304" pitchFamily="18" charset="0"/>
+                <a:cs typeface="Times New Roman" panose="02020603050405020304" pitchFamily="18" charset="0"/>
+              </a:rPr>
+            </a:br>
+            <a:r>
+              <a:rPr lang="en-US" dirty="0">
+                <a:latin typeface="Times New Roman" panose="02020603050405020304" pitchFamily="18" charset="0"/>
+                <a:cs typeface="Times New Roman" panose="02020603050405020304" pitchFamily="18" charset="0"/>
+              </a:rPr>
+              <a:t>Built-in marketing: Rely on built-in SEO tools, Mailchimp, Google Analytics integrations. </a:t>
+            </a:r>
+          </a:p>
+          <a:p>
+            <a:endParaRPr lang="en-US" dirty="0"/>
+          </a:p>
+        </p:txBody>
+      </p:sp>
+      <p:pic>
+        <p:nvPicPr>
+          <p:cNvPr id="5" name="Picture 4">
+            <a:extLst>
+              <a:ext uri="{FF2B5EF4-FFF2-40B4-BE49-F238E27FC236}">
+                <a16:creationId xmlns:a16="http://schemas.microsoft.com/office/drawing/2014/main" id="{14A13A29-51A3-4A86-907B-56C5C217323A}"/>
+              </a:ext>
+            </a:extLst>
+          </p:cNvPr>
+          <p:cNvPicPr>
+            <a:picLocks noChangeAspect="1"/>
+          </p:cNvPicPr>
+          <p:nvPr/>
+        </p:nvPicPr>
+        <p:blipFill>
+          <a:blip r:embed="rId2"/>
+          <a:stretch>
+            <a:fillRect/>
+          </a:stretch>
+        </p:blipFill>
         <p:spPr>
           <a:xfrm>
-            <a:off x="1097280" y="1845733"/>
-            <a:ext cx="10058400" cy="4244673"/>
+            <a:off x="3775046" y="4026717"/>
+            <a:ext cx="6560191" cy="2831284"/>
           </a:xfrm>
+          <a:prstGeom prst="rect">
+            <a:avLst/>
+          </a:prstGeom>
         </p:spPr>
-        <p:txBody>
-          <a:bodyPr/>
-          <a:lstStyle/>
-          <a:p>
-            <a:pPr>
-              <a:buFont typeface="Arial" panose="020B0604020202020204" pitchFamily="34" charset="0"/>
-              <a:buChar char="•"/>
-            </a:pPr>
-            <a:r>
-              <a:rPr lang="en-US" dirty="0">
-                <a:latin typeface="Times New Roman" panose="02020603050405020304" pitchFamily="18" charset="0"/>
-                <a:cs typeface="Times New Roman" panose="02020603050405020304" pitchFamily="18" charset="0"/>
-              </a:rPr>
-              <a:t>Graphical User Interface: Represents provided functionalities available in frontend. </a:t>
-            </a:r>
-            <a:br>
-              <a:rPr lang="en-US" dirty="0">
-                <a:latin typeface="Times New Roman" panose="02020603050405020304" pitchFamily="18" charset="0"/>
-                <a:cs typeface="Times New Roman" panose="02020603050405020304" pitchFamily="18" charset="0"/>
-              </a:rPr>
-            </a:br>
-            <a:r>
-              <a:rPr lang="en-US" dirty="0">
-                <a:latin typeface="Times New Roman" panose="02020603050405020304" pitchFamily="18" charset="0"/>
-                <a:cs typeface="Times New Roman" panose="02020603050405020304" pitchFamily="18" charset="0"/>
-              </a:rPr>
-              <a:t>Features: Drag-and-drop tools, forms, point and click approach, pre-built dashboards, built-in </a:t>
-            </a:r>
-            <a:br>
-              <a:rPr lang="en-US" dirty="0">
-                <a:latin typeface="Times New Roman" panose="02020603050405020304" pitchFamily="18" charset="0"/>
-                <a:cs typeface="Times New Roman" panose="02020603050405020304" pitchFamily="18" charset="0"/>
-              </a:rPr>
-            </a:br>
-            <a:r>
-              <a:rPr lang="en-US" dirty="0">
-                <a:latin typeface="Times New Roman" panose="02020603050405020304" pitchFamily="18" charset="0"/>
-                <a:cs typeface="Times New Roman" panose="02020603050405020304" pitchFamily="18" charset="0"/>
-              </a:rPr>
-              <a:t>	workflows</a:t>
-            </a:r>
-          </a:p>
-          <a:p>
-            <a:pPr>
-              <a:buFont typeface="Arial" panose="020B0604020202020204" pitchFamily="34" charset="0"/>
-              <a:buChar char="•"/>
-            </a:pPr>
-            <a:r>
-              <a:rPr lang="en-US" dirty="0">
-                <a:latin typeface="Times New Roman" panose="02020603050405020304" pitchFamily="18" charset="0"/>
-                <a:cs typeface="Times New Roman" panose="02020603050405020304" pitchFamily="18" charset="0"/>
-              </a:rPr>
-              <a:t> Interoperability support with external services and data sources: </a:t>
-            </a:r>
-            <a:br>
-              <a:rPr lang="en-US" dirty="0">
-                <a:latin typeface="Times New Roman" panose="02020603050405020304" pitchFamily="18" charset="0"/>
-                <a:cs typeface="Times New Roman" panose="02020603050405020304" pitchFamily="18" charset="0"/>
-              </a:rPr>
-            </a:br>
-            <a:r>
-              <a:rPr lang="en-US" dirty="0">
-                <a:latin typeface="Times New Roman" panose="02020603050405020304" pitchFamily="18" charset="0"/>
-                <a:cs typeface="Times New Roman" panose="02020603050405020304" pitchFamily="18" charset="0"/>
-              </a:rPr>
-              <a:t>	possibility of interacting with external services. (Dropbox, Zapier, Office 365)</a:t>
-            </a:r>
-            <a:br>
-              <a:rPr lang="en-US" dirty="0">
-                <a:latin typeface="Times New Roman" panose="02020603050405020304" pitchFamily="18" charset="0"/>
-                <a:cs typeface="Times New Roman" panose="02020603050405020304" pitchFamily="18" charset="0"/>
-              </a:rPr>
-            </a:br>
-            <a:r>
-              <a:rPr lang="en-US" dirty="0">
-                <a:latin typeface="Times New Roman" panose="02020603050405020304" pitchFamily="18" charset="0"/>
-                <a:cs typeface="Times New Roman" panose="02020603050405020304" pitchFamily="18" charset="0"/>
-              </a:rPr>
-              <a:t>Features: Interoperability with external services, connection with data sources </a:t>
-            </a:r>
-          </a:p>
-          <a:p>
-            <a:pPr>
-              <a:buFont typeface="Arial" panose="020B0604020202020204" pitchFamily="34" charset="0"/>
-              <a:buChar char="•"/>
-            </a:pPr>
-            <a:r>
-              <a:rPr lang="en-US" dirty="0">
-                <a:latin typeface="Times New Roman" panose="02020603050405020304" pitchFamily="18" charset="0"/>
-                <a:cs typeface="Times New Roman" panose="02020603050405020304" pitchFamily="18" charset="0"/>
-              </a:rPr>
-              <a:t>Security Support: Security aspects like authentication mechanisms, adopted security protocols.</a:t>
-            </a:r>
-            <a:br>
-              <a:rPr lang="en-US" dirty="0">
-                <a:latin typeface="Times New Roman" panose="02020603050405020304" pitchFamily="18" charset="0"/>
-                <a:cs typeface="Times New Roman" panose="02020603050405020304" pitchFamily="18" charset="0"/>
-              </a:rPr>
-            </a:br>
-            <a:r>
-              <a:rPr lang="en-US" dirty="0">
-                <a:latin typeface="Times New Roman" panose="02020603050405020304" pitchFamily="18" charset="0"/>
-                <a:cs typeface="Times New Roman" panose="02020603050405020304" pitchFamily="18" charset="0"/>
-              </a:rPr>
-              <a:t>Features: Application, Platform security</a:t>
-            </a:r>
-          </a:p>
-          <a:p>
-            <a:pPr>
-              <a:buFont typeface="Arial" panose="020B0604020202020204" pitchFamily="34" charset="0"/>
-              <a:buChar char="•"/>
-            </a:pPr>
-            <a:r>
-              <a:rPr lang="en-US" dirty="0">
-                <a:latin typeface="Times New Roman" panose="02020603050405020304" pitchFamily="18" charset="0"/>
-                <a:cs typeface="Times New Roman" panose="02020603050405020304" pitchFamily="18" charset="0"/>
-              </a:rPr>
-              <a:t>Collaborative Development Support: Collaboration models.</a:t>
-            </a:r>
-            <a:br>
-              <a:rPr lang="en-US" dirty="0">
-                <a:latin typeface="Times New Roman" panose="02020603050405020304" pitchFamily="18" charset="0"/>
-                <a:cs typeface="Times New Roman" panose="02020603050405020304" pitchFamily="18" charset="0"/>
-              </a:rPr>
-            </a:br>
-            <a:r>
-              <a:rPr lang="en-US" dirty="0">
-                <a:latin typeface="Times New Roman" panose="02020603050405020304" pitchFamily="18" charset="0"/>
-                <a:cs typeface="Times New Roman" panose="02020603050405020304" pitchFamily="18" charset="0"/>
-              </a:rPr>
-              <a:t>Features: on-line, off-line collaborations </a:t>
-            </a:r>
-          </a:p>
-          <a:p>
-            <a:pPr>
-              <a:buFont typeface="Arial" panose="020B0604020202020204" pitchFamily="34" charset="0"/>
-              <a:buChar char="•"/>
-            </a:pPr>
-            <a:r>
-              <a:rPr lang="en-US" dirty="0">
-                <a:latin typeface="Times New Roman" panose="02020603050405020304" pitchFamily="18" charset="0"/>
-                <a:cs typeface="Times New Roman" panose="02020603050405020304" pitchFamily="18" charset="0"/>
-              </a:rPr>
-              <a:t>Reusability Support: Enable to reuse already developed artifacts. </a:t>
-            </a:r>
-            <a:br>
-              <a:rPr lang="en-US" dirty="0">
-                <a:latin typeface="Times New Roman" panose="02020603050405020304" pitchFamily="18" charset="0"/>
-                <a:cs typeface="Times New Roman" panose="02020603050405020304" pitchFamily="18" charset="0"/>
-              </a:rPr>
-            </a:br>
-            <a:r>
-              <a:rPr lang="en-US" dirty="0">
-                <a:latin typeface="Times New Roman" panose="02020603050405020304" pitchFamily="18" charset="0"/>
-                <a:cs typeface="Times New Roman" panose="02020603050405020304" pitchFamily="18" charset="0"/>
-              </a:rPr>
-              <a:t>Features: Built-in workflows, Pre-built forms/ reports, pre-built dashboards. </a:t>
-            </a:r>
-          </a:p>
-          <a:p>
-            <a:pPr>
-              <a:buFont typeface="Arial" panose="020B0604020202020204" pitchFamily="34" charset="0"/>
-              <a:buChar char="•"/>
-            </a:pPr>
-            <a:endParaRPr lang="en-US" dirty="0"/>
-          </a:p>
-        </p:txBody>
-      </p:sp>
+      </p:pic>
     </p:spTree>
     <p:extLst>
       <p:ext uri="{BB962C8B-B14F-4D97-AF65-F5344CB8AC3E}">
-        <p14:creationId xmlns:p14="http://schemas.microsoft.com/office/powerpoint/2010/main" val="943016761"/>
+        <p14:creationId xmlns:p14="http://schemas.microsoft.com/office/powerpoint/2010/main" val="2915278377"/>
       </p:ext>
     </p:extLst>
   </p:cSld>
@@ -5454,7 +5730,7 @@
           <p:cNvPr id="2" name="Title 1">
             <a:extLst>
               <a:ext uri="{FF2B5EF4-FFF2-40B4-BE49-F238E27FC236}">
-                <a16:creationId xmlns:a16="http://schemas.microsoft.com/office/drawing/2014/main" id="{F2E11A92-8337-4A79-BD86-F917CA5E5528}"/>
+                <a16:creationId xmlns:a16="http://schemas.microsoft.com/office/drawing/2014/main" id="{8850C926-D99F-4E09-A943-8324D758F127}"/>
               </a:ext>
             </a:extLst>
           </p:cNvPr>
@@ -5477,8 +5753,9 @@
                 <a:latin typeface="Times New Roman" panose="02020603050405020304" pitchFamily="18" charset="0"/>
                 <a:cs typeface="Times New Roman" panose="02020603050405020304" pitchFamily="18" charset="0"/>
               </a:rPr>
-              <a:t>Capabilities and Features Contd. </a:t>
-            </a:r>
+              <a:t>Supporting Technologies Behind LCD/NCD contd. </a:t>
+            </a:r>
+            <a:endParaRPr lang="en-US" sz="3600" dirty="0"/>
           </a:p>
         </p:txBody>
       </p:sp>
@@ -5487,7 +5764,7 @@
           <p:cNvPr id="3" name="Content Placeholder 2">
             <a:extLst>
               <a:ext uri="{FF2B5EF4-FFF2-40B4-BE49-F238E27FC236}">
-                <a16:creationId xmlns:a16="http://schemas.microsoft.com/office/drawing/2014/main" id="{286E75DC-8B01-4C78-B24B-B412AC263F03}"/>
+                <a16:creationId xmlns:a16="http://schemas.microsoft.com/office/drawing/2014/main" id="{8748903B-0695-4B53-9EC1-422F0E9D5B2A}"/>
               </a:ext>
             </a:extLst>
           </p:cNvPr>
@@ -5500,21 +5777,15 @@
         </p:nvSpPr>
         <p:spPr/>
         <p:txBody>
-          <a:bodyPr>
-            <a:normAutofit/>
-          </a:bodyPr>
+          <a:bodyPr/>
           <a:lstStyle/>
           <a:p>
-            <a:pPr>
-              <a:buFont typeface="Arial" panose="020B0604020202020204" pitchFamily="34" charset="0"/>
-              <a:buChar char="•"/>
-            </a:pPr>
-            <a:r>
-              <a:rPr lang="en-US" dirty="0">
-                <a:latin typeface="Times New Roman" panose="02020603050405020304" pitchFamily="18" charset="0"/>
-                <a:cs typeface="Times New Roman" panose="02020603050405020304" pitchFamily="18" charset="0"/>
-              </a:rPr>
-              <a:t>Scalability Support: Scale up applications according to different dimensions.</a:t>
+            <a:r>
+              <a:rPr lang="en-US" dirty="0">
+                <a:latin typeface="Times New Roman" panose="02020603050405020304" pitchFamily="18" charset="0"/>
+                <a:cs typeface="Times New Roman" panose="02020603050405020304" pitchFamily="18" charset="0"/>
+              </a:rPr>
+              <a:t>SOAP (Simple Object Access Protocol) : Messaging protocol specification for exchanging </a:t>
             </a:r>
             <a:br>
               <a:rPr lang="en-US" dirty="0">
@@ -5527,20 +5798,16 @@
                 <a:latin typeface="Times New Roman" panose="02020603050405020304" pitchFamily="18" charset="0"/>
                 <a:cs typeface="Times New Roman" panose="02020603050405020304" pitchFamily="18" charset="0"/>
               </a:rPr>
-              <a:t>Features: Scalability on number of users, data traffic, data storage. </a:t>
-            </a:r>
-          </a:p>
-          <a:p>
-            <a:pPr>
-              <a:buFont typeface="Arial" panose="020B0604020202020204" pitchFamily="34" charset="0"/>
-              <a:buChar char="•"/>
-            </a:pPr>
-            <a:r>
-              <a:rPr lang="en-US" dirty="0">
-                <a:latin typeface="Times New Roman" panose="02020603050405020304" pitchFamily="18" charset="0"/>
-                <a:cs typeface="Times New Roman" panose="02020603050405020304" pitchFamily="18" charset="0"/>
-              </a:rPr>
-              <a:t>Business Logic Specification Mechanisms:</a:t>
+              <a:t>			structured information in implementation of web services.</a:t>
+            </a:r>
+          </a:p>
+          <a:p>
+            <a:r>
+              <a:rPr lang="en-US" dirty="0">
+                <a:latin typeface="Times New Roman" panose="02020603050405020304" pitchFamily="18" charset="0"/>
+                <a:cs typeface="Times New Roman" panose="02020603050405020304" pitchFamily="18" charset="0"/>
+              </a:rPr>
+              <a:t>Bonita: Open Source digital process automation platform. Use model-driven Bonita Studio with </a:t>
             </a:r>
             <a:br>
               <a:rPr lang="en-US" dirty="0">
@@ -5553,7 +5820,7 @@
                 <a:latin typeface="Times New Roman" panose="02020603050405020304" pitchFamily="18" charset="0"/>
                 <a:cs typeface="Times New Roman" panose="02020603050405020304" pitchFamily="18" charset="0"/>
               </a:rPr>
-              <a:t>	Specify the business logic of the application modeled. </a:t>
+              <a:t>	drag-and-drop visual process design to define fundamental business logic. </a:t>
             </a:r>
             <a:br>
               <a:rPr lang="en-US" dirty="0">
@@ -5566,67 +5833,45 @@
                 <a:latin typeface="Times New Roman" panose="02020603050405020304" pitchFamily="18" charset="0"/>
                 <a:cs typeface="Times New Roman" panose="02020603050405020304" pitchFamily="18" charset="0"/>
               </a:rPr>
-              <a:t>Features: Business rule engine, graphical workflow editor, AI enabled business logic, API support</a:t>
-            </a:r>
-          </a:p>
-          <a:p>
-            <a:pPr>
-              <a:buFont typeface="Arial" panose="020B0604020202020204" pitchFamily="34" charset="0"/>
-              <a:buChar char="•"/>
-            </a:pPr>
-            <a:r>
-              <a:rPr lang="en-US" dirty="0">
-                <a:latin typeface="Times New Roman" panose="02020603050405020304" pitchFamily="18" charset="0"/>
-                <a:cs typeface="Times New Roman" panose="02020603050405020304" pitchFamily="18" charset="0"/>
-              </a:rPr>
-              <a:t>Application Build Mechanisms: Ways the application is built. </a:t>
-            </a:r>
-            <a:br>
-              <a:rPr lang="en-US" dirty="0">
-                <a:latin typeface="Times New Roman" panose="02020603050405020304" pitchFamily="18" charset="0"/>
-                <a:cs typeface="Times New Roman" panose="02020603050405020304" pitchFamily="18" charset="0"/>
-              </a:rPr>
-            </a:br>
-            <a:r>
-              <a:rPr lang="en-US" dirty="0">
-                <a:latin typeface="Times New Roman" panose="02020603050405020304" pitchFamily="18" charset="0"/>
-                <a:cs typeface="Times New Roman" panose="02020603050405020304" pitchFamily="18" charset="0"/>
-              </a:rPr>
-              <a:t>Features: Code-generation, models at run-time. </a:t>
-            </a:r>
-          </a:p>
-          <a:p>
-            <a:pPr>
-              <a:buFont typeface="Arial" panose="020B0604020202020204" pitchFamily="34" charset="0"/>
-              <a:buChar char="•"/>
-            </a:pPr>
-            <a:r>
-              <a:rPr lang="en-US" dirty="0">
-                <a:latin typeface="Times New Roman" panose="02020603050405020304" pitchFamily="18" charset="0"/>
-                <a:cs typeface="Times New Roman" panose="02020603050405020304" pitchFamily="18" charset="0"/>
-              </a:rPr>
-              <a:t>Deployment Support: Deploying the modeled application. </a:t>
-            </a:r>
-            <a:br>
-              <a:rPr lang="en-US" dirty="0">
-                <a:latin typeface="Times New Roman" panose="02020603050405020304" pitchFamily="18" charset="0"/>
-                <a:cs typeface="Times New Roman" panose="02020603050405020304" pitchFamily="18" charset="0"/>
-              </a:rPr>
-            </a:br>
-            <a:r>
-              <a:rPr lang="en-US" dirty="0">
-                <a:latin typeface="Times New Roman" panose="02020603050405020304" pitchFamily="18" charset="0"/>
-                <a:cs typeface="Times New Roman" panose="02020603050405020304" pitchFamily="18" charset="0"/>
-              </a:rPr>
-              <a:t>Features: Deployment on cloud, local infrastructures. </a:t>
-            </a:r>
-          </a:p>
-        </p:txBody>
-      </p:sp>
+              <a:t>	Use connectors and REST APIs to integrate with you enterprise technology stack. </a:t>
+            </a:r>
+          </a:p>
+        </p:txBody>
+      </p:sp>
+      <p:pic>
+        <p:nvPicPr>
+          <p:cNvPr id="11" name="Picture 10">
+            <a:extLst>
+              <a:ext uri="{FF2B5EF4-FFF2-40B4-BE49-F238E27FC236}">
+                <a16:creationId xmlns:a16="http://schemas.microsoft.com/office/drawing/2014/main" id="{FF91D9C2-5A9E-4AF4-80AE-D72C2BDE8E13}"/>
+              </a:ext>
+            </a:extLst>
+          </p:cNvPr>
+          <p:cNvPicPr>
+            <a:picLocks noChangeAspect="1"/>
+          </p:cNvPicPr>
+          <p:nvPr/>
+        </p:nvPicPr>
+        <p:blipFill>
+          <a:blip r:embed="rId2"/>
+          <a:stretch>
+            <a:fillRect/>
+          </a:stretch>
+        </p:blipFill>
+        <p:spPr>
+          <a:xfrm>
+            <a:off x="1523362" y="3428999"/>
+            <a:ext cx="8149144" cy="3429001"/>
+          </a:xfrm>
+          <a:prstGeom prst="rect">
+            <a:avLst/>
+          </a:prstGeom>
+        </p:spPr>
+      </p:pic>
     </p:spTree>
     <p:extLst>
       <p:ext uri="{BB962C8B-B14F-4D97-AF65-F5344CB8AC3E}">
-        <p14:creationId xmlns:p14="http://schemas.microsoft.com/office/powerpoint/2010/main" val="2642145042"/>
+        <p14:creationId xmlns:p14="http://schemas.microsoft.com/office/powerpoint/2010/main" val="1316560020"/>
       </p:ext>
     </p:extLst>
   </p:cSld>
@@ -5658,7 +5903,7 @@
           <p:cNvPr id="2" name="Title 1">
             <a:extLst>
               <a:ext uri="{FF2B5EF4-FFF2-40B4-BE49-F238E27FC236}">
-                <a16:creationId xmlns:a16="http://schemas.microsoft.com/office/drawing/2014/main" id="{D8667DAB-83AB-4413-AE7E-6EB3DE613043}"/>
+                <a16:creationId xmlns:a16="http://schemas.microsoft.com/office/drawing/2014/main" id="{1BD154B5-7950-4B1C-9E26-88EF2B2ED4E7}"/>
               </a:ext>
             </a:extLst>
           </p:cNvPr>
@@ -5681,7 +5926,7 @@
                 <a:latin typeface="Times New Roman" panose="02020603050405020304" pitchFamily="18" charset="0"/>
                 <a:cs typeface="Times New Roman" panose="02020603050405020304" pitchFamily="18" charset="0"/>
               </a:rPr>
-              <a:t>References</a:t>
+              <a:t>Types of Applications developed. </a:t>
             </a:r>
           </a:p>
         </p:txBody>
@@ -5691,7 +5936,7 @@
           <p:cNvPr id="3" name="Content Placeholder 2">
             <a:extLst>
               <a:ext uri="{FF2B5EF4-FFF2-40B4-BE49-F238E27FC236}">
-                <a16:creationId xmlns:a16="http://schemas.microsoft.com/office/drawing/2014/main" id="{A0D108E6-5AF0-498A-8DDC-D29D2EDBAC02}"/>
+                <a16:creationId xmlns:a16="http://schemas.microsoft.com/office/drawing/2014/main" id="{E6AB921C-6701-499B-8776-5834A5AB8811}"/>
               </a:ext>
             </a:extLst>
           </p:cNvPr>
@@ -5704,112 +5949,68 @@
         </p:nvSpPr>
         <p:spPr/>
         <p:txBody>
-          <a:bodyPr/>
+          <a:bodyPr>
+            <a:normAutofit/>
+          </a:bodyPr>
           <a:lstStyle/>
           <a:p>
             <a:r>
-              <a:rPr lang="en-US" dirty="0"/>
-              <a:t>1</a:t>
-            </a:r>
-            <a:r>
-              <a:rPr lang="en-US" dirty="0">
-                <a:latin typeface="Times New Roman" panose="02020603050405020304" pitchFamily="18" charset="0"/>
-                <a:cs typeface="Times New Roman" panose="02020603050405020304" pitchFamily="18" charset="0"/>
-              </a:rPr>
-              <a:t>. </a:t>
-            </a:r>
-            <a:r>
-              <a:rPr lang="en-US" b="0" i="0" dirty="0">
-                <a:effectLst/>
-                <a:latin typeface="Times New Roman" panose="02020603050405020304" pitchFamily="18" charset="0"/>
-                <a:cs typeface="Times New Roman" panose="02020603050405020304" pitchFamily="18" charset="0"/>
-                <a:hlinkClick r:id="rId2" tooltip="https://arxiv.org/pdf/2107.07482.pdf"/>
-              </a:rPr>
-              <a:t>https://arxiv.org/pdf/2107.07482.pdf</a:t>
-            </a:r>
-            <a:endParaRPr lang="en-US" dirty="0">
-              <a:latin typeface="Times New Roman" panose="02020603050405020304" pitchFamily="18" charset="0"/>
-              <a:cs typeface="Times New Roman" panose="02020603050405020304" pitchFamily="18" charset="0"/>
-            </a:endParaRPr>
-          </a:p>
-          <a:p>
-            <a:r>
-              <a:rPr lang="en-US" dirty="0">
-                <a:latin typeface="Times New Roman" panose="02020603050405020304" pitchFamily="18" charset="0"/>
-                <a:cs typeface="Times New Roman" panose="02020603050405020304" pitchFamily="18" charset="0"/>
-              </a:rPr>
-              <a:t>2.</a:t>
-            </a:r>
-            <a:r>
-              <a:rPr lang="en-US" dirty="0">
-                <a:latin typeface="Times New Roman" panose="02020603050405020304" pitchFamily="18" charset="0"/>
-                <a:cs typeface="Times New Roman" panose="02020603050405020304" pitchFamily="18" charset="0"/>
-                <a:hlinkClick r:id="rId3"/>
-              </a:rPr>
-              <a:t>https://www.researchgate.net/publication/344842798_Supporting_the_understanding_and_comparison_of_low-code_development_platforms</a:t>
-            </a:r>
-            <a:endParaRPr lang="en-US" dirty="0">
-              <a:latin typeface="Times New Roman" panose="02020603050405020304" pitchFamily="18" charset="0"/>
-              <a:cs typeface="Times New Roman" panose="02020603050405020304" pitchFamily="18" charset="0"/>
-            </a:endParaRPr>
-          </a:p>
-          <a:p>
-            <a:r>
-              <a:rPr lang="en-US" dirty="0">
-                <a:latin typeface="Times New Roman" panose="02020603050405020304" pitchFamily="18" charset="0"/>
-                <a:cs typeface="Times New Roman" panose="02020603050405020304" pitchFamily="18" charset="0"/>
-              </a:rPr>
-              <a:t>3. </a:t>
-            </a:r>
-            <a:r>
-              <a:rPr lang="en-US" b="0" i="0" dirty="0">
-                <a:effectLst/>
-                <a:latin typeface="Times New Roman" panose="02020603050405020304" pitchFamily="18" charset="0"/>
-                <a:cs typeface="Times New Roman" panose="02020603050405020304" pitchFamily="18" charset="0"/>
-                <a:hlinkClick r:id="rId4" tooltip="https://www.youtube.com/watch?v=jarcenybuyo"/>
-              </a:rPr>
-              <a:t>https://www.youtube.com/watch?v=jaRCENYBuYo</a:t>
-            </a:r>
-            <a:endParaRPr lang="en-US" dirty="0">
-              <a:latin typeface="Times New Roman" panose="02020603050405020304" pitchFamily="18" charset="0"/>
-              <a:cs typeface="Times New Roman" panose="02020603050405020304" pitchFamily="18" charset="0"/>
-            </a:endParaRPr>
-          </a:p>
-          <a:p>
-            <a:r>
-              <a:rPr lang="en-US" dirty="0">
-                <a:latin typeface="Times New Roman" panose="02020603050405020304" pitchFamily="18" charset="0"/>
-                <a:cs typeface="Times New Roman" panose="02020603050405020304" pitchFamily="18" charset="0"/>
-              </a:rPr>
-              <a:t>4. </a:t>
-            </a:r>
-            <a:r>
-              <a:rPr lang="en-US" b="0" i="0" dirty="0">
-                <a:effectLst/>
-                <a:latin typeface="Times New Roman" panose="02020603050405020304" pitchFamily="18" charset="0"/>
-                <a:cs typeface="Times New Roman" panose="02020603050405020304" pitchFamily="18" charset="0"/>
-                <a:hlinkClick r:id="rId5" tooltip="https://www.youtube.com/watch?v=jwm9nreppmc"/>
-              </a:rPr>
-              <a:t>https://www.youtube.com/watch?v=JwM9NrePPMc</a:t>
-            </a:r>
-            <a:endParaRPr lang="en-US" b="0" i="0" dirty="0">
-              <a:effectLst/>
-              <a:latin typeface="Times New Roman" panose="02020603050405020304" pitchFamily="18" charset="0"/>
-              <a:cs typeface="Times New Roman" panose="02020603050405020304" pitchFamily="18" charset="0"/>
-            </a:endParaRPr>
-          </a:p>
-          <a:p>
-            <a:endParaRPr lang="en-US" dirty="0"/>
-          </a:p>
-          <a:p>
-            <a:endParaRPr lang="en-US" dirty="0"/>
-          </a:p>
-        </p:txBody>
-      </p:sp>
+              <a:rPr lang="en-US" dirty="0">
+                <a:latin typeface="Times New Roman" panose="02020603050405020304" pitchFamily="18" charset="0"/>
+                <a:cs typeface="Times New Roman" panose="02020603050405020304" pitchFamily="18" charset="0"/>
+              </a:rPr>
+              <a:t>Mobile Applications </a:t>
+            </a:r>
+            <a:br>
+              <a:rPr lang="en-US" dirty="0">
+                <a:latin typeface="Times New Roman" panose="02020603050405020304" pitchFamily="18" charset="0"/>
+                <a:cs typeface="Times New Roman" panose="02020603050405020304" pitchFamily="18" charset="0"/>
+              </a:rPr>
+            </a:br>
+            <a:r>
+              <a:rPr lang="en-US" dirty="0">
+                <a:latin typeface="Times New Roman" panose="02020603050405020304" pitchFamily="18" charset="0"/>
+                <a:cs typeface="Times New Roman" panose="02020603050405020304" pitchFamily="18" charset="0"/>
+              </a:rPr>
+              <a:t>Web Applications </a:t>
+            </a:r>
+          </a:p>
+        </p:txBody>
+      </p:sp>
+      <p:pic>
+        <p:nvPicPr>
+          <p:cNvPr id="5" name="Picture 4">
+            <a:extLst>
+              <a:ext uri="{FF2B5EF4-FFF2-40B4-BE49-F238E27FC236}">
+                <a16:creationId xmlns:a16="http://schemas.microsoft.com/office/drawing/2014/main" id="{548232FE-6323-4287-B07E-03A0203E891A}"/>
+              </a:ext>
+            </a:extLst>
+          </p:cNvPr>
+          <p:cNvPicPr>
+            <a:picLocks noChangeAspect="1"/>
+          </p:cNvPicPr>
+          <p:nvPr/>
+        </p:nvPicPr>
+        <p:blipFill>
+          <a:blip r:embed="rId2"/>
+          <a:stretch>
+            <a:fillRect/>
+          </a:stretch>
+        </p:blipFill>
+        <p:spPr>
+          <a:xfrm>
+            <a:off x="3338818" y="1737360"/>
+            <a:ext cx="6194680" cy="4446009"/>
+          </a:xfrm>
+          <a:prstGeom prst="rect">
+            <a:avLst/>
+          </a:prstGeom>
+        </p:spPr>
+      </p:pic>
     </p:spTree>
     <p:extLst>
       <p:ext uri="{BB962C8B-B14F-4D97-AF65-F5344CB8AC3E}">
-        <p14:creationId xmlns:p14="http://schemas.microsoft.com/office/powerpoint/2010/main" val="2223375267"/>
+        <p14:creationId xmlns:p14="http://schemas.microsoft.com/office/powerpoint/2010/main" val="1530031968"/>
       </p:ext>
     </p:extLst>
   </p:cSld>
@@ -5841,7 +6042,7 @@
           <p:cNvPr id="2" name="Title 1">
             <a:extLst>
               <a:ext uri="{FF2B5EF4-FFF2-40B4-BE49-F238E27FC236}">
-                <a16:creationId xmlns:a16="http://schemas.microsoft.com/office/drawing/2014/main" id="{6EAC4F3D-9FB5-48A3-A516-D19D937AA0C6}"/>
+                <a16:creationId xmlns:a16="http://schemas.microsoft.com/office/drawing/2014/main" id="{ABCBFA45-7663-406D-945A-EEB8E3D56CDE}"/>
               </a:ext>
             </a:extLst>
           </p:cNvPr>
@@ -5861,11 +6062,19 @@
           <a:p>
             <a:r>
               <a:rPr lang="en-US" sz="3600" dirty="0">
-                <a:latin typeface="Times New Roman" panose="02020603050405020304" pitchFamily="18" charset="0"/>
-                <a:cs typeface="Times New Roman" panose="02020603050405020304" pitchFamily="18" charset="0"/>
-              </a:rPr>
-              <a:t>Acknowledgement </a:t>
-            </a:r>
+                <a:solidFill>
+                  <a:schemeClr val="tx1"/>
+                </a:solidFill>
+                <a:latin typeface="Times New Roman" panose="02020603050405020304" pitchFamily="18" charset="0"/>
+                <a:cs typeface="Times New Roman" panose="02020603050405020304" pitchFamily="18" charset="0"/>
+              </a:rPr>
+              <a:t>Kinds of Supported Applications:</a:t>
+            </a:r>
+            <a:endParaRPr lang="en-US" sz="3600" dirty="0">
+              <a:solidFill>
+                <a:schemeClr val="tx1"/>
+              </a:solidFill>
+            </a:endParaRPr>
           </a:p>
         </p:txBody>
       </p:sp>
@@ -5874,7 +6083,7 @@
           <p:cNvPr id="3" name="Content Placeholder 2">
             <a:extLst>
               <a:ext uri="{FF2B5EF4-FFF2-40B4-BE49-F238E27FC236}">
-                <a16:creationId xmlns:a16="http://schemas.microsoft.com/office/drawing/2014/main" id="{609EE2BC-9DCF-475A-ADCC-FF0B8FFD526C}"/>
+                <a16:creationId xmlns:a16="http://schemas.microsoft.com/office/drawing/2014/main" id="{66991791-60D4-4D71-AB36-3DB5F7BBCF2A}"/>
               </a:ext>
             </a:extLst>
           </p:cNvPr>
@@ -5883,6 +6092,132 @@
           </p:cNvSpPr>
           <p:nvPr>
             <p:ph idx="1"/>
+          </p:nvPr>
+        </p:nvSpPr>
+        <p:spPr/>
+        <p:txBody>
+          <a:bodyPr/>
+          <a:lstStyle/>
+          <a:p>
+            <a:br>
+              <a:rPr lang="en-US" dirty="0">
+                <a:latin typeface="Times New Roman" panose="02020603050405020304" pitchFamily="18" charset="0"/>
+                <a:cs typeface="Times New Roman" panose="02020603050405020304" pitchFamily="18" charset="0"/>
+              </a:rPr>
+            </a:br>
+            <a:r>
+              <a:rPr lang="en-US">
+                <a:latin typeface="Times New Roman" panose="02020603050405020304" pitchFamily="18" charset="0"/>
+                <a:cs typeface="Times New Roman" panose="02020603050405020304" pitchFamily="18" charset="0"/>
+              </a:rPr>
+              <a:t>Event Monitoring</a:t>
+            </a:r>
+            <a:endParaRPr lang="en-US" dirty="0">
+              <a:latin typeface="Times New Roman" panose="02020603050405020304" pitchFamily="18" charset="0"/>
+              <a:cs typeface="Times New Roman" panose="02020603050405020304" pitchFamily="18" charset="0"/>
+            </a:endParaRPr>
+          </a:p>
+          <a:p>
+            <a:r>
+              <a:rPr lang="en-US" dirty="0">
+                <a:latin typeface="Times New Roman" panose="02020603050405020304" pitchFamily="18" charset="0"/>
+                <a:cs typeface="Times New Roman" panose="02020603050405020304" pitchFamily="18" charset="0"/>
+              </a:rPr>
+              <a:t>Process Automation</a:t>
+            </a:r>
+          </a:p>
+          <a:p>
+            <a:r>
+              <a:rPr lang="en-US" dirty="0">
+                <a:latin typeface="Times New Roman" panose="02020603050405020304" pitchFamily="18" charset="0"/>
+                <a:cs typeface="Times New Roman" panose="02020603050405020304" pitchFamily="18" charset="0"/>
+              </a:rPr>
+              <a:t>Approval Process Control</a:t>
+            </a:r>
+          </a:p>
+          <a:p>
+            <a:r>
+              <a:rPr lang="en-US" dirty="0">
+                <a:latin typeface="Times New Roman" panose="02020603050405020304" pitchFamily="18" charset="0"/>
+                <a:cs typeface="Times New Roman" panose="02020603050405020304" pitchFamily="18" charset="0"/>
+              </a:rPr>
+              <a:t>Escalation Management</a:t>
+            </a:r>
+          </a:p>
+          <a:p>
+            <a:r>
+              <a:rPr lang="en-US" dirty="0">
+                <a:latin typeface="Times New Roman" panose="02020603050405020304" pitchFamily="18" charset="0"/>
+                <a:cs typeface="Times New Roman" panose="02020603050405020304" pitchFamily="18" charset="0"/>
+              </a:rPr>
+              <a:t>Inventory Management</a:t>
+            </a:r>
+          </a:p>
+          <a:p>
+            <a:r>
+              <a:rPr lang="en-US" dirty="0">
+                <a:latin typeface="Times New Roman" panose="02020603050405020304" pitchFamily="18" charset="0"/>
+                <a:cs typeface="Times New Roman" panose="02020603050405020304" pitchFamily="18" charset="0"/>
+              </a:rPr>
+              <a:t>Quality Management </a:t>
+            </a:r>
+          </a:p>
+          <a:p>
+            <a:r>
+              <a:rPr lang="en-US" dirty="0">
+                <a:latin typeface="Times New Roman" panose="02020603050405020304" pitchFamily="18" charset="0"/>
+                <a:cs typeface="Times New Roman" panose="02020603050405020304" pitchFamily="18" charset="0"/>
+              </a:rPr>
+              <a:t>Workflow Management</a:t>
+            </a:r>
+            <a:endParaRPr lang="en-US" dirty="0"/>
+          </a:p>
+        </p:txBody>
+      </p:sp>
+    </p:spTree>
+    <p:extLst>
+      <p:ext uri="{BB962C8B-B14F-4D97-AF65-F5344CB8AC3E}">
+        <p14:creationId xmlns:p14="http://schemas.microsoft.com/office/powerpoint/2010/main" val="449676743"/>
+      </p:ext>
+    </p:extLst>
+  </p:cSld>
+  <p:clrMapOvr>
+    <a:masterClrMapping/>
+  </p:clrMapOvr>
+</p:sld>
+</file>
+
+<file path=ppt/slides/slide19.xml><?xml version="1.0" encoding="utf-8"?>
+<p:sld xmlns:a="http://schemas.openxmlformats.org/drawingml/2006/main" xmlns:r="http://schemas.openxmlformats.org/officeDocument/2006/relationships" xmlns:p="http://schemas.openxmlformats.org/presentationml/2006/main">
+  <p:cSld>
+    <p:spTree>
+      <p:nvGrpSpPr>
+        <p:cNvPr id="1" name=""/>
+        <p:cNvGrpSpPr/>
+        <p:nvPr/>
+      </p:nvGrpSpPr>
+      <p:grpSpPr>
+        <a:xfrm>
+          <a:off x="0" y="0"/>
+          <a:ext cx="0" cy="0"/>
+          <a:chOff x="0" y="0"/>
+          <a:chExt cx="0" cy="0"/>
+        </a:xfrm>
+      </p:grpSpPr>
+      <p:sp>
+        <p:nvSpPr>
+          <p:cNvPr id="2" name="Title 1">
+            <a:extLst>
+              <a:ext uri="{FF2B5EF4-FFF2-40B4-BE49-F238E27FC236}">
+                <a16:creationId xmlns:a16="http://schemas.microsoft.com/office/drawing/2014/main" id="{3612B23A-D9B9-4EDA-91D2-9352323345A0}"/>
+              </a:ext>
+            </a:extLst>
+          </p:cNvPr>
+          <p:cNvSpPr>
+            <a:spLocks noGrp="1"/>
+          </p:cNvSpPr>
+          <p:nvPr>
+            <p:ph type="title"/>
           </p:nvPr>
         </p:nvSpPr>
         <p:spPr/>
@@ -5893,11 +6228,130 @@
           <a:lstStyle/>
           <a:p>
             <a:r>
-              <a:rPr lang="en-US" dirty="0">
-                <a:latin typeface="Times New Roman" panose="02020603050405020304" pitchFamily="18" charset="0"/>
-                <a:cs typeface="Times New Roman" panose="02020603050405020304" pitchFamily="18" charset="0"/>
-              </a:rPr>
-              <a:t>Dr. Wei Yang </a:t>
+              <a:rPr lang="en-US" sz="3600" dirty="0">
+                <a:latin typeface="Times New Roman" panose="02020603050405020304" pitchFamily="18" charset="0"/>
+                <a:cs typeface="Times New Roman" panose="02020603050405020304" pitchFamily="18" charset="0"/>
+              </a:rPr>
+              <a:t>Benefits </a:t>
+            </a:r>
+          </a:p>
+        </p:txBody>
+      </p:sp>
+      <p:sp>
+        <p:nvSpPr>
+          <p:cNvPr id="3" name="Content Placeholder 2">
+            <a:extLst>
+              <a:ext uri="{FF2B5EF4-FFF2-40B4-BE49-F238E27FC236}">
+                <a16:creationId xmlns:a16="http://schemas.microsoft.com/office/drawing/2014/main" id="{0BAF6F50-4698-4B55-A554-3BCF47A19A2B}"/>
+              </a:ext>
+            </a:extLst>
+          </p:cNvPr>
+          <p:cNvSpPr>
+            <a:spLocks noGrp="1"/>
+          </p:cNvSpPr>
+          <p:nvPr>
+            <p:ph idx="1"/>
+          </p:nvPr>
+        </p:nvSpPr>
+        <p:spPr>
+          <a:xfrm>
+            <a:off x="1097280" y="1845733"/>
+            <a:ext cx="10058400" cy="4444707"/>
+          </a:xfrm>
+        </p:spPr>
+        <p:txBody>
+          <a:bodyPr>
+            <a:noAutofit/>
+          </a:bodyPr>
+          <a:lstStyle/>
+          <a:p>
+            <a:r>
+              <a:rPr lang="en-US" dirty="0">
+                <a:latin typeface="Times New Roman" panose="02020603050405020304" pitchFamily="18" charset="0"/>
+                <a:cs typeface="Times New Roman" panose="02020603050405020304" pitchFamily="18" charset="0"/>
+              </a:rPr>
+              <a:t>Faster development </a:t>
+            </a:r>
+          </a:p>
+          <a:p>
+            <a:r>
+              <a:rPr lang="en-US" dirty="0">
+                <a:latin typeface="Times New Roman" panose="02020603050405020304" pitchFamily="18" charset="0"/>
+                <a:cs typeface="Times New Roman" panose="02020603050405020304" pitchFamily="18" charset="0"/>
+              </a:rPr>
+              <a:t>Ease of study and use </a:t>
+            </a:r>
+          </a:p>
+          <a:p>
+            <a:r>
+              <a:rPr lang="en-US" dirty="0">
+                <a:latin typeface="Times New Roman" panose="02020603050405020304" pitchFamily="18" charset="0"/>
+                <a:cs typeface="Times New Roman" panose="02020603050405020304" pitchFamily="18" charset="0"/>
+              </a:rPr>
+              <a:t>Lower IT cost </a:t>
+            </a:r>
+          </a:p>
+          <a:p>
+            <a:r>
+              <a:rPr lang="en-US" dirty="0">
+                <a:latin typeface="Times New Roman" panose="02020603050405020304" pitchFamily="18" charset="0"/>
+                <a:cs typeface="Times New Roman" panose="02020603050405020304" pitchFamily="18" charset="0"/>
+              </a:rPr>
+              <a:t>Rich and ready-to-use units </a:t>
+            </a:r>
+          </a:p>
+          <a:p>
+            <a:r>
+              <a:rPr lang="en-US" dirty="0">
+                <a:latin typeface="Times New Roman" panose="02020603050405020304" pitchFamily="18" charset="0"/>
+                <a:cs typeface="Times New Roman" panose="02020603050405020304" pitchFamily="18" charset="0"/>
+              </a:rPr>
+              <a:t>Newbie friendly </a:t>
+            </a:r>
+          </a:p>
+          <a:p>
+            <a:r>
+              <a:rPr lang="en-US" dirty="0">
+                <a:latin typeface="Times New Roman" panose="02020603050405020304" pitchFamily="18" charset="0"/>
+                <a:cs typeface="Times New Roman" panose="02020603050405020304" pitchFamily="18" charset="0"/>
+              </a:rPr>
+              <a:t>Improved system quality </a:t>
+            </a:r>
+          </a:p>
+          <a:p>
+            <a:r>
+              <a:rPr lang="en-US" dirty="0">
+                <a:latin typeface="Times New Roman" panose="02020603050405020304" pitchFamily="18" charset="0"/>
+                <a:cs typeface="Times New Roman" panose="02020603050405020304" pitchFamily="18" charset="0"/>
+              </a:rPr>
+              <a:t>Strong integration and expansion capability </a:t>
+            </a:r>
+          </a:p>
+          <a:p>
+            <a:r>
+              <a:rPr lang="en-US" dirty="0">
+                <a:latin typeface="Times New Roman" panose="02020603050405020304" pitchFamily="18" charset="0"/>
+                <a:cs typeface="Times New Roman" panose="02020603050405020304" pitchFamily="18" charset="0"/>
+              </a:rPr>
+              <a:t>Minimal efforts </a:t>
+            </a:r>
+          </a:p>
+          <a:p>
+            <a:r>
+              <a:rPr lang="en-US" dirty="0">
+                <a:latin typeface="Times New Roman" panose="02020603050405020304" pitchFamily="18" charset="0"/>
+                <a:cs typeface="Times New Roman" panose="02020603050405020304" pitchFamily="18" charset="0"/>
+              </a:rPr>
+              <a:t>Better user experience </a:t>
+            </a:r>
+          </a:p>
+          <a:p>
+            <a:r>
+              <a:rPr lang="en-US" dirty="0">
+                <a:latin typeface="Times New Roman" panose="02020603050405020304" pitchFamily="18" charset="0"/>
+                <a:cs typeface="Times New Roman" panose="02020603050405020304" pitchFamily="18" charset="0"/>
+              </a:rPr>
+              <a:t>Improved IT governance </a:t>
             </a:r>
           </a:p>
         </p:txBody>
@@ -5905,7 +6359,7 @@
     </p:spTree>
     <p:extLst>
       <p:ext uri="{BB962C8B-B14F-4D97-AF65-F5344CB8AC3E}">
-        <p14:creationId xmlns:p14="http://schemas.microsoft.com/office/powerpoint/2010/main" val="1408708893"/>
+        <p14:creationId xmlns:p14="http://schemas.microsoft.com/office/powerpoint/2010/main" val="458327308"/>
       </p:ext>
     </p:extLst>
   </p:cSld>
@@ -6041,7 +6495,20 @@
                 <a:latin typeface="Times New Roman" panose="02020603050405020304" pitchFamily="18" charset="0"/>
                 <a:cs typeface="Times New Roman" panose="02020603050405020304" pitchFamily="18" charset="0"/>
               </a:rPr>
-              <a:t>Applications are developed through model-driven engineering principles and take advantage of cloud infrastructures, automatic code generation, declarative and high level and graphical abstractions. </a:t>
+              <a:t>Other definitions: Visual Programming, Drag-and-drop. Graphical User Interface, What you see is</a:t>
+            </a:r>
+            <a:br>
+              <a:rPr lang="en-US" dirty="0">
+                <a:latin typeface="Times New Roman" panose="02020603050405020304" pitchFamily="18" charset="0"/>
+                <a:cs typeface="Times New Roman" panose="02020603050405020304" pitchFamily="18" charset="0"/>
+              </a:rPr>
+            </a:br>
+            <a:r>
+              <a:rPr lang="en-US" dirty="0">
+                <a:latin typeface="Times New Roman" panose="02020603050405020304" pitchFamily="18" charset="0"/>
+                <a:cs typeface="Times New Roman" panose="02020603050405020304" pitchFamily="18" charset="0"/>
+              </a:rPr>
+              <a:t>		  what you get.</a:t>
             </a:r>
           </a:p>
         </p:txBody>
@@ -6050,6 +6517,1023 @@
     <p:extLst>
       <p:ext uri="{BB962C8B-B14F-4D97-AF65-F5344CB8AC3E}">
         <p14:creationId xmlns:p14="http://schemas.microsoft.com/office/powerpoint/2010/main" val="1369706271"/>
+      </p:ext>
+    </p:extLst>
+  </p:cSld>
+  <p:clrMapOvr>
+    <a:masterClrMapping/>
+  </p:clrMapOvr>
+</p:sld>
+</file>
+
+<file path=ppt/slides/slide20.xml><?xml version="1.0" encoding="utf-8"?>
+<p:sld xmlns:a="http://schemas.openxmlformats.org/drawingml/2006/main" xmlns:r="http://schemas.openxmlformats.org/officeDocument/2006/relationships" xmlns:p="http://schemas.openxmlformats.org/presentationml/2006/main">
+  <p:cSld>
+    <p:spTree>
+      <p:nvGrpSpPr>
+        <p:cNvPr id="1" name=""/>
+        <p:cNvGrpSpPr/>
+        <p:nvPr/>
+      </p:nvGrpSpPr>
+      <p:grpSpPr>
+        <a:xfrm>
+          <a:off x="0" y="0"/>
+          <a:ext cx="0" cy="0"/>
+          <a:chOff x="0" y="0"/>
+          <a:chExt cx="0" cy="0"/>
+        </a:xfrm>
+      </p:grpSpPr>
+      <p:sp>
+        <p:nvSpPr>
+          <p:cNvPr id="2" name="Title 1">
+            <a:extLst>
+              <a:ext uri="{FF2B5EF4-FFF2-40B4-BE49-F238E27FC236}">
+                <a16:creationId xmlns:a16="http://schemas.microsoft.com/office/drawing/2014/main" id="{EEC90DCA-411A-4592-956D-A8E067895552}"/>
+              </a:ext>
+            </a:extLst>
+          </p:cNvPr>
+          <p:cNvSpPr>
+            <a:spLocks noGrp="1"/>
+          </p:cNvSpPr>
+          <p:nvPr>
+            <p:ph type="title"/>
+          </p:nvPr>
+        </p:nvSpPr>
+        <p:spPr>
+          <a:xfrm>
+            <a:off x="1156003" y="227880"/>
+            <a:ext cx="10058400" cy="1450757"/>
+          </a:xfrm>
+        </p:spPr>
+        <p:txBody>
+          <a:bodyPr>
+            <a:normAutofit/>
+          </a:bodyPr>
+          <a:lstStyle/>
+          <a:p>
+            <a:r>
+              <a:rPr lang="en-US" sz="3600" dirty="0">
+                <a:latin typeface="Times New Roman" panose="02020603050405020304" pitchFamily="18" charset="0"/>
+                <a:cs typeface="Times New Roman" panose="02020603050405020304" pitchFamily="18" charset="0"/>
+              </a:rPr>
+              <a:t>Limitations and Challenges </a:t>
+            </a:r>
+          </a:p>
+        </p:txBody>
+      </p:sp>
+      <p:sp>
+        <p:nvSpPr>
+          <p:cNvPr id="3" name="Content Placeholder 2">
+            <a:extLst>
+              <a:ext uri="{FF2B5EF4-FFF2-40B4-BE49-F238E27FC236}">
+                <a16:creationId xmlns:a16="http://schemas.microsoft.com/office/drawing/2014/main" id="{F7C67D76-1D7E-4A17-9415-FA47672571D7}"/>
+              </a:ext>
+            </a:extLst>
+          </p:cNvPr>
+          <p:cNvSpPr>
+            <a:spLocks noGrp="1"/>
+          </p:cNvSpPr>
+          <p:nvPr>
+            <p:ph idx="1"/>
+          </p:nvPr>
+        </p:nvSpPr>
+        <p:spPr>
+          <a:xfrm>
+            <a:off x="1097280" y="1753299"/>
+            <a:ext cx="10058400" cy="4572000"/>
+          </a:xfrm>
+        </p:spPr>
+        <p:txBody>
+          <a:bodyPr>
+            <a:noAutofit/>
+          </a:bodyPr>
+          <a:lstStyle/>
+          <a:p>
+            <a:r>
+              <a:rPr lang="en-US" sz="1800" dirty="0">
+                <a:latin typeface="Times New Roman" panose="02020603050405020304" pitchFamily="18" charset="0"/>
+                <a:cs typeface="Times New Roman" panose="02020603050405020304" pitchFamily="18" charset="0"/>
+              </a:rPr>
+              <a:t>High learning curve </a:t>
+            </a:r>
+          </a:p>
+          <a:p>
+            <a:r>
+              <a:rPr lang="en-US" sz="1800" dirty="0">
+                <a:latin typeface="Times New Roman" panose="02020603050405020304" pitchFamily="18" charset="0"/>
+                <a:cs typeface="Times New Roman" panose="02020603050405020304" pitchFamily="18" charset="0"/>
+              </a:rPr>
+              <a:t>High pricing </a:t>
+            </a:r>
+          </a:p>
+          <a:p>
+            <a:r>
+              <a:rPr lang="en-US" sz="1800" dirty="0">
+                <a:latin typeface="Times New Roman" panose="02020603050405020304" pitchFamily="18" charset="0"/>
+                <a:cs typeface="Times New Roman" panose="02020603050405020304" pitchFamily="18" charset="0"/>
+              </a:rPr>
+              <a:t>Lack of customization </a:t>
+            </a:r>
+          </a:p>
+          <a:p>
+            <a:r>
+              <a:rPr lang="en-US" sz="1800" dirty="0">
+                <a:latin typeface="Times New Roman" panose="02020603050405020304" pitchFamily="18" charset="0"/>
+                <a:cs typeface="Times New Roman" panose="02020603050405020304" pitchFamily="18" charset="0"/>
+              </a:rPr>
+              <a:t>Slow loading and publishing </a:t>
+            </a:r>
+          </a:p>
+          <a:p>
+            <a:r>
+              <a:rPr lang="en-US" sz="1800" dirty="0">
+                <a:latin typeface="Times New Roman" panose="02020603050405020304" pitchFamily="18" charset="0"/>
+                <a:cs typeface="Times New Roman" panose="02020603050405020304" pitchFamily="18" charset="0"/>
+              </a:rPr>
+              <a:t>Less powerful than programming </a:t>
+            </a:r>
+          </a:p>
+          <a:p>
+            <a:r>
+              <a:rPr lang="en-US" sz="1800" dirty="0">
+                <a:latin typeface="Times New Roman" panose="02020603050405020304" pitchFamily="18" charset="0"/>
+                <a:cs typeface="Times New Roman" panose="02020603050405020304" pitchFamily="18" charset="0"/>
+              </a:rPr>
+              <a:t>Complex issues still need coding</a:t>
+            </a:r>
+          </a:p>
+          <a:p>
+            <a:r>
+              <a:rPr lang="en-US" sz="1800" dirty="0">
+                <a:latin typeface="Times New Roman" panose="02020603050405020304" pitchFamily="18" charset="0"/>
+                <a:cs typeface="Times New Roman" panose="02020603050405020304" pitchFamily="18" charset="0"/>
+              </a:rPr>
+              <a:t>No access to source code </a:t>
+            </a:r>
+          </a:p>
+          <a:p>
+            <a:r>
+              <a:rPr lang="en-US" sz="1800" dirty="0">
+                <a:latin typeface="Times New Roman" panose="02020603050405020304" pitchFamily="18" charset="0"/>
+                <a:cs typeface="Times New Roman" panose="02020603050405020304" pitchFamily="18" charset="0"/>
+              </a:rPr>
+              <a:t>Limitations for experience developers </a:t>
+            </a:r>
+          </a:p>
+          <a:p>
+            <a:r>
+              <a:rPr lang="en-US" sz="1800" dirty="0">
+                <a:latin typeface="Times New Roman" panose="02020603050405020304" pitchFamily="18" charset="0"/>
+                <a:cs typeface="Times New Roman" panose="02020603050405020304" pitchFamily="18" charset="0"/>
+              </a:rPr>
+              <a:t>Vendor lock-in </a:t>
+            </a:r>
+          </a:p>
+          <a:p>
+            <a:r>
+              <a:rPr lang="en-US" sz="1800" dirty="0">
+                <a:latin typeface="Times New Roman" panose="02020603050405020304" pitchFamily="18" charset="0"/>
+                <a:cs typeface="Times New Roman" panose="02020603050405020304" pitchFamily="18" charset="0"/>
+              </a:rPr>
+              <a:t>Difficulty of maintenance and debugging </a:t>
+            </a:r>
+          </a:p>
+          <a:p>
+            <a:r>
+              <a:rPr lang="en-US" sz="1800" dirty="0">
+                <a:latin typeface="Times New Roman" panose="02020603050405020304" pitchFamily="18" charset="0"/>
+                <a:cs typeface="Times New Roman" panose="02020603050405020304" pitchFamily="18" charset="0"/>
+              </a:rPr>
+              <a:t>Need of basic programming knowledge </a:t>
+            </a:r>
+          </a:p>
+        </p:txBody>
+      </p:sp>
+    </p:spTree>
+    <p:extLst>
+      <p:ext uri="{BB962C8B-B14F-4D97-AF65-F5344CB8AC3E}">
+        <p14:creationId xmlns:p14="http://schemas.microsoft.com/office/powerpoint/2010/main" val="3870288137"/>
+      </p:ext>
+    </p:extLst>
+  </p:cSld>
+  <p:clrMapOvr>
+    <a:masterClrMapping/>
+  </p:clrMapOvr>
+</p:sld>
+</file>
+
+<file path=ppt/slides/slide21.xml><?xml version="1.0" encoding="utf-8"?>
+<p:sld xmlns:a="http://schemas.openxmlformats.org/drawingml/2006/main" xmlns:r="http://schemas.openxmlformats.org/officeDocument/2006/relationships" xmlns:p="http://schemas.openxmlformats.org/presentationml/2006/main">
+  <p:cSld>
+    <p:spTree>
+      <p:nvGrpSpPr>
+        <p:cNvPr id="1" name=""/>
+        <p:cNvGrpSpPr/>
+        <p:nvPr/>
+      </p:nvGrpSpPr>
+      <p:grpSpPr>
+        <a:xfrm>
+          <a:off x="0" y="0"/>
+          <a:ext cx="0" cy="0"/>
+          <a:chOff x="0" y="0"/>
+          <a:chExt cx="0" cy="0"/>
+        </a:xfrm>
+      </p:grpSpPr>
+      <p:sp>
+        <p:nvSpPr>
+          <p:cNvPr id="2" name="Title 1">
+            <a:extLst>
+              <a:ext uri="{FF2B5EF4-FFF2-40B4-BE49-F238E27FC236}">
+                <a16:creationId xmlns:a16="http://schemas.microsoft.com/office/drawing/2014/main" id="{F6D61DF8-1B99-49F9-85F4-731F4FE088A7}"/>
+              </a:ext>
+            </a:extLst>
+          </p:cNvPr>
+          <p:cNvSpPr>
+            <a:spLocks noGrp="1"/>
+          </p:cNvSpPr>
+          <p:nvPr>
+            <p:ph type="title"/>
+          </p:nvPr>
+        </p:nvSpPr>
+        <p:spPr/>
+        <p:txBody>
+          <a:bodyPr>
+            <a:normAutofit/>
+          </a:bodyPr>
+          <a:lstStyle/>
+          <a:p>
+            <a:r>
+              <a:rPr lang="en-US" sz="3600" dirty="0">
+                <a:latin typeface="Times New Roman" panose="02020603050405020304" pitchFamily="18" charset="0"/>
+                <a:cs typeface="Times New Roman" panose="02020603050405020304" pitchFamily="18" charset="0"/>
+              </a:rPr>
+              <a:t>Capabilities that a LCD/NCD platform can Offer and their features[2]</a:t>
+            </a:r>
+          </a:p>
+        </p:txBody>
+      </p:sp>
+      <p:sp>
+        <p:nvSpPr>
+          <p:cNvPr id="3" name="Content Placeholder 2">
+            <a:extLst>
+              <a:ext uri="{FF2B5EF4-FFF2-40B4-BE49-F238E27FC236}">
+                <a16:creationId xmlns:a16="http://schemas.microsoft.com/office/drawing/2014/main" id="{0F528519-E906-455C-B26D-7F98A78C12B5}"/>
+              </a:ext>
+            </a:extLst>
+          </p:cNvPr>
+          <p:cNvSpPr>
+            <a:spLocks noGrp="1"/>
+          </p:cNvSpPr>
+          <p:nvPr>
+            <p:ph idx="1"/>
+          </p:nvPr>
+        </p:nvSpPr>
+        <p:spPr>
+          <a:xfrm>
+            <a:off x="1097280" y="1845733"/>
+            <a:ext cx="10058400" cy="4244673"/>
+          </a:xfrm>
+        </p:spPr>
+        <p:txBody>
+          <a:bodyPr/>
+          <a:lstStyle/>
+          <a:p>
+            <a:pPr>
+              <a:buFont typeface="Arial" panose="020B0604020202020204" pitchFamily="34" charset="0"/>
+              <a:buChar char="•"/>
+            </a:pPr>
+            <a:r>
+              <a:rPr lang="en-US" dirty="0">
+                <a:latin typeface="Times New Roman" panose="02020603050405020304" pitchFamily="18" charset="0"/>
+                <a:cs typeface="Times New Roman" panose="02020603050405020304" pitchFamily="18" charset="0"/>
+              </a:rPr>
+              <a:t>Graphical User Interface: Represents provided functionalities available in frontend. </a:t>
+            </a:r>
+            <a:br>
+              <a:rPr lang="en-US" dirty="0">
+                <a:latin typeface="Times New Roman" panose="02020603050405020304" pitchFamily="18" charset="0"/>
+                <a:cs typeface="Times New Roman" panose="02020603050405020304" pitchFamily="18" charset="0"/>
+              </a:rPr>
+            </a:br>
+            <a:r>
+              <a:rPr lang="en-US" dirty="0">
+                <a:latin typeface="Times New Roman" panose="02020603050405020304" pitchFamily="18" charset="0"/>
+                <a:cs typeface="Times New Roman" panose="02020603050405020304" pitchFamily="18" charset="0"/>
+              </a:rPr>
+              <a:t>Features: Drag-and-drop tools, forms, point and click approach, pre-built dashboards, built-in </a:t>
+            </a:r>
+            <a:br>
+              <a:rPr lang="en-US" dirty="0">
+                <a:latin typeface="Times New Roman" panose="02020603050405020304" pitchFamily="18" charset="0"/>
+                <a:cs typeface="Times New Roman" panose="02020603050405020304" pitchFamily="18" charset="0"/>
+              </a:rPr>
+            </a:br>
+            <a:r>
+              <a:rPr lang="en-US" dirty="0">
+                <a:latin typeface="Times New Roman" panose="02020603050405020304" pitchFamily="18" charset="0"/>
+                <a:cs typeface="Times New Roman" panose="02020603050405020304" pitchFamily="18" charset="0"/>
+              </a:rPr>
+              <a:t>	workflows</a:t>
+            </a:r>
+          </a:p>
+          <a:p>
+            <a:pPr>
+              <a:buFont typeface="Arial" panose="020B0604020202020204" pitchFamily="34" charset="0"/>
+              <a:buChar char="•"/>
+            </a:pPr>
+            <a:r>
+              <a:rPr lang="en-US" dirty="0">
+                <a:latin typeface="Times New Roman" panose="02020603050405020304" pitchFamily="18" charset="0"/>
+                <a:cs typeface="Times New Roman" panose="02020603050405020304" pitchFamily="18" charset="0"/>
+              </a:rPr>
+              <a:t> Interoperability support with external services and data sources: </a:t>
+            </a:r>
+            <a:br>
+              <a:rPr lang="en-US" dirty="0">
+                <a:latin typeface="Times New Roman" panose="02020603050405020304" pitchFamily="18" charset="0"/>
+                <a:cs typeface="Times New Roman" panose="02020603050405020304" pitchFamily="18" charset="0"/>
+              </a:rPr>
+            </a:br>
+            <a:r>
+              <a:rPr lang="en-US" dirty="0">
+                <a:latin typeface="Times New Roman" panose="02020603050405020304" pitchFamily="18" charset="0"/>
+                <a:cs typeface="Times New Roman" panose="02020603050405020304" pitchFamily="18" charset="0"/>
+              </a:rPr>
+              <a:t>	possibility of interacting with external services. (Dropbox, Zapier, Office 365)</a:t>
+            </a:r>
+            <a:br>
+              <a:rPr lang="en-US" dirty="0">
+                <a:latin typeface="Times New Roman" panose="02020603050405020304" pitchFamily="18" charset="0"/>
+                <a:cs typeface="Times New Roman" panose="02020603050405020304" pitchFamily="18" charset="0"/>
+              </a:rPr>
+            </a:br>
+            <a:r>
+              <a:rPr lang="en-US" dirty="0">
+                <a:latin typeface="Times New Roman" panose="02020603050405020304" pitchFamily="18" charset="0"/>
+                <a:cs typeface="Times New Roman" panose="02020603050405020304" pitchFamily="18" charset="0"/>
+              </a:rPr>
+              <a:t>Features: Interoperability with external services, connection with data sources </a:t>
+            </a:r>
+          </a:p>
+          <a:p>
+            <a:pPr>
+              <a:buFont typeface="Arial" panose="020B0604020202020204" pitchFamily="34" charset="0"/>
+              <a:buChar char="•"/>
+            </a:pPr>
+            <a:r>
+              <a:rPr lang="en-US" dirty="0">
+                <a:latin typeface="Times New Roman" panose="02020603050405020304" pitchFamily="18" charset="0"/>
+                <a:cs typeface="Times New Roman" panose="02020603050405020304" pitchFamily="18" charset="0"/>
+              </a:rPr>
+              <a:t>Security Support: Security aspects like authentication mechanisms, adopted security protocols.</a:t>
+            </a:r>
+            <a:br>
+              <a:rPr lang="en-US" dirty="0">
+                <a:latin typeface="Times New Roman" panose="02020603050405020304" pitchFamily="18" charset="0"/>
+                <a:cs typeface="Times New Roman" panose="02020603050405020304" pitchFamily="18" charset="0"/>
+              </a:rPr>
+            </a:br>
+            <a:r>
+              <a:rPr lang="en-US" dirty="0">
+                <a:latin typeface="Times New Roman" panose="02020603050405020304" pitchFamily="18" charset="0"/>
+                <a:cs typeface="Times New Roman" panose="02020603050405020304" pitchFamily="18" charset="0"/>
+              </a:rPr>
+              <a:t>Features: Application, Platform security</a:t>
+            </a:r>
+          </a:p>
+          <a:p>
+            <a:pPr>
+              <a:buFont typeface="Arial" panose="020B0604020202020204" pitchFamily="34" charset="0"/>
+              <a:buChar char="•"/>
+            </a:pPr>
+            <a:r>
+              <a:rPr lang="en-US" dirty="0">
+                <a:latin typeface="Times New Roman" panose="02020603050405020304" pitchFamily="18" charset="0"/>
+                <a:cs typeface="Times New Roman" panose="02020603050405020304" pitchFamily="18" charset="0"/>
+              </a:rPr>
+              <a:t>Collaborative Development Support: Collaboration models.</a:t>
+            </a:r>
+            <a:br>
+              <a:rPr lang="en-US" dirty="0">
+                <a:latin typeface="Times New Roman" panose="02020603050405020304" pitchFamily="18" charset="0"/>
+                <a:cs typeface="Times New Roman" panose="02020603050405020304" pitchFamily="18" charset="0"/>
+              </a:rPr>
+            </a:br>
+            <a:r>
+              <a:rPr lang="en-US" dirty="0">
+                <a:latin typeface="Times New Roman" panose="02020603050405020304" pitchFamily="18" charset="0"/>
+                <a:cs typeface="Times New Roman" panose="02020603050405020304" pitchFamily="18" charset="0"/>
+              </a:rPr>
+              <a:t>Features: on-line, off-line collaborations </a:t>
+            </a:r>
+          </a:p>
+          <a:p>
+            <a:pPr>
+              <a:buFont typeface="Arial" panose="020B0604020202020204" pitchFamily="34" charset="0"/>
+              <a:buChar char="•"/>
+            </a:pPr>
+            <a:r>
+              <a:rPr lang="en-US" dirty="0">
+                <a:latin typeface="Times New Roman" panose="02020603050405020304" pitchFamily="18" charset="0"/>
+                <a:cs typeface="Times New Roman" panose="02020603050405020304" pitchFamily="18" charset="0"/>
+              </a:rPr>
+              <a:t>Reusability Support: Enable to reuse already developed artifacts. </a:t>
+            </a:r>
+            <a:br>
+              <a:rPr lang="en-US" dirty="0">
+                <a:latin typeface="Times New Roman" panose="02020603050405020304" pitchFamily="18" charset="0"/>
+                <a:cs typeface="Times New Roman" panose="02020603050405020304" pitchFamily="18" charset="0"/>
+              </a:rPr>
+            </a:br>
+            <a:r>
+              <a:rPr lang="en-US" dirty="0">
+                <a:latin typeface="Times New Roman" panose="02020603050405020304" pitchFamily="18" charset="0"/>
+                <a:cs typeface="Times New Roman" panose="02020603050405020304" pitchFamily="18" charset="0"/>
+              </a:rPr>
+              <a:t>Features: Built-in workflows, Pre-built forms/ reports, pre-built dashboards. </a:t>
+            </a:r>
+          </a:p>
+          <a:p>
+            <a:pPr>
+              <a:buFont typeface="Arial" panose="020B0604020202020204" pitchFamily="34" charset="0"/>
+              <a:buChar char="•"/>
+            </a:pPr>
+            <a:endParaRPr lang="en-US" dirty="0"/>
+          </a:p>
+        </p:txBody>
+      </p:sp>
+    </p:spTree>
+    <p:extLst>
+      <p:ext uri="{BB962C8B-B14F-4D97-AF65-F5344CB8AC3E}">
+        <p14:creationId xmlns:p14="http://schemas.microsoft.com/office/powerpoint/2010/main" val="943016761"/>
+      </p:ext>
+    </p:extLst>
+  </p:cSld>
+  <p:clrMapOvr>
+    <a:masterClrMapping/>
+  </p:clrMapOvr>
+</p:sld>
+</file>
+
+<file path=ppt/slides/slide22.xml><?xml version="1.0" encoding="utf-8"?>
+<p:sld xmlns:a="http://schemas.openxmlformats.org/drawingml/2006/main" xmlns:r="http://schemas.openxmlformats.org/officeDocument/2006/relationships" xmlns:p="http://schemas.openxmlformats.org/presentationml/2006/main">
+  <p:cSld>
+    <p:spTree>
+      <p:nvGrpSpPr>
+        <p:cNvPr id="1" name=""/>
+        <p:cNvGrpSpPr/>
+        <p:nvPr/>
+      </p:nvGrpSpPr>
+      <p:grpSpPr>
+        <a:xfrm>
+          <a:off x="0" y="0"/>
+          <a:ext cx="0" cy="0"/>
+          <a:chOff x="0" y="0"/>
+          <a:chExt cx="0" cy="0"/>
+        </a:xfrm>
+      </p:grpSpPr>
+      <p:sp>
+        <p:nvSpPr>
+          <p:cNvPr id="2" name="Title 1">
+            <a:extLst>
+              <a:ext uri="{FF2B5EF4-FFF2-40B4-BE49-F238E27FC236}">
+                <a16:creationId xmlns:a16="http://schemas.microsoft.com/office/drawing/2014/main" id="{F2E11A92-8337-4A79-BD86-F917CA5E5528}"/>
+              </a:ext>
+            </a:extLst>
+          </p:cNvPr>
+          <p:cNvSpPr>
+            <a:spLocks noGrp="1"/>
+          </p:cNvSpPr>
+          <p:nvPr>
+            <p:ph type="title"/>
+          </p:nvPr>
+        </p:nvSpPr>
+        <p:spPr/>
+        <p:txBody>
+          <a:bodyPr>
+            <a:normAutofit/>
+          </a:bodyPr>
+          <a:lstStyle/>
+          <a:p>
+            <a:r>
+              <a:rPr lang="en-US" sz="3600" dirty="0">
+                <a:latin typeface="Times New Roman" panose="02020603050405020304" pitchFamily="18" charset="0"/>
+                <a:cs typeface="Times New Roman" panose="02020603050405020304" pitchFamily="18" charset="0"/>
+              </a:rPr>
+              <a:t>Capabilities and Features Contd. </a:t>
+            </a:r>
+          </a:p>
+        </p:txBody>
+      </p:sp>
+      <p:sp>
+        <p:nvSpPr>
+          <p:cNvPr id="3" name="Content Placeholder 2">
+            <a:extLst>
+              <a:ext uri="{FF2B5EF4-FFF2-40B4-BE49-F238E27FC236}">
+                <a16:creationId xmlns:a16="http://schemas.microsoft.com/office/drawing/2014/main" id="{286E75DC-8B01-4C78-B24B-B412AC263F03}"/>
+              </a:ext>
+            </a:extLst>
+          </p:cNvPr>
+          <p:cNvSpPr>
+            <a:spLocks noGrp="1"/>
+          </p:cNvSpPr>
+          <p:nvPr>
+            <p:ph idx="1"/>
+          </p:nvPr>
+        </p:nvSpPr>
+        <p:spPr/>
+        <p:txBody>
+          <a:bodyPr>
+            <a:normAutofit/>
+          </a:bodyPr>
+          <a:lstStyle/>
+          <a:p>
+            <a:pPr>
+              <a:buFont typeface="Arial" panose="020B0604020202020204" pitchFamily="34" charset="0"/>
+              <a:buChar char="•"/>
+            </a:pPr>
+            <a:r>
+              <a:rPr lang="en-US" dirty="0">
+                <a:latin typeface="Times New Roman" panose="02020603050405020304" pitchFamily="18" charset="0"/>
+                <a:cs typeface="Times New Roman" panose="02020603050405020304" pitchFamily="18" charset="0"/>
+              </a:rPr>
+              <a:t>Scalability Support: Scale up applications according to different dimensions.</a:t>
+            </a:r>
+            <a:br>
+              <a:rPr lang="en-US" dirty="0">
+                <a:latin typeface="Times New Roman" panose="02020603050405020304" pitchFamily="18" charset="0"/>
+                <a:cs typeface="Times New Roman" panose="02020603050405020304" pitchFamily="18" charset="0"/>
+              </a:rPr>
+            </a:br>
+            <a:r>
+              <a:rPr lang="en-US" dirty="0">
+                <a:latin typeface="Times New Roman" panose="02020603050405020304" pitchFamily="18" charset="0"/>
+                <a:cs typeface="Times New Roman" panose="02020603050405020304" pitchFamily="18" charset="0"/>
+              </a:rPr>
+              <a:t>Features: Scalability on number of users, data traffic, data storage. </a:t>
+            </a:r>
+          </a:p>
+          <a:p>
+            <a:pPr>
+              <a:buFont typeface="Arial" panose="020B0604020202020204" pitchFamily="34" charset="0"/>
+              <a:buChar char="•"/>
+            </a:pPr>
+            <a:r>
+              <a:rPr lang="en-US" dirty="0">
+                <a:latin typeface="Times New Roman" panose="02020603050405020304" pitchFamily="18" charset="0"/>
+                <a:cs typeface="Times New Roman" panose="02020603050405020304" pitchFamily="18" charset="0"/>
+              </a:rPr>
+              <a:t>Business Logic Specification Mechanisms:</a:t>
+            </a:r>
+            <a:br>
+              <a:rPr lang="en-US" dirty="0">
+                <a:latin typeface="Times New Roman" panose="02020603050405020304" pitchFamily="18" charset="0"/>
+                <a:cs typeface="Times New Roman" panose="02020603050405020304" pitchFamily="18" charset="0"/>
+              </a:rPr>
+            </a:br>
+            <a:r>
+              <a:rPr lang="en-US" dirty="0">
+                <a:latin typeface="Times New Roman" panose="02020603050405020304" pitchFamily="18" charset="0"/>
+                <a:cs typeface="Times New Roman" panose="02020603050405020304" pitchFamily="18" charset="0"/>
+              </a:rPr>
+              <a:t>	Specify the business logic of the application modeled. </a:t>
+            </a:r>
+            <a:br>
+              <a:rPr lang="en-US" dirty="0">
+                <a:latin typeface="Times New Roman" panose="02020603050405020304" pitchFamily="18" charset="0"/>
+                <a:cs typeface="Times New Roman" panose="02020603050405020304" pitchFamily="18" charset="0"/>
+              </a:rPr>
+            </a:br>
+            <a:r>
+              <a:rPr lang="en-US" dirty="0">
+                <a:latin typeface="Times New Roman" panose="02020603050405020304" pitchFamily="18" charset="0"/>
+                <a:cs typeface="Times New Roman" panose="02020603050405020304" pitchFamily="18" charset="0"/>
+              </a:rPr>
+              <a:t>Features: Business rule engine, graphical workflow editor, AI enabled business logic, API support</a:t>
+            </a:r>
+          </a:p>
+          <a:p>
+            <a:pPr>
+              <a:buFont typeface="Arial" panose="020B0604020202020204" pitchFamily="34" charset="0"/>
+              <a:buChar char="•"/>
+            </a:pPr>
+            <a:r>
+              <a:rPr lang="en-US" dirty="0">
+                <a:latin typeface="Times New Roman" panose="02020603050405020304" pitchFamily="18" charset="0"/>
+                <a:cs typeface="Times New Roman" panose="02020603050405020304" pitchFamily="18" charset="0"/>
+              </a:rPr>
+              <a:t>Application Build Mechanisms: Ways the application is built. </a:t>
+            </a:r>
+            <a:br>
+              <a:rPr lang="en-US" dirty="0">
+                <a:latin typeface="Times New Roman" panose="02020603050405020304" pitchFamily="18" charset="0"/>
+                <a:cs typeface="Times New Roman" panose="02020603050405020304" pitchFamily="18" charset="0"/>
+              </a:rPr>
+            </a:br>
+            <a:r>
+              <a:rPr lang="en-US" dirty="0">
+                <a:latin typeface="Times New Roman" panose="02020603050405020304" pitchFamily="18" charset="0"/>
+                <a:cs typeface="Times New Roman" panose="02020603050405020304" pitchFamily="18" charset="0"/>
+              </a:rPr>
+              <a:t>Features: Code-generation, models at run-time. </a:t>
+            </a:r>
+          </a:p>
+          <a:p>
+            <a:pPr>
+              <a:buFont typeface="Arial" panose="020B0604020202020204" pitchFamily="34" charset="0"/>
+              <a:buChar char="•"/>
+            </a:pPr>
+            <a:r>
+              <a:rPr lang="en-US" dirty="0">
+                <a:latin typeface="Times New Roman" panose="02020603050405020304" pitchFamily="18" charset="0"/>
+                <a:cs typeface="Times New Roman" panose="02020603050405020304" pitchFamily="18" charset="0"/>
+              </a:rPr>
+              <a:t>Deployment Support: Deploying the modeled application. </a:t>
+            </a:r>
+            <a:br>
+              <a:rPr lang="en-US" dirty="0">
+                <a:latin typeface="Times New Roman" panose="02020603050405020304" pitchFamily="18" charset="0"/>
+                <a:cs typeface="Times New Roman" panose="02020603050405020304" pitchFamily="18" charset="0"/>
+              </a:rPr>
+            </a:br>
+            <a:r>
+              <a:rPr lang="en-US" dirty="0">
+                <a:latin typeface="Times New Roman" panose="02020603050405020304" pitchFamily="18" charset="0"/>
+                <a:cs typeface="Times New Roman" panose="02020603050405020304" pitchFamily="18" charset="0"/>
+              </a:rPr>
+              <a:t>Features: Deployment on cloud, local infrastructures. </a:t>
+            </a:r>
+          </a:p>
+        </p:txBody>
+      </p:sp>
+    </p:spTree>
+    <p:extLst>
+      <p:ext uri="{BB962C8B-B14F-4D97-AF65-F5344CB8AC3E}">
+        <p14:creationId xmlns:p14="http://schemas.microsoft.com/office/powerpoint/2010/main" val="2642145042"/>
+      </p:ext>
+    </p:extLst>
+  </p:cSld>
+  <p:clrMapOvr>
+    <a:masterClrMapping/>
+  </p:clrMapOvr>
+</p:sld>
+</file>
+
+<file path=ppt/slides/slide23.xml><?xml version="1.0" encoding="utf-8"?>
+<p:sld xmlns:a="http://schemas.openxmlformats.org/drawingml/2006/main" xmlns:r="http://schemas.openxmlformats.org/officeDocument/2006/relationships" xmlns:p="http://schemas.openxmlformats.org/presentationml/2006/main">
+  <p:cSld>
+    <p:spTree>
+      <p:nvGrpSpPr>
+        <p:cNvPr id="1" name=""/>
+        <p:cNvGrpSpPr/>
+        <p:nvPr/>
+      </p:nvGrpSpPr>
+      <p:grpSpPr>
+        <a:xfrm>
+          <a:off x="0" y="0"/>
+          <a:ext cx="0" cy="0"/>
+          <a:chOff x="0" y="0"/>
+          <a:chExt cx="0" cy="0"/>
+        </a:xfrm>
+      </p:grpSpPr>
+      <p:sp>
+        <p:nvSpPr>
+          <p:cNvPr id="2" name="Title 1">
+            <a:extLst>
+              <a:ext uri="{FF2B5EF4-FFF2-40B4-BE49-F238E27FC236}">
+                <a16:creationId xmlns:a16="http://schemas.microsoft.com/office/drawing/2014/main" id="{D8667DAB-83AB-4413-AE7E-6EB3DE613043}"/>
+              </a:ext>
+            </a:extLst>
+          </p:cNvPr>
+          <p:cNvSpPr>
+            <a:spLocks noGrp="1"/>
+          </p:cNvSpPr>
+          <p:nvPr>
+            <p:ph type="title"/>
+          </p:nvPr>
+        </p:nvSpPr>
+        <p:spPr/>
+        <p:txBody>
+          <a:bodyPr>
+            <a:normAutofit/>
+          </a:bodyPr>
+          <a:lstStyle/>
+          <a:p>
+            <a:r>
+              <a:rPr lang="en-US" sz="3600" dirty="0">
+                <a:latin typeface="Times New Roman" panose="02020603050405020304" pitchFamily="18" charset="0"/>
+                <a:cs typeface="Times New Roman" panose="02020603050405020304" pitchFamily="18" charset="0"/>
+              </a:rPr>
+              <a:t>References</a:t>
+            </a:r>
+          </a:p>
+        </p:txBody>
+      </p:sp>
+      <p:sp>
+        <p:nvSpPr>
+          <p:cNvPr id="3" name="Content Placeholder 2">
+            <a:extLst>
+              <a:ext uri="{FF2B5EF4-FFF2-40B4-BE49-F238E27FC236}">
+                <a16:creationId xmlns:a16="http://schemas.microsoft.com/office/drawing/2014/main" id="{A0D108E6-5AF0-498A-8DDC-D29D2EDBAC02}"/>
+              </a:ext>
+            </a:extLst>
+          </p:cNvPr>
+          <p:cNvSpPr>
+            <a:spLocks noGrp="1"/>
+          </p:cNvSpPr>
+          <p:nvPr>
+            <p:ph idx="1"/>
+          </p:nvPr>
+        </p:nvSpPr>
+        <p:spPr/>
+        <p:txBody>
+          <a:bodyPr/>
+          <a:lstStyle/>
+          <a:p>
+            <a:r>
+              <a:rPr lang="en-US" dirty="0"/>
+              <a:t>1</a:t>
+            </a:r>
+            <a:r>
+              <a:rPr lang="en-US" dirty="0">
+                <a:latin typeface="Times New Roman" panose="02020603050405020304" pitchFamily="18" charset="0"/>
+                <a:cs typeface="Times New Roman" panose="02020603050405020304" pitchFamily="18" charset="0"/>
+              </a:rPr>
+              <a:t>. </a:t>
+            </a:r>
+            <a:r>
+              <a:rPr lang="en-US" b="0" i="0" dirty="0">
+                <a:effectLst/>
+                <a:latin typeface="Times New Roman" panose="02020603050405020304" pitchFamily="18" charset="0"/>
+                <a:cs typeface="Times New Roman" panose="02020603050405020304" pitchFamily="18" charset="0"/>
+                <a:hlinkClick r:id="rId2" tooltip="https://arxiv.org/pdf/2107.07482.pdf"/>
+              </a:rPr>
+              <a:t>https://arxiv.org/pdf/2107.07482.pdf</a:t>
+            </a:r>
+            <a:endParaRPr lang="en-US" dirty="0">
+              <a:latin typeface="Times New Roman" panose="02020603050405020304" pitchFamily="18" charset="0"/>
+              <a:cs typeface="Times New Roman" panose="02020603050405020304" pitchFamily="18" charset="0"/>
+            </a:endParaRPr>
+          </a:p>
+          <a:p>
+            <a:r>
+              <a:rPr lang="en-US" dirty="0">
+                <a:latin typeface="Times New Roman" panose="02020603050405020304" pitchFamily="18" charset="0"/>
+                <a:cs typeface="Times New Roman" panose="02020603050405020304" pitchFamily="18" charset="0"/>
+              </a:rPr>
+              <a:t>2.</a:t>
+            </a:r>
+            <a:r>
+              <a:rPr lang="en-US" dirty="0">
+                <a:latin typeface="Times New Roman" panose="02020603050405020304" pitchFamily="18" charset="0"/>
+                <a:cs typeface="Times New Roman" panose="02020603050405020304" pitchFamily="18" charset="0"/>
+                <a:hlinkClick r:id="rId3"/>
+              </a:rPr>
+              <a:t>https://www.researchgate.net/publication/344842798_Supporting_the_understanding_and_comparison_of_low-code_development_platforms</a:t>
+            </a:r>
+            <a:endParaRPr lang="en-US" dirty="0">
+              <a:latin typeface="Times New Roman" panose="02020603050405020304" pitchFamily="18" charset="0"/>
+              <a:cs typeface="Times New Roman" panose="02020603050405020304" pitchFamily="18" charset="0"/>
+            </a:endParaRPr>
+          </a:p>
+          <a:p>
+            <a:r>
+              <a:rPr lang="en-US" dirty="0">
+                <a:latin typeface="Times New Roman" panose="02020603050405020304" pitchFamily="18" charset="0"/>
+                <a:cs typeface="Times New Roman" panose="02020603050405020304" pitchFamily="18" charset="0"/>
+              </a:rPr>
+              <a:t>3. </a:t>
+            </a:r>
+            <a:r>
+              <a:rPr lang="en-US" b="0" i="0" dirty="0">
+                <a:effectLst/>
+                <a:latin typeface="Times New Roman" panose="02020603050405020304" pitchFamily="18" charset="0"/>
+                <a:cs typeface="Times New Roman" panose="02020603050405020304" pitchFamily="18" charset="0"/>
+                <a:hlinkClick r:id="rId4" tooltip="https://www.youtube.com/watch?v=jarcenybuyo"/>
+              </a:rPr>
+              <a:t>https://www.youtube.com/watch?v=jaRCENYBuYo</a:t>
+            </a:r>
+            <a:endParaRPr lang="en-US" dirty="0">
+              <a:latin typeface="Times New Roman" panose="02020603050405020304" pitchFamily="18" charset="0"/>
+              <a:cs typeface="Times New Roman" panose="02020603050405020304" pitchFamily="18" charset="0"/>
+            </a:endParaRPr>
+          </a:p>
+          <a:p>
+            <a:r>
+              <a:rPr lang="en-US" dirty="0">
+                <a:latin typeface="Times New Roman" panose="02020603050405020304" pitchFamily="18" charset="0"/>
+                <a:cs typeface="Times New Roman" panose="02020603050405020304" pitchFamily="18" charset="0"/>
+              </a:rPr>
+              <a:t>4. </a:t>
+            </a:r>
+            <a:r>
+              <a:rPr lang="en-US" b="0" i="0" dirty="0">
+                <a:effectLst/>
+                <a:latin typeface="Times New Roman" panose="02020603050405020304" pitchFamily="18" charset="0"/>
+                <a:cs typeface="Times New Roman" panose="02020603050405020304" pitchFamily="18" charset="0"/>
+                <a:hlinkClick r:id="rId5" tooltip="https://www.youtube.com/watch?v=jwm9nreppmc"/>
+              </a:rPr>
+              <a:t>https://www.youtube.com/watch?v=JwM9NrePPMc</a:t>
+            </a:r>
+            <a:endParaRPr lang="en-US" b="0" i="0" dirty="0">
+              <a:effectLst/>
+              <a:latin typeface="Times New Roman" panose="02020603050405020304" pitchFamily="18" charset="0"/>
+              <a:cs typeface="Times New Roman" panose="02020603050405020304" pitchFamily="18" charset="0"/>
+            </a:endParaRPr>
+          </a:p>
+          <a:p>
+            <a:r>
+              <a:rPr lang="en-US" dirty="0">
+                <a:latin typeface="Times New Roman" panose="02020603050405020304" pitchFamily="18" charset="0"/>
+                <a:cs typeface="Times New Roman" panose="02020603050405020304" pitchFamily="18" charset="0"/>
+              </a:rPr>
+              <a:t>5. </a:t>
+            </a:r>
+            <a:r>
+              <a:rPr lang="en-US" dirty="0">
+                <a:latin typeface="Times New Roman" panose="02020603050405020304" pitchFamily="18" charset="0"/>
+                <a:cs typeface="Times New Roman" panose="02020603050405020304" pitchFamily="18" charset="0"/>
+                <a:hlinkClick r:id="rId6"/>
+              </a:rPr>
+              <a:t>https://steelkiwi.com/blog/traditional-coding-vs-no-codelow-code-development/</a:t>
+            </a:r>
+            <a:endParaRPr lang="en-US" dirty="0">
+              <a:latin typeface="Times New Roman" panose="02020603050405020304" pitchFamily="18" charset="0"/>
+              <a:cs typeface="Times New Roman" panose="02020603050405020304" pitchFamily="18" charset="0"/>
+            </a:endParaRPr>
+          </a:p>
+          <a:p>
+            <a:r>
+              <a:rPr lang="en-US" dirty="0">
+                <a:latin typeface="Times New Roman" panose="02020603050405020304" pitchFamily="18" charset="0"/>
+                <a:cs typeface="Times New Roman" panose="02020603050405020304" pitchFamily="18" charset="0"/>
+              </a:rPr>
+              <a:t>6. </a:t>
+            </a:r>
+            <a:r>
+              <a:rPr lang="en-US" dirty="0">
+                <a:latin typeface="Times New Roman" panose="02020603050405020304" pitchFamily="18" charset="0"/>
+                <a:cs typeface="Times New Roman" panose="02020603050405020304" pitchFamily="18" charset="0"/>
+                <a:hlinkClick r:id="rId7"/>
+              </a:rPr>
+              <a:t>https://www.zoho.com/creator/decode/low-code-vs-traditional-development/</a:t>
+            </a:r>
+            <a:endParaRPr lang="en-US" dirty="0">
+              <a:latin typeface="Times New Roman" panose="02020603050405020304" pitchFamily="18" charset="0"/>
+              <a:cs typeface="Times New Roman" panose="02020603050405020304" pitchFamily="18" charset="0"/>
+            </a:endParaRPr>
+          </a:p>
+          <a:p>
+            <a:r>
+              <a:rPr lang="en-US" dirty="0">
+                <a:latin typeface="Times New Roman" panose="02020603050405020304" pitchFamily="18" charset="0"/>
+                <a:cs typeface="Times New Roman" panose="02020603050405020304" pitchFamily="18" charset="0"/>
+              </a:rPr>
+              <a:t>7. </a:t>
+            </a:r>
+            <a:r>
+              <a:rPr lang="en-US" dirty="0">
+                <a:latin typeface="Times New Roman" panose="02020603050405020304" pitchFamily="18" charset="0"/>
+                <a:cs typeface="Times New Roman" panose="02020603050405020304" pitchFamily="18" charset="0"/>
+                <a:hlinkClick r:id="rId8"/>
+              </a:rPr>
+              <a:t>https://stackify.com/low-code-dev-platform/</a:t>
+            </a:r>
+            <a:endParaRPr lang="en-US" dirty="0">
+              <a:latin typeface="Times New Roman" panose="02020603050405020304" pitchFamily="18" charset="0"/>
+              <a:cs typeface="Times New Roman" panose="02020603050405020304" pitchFamily="18" charset="0"/>
+            </a:endParaRPr>
+          </a:p>
+          <a:p>
+            <a:endParaRPr lang="en-US" dirty="0">
+              <a:latin typeface="Times New Roman" panose="02020603050405020304" pitchFamily="18" charset="0"/>
+              <a:cs typeface="Times New Roman" panose="02020603050405020304" pitchFamily="18" charset="0"/>
+            </a:endParaRPr>
+          </a:p>
+          <a:p>
+            <a:endParaRPr lang="en-US" dirty="0">
+              <a:latin typeface="Times New Roman" panose="02020603050405020304" pitchFamily="18" charset="0"/>
+              <a:cs typeface="Times New Roman" panose="02020603050405020304" pitchFamily="18" charset="0"/>
+            </a:endParaRPr>
+          </a:p>
+          <a:p>
+            <a:endParaRPr lang="en-US" b="0" i="0" dirty="0">
+              <a:effectLst/>
+              <a:latin typeface="Times New Roman" panose="02020603050405020304" pitchFamily="18" charset="0"/>
+              <a:cs typeface="Times New Roman" panose="02020603050405020304" pitchFamily="18" charset="0"/>
+            </a:endParaRPr>
+          </a:p>
+          <a:p>
+            <a:pPr marL="0" indent="0">
+              <a:buNone/>
+            </a:pPr>
+            <a:endParaRPr lang="en-US" dirty="0"/>
+          </a:p>
+          <a:p>
+            <a:endParaRPr lang="en-US" dirty="0"/>
+          </a:p>
+        </p:txBody>
+      </p:sp>
+    </p:spTree>
+    <p:extLst>
+      <p:ext uri="{BB962C8B-B14F-4D97-AF65-F5344CB8AC3E}">
+        <p14:creationId xmlns:p14="http://schemas.microsoft.com/office/powerpoint/2010/main" val="2223375267"/>
+      </p:ext>
+    </p:extLst>
+  </p:cSld>
+  <p:clrMapOvr>
+    <a:masterClrMapping/>
+  </p:clrMapOvr>
+</p:sld>
+</file>
+
+<file path=ppt/slides/slide24.xml><?xml version="1.0" encoding="utf-8"?>
+<p:sld xmlns:a="http://schemas.openxmlformats.org/drawingml/2006/main" xmlns:r="http://schemas.openxmlformats.org/officeDocument/2006/relationships" xmlns:p="http://schemas.openxmlformats.org/presentationml/2006/main">
+  <p:cSld>
+    <p:spTree>
+      <p:nvGrpSpPr>
+        <p:cNvPr id="1" name=""/>
+        <p:cNvGrpSpPr/>
+        <p:nvPr/>
+      </p:nvGrpSpPr>
+      <p:grpSpPr>
+        <a:xfrm>
+          <a:off x="0" y="0"/>
+          <a:ext cx="0" cy="0"/>
+          <a:chOff x="0" y="0"/>
+          <a:chExt cx="0" cy="0"/>
+        </a:xfrm>
+      </p:grpSpPr>
+      <p:sp>
+        <p:nvSpPr>
+          <p:cNvPr id="2" name="Title 1">
+            <a:extLst>
+              <a:ext uri="{FF2B5EF4-FFF2-40B4-BE49-F238E27FC236}">
+                <a16:creationId xmlns:a16="http://schemas.microsoft.com/office/drawing/2014/main" id="{6EAC4F3D-9FB5-48A3-A516-D19D937AA0C6}"/>
+              </a:ext>
+            </a:extLst>
+          </p:cNvPr>
+          <p:cNvSpPr>
+            <a:spLocks noGrp="1"/>
+          </p:cNvSpPr>
+          <p:nvPr>
+            <p:ph type="title"/>
+          </p:nvPr>
+        </p:nvSpPr>
+        <p:spPr/>
+        <p:txBody>
+          <a:bodyPr>
+            <a:normAutofit/>
+          </a:bodyPr>
+          <a:lstStyle/>
+          <a:p>
+            <a:r>
+              <a:rPr lang="en-US" sz="3600" dirty="0">
+                <a:latin typeface="Times New Roman" panose="02020603050405020304" pitchFamily="18" charset="0"/>
+                <a:cs typeface="Times New Roman" panose="02020603050405020304" pitchFamily="18" charset="0"/>
+              </a:rPr>
+              <a:t>Acknowledgement </a:t>
+            </a:r>
+          </a:p>
+        </p:txBody>
+      </p:sp>
+      <p:sp>
+        <p:nvSpPr>
+          <p:cNvPr id="3" name="Content Placeholder 2">
+            <a:extLst>
+              <a:ext uri="{FF2B5EF4-FFF2-40B4-BE49-F238E27FC236}">
+                <a16:creationId xmlns:a16="http://schemas.microsoft.com/office/drawing/2014/main" id="{609EE2BC-9DCF-475A-ADCC-FF0B8FFD526C}"/>
+              </a:ext>
+            </a:extLst>
+          </p:cNvPr>
+          <p:cNvSpPr>
+            <a:spLocks noGrp="1"/>
+          </p:cNvSpPr>
+          <p:nvPr>
+            <p:ph idx="1"/>
+          </p:nvPr>
+        </p:nvSpPr>
+        <p:spPr/>
+        <p:txBody>
+          <a:bodyPr>
+            <a:normAutofit/>
+          </a:bodyPr>
+          <a:lstStyle/>
+          <a:p>
+            <a:r>
+              <a:rPr lang="en-US" dirty="0">
+                <a:latin typeface="Times New Roman" panose="02020603050405020304" pitchFamily="18" charset="0"/>
+                <a:cs typeface="Times New Roman" panose="02020603050405020304" pitchFamily="18" charset="0"/>
+              </a:rPr>
+              <a:t>Dr. Wei Yang </a:t>
+            </a:r>
+          </a:p>
+        </p:txBody>
+      </p:sp>
+    </p:spTree>
+    <p:extLst>
+      <p:ext uri="{BB962C8B-B14F-4D97-AF65-F5344CB8AC3E}">
+        <p14:creationId xmlns:p14="http://schemas.microsoft.com/office/powerpoint/2010/main" val="1408708893"/>
       </p:ext>
     </p:extLst>
   </p:cSld>
@@ -6081,7 +7565,7 @@
           <p:cNvPr id="2" name="Title 1">
             <a:extLst>
               <a:ext uri="{FF2B5EF4-FFF2-40B4-BE49-F238E27FC236}">
-                <a16:creationId xmlns:a16="http://schemas.microsoft.com/office/drawing/2014/main" id="{66E8FA88-7B93-43CA-B8A8-381BCB6A7EDD}"/>
+                <a16:creationId xmlns:a16="http://schemas.microsoft.com/office/drawing/2014/main" id="{0899847E-38F6-47B1-A023-D1333F461B23}"/>
               </a:ext>
             </a:extLst>
           </p:cNvPr>
@@ -6104,7 +7588,7 @@
                 <a:latin typeface="Times New Roman" panose="02020603050405020304" pitchFamily="18" charset="0"/>
                 <a:cs typeface="Times New Roman" panose="02020603050405020304" pitchFamily="18" charset="0"/>
               </a:rPr>
-              <a:t>What platforms are used? </a:t>
+              <a:t>Why Low-Code/No-Code Development is Getting Popular?</a:t>
             </a:r>
           </a:p>
         </p:txBody>
@@ -6114,7 +7598,7 @@
           <p:cNvPr id="3" name="Content Placeholder 2">
             <a:extLst>
               <a:ext uri="{FF2B5EF4-FFF2-40B4-BE49-F238E27FC236}">
-                <a16:creationId xmlns:a16="http://schemas.microsoft.com/office/drawing/2014/main" id="{645DAEE8-D4F5-4A3A-8039-2B49CEAD0BDB}"/>
+                <a16:creationId xmlns:a16="http://schemas.microsoft.com/office/drawing/2014/main" id="{0C235494-50E6-43B8-80F0-C684D3FF72D1}"/>
               </a:ext>
             </a:extLst>
           </p:cNvPr>
@@ -6125,173 +7609,94 @@
             <p:ph idx="1"/>
           </p:nvPr>
         </p:nvSpPr>
-        <p:spPr>
-          <a:xfrm>
-            <a:off x="1097280" y="1845733"/>
-            <a:ext cx="10058400" cy="4462787"/>
-          </a:xfrm>
-        </p:spPr>
-        <p:txBody>
-          <a:bodyPr>
-            <a:normAutofit fontScale="92500" lnSpcReduction="10000"/>
-          </a:bodyPr>
+        <p:spPr/>
+        <p:txBody>
+          <a:bodyPr/>
           <a:lstStyle/>
           <a:p>
-            <a:r>
-              <a:rPr lang="en-US" dirty="0">
-                <a:latin typeface="Times New Roman" panose="02020603050405020304" pitchFamily="18" charset="0"/>
-                <a:cs typeface="Times New Roman" panose="02020603050405020304" pitchFamily="18" charset="0"/>
-              </a:rPr>
-              <a:t>Bubble.io</a:t>
-            </a:r>
-          </a:p>
-          <a:p>
-            <a:r>
-              <a:rPr lang="en-US" dirty="0" err="1">
-                <a:latin typeface="Times New Roman" panose="02020603050405020304" pitchFamily="18" charset="0"/>
-                <a:cs typeface="Times New Roman" panose="02020603050405020304" pitchFamily="18" charset="0"/>
-              </a:rPr>
-              <a:t>Airtable</a:t>
-            </a:r>
-            <a:r>
-              <a:rPr lang="en-US" dirty="0">
-                <a:latin typeface="Times New Roman" panose="02020603050405020304" pitchFamily="18" charset="0"/>
-                <a:cs typeface="Times New Roman" panose="02020603050405020304" pitchFamily="18" charset="0"/>
-              </a:rPr>
-              <a:t> 					</a:t>
-            </a:r>
-          </a:p>
-          <a:p>
-            <a:r>
-              <a:rPr lang="en-US" dirty="0" err="1">
-                <a:latin typeface="Times New Roman" panose="02020603050405020304" pitchFamily="18" charset="0"/>
-                <a:cs typeface="Times New Roman" panose="02020603050405020304" pitchFamily="18" charset="0"/>
-              </a:rPr>
-              <a:t>Wix</a:t>
-            </a:r>
-            <a:r>
-              <a:rPr lang="en-US" dirty="0">
-                <a:latin typeface="Times New Roman" panose="02020603050405020304" pitchFamily="18" charset="0"/>
-                <a:cs typeface="Times New Roman" panose="02020603050405020304" pitchFamily="18" charset="0"/>
-              </a:rPr>
-              <a:t> ( Editor X)</a:t>
-            </a:r>
-          </a:p>
-          <a:p>
-            <a:r>
-              <a:rPr lang="en-US" dirty="0">
-                <a:latin typeface="Times New Roman" panose="02020603050405020304" pitchFamily="18" charset="0"/>
-                <a:cs typeface="Times New Roman" panose="02020603050405020304" pitchFamily="18" charset="0"/>
-              </a:rPr>
-              <a:t>WordPress</a:t>
-            </a:r>
-          </a:p>
-          <a:p>
-            <a:r>
-              <a:rPr lang="en-US" dirty="0" err="1">
-                <a:latin typeface="Times New Roman" panose="02020603050405020304" pitchFamily="18" charset="0"/>
-                <a:cs typeface="Times New Roman" panose="02020603050405020304" pitchFamily="18" charset="0"/>
-              </a:rPr>
-              <a:t>Outsystems</a:t>
-            </a:r>
-            <a:endParaRPr lang="en-US" dirty="0">
-              <a:latin typeface="Times New Roman" panose="02020603050405020304" pitchFamily="18" charset="0"/>
-              <a:cs typeface="Times New Roman" panose="02020603050405020304" pitchFamily="18" charset="0"/>
-            </a:endParaRPr>
-          </a:p>
-          <a:p>
-            <a:r>
-              <a:rPr lang="en-US" dirty="0">
-                <a:latin typeface="Times New Roman" panose="02020603050405020304" pitchFamily="18" charset="0"/>
-                <a:cs typeface="Times New Roman" panose="02020603050405020304" pitchFamily="18" charset="0"/>
-              </a:rPr>
-              <a:t>Microsoft Power Apps</a:t>
-            </a:r>
-          </a:p>
-          <a:p>
-            <a:r>
-              <a:rPr lang="en-US" dirty="0">
-                <a:latin typeface="Times New Roman" panose="02020603050405020304" pitchFamily="18" charset="0"/>
-                <a:cs typeface="Times New Roman" panose="02020603050405020304" pitchFamily="18" charset="0"/>
-              </a:rPr>
-              <a:t>Google App Maker</a:t>
-            </a:r>
-          </a:p>
-          <a:p>
-            <a:r>
-              <a:rPr lang="en-US" dirty="0">
-                <a:latin typeface="Times New Roman" panose="02020603050405020304" pitchFamily="18" charset="0"/>
-                <a:cs typeface="Times New Roman" panose="02020603050405020304" pitchFamily="18" charset="0"/>
-              </a:rPr>
-              <a:t>Salesforce App Cloud </a:t>
-            </a:r>
-          </a:p>
-          <a:p>
-            <a:r>
-              <a:rPr lang="en-US" dirty="0">
-                <a:latin typeface="Times New Roman" panose="02020603050405020304" pitchFamily="18" charset="0"/>
-                <a:cs typeface="Times New Roman" panose="02020603050405020304" pitchFamily="18" charset="0"/>
-              </a:rPr>
-              <a:t>Shopify </a:t>
-            </a:r>
-          </a:p>
-          <a:p>
-            <a:r>
-              <a:rPr lang="en-US" dirty="0">
-                <a:latin typeface="Times New Roman" panose="02020603050405020304" pitchFamily="18" charset="0"/>
-                <a:cs typeface="Times New Roman" panose="02020603050405020304" pitchFamily="18" charset="0"/>
-              </a:rPr>
-              <a:t>Zapier </a:t>
-            </a:r>
-          </a:p>
-          <a:p>
-            <a:r>
-              <a:rPr lang="en-US" dirty="0">
-                <a:latin typeface="Times New Roman" panose="02020603050405020304" pitchFamily="18" charset="0"/>
-                <a:cs typeface="Times New Roman" panose="02020603050405020304" pitchFamily="18" charset="0"/>
-              </a:rPr>
-              <a:t>Glide </a:t>
-            </a:r>
-          </a:p>
-          <a:p>
-            <a:endParaRPr lang="en-US" dirty="0"/>
-          </a:p>
-        </p:txBody>
-      </p:sp>
-      <p:pic>
-        <p:nvPicPr>
-          <p:cNvPr id="5" name="Picture 4">
-            <a:extLst>
-              <a:ext uri="{FF2B5EF4-FFF2-40B4-BE49-F238E27FC236}">
-                <a16:creationId xmlns:a16="http://schemas.microsoft.com/office/drawing/2014/main" id="{8ED0428F-522F-4400-A93C-04C818C58D7B}"/>
-              </a:ext>
-            </a:extLst>
-          </p:cNvPr>
-          <p:cNvPicPr>
-            <a:picLocks noChangeAspect="1"/>
-          </p:cNvPicPr>
-          <p:nvPr/>
-        </p:nvPicPr>
-        <p:blipFill>
-          <a:blip r:embed="rId2"/>
-          <a:stretch>
-            <a:fillRect/>
-          </a:stretch>
-        </p:blipFill>
-        <p:spPr>
-          <a:xfrm>
-            <a:off x="5153111" y="1737360"/>
-            <a:ext cx="3714052" cy="4571161"/>
-          </a:xfrm>
-          <a:prstGeom prst="rect">
-            <a:avLst/>
-          </a:prstGeom>
-        </p:spPr>
-      </p:pic>
+            <a:pPr>
+              <a:buFont typeface="Wingdings" panose="05000000000000000000" pitchFamily="2" charset="2"/>
+              <a:buChar char="q"/>
+            </a:pPr>
+            <a:r>
+              <a:rPr lang="en-US" dirty="0">
+                <a:latin typeface="Times New Roman" panose="02020603050405020304" pitchFamily="18" charset="0"/>
+                <a:cs typeface="Times New Roman" panose="02020603050405020304" pitchFamily="18" charset="0"/>
+              </a:rPr>
+              <a:t>Research company Gartner says that by 2021, the demand for information systems will increase five times faster than the ability to provide them by IT departments. </a:t>
+            </a:r>
+          </a:p>
+          <a:p>
+            <a:pPr>
+              <a:buFont typeface="Wingdings" panose="05000000000000000000" pitchFamily="2" charset="2"/>
+              <a:buChar char="q"/>
+            </a:pPr>
+            <a:r>
+              <a:rPr lang="en-US" dirty="0">
+                <a:latin typeface="Times New Roman" panose="02020603050405020304" pitchFamily="18" charset="0"/>
+                <a:cs typeface="Times New Roman" panose="02020603050405020304" pitchFamily="18" charset="0"/>
+              </a:rPr>
+              <a:t>Number of employees are not growing at a sufficient pace. </a:t>
+            </a:r>
+          </a:p>
+          <a:p>
+            <a:pPr>
+              <a:buFont typeface="Wingdings" panose="05000000000000000000" pitchFamily="2" charset="2"/>
+              <a:buChar char="q"/>
+            </a:pPr>
+            <a:r>
+              <a:rPr lang="en-US" dirty="0">
+                <a:latin typeface="Times New Roman" panose="02020603050405020304" pitchFamily="18" charset="0"/>
+                <a:cs typeface="Times New Roman" panose="02020603050405020304" pitchFamily="18" charset="0"/>
+              </a:rPr>
+              <a:t>Recruiting software engineers has become increasingly difficult as demand is high and supply is low. </a:t>
+            </a:r>
+          </a:p>
+          <a:p>
+            <a:pPr>
+              <a:buFont typeface="Wingdings" panose="05000000000000000000" pitchFamily="2" charset="2"/>
+              <a:buChar char="q"/>
+            </a:pPr>
+            <a:r>
+              <a:rPr lang="en-US" dirty="0">
+                <a:latin typeface="Times New Roman" panose="02020603050405020304" pitchFamily="18" charset="0"/>
+                <a:cs typeface="Times New Roman" panose="02020603050405020304" pitchFamily="18" charset="0"/>
+              </a:rPr>
+              <a:t>More than 50 percent of medium to large enterprises will have adopted to these application platforms by 2023</a:t>
+            </a:r>
+          </a:p>
+          <a:p>
+            <a:pPr>
+              <a:buFont typeface="Wingdings" panose="05000000000000000000" pitchFamily="2" charset="2"/>
+              <a:buChar char="q"/>
+            </a:pPr>
+            <a:r>
+              <a:rPr lang="en-US" dirty="0">
+                <a:latin typeface="Times New Roman" panose="02020603050405020304" pitchFamily="18" charset="0"/>
+                <a:cs typeface="Times New Roman" panose="02020603050405020304" pitchFamily="18" charset="0"/>
+              </a:rPr>
+              <a:t>People with no programming knowledge can easily adopt to these platforms to build applications. </a:t>
+            </a:r>
+          </a:p>
+          <a:p>
+            <a:pPr>
+              <a:buFont typeface="Wingdings" panose="05000000000000000000" pitchFamily="2" charset="2"/>
+              <a:buChar char="q"/>
+            </a:pPr>
+            <a:r>
+              <a:rPr lang="en-US" dirty="0">
+                <a:latin typeface="Times New Roman" panose="02020603050405020304" pitchFamily="18" charset="0"/>
+                <a:cs typeface="Times New Roman" panose="02020603050405020304" pitchFamily="18" charset="0"/>
+              </a:rPr>
+              <a:t>First Low-code integrated development environment (IDE): Visual Basic .NET</a:t>
+            </a:r>
+          </a:p>
+        </p:txBody>
+      </p:sp>
     </p:spTree>
     <p:extLst>
       <p:ext uri="{BB962C8B-B14F-4D97-AF65-F5344CB8AC3E}">
-        <p14:creationId xmlns:p14="http://schemas.microsoft.com/office/powerpoint/2010/main" val="3320547315"/>
+        <p14:creationId xmlns:p14="http://schemas.microsoft.com/office/powerpoint/2010/main" val="1872148240"/>
       </p:ext>
     </p:extLst>
   </p:cSld>
@@ -6323,7 +7728,7 @@
           <p:cNvPr id="2" name="Title 1">
             <a:extLst>
               <a:ext uri="{FF2B5EF4-FFF2-40B4-BE49-F238E27FC236}">
-                <a16:creationId xmlns:a16="http://schemas.microsoft.com/office/drawing/2014/main" id="{FE642AD1-5701-49B3-A27F-C82C300532F7}"/>
+                <a16:creationId xmlns:a16="http://schemas.microsoft.com/office/drawing/2014/main" id="{09D2676F-7F55-40B8-893F-3C22B79F4A19}"/>
               </a:ext>
             </a:extLst>
           </p:cNvPr>
@@ -6346,111 +7751,44 @@
                 <a:latin typeface="Times New Roman" panose="02020603050405020304" pitchFamily="18" charset="0"/>
                 <a:cs typeface="Times New Roman" panose="02020603050405020304" pitchFamily="18" charset="0"/>
               </a:rPr>
-              <a:t>Programming Languages Used</a:t>
-            </a:r>
-          </a:p>
-        </p:txBody>
-      </p:sp>
-      <p:sp>
-        <p:nvSpPr>
-          <p:cNvPr id="3" name="Content Placeholder 2">
+              <a:t>Trends </a:t>
+            </a:r>
+          </a:p>
+        </p:txBody>
+      </p:sp>
+      <p:pic>
+        <p:nvPicPr>
+          <p:cNvPr id="11" name="Content Placeholder 10">
             <a:extLst>
               <a:ext uri="{FF2B5EF4-FFF2-40B4-BE49-F238E27FC236}">
-                <a16:creationId xmlns:a16="http://schemas.microsoft.com/office/drawing/2014/main" id="{B8BBD716-DEE1-49E1-8B7E-555CE7AAD107}"/>
+                <a16:creationId xmlns:a16="http://schemas.microsoft.com/office/drawing/2014/main" id="{08759934-6E06-4B0A-BE2F-2AB693848038}"/>
               </a:ext>
             </a:extLst>
           </p:cNvPr>
-          <p:cNvSpPr>
-            <a:spLocks noGrp="1"/>
-          </p:cNvSpPr>
+          <p:cNvPicPr>
+            <a:picLocks noGrp="1" noChangeAspect="1"/>
+          </p:cNvPicPr>
           <p:nvPr>
             <p:ph idx="1"/>
           </p:nvPr>
-        </p:nvSpPr>
-        <p:spPr/>
-        <p:txBody>
-          <a:bodyPr>
-            <a:normAutofit/>
-          </a:bodyPr>
-          <a:lstStyle/>
-          <a:p>
-            <a:r>
-              <a:rPr lang="en-US" dirty="0">
-                <a:latin typeface="Times New Roman" panose="02020603050405020304" pitchFamily="18" charset="0"/>
-                <a:cs typeface="Times New Roman" panose="02020603050405020304" pitchFamily="18" charset="0"/>
-              </a:rPr>
-              <a:t>Java </a:t>
-            </a:r>
-          </a:p>
-          <a:p>
-            <a:r>
-              <a:rPr lang="en-US" dirty="0">
-                <a:latin typeface="Times New Roman" panose="02020603050405020304" pitchFamily="18" charset="0"/>
-                <a:cs typeface="Times New Roman" panose="02020603050405020304" pitchFamily="18" charset="0"/>
-              </a:rPr>
-              <a:t>JavaScript </a:t>
-            </a:r>
-          </a:p>
-          <a:p>
-            <a:r>
-              <a:rPr lang="en-US" dirty="0">
-                <a:latin typeface="Times New Roman" panose="02020603050405020304" pitchFamily="18" charset="0"/>
-                <a:cs typeface="Times New Roman" panose="02020603050405020304" pitchFamily="18" charset="0"/>
-              </a:rPr>
-              <a:t>C#</a:t>
-            </a:r>
-          </a:p>
-          <a:p>
-            <a:r>
-              <a:rPr lang="en-US" dirty="0">
-                <a:latin typeface="Times New Roman" panose="02020603050405020304" pitchFamily="18" charset="0"/>
-                <a:cs typeface="Times New Roman" panose="02020603050405020304" pitchFamily="18" charset="0"/>
-              </a:rPr>
-              <a:t>Python </a:t>
-            </a:r>
-          </a:p>
-          <a:p>
-            <a:r>
-              <a:rPr lang="en-US" dirty="0">
-                <a:latin typeface="Times New Roman" panose="02020603050405020304" pitchFamily="18" charset="0"/>
-                <a:cs typeface="Times New Roman" panose="02020603050405020304" pitchFamily="18" charset="0"/>
-              </a:rPr>
-              <a:t>HTML and CSS</a:t>
-            </a:r>
-          </a:p>
-          <a:p>
-            <a:r>
-              <a:rPr lang="en-US" dirty="0">
-                <a:latin typeface="Times New Roman" panose="02020603050405020304" pitchFamily="18" charset="0"/>
-                <a:cs typeface="Times New Roman" panose="02020603050405020304" pitchFamily="18" charset="0"/>
-              </a:rPr>
-              <a:t>Objective C</a:t>
-            </a:r>
-          </a:p>
-          <a:p>
-            <a:r>
-              <a:rPr lang="en-US" dirty="0">
-                <a:latin typeface="Times New Roman" panose="02020603050405020304" pitchFamily="18" charset="0"/>
-                <a:cs typeface="Times New Roman" panose="02020603050405020304" pitchFamily="18" charset="0"/>
-              </a:rPr>
-              <a:t>PHP </a:t>
-            </a:r>
-          </a:p>
-          <a:p>
-            <a:r>
-              <a:rPr lang="en-US" dirty="0">
-                <a:latin typeface="Times New Roman" panose="02020603050405020304" pitchFamily="18" charset="0"/>
-                <a:cs typeface="Times New Roman" panose="02020603050405020304" pitchFamily="18" charset="0"/>
-              </a:rPr>
-              <a:t>C++ </a:t>
-            </a:r>
-          </a:p>
-        </p:txBody>
-      </p:sp>
+        </p:nvPicPr>
+        <p:blipFill>
+          <a:blip r:embed="rId2"/>
+          <a:stretch>
+            <a:fillRect/>
+          </a:stretch>
+        </p:blipFill>
+        <p:spPr>
+          <a:xfrm>
+            <a:off x="761402" y="1879134"/>
+            <a:ext cx="10333317" cy="3607266"/>
+          </a:xfrm>
+        </p:spPr>
+      </p:pic>
     </p:spTree>
     <p:extLst>
       <p:ext uri="{BB962C8B-B14F-4D97-AF65-F5344CB8AC3E}">
-        <p14:creationId xmlns:p14="http://schemas.microsoft.com/office/powerpoint/2010/main" val="2161865464"/>
+        <p14:creationId xmlns:p14="http://schemas.microsoft.com/office/powerpoint/2010/main" val="3984868616"/>
       </p:ext>
     </p:extLst>
   </p:cSld>
@@ -6482,7 +7820,7 @@
           <p:cNvPr id="2" name="Title 1">
             <a:extLst>
               <a:ext uri="{FF2B5EF4-FFF2-40B4-BE49-F238E27FC236}">
-                <a16:creationId xmlns:a16="http://schemas.microsoft.com/office/drawing/2014/main" id="{4CF0E558-2357-4EA1-9190-7834D68D5D50}"/>
+                <a16:creationId xmlns:a16="http://schemas.microsoft.com/office/drawing/2014/main" id="{873EE4D1-846D-4C9B-BE7B-DAD51AA6CA89}"/>
               </a:ext>
             </a:extLst>
           </p:cNvPr>
@@ -6505,139 +7843,537 @@
                 <a:latin typeface="Times New Roman" panose="02020603050405020304" pitchFamily="18" charset="0"/>
                 <a:cs typeface="Times New Roman" panose="02020603050405020304" pitchFamily="18" charset="0"/>
               </a:rPr>
-              <a:t>Architectural point of view</a:t>
-            </a:r>
-          </a:p>
-        </p:txBody>
-      </p:sp>
-      <p:sp>
-        <p:nvSpPr>
-          <p:cNvPr id="3" name="Content Placeholder 2">
+              <a:t>Traditional Development vs NCD/LCD </a:t>
+            </a:r>
+          </a:p>
+        </p:txBody>
+      </p:sp>
+      <p:graphicFrame>
+        <p:nvGraphicFramePr>
+          <p:cNvPr id="5" name="Table 5">
             <a:extLst>
               <a:ext uri="{FF2B5EF4-FFF2-40B4-BE49-F238E27FC236}">
-                <a16:creationId xmlns:a16="http://schemas.microsoft.com/office/drawing/2014/main" id="{B233616D-DD00-4D7D-8957-252239F12F7A}"/>
+                <a16:creationId xmlns:a16="http://schemas.microsoft.com/office/drawing/2014/main" id="{2804194A-05CE-4C76-B800-CDE9D9EB6E92}"/>
               </a:ext>
             </a:extLst>
           </p:cNvPr>
-          <p:cNvSpPr>
-            <a:spLocks noGrp="1"/>
-          </p:cNvSpPr>
+          <p:cNvGraphicFramePr>
+            <a:graphicFrameLocks noGrp="1"/>
+          </p:cNvGraphicFramePr>
           <p:nvPr>
             <p:ph idx="1"/>
-          </p:nvPr>
-        </p:nvSpPr>
-        <p:spPr/>
-        <p:txBody>
-          <a:bodyPr>
-            <a:normAutofit/>
-          </a:bodyPr>
-          <a:lstStyle/>
-          <a:p>
-            <a:r>
-              <a:rPr lang="en-US" dirty="0">
-                <a:latin typeface="Times New Roman" panose="02020603050405020304" pitchFamily="18" charset="0"/>
-                <a:cs typeface="Times New Roman" panose="02020603050405020304" pitchFamily="18" charset="0"/>
-              </a:rPr>
-              <a:t>Consist of 4 main layers [2]: </a:t>
-            </a:r>
-            <a:br>
-              <a:rPr lang="en-US" dirty="0">
-                <a:latin typeface="Times New Roman" panose="02020603050405020304" pitchFamily="18" charset="0"/>
-                <a:cs typeface="Times New Roman" panose="02020603050405020304" pitchFamily="18" charset="0"/>
-              </a:rPr>
-            </a:br>
-            <a:r>
-              <a:rPr lang="en-US" dirty="0">
-                <a:latin typeface="Times New Roman" panose="02020603050405020304" pitchFamily="18" charset="0"/>
-                <a:cs typeface="Times New Roman" panose="02020603050405020304" pitchFamily="18" charset="0"/>
-              </a:rPr>
-              <a:t>1. Application Layer: Graphical environment </a:t>
-            </a:r>
-            <a:br>
-              <a:rPr lang="en-US" dirty="0">
-                <a:latin typeface="Times New Roman" panose="02020603050405020304" pitchFamily="18" charset="0"/>
-                <a:cs typeface="Times New Roman" panose="02020603050405020304" pitchFamily="18" charset="0"/>
-              </a:rPr>
-            </a:br>
-            <a:r>
-              <a:rPr lang="en-US" dirty="0">
-                <a:latin typeface="Times New Roman" panose="02020603050405020304" pitchFamily="18" charset="0"/>
-                <a:cs typeface="Times New Roman" panose="02020603050405020304" pitchFamily="18" charset="0"/>
-              </a:rPr>
-              <a:t>2. Service Integration Layer: Connect with different services by using corresponding APIs and</a:t>
-            </a:r>
-            <a:br>
-              <a:rPr lang="en-US" dirty="0">
-                <a:latin typeface="Times New Roman" panose="02020603050405020304" pitchFamily="18" charset="0"/>
-                <a:cs typeface="Times New Roman" panose="02020603050405020304" pitchFamily="18" charset="0"/>
-              </a:rPr>
-            </a:br>
-            <a:r>
-              <a:rPr lang="en-US" dirty="0">
-                <a:latin typeface="Times New Roman" panose="02020603050405020304" pitchFamily="18" charset="0"/>
-                <a:cs typeface="Times New Roman" panose="02020603050405020304" pitchFamily="18" charset="0"/>
-              </a:rPr>
-              <a:t>			Authentication Mechanisms </a:t>
-            </a:r>
-          </a:p>
-          <a:p>
-            <a:r>
-              <a:rPr lang="en-US" dirty="0">
-                <a:latin typeface="Times New Roman" panose="02020603050405020304" pitchFamily="18" charset="0"/>
-                <a:cs typeface="Times New Roman" panose="02020603050405020304" pitchFamily="18" charset="0"/>
-              </a:rPr>
-              <a:t>3. Data Integration Layer: data integration with different data sources</a:t>
-            </a:r>
-            <a:br>
-              <a:rPr lang="en-US" dirty="0">
-                <a:latin typeface="Times New Roman" panose="02020603050405020304" pitchFamily="18" charset="0"/>
-                <a:cs typeface="Times New Roman" panose="02020603050405020304" pitchFamily="18" charset="0"/>
-              </a:rPr>
-            </a:br>
-            <a:r>
-              <a:rPr lang="en-US" dirty="0">
-                <a:latin typeface="Times New Roman" panose="02020603050405020304" pitchFamily="18" charset="0"/>
-                <a:cs typeface="Times New Roman" panose="02020603050405020304" pitchFamily="18" charset="0"/>
-              </a:rPr>
-              <a:t>4. Deployment Layer: Deploy on cloud infrastructures or on-premise environments</a:t>
-            </a:r>
-          </a:p>
-        </p:txBody>
-      </p:sp>
-      <p:pic>
-        <p:nvPicPr>
-          <p:cNvPr id="5" name="Picture 4">
-            <a:extLst>
-              <a:ext uri="{FF2B5EF4-FFF2-40B4-BE49-F238E27FC236}">
-                <a16:creationId xmlns:a16="http://schemas.microsoft.com/office/drawing/2014/main" id="{B020D5E4-B513-4829-9160-1026A219662B}"/>
-              </a:ext>
-            </a:extLst>
-          </p:cNvPr>
-          <p:cNvPicPr>
-            <a:picLocks noChangeAspect="1"/>
-          </p:cNvPicPr>
-          <p:nvPr/>
-        </p:nvPicPr>
-        <p:blipFill>
-          <a:blip r:embed="rId2"/>
-          <a:stretch>
-            <a:fillRect/>
-          </a:stretch>
-        </p:blipFill>
-        <p:spPr>
-          <a:xfrm>
-            <a:off x="6096000" y="3741490"/>
-            <a:ext cx="3056389" cy="2323750"/>
-          </a:xfrm>
-          <a:prstGeom prst="rect">
-            <a:avLst/>
-          </a:prstGeom>
-        </p:spPr>
-      </p:pic>
+            <p:extLst>
+              <p:ext uri="{D42A27DB-BD31-4B8C-83A1-F6EECF244321}">
+                <p14:modId xmlns:p14="http://schemas.microsoft.com/office/powerpoint/2010/main" val="1462652643"/>
+              </p:ext>
+            </p:extLst>
+          </p:nvPr>
+        </p:nvGraphicFramePr>
+        <p:xfrm>
+          <a:off x="1392572" y="1846263"/>
+          <a:ext cx="10199524" cy="4450080"/>
+        </p:xfrm>
+        <a:graphic>
+          <a:graphicData uri="http://schemas.openxmlformats.org/drawingml/2006/table">
+            <a:tbl>
+              <a:tblPr firstRow="1" bandRow="1">
+                <a:tableStyleId>{5C22544A-7EE6-4342-B048-85BDC9FD1C3A}</a:tableStyleId>
+              </a:tblPr>
+              <a:tblGrid>
+                <a:gridCol w="2349500">
+                  <a:extLst>
+                    <a:ext uri="{9D8B030D-6E8A-4147-A177-3AD203B41FA5}">
+                      <a16:colId xmlns:a16="http://schemas.microsoft.com/office/drawing/2014/main" val="4234591958"/>
+                    </a:ext>
+                  </a:extLst>
+                </a:gridCol>
+                <a:gridCol w="3427523">
+                  <a:extLst>
+                    <a:ext uri="{9D8B030D-6E8A-4147-A177-3AD203B41FA5}">
+                      <a16:colId xmlns:a16="http://schemas.microsoft.com/office/drawing/2014/main" val="2884486494"/>
+                    </a:ext>
+                  </a:extLst>
+                </a:gridCol>
+                <a:gridCol w="4422501">
+                  <a:extLst>
+                    <a:ext uri="{9D8B030D-6E8A-4147-A177-3AD203B41FA5}">
+                      <a16:colId xmlns:a16="http://schemas.microsoft.com/office/drawing/2014/main" val="1387914752"/>
+                    </a:ext>
+                  </a:extLst>
+                </a:gridCol>
+              </a:tblGrid>
+              <a:tr h="570011">
+                <a:tc>
+                  <a:txBody>
+                    <a:bodyPr/>
+                    <a:lstStyle/>
+                    <a:p>
+                      <a:pPr algn="l" fontAlgn="base"/>
+                      <a:r>
+                        <a:rPr lang="en-US" sz="1600" b="0" cap="all" dirty="0">
+                          <a:solidFill>
+                            <a:srgbClr val="090909"/>
+                          </a:solidFill>
+                          <a:effectLst/>
+                          <a:latin typeface="Times New Roman" panose="02020603050405020304" pitchFamily="18" charset="0"/>
+                          <a:cs typeface="Times New Roman" panose="02020603050405020304" pitchFamily="18" charset="0"/>
+                        </a:rPr>
+                        <a:t>CHARACTERISTIC</a:t>
+                      </a:r>
+                    </a:p>
+                  </a:txBody>
+                  <a:tcPr marL="190500" marR="190500" marT="190500" marB="190500"/>
+                </a:tc>
+                <a:tc>
+                  <a:txBody>
+                    <a:bodyPr/>
+                    <a:lstStyle/>
+                    <a:p>
+                      <a:pPr algn="l" fontAlgn="base"/>
+                      <a:r>
+                        <a:rPr lang="en-US" sz="1600" b="0" cap="all">
+                          <a:solidFill>
+                            <a:srgbClr val="090909"/>
+                          </a:solidFill>
+                          <a:effectLst/>
+                          <a:latin typeface="Times New Roman" panose="02020603050405020304" pitchFamily="18" charset="0"/>
+                          <a:cs typeface="Times New Roman" panose="02020603050405020304" pitchFamily="18" charset="0"/>
+                        </a:rPr>
+                        <a:t>TRADITIONAL DEVELOPMENT</a:t>
+                      </a:r>
+                    </a:p>
+                  </a:txBody>
+                  <a:tcPr marL="190500" marR="190500" marT="190500" marB="190500"/>
+                </a:tc>
+                <a:tc>
+                  <a:txBody>
+                    <a:bodyPr/>
+                    <a:lstStyle/>
+                    <a:p>
+                      <a:pPr algn="l" fontAlgn="base"/>
+                      <a:r>
+                        <a:rPr lang="en-US" sz="1600" b="0" cap="all" dirty="0">
+                          <a:solidFill>
+                            <a:srgbClr val="090909"/>
+                          </a:solidFill>
+                          <a:effectLst/>
+                          <a:latin typeface="Times New Roman" panose="02020603050405020304" pitchFamily="18" charset="0"/>
+                          <a:cs typeface="Times New Roman" panose="02020603050405020304" pitchFamily="18" charset="0"/>
+                        </a:rPr>
+                        <a:t>NO-CODE/LOW-CODE DEVELOPMENT</a:t>
+                      </a:r>
+                    </a:p>
+                  </a:txBody>
+                  <a:tcPr marL="190500" marR="190500" marT="190500" marB="190500"/>
+                </a:tc>
+                <a:extLst>
+                  <a:ext uri="{0D108BD9-81ED-4DB2-BD59-A6C34878D82A}">
+                    <a16:rowId xmlns:a16="http://schemas.microsoft.com/office/drawing/2014/main" val="3524649879"/>
+                  </a:ext>
+                </a:extLst>
+              </a:tr>
+              <a:tr h="1237340">
+                <a:tc>
+                  <a:txBody>
+                    <a:bodyPr/>
+                    <a:lstStyle/>
+                    <a:p>
+                      <a:pPr algn="l" fontAlgn="base"/>
+                      <a:r>
+                        <a:rPr lang="en-US" sz="1600" b="0" dirty="0">
+                          <a:solidFill>
+                            <a:srgbClr val="090909"/>
+                          </a:solidFill>
+                          <a:effectLst/>
+                          <a:latin typeface="Times New Roman" panose="02020603050405020304" pitchFamily="18" charset="0"/>
+                          <a:cs typeface="Times New Roman" panose="02020603050405020304" pitchFamily="18" charset="0"/>
+                        </a:rPr>
+                        <a:t>Development resources</a:t>
+                      </a:r>
+                    </a:p>
+                  </a:txBody>
+                  <a:tcPr marL="190500" marR="190500" marT="190500" marB="190500"/>
+                </a:tc>
+                <a:tc>
+                  <a:txBody>
+                    <a:bodyPr/>
+                    <a:lstStyle/>
+                    <a:p>
+                      <a:pPr algn="l" fontAlgn="base"/>
+                      <a:r>
+                        <a:rPr lang="en-US" sz="1600" b="0">
+                          <a:solidFill>
+                            <a:srgbClr val="090909"/>
+                          </a:solidFill>
+                          <a:effectLst/>
+                          <a:latin typeface="Times New Roman" panose="02020603050405020304" pitchFamily="18" charset="0"/>
+                          <a:cs typeface="Times New Roman" panose="02020603050405020304" pitchFamily="18" charset="0"/>
+                        </a:rPr>
+                        <a:t>Developers with expertise in programming languages for:</a:t>
+                      </a:r>
+                    </a:p>
+                    <a:p>
+                      <a:pPr algn="l" fontAlgn="base">
+                        <a:buFont typeface="Arial" panose="020B0604020202020204" pitchFamily="34" charset="0"/>
+                        <a:buChar char="•"/>
+                      </a:pPr>
+                      <a:r>
+                        <a:rPr lang="en-US" sz="1600" b="0">
+                          <a:solidFill>
+                            <a:srgbClr val="090909"/>
+                          </a:solidFill>
+                          <a:effectLst/>
+                          <a:latin typeface="Times New Roman" panose="02020603050405020304" pitchFamily="18" charset="0"/>
+                          <a:cs typeface="Times New Roman" panose="02020603050405020304" pitchFamily="18" charset="0"/>
+                        </a:rPr>
+                        <a:t>web app development</a:t>
+                      </a:r>
+                    </a:p>
+                    <a:p>
+                      <a:pPr algn="l" fontAlgn="base">
+                        <a:buFont typeface="Arial" panose="020B0604020202020204" pitchFamily="34" charset="0"/>
+                        <a:buChar char="•"/>
+                      </a:pPr>
+                      <a:r>
+                        <a:rPr lang="en-US" sz="1600" b="0">
+                          <a:solidFill>
+                            <a:srgbClr val="090909"/>
+                          </a:solidFill>
+                          <a:effectLst/>
+                          <a:latin typeface="Times New Roman" panose="02020603050405020304" pitchFamily="18" charset="0"/>
+                          <a:cs typeface="Times New Roman" panose="02020603050405020304" pitchFamily="18" charset="0"/>
+                        </a:rPr>
+                        <a:t>mobile app development</a:t>
+                      </a:r>
+                    </a:p>
+                  </a:txBody>
+                  <a:tcPr marL="190500" marR="190500" marT="190500" marB="190500"/>
+                </a:tc>
+                <a:tc>
+                  <a:txBody>
+                    <a:bodyPr/>
+                    <a:lstStyle/>
+                    <a:p>
+                      <a:pPr algn="l" fontAlgn="base"/>
+                      <a:r>
+                        <a:rPr lang="en-US" sz="1600" b="0" dirty="0">
+                          <a:solidFill>
+                            <a:srgbClr val="090909"/>
+                          </a:solidFill>
+                          <a:effectLst/>
+                          <a:latin typeface="Times New Roman" panose="02020603050405020304" pitchFamily="18" charset="0"/>
+                          <a:cs typeface="Times New Roman" panose="02020603050405020304" pitchFamily="18" charset="0"/>
+                        </a:rPr>
+                        <a:t>An intuitive drag-and-drop interface for web/mobile app development by:</a:t>
+                      </a:r>
+                    </a:p>
+                    <a:p>
+                      <a:pPr algn="l" fontAlgn="base">
+                        <a:buFont typeface="Arial" panose="020B0604020202020204" pitchFamily="34" charset="0"/>
+                        <a:buChar char="•"/>
+                      </a:pPr>
+                      <a:r>
+                        <a:rPr lang="en-US" sz="1600" b="0" dirty="0">
+                          <a:solidFill>
+                            <a:srgbClr val="090909"/>
+                          </a:solidFill>
+                          <a:effectLst/>
+                          <a:latin typeface="Times New Roman" panose="02020603050405020304" pitchFamily="18" charset="0"/>
+                          <a:cs typeface="Times New Roman" panose="02020603050405020304" pitchFamily="18" charset="0"/>
+                        </a:rPr>
+                        <a:t>citizen developers</a:t>
+                      </a:r>
+                    </a:p>
+                    <a:p>
+                      <a:pPr algn="l" fontAlgn="base">
+                        <a:buFont typeface="Arial" panose="020B0604020202020204" pitchFamily="34" charset="0"/>
+                        <a:buChar char="•"/>
+                      </a:pPr>
+                      <a:r>
+                        <a:rPr lang="en-US" sz="1600" b="0" dirty="0">
+                          <a:solidFill>
+                            <a:srgbClr val="090909"/>
+                          </a:solidFill>
+                          <a:effectLst/>
+                          <a:latin typeface="Times New Roman" panose="02020603050405020304" pitchFamily="18" charset="0"/>
+                          <a:cs typeface="Times New Roman" panose="02020603050405020304" pitchFamily="18" charset="0"/>
+                        </a:rPr>
+                        <a:t>professional developers</a:t>
+                      </a:r>
+                    </a:p>
+                  </a:txBody>
+                  <a:tcPr marL="190500" marR="190500" marT="190500" marB="190500"/>
+                </a:tc>
+                <a:extLst>
+                  <a:ext uri="{0D108BD9-81ED-4DB2-BD59-A6C34878D82A}">
+                    <a16:rowId xmlns:a16="http://schemas.microsoft.com/office/drawing/2014/main" val="319563754"/>
+                  </a:ext>
+                </a:extLst>
+              </a:tr>
+              <a:tr h="1237340">
+                <a:tc>
+                  <a:txBody>
+                    <a:bodyPr/>
+                    <a:lstStyle/>
+                    <a:p>
+                      <a:pPr algn="l" fontAlgn="base"/>
+                      <a:r>
+                        <a:rPr lang="en-US" sz="1600" b="0" dirty="0">
+                          <a:solidFill>
+                            <a:srgbClr val="090909"/>
+                          </a:solidFill>
+                          <a:effectLst/>
+                          <a:latin typeface="Times New Roman" panose="02020603050405020304" pitchFamily="18" charset="0"/>
+                          <a:cs typeface="Times New Roman" panose="02020603050405020304" pitchFamily="18" charset="0"/>
+                        </a:rPr>
+                        <a:t>Development time</a:t>
+                      </a:r>
+                    </a:p>
+                  </a:txBody>
+                  <a:tcPr marL="190500" marR="190500" marT="190500" marB="190500"/>
+                </a:tc>
+                <a:tc>
+                  <a:txBody>
+                    <a:bodyPr/>
+                    <a:lstStyle/>
+                    <a:p>
+                      <a:pPr algn="l" fontAlgn="base"/>
+                      <a:r>
+                        <a:rPr lang="en-US" sz="1600" b="0" dirty="0">
+                          <a:solidFill>
+                            <a:srgbClr val="090909"/>
+                          </a:solidFill>
+                          <a:effectLst/>
+                          <a:latin typeface="Times New Roman" panose="02020603050405020304" pitchFamily="18" charset="0"/>
+                          <a:cs typeface="Times New Roman" panose="02020603050405020304" pitchFamily="18" charset="0"/>
+                        </a:rPr>
+                        <a:t>Lasts for months and includes:</a:t>
+                      </a:r>
+                    </a:p>
+                    <a:p>
+                      <a:pPr algn="l" fontAlgn="base">
+                        <a:buFont typeface="Arial" panose="020B0604020202020204" pitchFamily="34" charset="0"/>
+                        <a:buChar char="•"/>
+                      </a:pPr>
+                      <a:r>
+                        <a:rPr lang="en-US" sz="1600" b="0" dirty="0">
+                          <a:solidFill>
+                            <a:srgbClr val="090909"/>
+                          </a:solidFill>
+                          <a:effectLst/>
+                          <a:latin typeface="Times New Roman" panose="02020603050405020304" pitchFamily="18" charset="0"/>
+                          <a:cs typeface="Times New Roman" panose="02020603050405020304" pitchFamily="18" charset="0"/>
+                        </a:rPr>
+                        <a:t>extensive coding</a:t>
+                      </a:r>
+                    </a:p>
+                    <a:p>
+                      <a:pPr algn="l" fontAlgn="base">
+                        <a:buFont typeface="Arial" panose="020B0604020202020204" pitchFamily="34" charset="0"/>
+                        <a:buChar char="•"/>
+                      </a:pPr>
+                      <a:r>
+                        <a:rPr lang="en-US" sz="1600" b="0" dirty="0">
+                          <a:solidFill>
+                            <a:srgbClr val="090909"/>
+                          </a:solidFill>
+                          <a:effectLst/>
+                          <a:latin typeface="Times New Roman" panose="02020603050405020304" pitchFamily="18" charset="0"/>
+                          <a:cs typeface="Times New Roman" panose="02020603050405020304" pitchFamily="18" charset="0"/>
+                        </a:rPr>
+                        <a:t>multiple prototype revisions</a:t>
+                      </a:r>
+                    </a:p>
+                    <a:p>
+                      <a:pPr algn="l" fontAlgn="base">
+                        <a:buFont typeface="Arial" panose="020B0604020202020204" pitchFamily="34" charset="0"/>
+                        <a:buChar char="•"/>
+                      </a:pPr>
+                      <a:r>
+                        <a:rPr lang="en-US" sz="1600" b="0" dirty="0">
+                          <a:solidFill>
+                            <a:srgbClr val="090909"/>
+                          </a:solidFill>
+                          <a:effectLst/>
+                          <a:latin typeface="Times New Roman" panose="02020603050405020304" pitchFamily="18" charset="0"/>
+                          <a:cs typeface="Times New Roman" panose="02020603050405020304" pitchFamily="18" charset="0"/>
+                        </a:rPr>
+                        <a:t>testing and bug fixes</a:t>
+                      </a:r>
+                    </a:p>
+                  </a:txBody>
+                  <a:tcPr marL="190500" marR="190500" marT="190500" marB="190500"/>
+                </a:tc>
+                <a:tc>
+                  <a:txBody>
+                    <a:bodyPr/>
+                    <a:lstStyle/>
+                    <a:p>
+                      <a:pPr algn="l" fontAlgn="base"/>
+                      <a:r>
+                        <a:rPr lang="en-US" sz="1600" b="0" dirty="0">
+                          <a:solidFill>
+                            <a:srgbClr val="090909"/>
+                          </a:solidFill>
+                          <a:effectLst/>
+                          <a:latin typeface="Times New Roman" panose="02020603050405020304" pitchFamily="18" charset="0"/>
+                          <a:cs typeface="Times New Roman" panose="02020603050405020304" pitchFamily="18" charset="0"/>
+                        </a:rPr>
+                        <a:t>Is accelerated by 10x thanks to:</a:t>
+                      </a:r>
+                    </a:p>
+                    <a:p>
+                      <a:pPr algn="l" fontAlgn="base">
+                        <a:buFont typeface="Arial" panose="020B0604020202020204" pitchFamily="34" charset="0"/>
+                        <a:buChar char="•"/>
+                      </a:pPr>
+                      <a:r>
+                        <a:rPr lang="en-US" sz="1600" b="0" dirty="0">
+                          <a:solidFill>
+                            <a:srgbClr val="090909"/>
+                          </a:solidFill>
+                          <a:effectLst/>
+                          <a:latin typeface="Times New Roman" panose="02020603050405020304" pitchFamily="18" charset="0"/>
+                          <a:cs typeface="Times New Roman" panose="02020603050405020304" pitchFamily="18" charset="0"/>
+                        </a:rPr>
+                        <a:t>no need for coding</a:t>
+                      </a:r>
+                    </a:p>
+                    <a:p>
+                      <a:pPr algn="l" fontAlgn="base">
+                        <a:buFont typeface="Arial" panose="020B0604020202020204" pitchFamily="34" charset="0"/>
+                        <a:buChar char="•"/>
+                      </a:pPr>
+                      <a:r>
+                        <a:rPr lang="en-US" sz="1600" b="0" dirty="0">
+                          <a:solidFill>
+                            <a:srgbClr val="090909"/>
+                          </a:solidFill>
+                          <a:effectLst/>
+                          <a:latin typeface="Times New Roman" panose="02020603050405020304" pitchFamily="18" charset="0"/>
+                          <a:cs typeface="Times New Roman" panose="02020603050405020304" pitchFamily="18" charset="0"/>
+                        </a:rPr>
+                        <a:t>ready-made design templates</a:t>
+                      </a:r>
+                    </a:p>
+                    <a:p>
+                      <a:pPr algn="l" fontAlgn="base">
+                        <a:buFont typeface="Arial" panose="020B0604020202020204" pitchFamily="34" charset="0"/>
+                        <a:buChar char="•"/>
+                      </a:pPr>
+                      <a:r>
+                        <a:rPr lang="en-US" sz="1600" b="0" dirty="0">
+                          <a:solidFill>
+                            <a:srgbClr val="090909"/>
+                          </a:solidFill>
+                          <a:effectLst/>
+                          <a:latin typeface="Times New Roman" panose="02020603050405020304" pitchFamily="18" charset="0"/>
+                          <a:cs typeface="Times New Roman" panose="02020603050405020304" pitchFamily="18" charset="0"/>
+                        </a:rPr>
+                        <a:t>drag-and-drop interface</a:t>
+                      </a:r>
+                    </a:p>
+                  </a:txBody>
+                  <a:tcPr marL="190500" marR="190500" marT="190500" marB="190500"/>
+                </a:tc>
+                <a:extLst>
+                  <a:ext uri="{0D108BD9-81ED-4DB2-BD59-A6C34878D82A}">
+                    <a16:rowId xmlns:a16="http://schemas.microsoft.com/office/drawing/2014/main" val="2148370990"/>
+                  </a:ext>
+                </a:extLst>
+              </a:tr>
+              <a:tr h="1014897">
+                <a:tc>
+                  <a:txBody>
+                    <a:bodyPr/>
+                    <a:lstStyle/>
+                    <a:p>
+                      <a:pPr algn="l" fontAlgn="base"/>
+                      <a:r>
+                        <a:rPr lang="en-US" sz="1600" b="0" dirty="0">
+                          <a:solidFill>
+                            <a:srgbClr val="090909"/>
+                          </a:solidFill>
+                          <a:effectLst/>
+                          <a:latin typeface="Times New Roman" panose="02020603050405020304" pitchFamily="18" charset="0"/>
+                          <a:cs typeface="Times New Roman" panose="02020603050405020304" pitchFamily="18" charset="0"/>
+                        </a:rPr>
+                        <a:t>Development cost</a:t>
+                      </a:r>
+                    </a:p>
+                  </a:txBody>
+                  <a:tcPr marL="190500" marR="190500" marT="190500" marB="190500"/>
+                </a:tc>
+                <a:tc>
+                  <a:txBody>
+                    <a:bodyPr/>
+                    <a:lstStyle/>
+                    <a:p>
+                      <a:pPr algn="l" fontAlgn="base"/>
+                      <a:r>
+                        <a:rPr lang="en-US" sz="1600" b="0" dirty="0">
+                          <a:solidFill>
+                            <a:srgbClr val="090909"/>
+                          </a:solidFill>
+                          <a:effectLst/>
+                          <a:latin typeface="Times New Roman" panose="02020603050405020304" pitchFamily="18" charset="0"/>
+                          <a:cs typeface="Times New Roman" panose="02020603050405020304" pitchFamily="18" charset="0"/>
+                        </a:rPr>
+                        <a:t>Depends on the developer’s hourly rate:</a:t>
+                      </a:r>
+                    </a:p>
+                    <a:p>
+                      <a:pPr algn="l" fontAlgn="base">
+                        <a:buFont typeface="Arial" panose="020B0604020202020204" pitchFamily="34" charset="0"/>
+                        <a:buNone/>
+                      </a:pPr>
+                      <a:endParaRPr lang="en-US" sz="1600" b="0" dirty="0">
+                        <a:solidFill>
+                          <a:srgbClr val="090909"/>
+                        </a:solidFill>
+                        <a:effectLst/>
+                        <a:latin typeface="Times New Roman" panose="02020603050405020304" pitchFamily="18" charset="0"/>
+                        <a:cs typeface="Times New Roman" panose="02020603050405020304" pitchFamily="18" charset="0"/>
+                      </a:endParaRPr>
+                    </a:p>
+                  </a:txBody>
+                  <a:tcPr marL="190500" marR="190500" marT="190500" marB="190500"/>
+                </a:tc>
+                <a:tc>
+                  <a:txBody>
+                    <a:bodyPr/>
+                    <a:lstStyle/>
+                    <a:p>
+                      <a:pPr algn="l" fontAlgn="base"/>
+                      <a:r>
+                        <a:rPr lang="en-US" sz="1600" b="0" dirty="0">
+                          <a:solidFill>
+                            <a:srgbClr val="090909"/>
+                          </a:solidFill>
+                          <a:effectLst/>
+                          <a:latin typeface="Times New Roman" panose="02020603050405020304" pitchFamily="18" charset="0"/>
+                          <a:cs typeface="Times New Roman" panose="02020603050405020304" pitchFamily="18" charset="0"/>
+                        </a:rPr>
+                        <a:t>Depend on the subscription plan and the number of users:</a:t>
+                      </a:r>
+                    </a:p>
+                  </a:txBody>
+                  <a:tcPr marL="190500" marR="190500" marT="190500" marB="190500"/>
+                </a:tc>
+                <a:extLst>
+                  <a:ext uri="{0D108BD9-81ED-4DB2-BD59-A6C34878D82A}">
+                    <a16:rowId xmlns:a16="http://schemas.microsoft.com/office/drawing/2014/main" val="410118021"/>
+                  </a:ext>
+                </a:extLst>
+              </a:tr>
+            </a:tbl>
+          </a:graphicData>
+        </a:graphic>
+      </p:graphicFrame>
     </p:spTree>
     <p:extLst>
       <p:ext uri="{BB962C8B-B14F-4D97-AF65-F5344CB8AC3E}">
-        <p14:creationId xmlns:p14="http://schemas.microsoft.com/office/powerpoint/2010/main" val="3998472431"/>
+        <p14:creationId xmlns:p14="http://schemas.microsoft.com/office/powerpoint/2010/main" val="3158724016"/>
       </p:ext>
     </p:extLst>
   </p:cSld>
@@ -6664,155 +8400,475 @@
           <a:chExt cx="0" cy="0"/>
         </a:xfrm>
       </p:grpSpPr>
-      <p:sp>
-        <p:nvSpPr>
-          <p:cNvPr id="2" name="Title 1">
+      <p:graphicFrame>
+        <p:nvGraphicFramePr>
+          <p:cNvPr id="2" name="Table 2">
             <a:extLst>
               <a:ext uri="{FF2B5EF4-FFF2-40B4-BE49-F238E27FC236}">
-                <a16:creationId xmlns:a16="http://schemas.microsoft.com/office/drawing/2014/main" id="{C03F024B-6C63-4475-B290-9CA73EF3A533}"/>
+                <a16:creationId xmlns:a16="http://schemas.microsoft.com/office/drawing/2014/main" id="{6F32F017-7ADA-4AE8-A927-2A2E656E3F0E}"/>
               </a:ext>
             </a:extLst>
           </p:cNvPr>
-          <p:cNvSpPr>
-            <a:spLocks noGrp="1"/>
-          </p:cNvSpPr>
-          <p:nvPr>
-            <p:ph type="title"/>
-          </p:nvPr>
-        </p:nvSpPr>
-        <p:spPr/>
-        <p:txBody>
-          <a:bodyPr>
-            <a:normAutofit/>
-          </a:bodyPr>
-          <a:lstStyle/>
-          <a:p>
-            <a:r>
-              <a:rPr lang="en-US" sz="3600" dirty="0">
-                <a:latin typeface="Times New Roman" panose="02020603050405020304" pitchFamily="18" charset="0"/>
-                <a:cs typeface="Times New Roman" panose="02020603050405020304" pitchFamily="18" charset="0"/>
-              </a:rPr>
-              <a:t>Main Components </a:t>
-            </a:r>
-          </a:p>
-        </p:txBody>
-      </p:sp>
-      <p:sp>
-        <p:nvSpPr>
-          <p:cNvPr id="3" name="Content Placeholder 2">
-            <a:extLst>
-              <a:ext uri="{FF2B5EF4-FFF2-40B4-BE49-F238E27FC236}">
-                <a16:creationId xmlns:a16="http://schemas.microsoft.com/office/drawing/2014/main" id="{AA49C795-16C5-4907-9C4C-7658B18469AB}"/>
-              </a:ext>
-            </a:extLst>
-          </p:cNvPr>
-          <p:cNvSpPr>
-            <a:spLocks noGrp="1"/>
-          </p:cNvSpPr>
-          <p:nvPr>
-            <p:ph idx="1"/>
-          </p:nvPr>
-        </p:nvSpPr>
-        <p:spPr/>
-        <p:txBody>
-          <a:bodyPr>
-            <a:normAutofit/>
-          </a:bodyPr>
-          <a:lstStyle/>
-          <a:p>
-            <a:r>
-              <a:rPr lang="en-US" dirty="0">
-                <a:latin typeface="Times New Roman" panose="02020603050405020304" pitchFamily="18" charset="0"/>
-                <a:cs typeface="Times New Roman" panose="02020603050405020304" pitchFamily="18" charset="0"/>
-              </a:rPr>
-              <a:t>Grouped into three tiers [2]: </a:t>
-            </a:r>
-          </a:p>
-          <a:p>
-            <a:r>
-              <a:rPr lang="en-US" dirty="0">
-                <a:latin typeface="Times New Roman" panose="02020603050405020304" pitchFamily="18" charset="0"/>
-                <a:cs typeface="Times New Roman" panose="02020603050405020304" pitchFamily="18" charset="0"/>
-              </a:rPr>
-              <a:t>1. Application Modeler: Enabling the specifications of applications through provided modeling </a:t>
-            </a:r>
-            <a:br>
-              <a:rPr lang="en-US" dirty="0">
-                <a:latin typeface="Times New Roman" panose="02020603050405020304" pitchFamily="18" charset="0"/>
-                <a:cs typeface="Times New Roman" panose="02020603050405020304" pitchFamily="18" charset="0"/>
-              </a:rPr>
-            </a:br>
-            <a:r>
-              <a:rPr lang="en-US" dirty="0">
-                <a:latin typeface="Times New Roman" panose="02020603050405020304" pitchFamily="18" charset="0"/>
-                <a:cs typeface="Times New Roman" panose="02020603050405020304" pitchFamily="18" charset="0"/>
-              </a:rPr>
-              <a:t>		constructs and abstractions. Define applications. </a:t>
-            </a:r>
-          </a:p>
-          <a:p>
-            <a:r>
-              <a:rPr lang="en-US" dirty="0">
-                <a:latin typeface="Times New Roman" panose="02020603050405020304" pitchFamily="18" charset="0"/>
-                <a:cs typeface="Times New Roman" panose="02020603050405020304" pitchFamily="18" charset="0"/>
-              </a:rPr>
-              <a:t>2. Middle Tier: Takes the application model received from Application modeler and performs</a:t>
-            </a:r>
-            <a:br>
-              <a:rPr lang="en-US" dirty="0">
-                <a:latin typeface="Times New Roman" panose="02020603050405020304" pitchFamily="18" charset="0"/>
-                <a:cs typeface="Times New Roman" panose="02020603050405020304" pitchFamily="18" charset="0"/>
-              </a:rPr>
-            </a:br>
-            <a:r>
-              <a:rPr lang="en-US" dirty="0">
-                <a:latin typeface="Times New Roman" panose="02020603050405020304" pitchFamily="18" charset="0"/>
-                <a:cs typeface="Times New Roman" panose="02020603050405020304" pitchFamily="18" charset="0"/>
-              </a:rPr>
-              <a:t>	model management operations like code generations and optimizations. Consider </a:t>
-            </a:r>
-            <a:br>
-              <a:rPr lang="en-US" dirty="0">
-                <a:latin typeface="Times New Roman" panose="02020603050405020304" pitchFamily="18" charset="0"/>
-                <a:cs typeface="Times New Roman" panose="02020603050405020304" pitchFamily="18" charset="0"/>
-              </a:rPr>
-            </a:br>
-            <a:r>
-              <a:rPr lang="en-US" dirty="0">
-                <a:latin typeface="Times New Roman" panose="02020603050405020304" pitchFamily="18" charset="0"/>
-                <a:cs typeface="Times New Roman" panose="02020603050405020304" pitchFamily="18" charset="0"/>
-              </a:rPr>
-              <a:t>	involved services including database systems, micro-services, API connectors, model </a:t>
-            </a:r>
-            <a:br>
-              <a:rPr lang="en-US" dirty="0">
-                <a:latin typeface="Times New Roman" panose="02020603050405020304" pitchFamily="18" charset="0"/>
-                <a:cs typeface="Times New Roman" panose="02020603050405020304" pitchFamily="18" charset="0"/>
-              </a:rPr>
-            </a:br>
-            <a:r>
-              <a:rPr lang="en-US" dirty="0">
-                <a:latin typeface="Times New Roman" panose="02020603050405020304" pitchFamily="18" charset="0"/>
-                <a:cs typeface="Times New Roman" panose="02020603050405020304" pitchFamily="18" charset="0"/>
-              </a:rPr>
-              <a:t>	repositories of reusable artifacts. </a:t>
-            </a:r>
-          </a:p>
-          <a:p>
-            <a:r>
-              <a:rPr lang="en-US" dirty="0">
-                <a:latin typeface="Times New Roman" panose="02020603050405020304" pitchFamily="18" charset="0"/>
-                <a:cs typeface="Times New Roman" panose="02020603050405020304" pitchFamily="18" charset="0"/>
-              </a:rPr>
-              <a:t>3. External services: services that are integrated with the platform. </a:t>
-            </a:r>
-          </a:p>
-        </p:txBody>
-      </p:sp>
+          <p:cNvGraphicFramePr>
+            <a:graphicFrameLocks noGrp="1"/>
+          </p:cNvGraphicFramePr>
+          <p:nvPr>
+            <p:extLst>
+              <p:ext uri="{D42A27DB-BD31-4B8C-83A1-F6EECF244321}">
+                <p14:modId xmlns:p14="http://schemas.microsoft.com/office/powerpoint/2010/main" val="2573994546"/>
+              </p:ext>
+            </p:extLst>
+          </p:nvPr>
+        </p:nvGraphicFramePr>
+        <p:xfrm>
+          <a:off x="897622" y="719666"/>
+          <a:ext cx="10335237" cy="4541520"/>
+        </p:xfrm>
+        <a:graphic>
+          <a:graphicData uri="http://schemas.openxmlformats.org/drawingml/2006/table">
+            <a:tbl>
+              <a:tblPr firstRow="1" bandRow="1">
+                <a:tableStyleId>{5C22544A-7EE6-4342-B048-85BDC9FD1C3A}</a:tableStyleId>
+              </a:tblPr>
+              <a:tblGrid>
+                <a:gridCol w="2600587">
+                  <a:extLst>
+                    <a:ext uri="{9D8B030D-6E8A-4147-A177-3AD203B41FA5}">
+                      <a16:colId xmlns:a16="http://schemas.microsoft.com/office/drawing/2014/main" val="2479529587"/>
+                    </a:ext>
+                  </a:extLst>
+                </a:gridCol>
+                <a:gridCol w="4289571">
+                  <a:extLst>
+                    <a:ext uri="{9D8B030D-6E8A-4147-A177-3AD203B41FA5}">
+                      <a16:colId xmlns:a16="http://schemas.microsoft.com/office/drawing/2014/main" val="2437192980"/>
+                    </a:ext>
+                  </a:extLst>
+                </a:gridCol>
+                <a:gridCol w="3445079">
+                  <a:extLst>
+                    <a:ext uri="{9D8B030D-6E8A-4147-A177-3AD203B41FA5}">
+                      <a16:colId xmlns:a16="http://schemas.microsoft.com/office/drawing/2014/main" val="103783939"/>
+                    </a:ext>
+                  </a:extLst>
+                </a:gridCol>
+              </a:tblGrid>
+              <a:tr h="370840">
+                <a:tc>
+                  <a:txBody>
+                    <a:bodyPr/>
+                    <a:lstStyle/>
+                    <a:p>
+                      <a:pPr algn="l" fontAlgn="base"/>
+                      <a:r>
+                        <a:rPr lang="en-US" b="0" cap="all" dirty="0">
+                          <a:solidFill>
+                            <a:srgbClr val="090909"/>
+                          </a:solidFill>
+                          <a:effectLst/>
+                          <a:latin typeface="Montserrat"/>
+                        </a:rPr>
+                        <a:t>CHARACTERISTIC</a:t>
+                      </a:r>
+                    </a:p>
+                  </a:txBody>
+                  <a:tcPr marL="190500" marR="190500" marT="190500" marB="190500"/>
+                </a:tc>
+                <a:tc>
+                  <a:txBody>
+                    <a:bodyPr/>
+                    <a:lstStyle/>
+                    <a:p>
+                      <a:pPr algn="l" fontAlgn="base"/>
+                      <a:r>
+                        <a:rPr lang="en-US" b="0" cap="all">
+                          <a:solidFill>
+                            <a:srgbClr val="090909"/>
+                          </a:solidFill>
+                          <a:effectLst/>
+                          <a:latin typeface="Montserrat"/>
+                        </a:rPr>
+                        <a:t>TRADITIONAL DEVELOPMENT</a:t>
+                      </a:r>
+                    </a:p>
+                  </a:txBody>
+                  <a:tcPr marL="190500" marR="190500" marT="190500" marB="190500"/>
+                </a:tc>
+                <a:tc>
+                  <a:txBody>
+                    <a:bodyPr/>
+                    <a:lstStyle/>
+                    <a:p>
+                      <a:pPr algn="l" fontAlgn="base"/>
+                      <a:r>
+                        <a:rPr lang="en-US" b="0" cap="all" dirty="0">
+                          <a:solidFill>
+                            <a:srgbClr val="090909"/>
+                          </a:solidFill>
+                          <a:effectLst/>
+                          <a:latin typeface="Montserrat"/>
+                        </a:rPr>
+                        <a:t>NO-CODE/LOW-CODE DEVELOPMENT</a:t>
+                      </a:r>
+                    </a:p>
+                  </a:txBody>
+                  <a:tcPr marL="190500" marR="190500" marT="190500" marB="190500"/>
+                </a:tc>
+                <a:extLst>
+                  <a:ext uri="{0D108BD9-81ED-4DB2-BD59-A6C34878D82A}">
+                    <a16:rowId xmlns:a16="http://schemas.microsoft.com/office/drawing/2014/main" val="244373218"/>
+                  </a:ext>
+                </a:extLst>
+              </a:tr>
+              <a:tr h="370840">
+                <a:tc>
+                  <a:txBody>
+                    <a:bodyPr/>
+                    <a:lstStyle/>
+                    <a:p>
+                      <a:pPr algn="l" fontAlgn="base"/>
+                      <a:r>
+                        <a:rPr lang="en-US" b="0" dirty="0">
+                          <a:solidFill>
+                            <a:srgbClr val="090909"/>
+                          </a:solidFill>
+                          <a:effectLst/>
+                          <a:latin typeface="Times New Roman" panose="02020603050405020304" pitchFamily="18" charset="0"/>
+                          <a:cs typeface="Times New Roman" panose="02020603050405020304" pitchFamily="18" charset="0"/>
+                        </a:rPr>
+                        <a:t>Multiplatform</a:t>
+                      </a:r>
+                    </a:p>
+                  </a:txBody>
+                  <a:tcPr marL="190500" marR="190500" marT="190500" marB="190500"/>
+                </a:tc>
+                <a:tc>
+                  <a:txBody>
+                    <a:bodyPr/>
+                    <a:lstStyle/>
+                    <a:p>
+                      <a:pPr algn="l" fontAlgn="base"/>
+                      <a:r>
+                        <a:rPr lang="en-US" b="0">
+                          <a:solidFill>
+                            <a:srgbClr val="090909"/>
+                          </a:solidFill>
+                          <a:effectLst/>
+                          <a:latin typeface="Times New Roman" panose="02020603050405020304" pitchFamily="18" charset="0"/>
+                          <a:cs typeface="Times New Roman" panose="02020603050405020304" pitchFamily="18" charset="0"/>
+                        </a:rPr>
+                        <a:t>The app should be developed separately for each platform</a:t>
+                      </a:r>
+                    </a:p>
+                  </a:txBody>
+                  <a:tcPr marL="190500" marR="190500" marT="190500" marB="190500"/>
+                </a:tc>
+                <a:tc>
+                  <a:txBody>
+                    <a:bodyPr/>
+                    <a:lstStyle/>
+                    <a:p>
+                      <a:pPr algn="l" fontAlgn="base"/>
+                      <a:r>
+                        <a:rPr lang="en-US" b="0">
+                          <a:solidFill>
+                            <a:srgbClr val="090909"/>
+                          </a:solidFill>
+                          <a:effectLst/>
+                          <a:latin typeface="Times New Roman" panose="02020603050405020304" pitchFamily="18" charset="0"/>
+                          <a:cs typeface="Times New Roman" panose="02020603050405020304" pitchFamily="18" charset="0"/>
+                        </a:rPr>
+                        <a:t>The app can work:</a:t>
+                      </a:r>
+                    </a:p>
+                    <a:p>
+                      <a:pPr algn="l" fontAlgn="base">
+                        <a:buFont typeface="Arial" panose="020B0604020202020204" pitchFamily="34" charset="0"/>
+                        <a:buChar char="•"/>
+                      </a:pPr>
+                      <a:r>
+                        <a:rPr lang="en-US" b="0">
+                          <a:solidFill>
+                            <a:srgbClr val="090909"/>
+                          </a:solidFill>
+                          <a:effectLst/>
+                          <a:latin typeface="Times New Roman" panose="02020603050405020304" pitchFamily="18" charset="0"/>
+                          <a:cs typeface="Times New Roman" panose="02020603050405020304" pitchFamily="18" charset="0"/>
+                        </a:rPr>
+                        <a:t>for mobile</a:t>
+                      </a:r>
+                    </a:p>
+                    <a:p>
+                      <a:pPr algn="l" fontAlgn="base">
+                        <a:buFont typeface="Arial" panose="020B0604020202020204" pitchFamily="34" charset="0"/>
+                        <a:buChar char="•"/>
+                      </a:pPr>
+                      <a:r>
+                        <a:rPr lang="en-US" b="0">
+                          <a:solidFill>
+                            <a:srgbClr val="090909"/>
+                          </a:solidFill>
+                          <a:effectLst/>
+                          <a:latin typeface="Times New Roman" panose="02020603050405020304" pitchFamily="18" charset="0"/>
+                          <a:cs typeface="Times New Roman" panose="02020603050405020304" pitchFamily="18" charset="0"/>
+                        </a:rPr>
+                        <a:t>for web</a:t>
+                      </a:r>
+                    </a:p>
+                    <a:p>
+                      <a:pPr algn="l" fontAlgn="base">
+                        <a:buFont typeface="Arial" panose="020B0604020202020204" pitchFamily="34" charset="0"/>
+                        <a:buChar char="•"/>
+                      </a:pPr>
+                      <a:r>
+                        <a:rPr lang="en-US" b="0">
+                          <a:solidFill>
+                            <a:srgbClr val="090909"/>
+                          </a:solidFill>
+                          <a:effectLst/>
+                          <a:latin typeface="Times New Roman" panose="02020603050405020304" pitchFamily="18" charset="0"/>
+                          <a:cs typeface="Times New Roman" panose="02020603050405020304" pitchFamily="18" charset="0"/>
+                        </a:rPr>
+                        <a:t>in the cloud</a:t>
+                      </a:r>
+                    </a:p>
+                  </a:txBody>
+                  <a:tcPr marL="190500" marR="190500" marT="190500" marB="190500"/>
+                </a:tc>
+                <a:extLst>
+                  <a:ext uri="{0D108BD9-81ED-4DB2-BD59-A6C34878D82A}">
+                    <a16:rowId xmlns:a16="http://schemas.microsoft.com/office/drawing/2014/main" val="3661612457"/>
+                  </a:ext>
+                </a:extLst>
+              </a:tr>
+              <a:tr h="370840">
+                <a:tc>
+                  <a:txBody>
+                    <a:bodyPr/>
+                    <a:lstStyle/>
+                    <a:p>
+                      <a:pPr algn="l" fontAlgn="base"/>
+                      <a:r>
+                        <a:rPr lang="en-US" b="0" dirty="0">
+                          <a:solidFill>
+                            <a:srgbClr val="090909"/>
+                          </a:solidFill>
+                          <a:effectLst/>
+                          <a:latin typeface="Times New Roman" panose="02020603050405020304" pitchFamily="18" charset="0"/>
+                          <a:cs typeface="Times New Roman" panose="02020603050405020304" pitchFamily="18" charset="0"/>
+                        </a:rPr>
+                        <a:t>Maintenance</a:t>
+                      </a:r>
+                    </a:p>
+                  </a:txBody>
+                  <a:tcPr marL="190500" marR="190500" marT="190500" marB="190500"/>
+                </a:tc>
+                <a:tc>
+                  <a:txBody>
+                    <a:bodyPr/>
+                    <a:lstStyle/>
+                    <a:p>
+                      <a:pPr algn="l" fontAlgn="base">
+                        <a:buFont typeface="Arial" panose="020B0604020202020204" pitchFamily="34" charset="0"/>
+                        <a:buChar char="•"/>
+                      </a:pPr>
+                      <a:r>
+                        <a:rPr lang="en-US" b="0">
+                          <a:solidFill>
+                            <a:srgbClr val="090909"/>
+                          </a:solidFill>
+                          <a:effectLst/>
+                          <a:latin typeface="Times New Roman" panose="02020603050405020304" pitchFamily="18" charset="0"/>
+                          <a:cs typeface="Times New Roman" panose="02020603050405020304" pitchFamily="18" charset="0"/>
+                        </a:rPr>
+                        <a:t>requires additional development</a:t>
+                      </a:r>
+                    </a:p>
+                    <a:p>
+                      <a:pPr algn="l" fontAlgn="base">
+                        <a:buFont typeface="Arial" panose="020B0604020202020204" pitchFamily="34" charset="0"/>
+                        <a:buChar char="•"/>
+                      </a:pPr>
+                      <a:r>
+                        <a:rPr lang="en-US" b="0">
+                          <a:solidFill>
+                            <a:srgbClr val="090909"/>
+                          </a:solidFill>
+                          <a:effectLst/>
+                          <a:latin typeface="Times New Roman" panose="02020603050405020304" pitchFamily="18" charset="0"/>
+                          <a:cs typeface="Times New Roman" panose="02020603050405020304" pitchFamily="18" charset="0"/>
+                        </a:rPr>
+                        <a:t>is extensive to support</a:t>
+                      </a:r>
+                    </a:p>
+                  </a:txBody>
+                  <a:tcPr marL="190500" marR="190500" marT="190500" marB="190500"/>
+                </a:tc>
+                <a:tc>
+                  <a:txBody>
+                    <a:bodyPr/>
+                    <a:lstStyle/>
+                    <a:p>
+                      <a:pPr algn="l" fontAlgn="base">
+                        <a:buFont typeface="Arial" panose="020B0604020202020204" pitchFamily="34" charset="0"/>
+                        <a:buChar char="•"/>
+                      </a:pPr>
+                      <a:r>
+                        <a:rPr lang="en-US" b="0">
+                          <a:solidFill>
+                            <a:srgbClr val="090909"/>
+                          </a:solidFill>
+                          <a:effectLst/>
+                          <a:latin typeface="Times New Roman" panose="02020603050405020304" pitchFamily="18" charset="0"/>
+                          <a:cs typeface="Times New Roman" panose="02020603050405020304" pitchFamily="18" charset="0"/>
+                        </a:rPr>
+                        <a:t>easy to update and extend</a:t>
+                      </a:r>
+                    </a:p>
+                    <a:p>
+                      <a:pPr algn="l" fontAlgn="base">
+                        <a:buFont typeface="Arial" panose="020B0604020202020204" pitchFamily="34" charset="0"/>
+                        <a:buChar char="•"/>
+                      </a:pPr>
+                      <a:r>
+                        <a:rPr lang="en-US" b="0">
+                          <a:solidFill>
+                            <a:srgbClr val="090909"/>
+                          </a:solidFill>
+                          <a:effectLst/>
+                          <a:latin typeface="Times New Roman" panose="02020603050405020304" pitchFamily="18" charset="0"/>
+                          <a:cs typeface="Times New Roman" panose="02020603050405020304" pitchFamily="18" charset="0"/>
+                        </a:rPr>
+                        <a:t>great for prototyping</a:t>
+                      </a:r>
+                    </a:p>
+                  </a:txBody>
+                  <a:tcPr marL="190500" marR="190500" marT="190500" marB="190500"/>
+                </a:tc>
+                <a:extLst>
+                  <a:ext uri="{0D108BD9-81ED-4DB2-BD59-A6C34878D82A}">
+                    <a16:rowId xmlns:a16="http://schemas.microsoft.com/office/drawing/2014/main" val="3934553543"/>
+                  </a:ext>
+                </a:extLst>
+              </a:tr>
+              <a:tr h="370840">
+                <a:tc>
+                  <a:txBody>
+                    <a:bodyPr/>
+                    <a:lstStyle/>
+                    <a:p>
+                      <a:pPr algn="l" fontAlgn="base"/>
+                      <a:r>
+                        <a:rPr lang="en-US" b="0">
+                          <a:solidFill>
+                            <a:srgbClr val="090909"/>
+                          </a:solidFill>
+                          <a:effectLst/>
+                          <a:latin typeface="Times New Roman" panose="02020603050405020304" pitchFamily="18" charset="0"/>
+                          <a:cs typeface="Times New Roman" panose="02020603050405020304" pitchFamily="18" charset="0"/>
+                        </a:rPr>
+                        <a:t>Deployment</a:t>
+                      </a:r>
+                    </a:p>
+                  </a:txBody>
+                  <a:tcPr marL="190500" marR="190500" marT="190500" marB="190500"/>
+                </a:tc>
+                <a:tc>
+                  <a:txBody>
+                    <a:bodyPr/>
+                    <a:lstStyle/>
+                    <a:p>
+                      <a:pPr algn="l" fontAlgn="base">
+                        <a:buFont typeface="Arial" panose="020B0604020202020204" pitchFamily="34" charset="0"/>
+                        <a:buChar char="•"/>
+                      </a:pPr>
+                      <a:r>
+                        <a:rPr lang="en-US" b="0">
+                          <a:solidFill>
+                            <a:srgbClr val="090909"/>
+                          </a:solidFill>
+                          <a:effectLst/>
+                          <a:latin typeface="Times New Roman" panose="02020603050405020304" pitchFamily="18" charset="0"/>
+                          <a:cs typeface="Times New Roman" panose="02020603050405020304" pitchFamily="18" charset="0"/>
+                        </a:rPr>
+                        <a:t>requires many steps</a:t>
+                      </a:r>
+                    </a:p>
+                    <a:p>
+                      <a:pPr algn="l" fontAlgn="base">
+                        <a:buFont typeface="Arial" panose="020B0604020202020204" pitchFamily="34" charset="0"/>
+                        <a:buChar char="•"/>
+                      </a:pPr>
+                      <a:r>
+                        <a:rPr lang="en-US" b="0">
+                          <a:solidFill>
+                            <a:srgbClr val="090909"/>
+                          </a:solidFill>
+                          <a:effectLst/>
+                          <a:latin typeface="Times New Roman" panose="02020603050405020304" pitchFamily="18" charset="0"/>
+                          <a:cs typeface="Times New Roman" panose="02020603050405020304" pitchFamily="18" charset="0"/>
+                        </a:rPr>
+                        <a:t>requires much development resources</a:t>
+                      </a:r>
+                    </a:p>
+                    <a:p>
+                      <a:pPr algn="l" fontAlgn="base">
+                        <a:buFont typeface="Arial" panose="020B0604020202020204" pitchFamily="34" charset="0"/>
+                        <a:buChar char="•"/>
+                      </a:pPr>
+                      <a:r>
+                        <a:rPr lang="en-US" b="0">
+                          <a:solidFill>
+                            <a:srgbClr val="090909"/>
+                          </a:solidFill>
+                          <a:effectLst/>
+                          <a:latin typeface="Times New Roman" panose="02020603050405020304" pitchFamily="18" charset="0"/>
+                          <a:cs typeface="Times New Roman" panose="02020603050405020304" pitchFamily="18" charset="0"/>
+                        </a:rPr>
+                        <a:t>slow and complex</a:t>
+                      </a:r>
+                    </a:p>
+                  </a:txBody>
+                  <a:tcPr marL="190500" marR="190500" marT="190500" marB="190500"/>
+                </a:tc>
+                <a:tc>
+                  <a:txBody>
+                    <a:bodyPr/>
+                    <a:lstStyle/>
+                    <a:p>
+                      <a:pPr algn="l" fontAlgn="base">
+                        <a:buFont typeface="Arial" panose="020B0604020202020204" pitchFamily="34" charset="0"/>
+                        <a:buChar char="•"/>
+                      </a:pPr>
+                      <a:r>
+                        <a:rPr lang="en-US" b="0" dirty="0">
+                          <a:solidFill>
+                            <a:srgbClr val="090909"/>
+                          </a:solidFill>
+                          <a:effectLst/>
+                          <a:latin typeface="Times New Roman" panose="02020603050405020304" pitchFamily="18" charset="0"/>
+                          <a:cs typeface="Times New Roman" panose="02020603050405020304" pitchFamily="18" charset="0"/>
+                        </a:rPr>
+                        <a:t>one-touch deployment to multiple environments</a:t>
+                      </a:r>
+                    </a:p>
+                  </a:txBody>
+                  <a:tcPr marL="190500" marR="190500" marT="190500" marB="190500"/>
+                </a:tc>
+                <a:extLst>
+                  <a:ext uri="{0D108BD9-81ED-4DB2-BD59-A6C34878D82A}">
+                    <a16:rowId xmlns:a16="http://schemas.microsoft.com/office/drawing/2014/main" val="2050411263"/>
+                  </a:ext>
+                </a:extLst>
+              </a:tr>
+            </a:tbl>
+          </a:graphicData>
+        </a:graphic>
+      </p:graphicFrame>
     </p:spTree>
     <p:extLst>
       <p:ext uri="{BB962C8B-B14F-4D97-AF65-F5344CB8AC3E}">
-        <p14:creationId xmlns:p14="http://schemas.microsoft.com/office/powerpoint/2010/main" val="3374330520"/>
+        <p14:creationId xmlns:p14="http://schemas.microsoft.com/office/powerpoint/2010/main" val="1323836709"/>
       </p:ext>
     </p:extLst>
   </p:cSld>
@@ -6844,7 +8900,7 @@
           <p:cNvPr id="2" name="Title 1">
             <a:extLst>
               <a:ext uri="{FF2B5EF4-FFF2-40B4-BE49-F238E27FC236}">
-                <a16:creationId xmlns:a16="http://schemas.microsoft.com/office/drawing/2014/main" id="{DEABBAF4-B9CF-45CD-ADE1-6C8D5EE3A7A0}"/>
+                <a16:creationId xmlns:a16="http://schemas.microsoft.com/office/drawing/2014/main" id="{EC35F4D5-8D6A-4782-BFB3-FE34EE087DD3}"/>
               </a:ext>
             </a:extLst>
           </p:cNvPr>
@@ -6867,7 +8923,7 @@
                 <a:latin typeface="Times New Roman" panose="02020603050405020304" pitchFamily="18" charset="0"/>
                 <a:cs typeface="Times New Roman" panose="02020603050405020304" pitchFamily="18" charset="0"/>
               </a:rPr>
-              <a:t>Implementation Units</a:t>
+              <a:t>When to Use LCD/NCD and Traditional Development  </a:t>
             </a:r>
           </a:p>
         </p:txBody>
@@ -6877,7 +8933,7 @@
           <p:cNvPr id="3" name="Content Placeholder 2">
             <a:extLst>
               <a:ext uri="{FF2B5EF4-FFF2-40B4-BE49-F238E27FC236}">
-                <a16:creationId xmlns:a16="http://schemas.microsoft.com/office/drawing/2014/main" id="{7A2D6F91-E923-4E76-BC53-F6471878F854}"/>
+                <a16:creationId xmlns:a16="http://schemas.microsoft.com/office/drawing/2014/main" id="{3B1FB56B-3285-495B-87D3-B69A92C7F263}"/>
               </a:ext>
             </a:extLst>
           </p:cNvPr>
@@ -6898,57 +8954,7 @@
                 <a:latin typeface="Times New Roman" panose="02020603050405020304" pitchFamily="18" charset="0"/>
                 <a:cs typeface="Times New Roman" panose="02020603050405020304" pitchFamily="18" charset="0"/>
               </a:rPr>
-              <a:t>API (backend)</a:t>
-            </a:r>
-          </a:p>
-          <a:p>
-            <a:r>
-              <a:rPr lang="en-US" dirty="0">
-                <a:latin typeface="Times New Roman" panose="02020603050405020304" pitchFamily="18" charset="0"/>
-                <a:cs typeface="Times New Roman" panose="02020603050405020304" pitchFamily="18" charset="0"/>
-              </a:rPr>
-              <a:t>Template (backend and frontend)</a:t>
-            </a:r>
-          </a:p>
-          <a:p>
-            <a:r>
-              <a:rPr lang="en-US" dirty="0">
-                <a:latin typeface="Times New Roman" panose="02020603050405020304" pitchFamily="18" charset="0"/>
-                <a:cs typeface="Times New Roman" panose="02020603050405020304" pitchFamily="18" charset="0"/>
-              </a:rPr>
-              <a:t>Component (frontend)</a:t>
-            </a:r>
-          </a:p>
-          <a:p>
-            <a:r>
-              <a:rPr lang="en-US" dirty="0">
-                <a:latin typeface="Times New Roman" panose="02020603050405020304" pitchFamily="18" charset="0"/>
-                <a:cs typeface="Times New Roman" panose="02020603050405020304" pitchFamily="18" charset="0"/>
-              </a:rPr>
-              <a:t>Services (backend)</a:t>
-            </a:r>
-          </a:p>
-          <a:p>
-            <a:r>
-              <a:rPr lang="en-US" dirty="0">
-                <a:latin typeface="Times New Roman" panose="02020603050405020304" pitchFamily="18" charset="0"/>
-                <a:cs typeface="Times New Roman" panose="02020603050405020304" pitchFamily="18" charset="0"/>
-              </a:rPr>
-              <a:t>Framework (</a:t>
-            </a:r>
-            <a:r>
-              <a:rPr lang="en-US" dirty="0" err="1">
-                <a:latin typeface="Times New Roman" panose="02020603050405020304" pitchFamily="18" charset="0"/>
-                <a:cs typeface="Times New Roman" panose="02020603050405020304" pitchFamily="18" charset="0"/>
-              </a:rPr>
-              <a:t>Eg</a:t>
-            </a:r>
-            <a:r>
-              <a:rPr lang="en-US" dirty="0">
-                <a:latin typeface="Times New Roman" panose="02020603050405020304" pitchFamily="18" charset="0"/>
-                <a:cs typeface="Times New Roman" panose="02020603050405020304" pitchFamily="18" charset="0"/>
-              </a:rPr>
-              <a:t>: “Loopback is an awesome framework that offers a full REST API to all CRUD</a:t>
+              <a:t>Use LCD/NCD:</a:t>
             </a:r>
             <a:br>
               <a:rPr lang="en-US" dirty="0">
@@ -6956,38 +8962,167 @@
                 <a:cs typeface="Times New Roman" panose="02020603050405020304" pitchFamily="18" charset="0"/>
               </a:rPr>
             </a:br>
-            <a:r>
-              <a:rPr lang="en-US" dirty="0">
-                <a:latin typeface="Times New Roman" panose="02020603050405020304" pitchFamily="18" charset="0"/>
-                <a:cs typeface="Times New Roman" panose="02020603050405020304" pitchFamily="18" charset="0"/>
-              </a:rPr>
-              <a:t>                        available operations with zero code [1] ) (frontend and backend)</a:t>
-            </a:r>
-          </a:p>
-          <a:p>
-            <a:r>
-              <a:rPr lang="en-US" dirty="0">
-                <a:latin typeface="Times New Roman" panose="02020603050405020304" pitchFamily="18" charset="0"/>
-                <a:cs typeface="Times New Roman" panose="02020603050405020304" pitchFamily="18" charset="0"/>
-              </a:rPr>
-              <a:t>Widget (frontend)</a:t>
-            </a:r>
-          </a:p>
-          <a:p>
-            <a:r>
-              <a:rPr lang="en-US" dirty="0">
-                <a:latin typeface="Times New Roman" panose="02020603050405020304" pitchFamily="18" charset="0"/>
-                <a:cs typeface="Times New Roman" panose="02020603050405020304" pitchFamily="18" charset="0"/>
-              </a:rPr>
-              <a:t>SDK</a:t>
-            </a:r>
+            <a:br>
+              <a:rPr lang="en-US" dirty="0">
+                <a:latin typeface="Times New Roman" panose="02020603050405020304" pitchFamily="18" charset="0"/>
+                <a:cs typeface="Times New Roman" panose="02020603050405020304" pitchFamily="18" charset="0"/>
+              </a:rPr>
+            </a:br>
+            <a:r>
+              <a:rPr lang="en-US" dirty="0">
+                <a:latin typeface="Times New Roman" panose="02020603050405020304" pitchFamily="18" charset="0"/>
+                <a:cs typeface="Times New Roman" panose="02020603050405020304" pitchFamily="18" charset="0"/>
+              </a:rPr>
+              <a:t>1. </a:t>
+            </a:r>
+            <a:r>
+              <a:rPr lang="en-US" b="0" i="0" dirty="0">
+                <a:solidFill>
+                  <a:srgbClr val="000000"/>
+                </a:solidFill>
+                <a:effectLst/>
+                <a:latin typeface="Times New Roman" panose="02020603050405020304" pitchFamily="18" charset="0"/>
+                <a:cs typeface="Times New Roman" panose="02020603050405020304" pitchFamily="18" charset="0"/>
+              </a:rPr>
+              <a:t>For Business Use Cases that Drive Agile Transformation</a:t>
+            </a:r>
+            <a:br>
+              <a:rPr lang="en-US" b="0" i="0" dirty="0">
+                <a:solidFill>
+                  <a:srgbClr val="000000"/>
+                </a:solidFill>
+                <a:effectLst/>
+                <a:latin typeface="Times New Roman" panose="02020603050405020304" pitchFamily="18" charset="0"/>
+                <a:cs typeface="Times New Roman" panose="02020603050405020304" pitchFamily="18" charset="0"/>
+              </a:rPr>
+            </a:br>
+            <a:r>
+              <a:rPr lang="en-US" b="0" i="0" dirty="0">
+                <a:solidFill>
+                  <a:srgbClr val="000000"/>
+                </a:solidFill>
+                <a:effectLst/>
+                <a:latin typeface="Times New Roman" panose="02020603050405020304" pitchFamily="18" charset="0"/>
+                <a:cs typeface="Times New Roman" panose="02020603050405020304" pitchFamily="18" charset="0"/>
+              </a:rPr>
+              <a:t>2. Quick Application Development by Business Users</a:t>
+            </a:r>
+            <a:br>
+              <a:rPr lang="en-US" b="0" i="0" dirty="0">
+                <a:solidFill>
+                  <a:srgbClr val="000000"/>
+                </a:solidFill>
+                <a:effectLst/>
+                <a:latin typeface="Times New Roman" panose="02020603050405020304" pitchFamily="18" charset="0"/>
+                <a:cs typeface="Times New Roman" panose="02020603050405020304" pitchFamily="18" charset="0"/>
+              </a:rPr>
+            </a:br>
+            <a:r>
+              <a:rPr lang="en-US" b="0" i="0" dirty="0">
+                <a:solidFill>
+                  <a:srgbClr val="000000"/>
+                </a:solidFill>
+                <a:effectLst/>
+                <a:latin typeface="Times New Roman" panose="02020603050405020304" pitchFamily="18" charset="0"/>
+                <a:cs typeface="Times New Roman" panose="02020603050405020304" pitchFamily="18" charset="0"/>
+              </a:rPr>
+              <a:t>3. For Unique and Customizable Solutions</a:t>
+            </a:r>
+          </a:p>
+          <a:p>
+            <a:endParaRPr lang="en-US" b="0" i="0" dirty="0">
+              <a:solidFill>
+                <a:srgbClr val="000000"/>
+              </a:solidFill>
+              <a:effectLst/>
+              <a:latin typeface="Times New Roman" panose="02020603050405020304" pitchFamily="18" charset="0"/>
+              <a:cs typeface="Times New Roman" panose="02020603050405020304" pitchFamily="18" charset="0"/>
+            </a:endParaRPr>
+          </a:p>
+          <a:p>
+            <a:r>
+              <a:rPr lang="en-US" b="0" i="0" dirty="0">
+                <a:solidFill>
+                  <a:srgbClr val="000000"/>
+                </a:solidFill>
+                <a:effectLst/>
+                <a:latin typeface="Times New Roman" panose="02020603050405020304" pitchFamily="18" charset="0"/>
+                <a:cs typeface="Times New Roman" panose="02020603050405020304" pitchFamily="18" charset="0"/>
+              </a:rPr>
+              <a:t>Use Software Development: </a:t>
+            </a:r>
+            <a:br>
+              <a:rPr lang="en-US" b="0" i="0" dirty="0">
+                <a:solidFill>
+                  <a:srgbClr val="000000"/>
+                </a:solidFill>
+                <a:effectLst/>
+                <a:latin typeface="Times New Roman" panose="02020603050405020304" pitchFamily="18" charset="0"/>
+                <a:cs typeface="Times New Roman" panose="02020603050405020304" pitchFamily="18" charset="0"/>
+              </a:rPr>
+            </a:br>
+            <a:r>
+              <a:rPr lang="en-US" b="0" i="0" dirty="0">
+                <a:solidFill>
+                  <a:srgbClr val="000000"/>
+                </a:solidFill>
+                <a:effectLst/>
+                <a:latin typeface="Times New Roman" panose="02020603050405020304" pitchFamily="18" charset="0"/>
+                <a:cs typeface="Times New Roman" panose="02020603050405020304" pitchFamily="18" charset="0"/>
+              </a:rPr>
+              <a:t>1. For Open-Ended Solutions</a:t>
+            </a:r>
+            <a:br>
+              <a:rPr lang="en-US" b="0" i="0" dirty="0">
+                <a:solidFill>
+                  <a:srgbClr val="000000"/>
+                </a:solidFill>
+                <a:effectLst/>
+                <a:latin typeface="Times New Roman" panose="02020603050405020304" pitchFamily="18" charset="0"/>
+                <a:cs typeface="Times New Roman" panose="02020603050405020304" pitchFamily="18" charset="0"/>
+              </a:rPr>
+            </a:br>
+            <a:r>
+              <a:rPr lang="en-US" b="0" i="0" dirty="0">
+                <a:solidFill>
+                  <a:srgbClr val="000000"/>
+                </a:solidFill>
+                <a:effectLst/>
+                <a:latin typeface="Times New Roman" panose="02020603050405020304" pitchFamily="18" charset="0"/>
+                <a:cs typeface="Times New Roman" panose="02020603050405020304" pitchFamily="18" charset="0"/>
+              </a:rPr>
+              <a:t>2. For Applications Requiring High Level of Specialized Interactivity</a:t>
+            </a:r>
+          </a:p>
+          <a:p>
+            <a:endParaRPr lang="en-US" b="0" i="0" dirty="0">
+              <a:solidFill>
+                <a:srgbClr val="000000"/>
+              </a:solidFill>
+              <a:effectLst/>
+              <a:latin typeface="Times New Roman" panose="02020603050405020304" pitchFamily="18" charset="0"/>
+              <a:cs typeface="Times New Roman" panose="02020603050405020304" pitchFamily="18" charset="0"/>
+            </a:endParaRPr>
+          </a:p>
+          <a:p>
+            <a:endParaRPr lang="en-US" b="0" i="0" dirty="0">
+              <a:solidFill>
+                <a:srgbClr val="000000"/>
+              </a:solidFill>
+              <a:effectLst/>
+              <a:latin typeface="Times New Roman" panose="02020603050405020304" pitchFamily="18" charset="0"/>
+              <a:cs typeface="Times New Roman" panose="02020603050405020304" pitchFamily="18" charset="0"/>
+            </a:endParaRPr>
+          </a:p>
+          <a:p>
+            <a:endParaRPr lang="en-US" dirty="0"/>
           </a:p>
         </p:txBody>
       </p:sp>
     </p:spTree>
     <p:extLst>
       <p:ext uri="{BB962C8B-B14F-4D97-AF65-F5344CB8AC3E}">
-        <p14:creationId xmlns:p14="http://schemas.microsoft.com/office/powerpoint/2010/main" val="458680471"/>
+        <p14:creationId xmlns:p14="http://schemas.microsoft.com/office/powerpoint/2010/main" val="1550630764"/>
       </p:ext>
     </p:extLst>
   </p:cSld>
@@ -7019,7 +9154,7 @@
           <p:cNvPr id="2" name="Title 1">
             <a:extLst>
               <a:ext uri="{FF2B5EF4-FFF2-40B4-BE49-F238E27FC236}">
-                <a16:creationId xmlns:a16="http://schemas.microsoft.com/office/drawing/2014/main" id="{9287A362-4C33-4477-A4E2-2D1DD5B8229F}"/>
+                <a16:creationId xmlns:a16="http://schemas.microsoft.com/office/drawing/2014/main" id="{66E8FA88-7B93-43CA-B8A8-381BCB6A7EDD}"/>
               </a:ext>
             </a:extLst>
           </p:cNvPr>
@@ -7042,7 +9177,7 @@
                 <a:latin typeface="Times New Roman" panose="02020603050405020304" pitchFamily="18" charset="0"/>
                 <a:cs typeface="Times New Roman" panose="02020603050405020304" pitchFamily="18" charset="0"/>
               </a:rPr>
-              <a:t>Supporting technologies used</a:t>
+              <a:t>What platforms are used? </a:t>
             </a:r>
           </a:p>
         </p:txBody>
@@ -7052,7 +9187,7 @@
           <p:cNvPr id="3" name="Content Placeholder 2">
             <a:extLst>
               <a:ext uri="{FF2B5EF4-FFF2-40B4-BE49-F238E27FC236}">
-                <a16:creationId xmlns:a16="http://schemas.microsoft.com/office/drawing/2014/main" id="{78BBDDB5-FD0B-47C9-9A24-226B2F930E6E}"/>
+                <a16:creationId xmlns:a16="http://schemas.microsoft.com/office/drawing/2014/main" id="{645DAEE8-D4F5-4A3A-8039-2B49CEAD0BDB}"/>
               </a:ext>
             </a:extLst>
           </p:cNvPr>
@@ -7063,10 +9198,15 @@
             <p:ph idx="1"/>
           </p:nvPr>
         </p:nvSpPr>
-        <p:spPr/>
+        <p:spPr>
+          <a:xfrm>
+            <a:off x="1097280" y="1845733"/>
+            <a:ext cx="10058400" cy="4462787"/>
+          </a:xfrm>
+        </p:spPr>
         <p:txBody>
           <a:bodyPr>
-            <a:normAutofit/>
+            <a:normAutofit fontScale="92500" lnSpcReduction="10000"/>
           </a:bodyPr>
           <a:lstStyle/>
           <a:p>
@@ -7075,96 +9215,23 @@
                 <a:latin typeface="Times New Roman" panose="02020603050405020304" pitchFamily="18" charset="0"/>
                 <a:cs typeface="Times New Roman" panose="02020603050405020304" pitchFamily="18" charset="0"/>
               </a:rPr>
-              <a:t>React Native : open-source mobile application framework</a:t>
-            </a:r>
-          </a:p>
-          <a:p>
-            <a:r>
-              <a:rPr lang="en-US" dirty="0">
-                <a:latin typeface="Times New Roman" panose="02020603050405020304" pitchFamily="18" charset="0"/>
-                <a:cs typeface="Times New Roman" panose="02020603050405020304" pitchFamily="18" charset="0"/>
-              </a:rPr>
-              <a:t>Node.js : free, open-source, cross-platform JavaScript runtime environment. </a:t>
-            </a:r>
-          </a:p>
-          <a:p>
-            <a:r>
-              <a:rPr lang="en-US" dirty="0">
-                <a:latin typeface="Times New Roman" panose="02020603050405020304" pitchFamily="18" charset="0"/>
-                <a:cs typeface="Times New Roman" panose="02020603050405020304" pitchFamily="18" charset="0"/>
-              </a:rPr>
-              <a:t>Apache Spark : Unified analytics engine for large-scale data processing</a:t>
-            </a:r>
-          </a:p>
-          <a:p>
-            <a:r>
-              <a:rPr lang="en-US" dirty="0">
-                <a:latin typeface="Times New Roman" panose="02020603050405020304" pitchFamily="18" charset="0"/>
-                <a:cs typeface="Times New Roman" panose="02020603050405020304" pitchFamily="18" charset="0"/>
-              </a:rPr>
-              <a:t>Server-side scripting : In web development that involves employing scripts on a web server and </a:t>
-            </a:r>
-            <a:br>
-              <a:rPr lang="en-US" dirty="0">
-                <a:latin typeface="Times New Roman" panose="02020603050405020304" pitchFamily="18" charset="0"/>
-                <a:cs typeface="Times New Roman" panose="02020603050405020304" pitchFamily="18" charset="0"/>
-              </a:rPr>
-            </a:br>
-            <a:r>
-              <a:rPr lang="en-US" dirty="0">
-                <a:latin typeface="Times New Roman" panose="02020603050405020304" pitchFamily="18" charset="0"/>
-                <a:cs typeface="Times New Roman" panose="02020603050405020304" pitchFamily="18" charset="0"/>
-              </a:rPr>
-              <a:t>		produces a response customized for each user’s request. Allow user to create</a:t>
-            </a:r>
-            <a:br>
-              <a:rPr lang="en-US" dirty="0">
-                <a:latin typeface="Times New Roman" panose="02020603050405020304" pitchFamily="18" charset="0"/>
-                <a:cs typeface="Times New Roman" panose="02020603050405020304" pitchFamily="18" charset="0"/>
-              </a:rPr>
-            </a:br>
-            <a:r>
-              <a:rPr lang="en-US" dirty="0">
-                <a:latin typeface="Times New Roman" panose="02020603050405020304" pitchFamily="18" charset="0"/>
-                <a:cs typeface="Times New Roman" panose="02020603050405020304" pitchFamily="18" charset="0"/>
-              </a:rPr>
-              <a:t>		website with zero code. </a:t>
-            </a:r>
-          </a:p>
-          <a:p>
-            <a:r>
-              <a:rPr lang="en-US" dirty="0">
-                <a:latin typeface="Times New Roman" panose="02020603050405020304" pitchFamily="18" charset="0"/>
-                <a:cs typeface="Times New Roman" panose="02020603050405020304" pitchFamily="18" charset="0"/>
-              </a:rPr>
-              <a:t>SOAP (Simple Object Access Protocol) : Messaging protocol specification for exchanging </a:t>
-            </a:r>
-            <a:br>
-              <a:rPr lang="en-US" dirty="0">
-                <a:latin typeface="Times New Roman" panose="02020603050405020304" pitchFamily="18" charset="0"/>
-                <a:cs typeface="Times New Roman" panose="02020603050405020304" pitchFamily="18" charset="0"/>
-              </a:rPr>
-            </a:br>
-            <a:r>
-              <a:rPr lang="en-US" dirty="0">
-                <a:latin typeface="Times New Roman" panose="02020603050405020304" pitchFamily="18" charset="0"/>
-                <a:cs typeface="Times New Roman" panose="02020603050405020304" pitchFamily="18" charset="0"/>
-              </a:rPr>
-              <a:t>			structured information in implementation of web services. (</a:t>
-            </a:r>
+              <a:t>Bubble.io</a:t>
+            </a:r>
+          </a:p>
+          <a:p>
             <a:r>
               <a:rPr lang="en-US" dirty="0" err="1">
                 <a:latin typeface="Times New Roman" panose="02020603050405020304" pitchFamily="18" charset="0"/>
                 <a:cs typeface="Times New Roman" panose="02020603050405020304" pitchFamily="18" charset="0"/>
               </a:rPr>
-              <a:t>Eg</a:t>
-            </a:r>
-            <a:r>
-              <a:rPr lang="en-US" dirty="0">
-                <a:latin typeface="Times New Roman" panose="02020603050405020304" pitchFamily="18" charset="0"/>
-                <a:cs typeface="Times New Roman" panose="02020603050405020304" pitchFamily="18" charset="0"/>
-              </a:rPr>
-              <a:t>: Bonita)</a:t>
+              <a:t>Airtable</a:t>
+            </a:r>
+            <a:r>
+              <a:rPr lang="en-US" dirty="0">
+                <a:latin typeface="Times New Roman" panose="02020603050405020304" pitchFamily="18" charset="0"/>
+                <a:cs typeface="Times New Roman" panose="02020603050405020304" pitchFamily="18" charset="0"/>
+              </a:rPr>
+              <a:t> 					</a:t>
             </a:r>
           </a:p>
           <a:p>
@@ -7173,22 +9240,101 @@
                 <a:latin typeface="Times New Roman" panose="02020603050405020304" pitchFamily="18" charset="0"/>
                 <a:cs typeface="Times New Roman" panose="02020603050405020304" pitchFamily="18" charset="0"/>
               </a:rPr>
-              <a:t>JSONata</a:t>
-            </a:r>
-            <a:r>
-              <a:rPr lang="en-US" dirty="0">
-                <a:latin typeface="Times New Roman" panose="02020603050405020304" pitchFamily="18" charset="0"/>
-                <a:cs typeface="Times New Roman" panose="02020603050405020304" pitchFamily="18" charset="0"/>
-              </a:rPr>
-              <a:t> : open-source query and transformation language for JSON data. </a:t>
-            </a:r>
+              <a:t>Wix</a:t>
+            </a:r>
+            <a:r>
+              <a:rPr lang="en-US" dirty="0">
+                <a:latin typeface="Times New Roman" panose="02020603050405020304" pitchFamily="18" charset="0"/>
+                <a:cs typeface="Times New Roman" panose="02020603050405020304" pitchFamily="18" charset="0"/>
+              </a:rPr>
+              <a:t> ( Editor X)</a:t>
+            </a:r>
+          </a:p>
+          <a:p>
+            <a:r>
+              <a:rPr lang="en-US" dirty="0">
+                <a:latin typeface="Times New Roman" panose="02020603050405020304" pitchFamily="18" charset="0"/>
+                <a:cs typeface="Times New Roman" panose="02020603050405020304" pitchFamily="18" charset="0"/>
+              </a:rPr>
+              <a:t>WordPress</a:t>
+            </a:r>
+          </a:p>
+          <a:p>
+            <a:r>
+              <a:rPr lang="en-US" dirty="0" err="1">
+                <a:latin typeface="Times New Roman" panose="02020603050405020304" pitchFamily="18" charset="0"/>
+                <a:cs typeface="Times New Roman" panose="02020603050405020304" pitchFamily="18" charset="0"/>
+              </a:rPr>
+              <a:t>Outsystems</a:t>
+            </a:r>
+            <a:endParaRPr lang="en-US" dirty="0">
+              <a:latin typeface="Times New Roman" panose="02020603050405020304" pitchFamily="18" charset="0"/>
+              <a:cs typeface="Times New Roman" panose="02020603050405020304" pitchFamily="18" charset="0"/>
+            </a:endParaRPr>
+          </a:p>
+          <a:p>
+            <a:r>
+              <a:rPr lang="en-US" dirty="0">
+                <a:latin typeface="Times New Roman" panose="02020603050405020304" pitchFamily="18" charset="0"/>
+                <a:cs typeface="Times New Roman" panose="02020603050405020304" pitchFamily="18" charset="0"/>
+              </a:rPr>
+              <a:t>Microsoft Power Apps</a:t>
+            </a:r>
+          </a:p>
+          <a:p>
+            <a:r>
+              <a:rPr lang="en-US" dirty="0">
+                <a:latin typeface="Times New Roman" panose="02020603050405020304" pitchFamily="18" charset="0"/>
+                <a:cs typeface="Times New Roman" panose="02020603050405020304" pitchFamily="18" charset="0"/>
+              </a:rPr>
+              <a:t>Google App Maker</a:t>
+            </a:r>
+          </a:p>
+          <a:p>
+            <a:r>
+              <a:rPr lang="en-US" dirty="0">
+                <a:latin typeface="Times New Roman" panose="02020603050405020304" pitchFamily="18" charset="0"/>
+                <a:cs typeface="Times New Roman" panose="02020603050405020304" pitchFamily="18" charset="0"/>
+              </a:rPr>
+              <a:t>Salesforce App Cloud </a:t>
+            </a:r>
+          </a:p>
+          <a:p>
+            <a:r>
+              <a:rPr lang="en-US" dirty="0">
+                <a:latin typeface="Times New Roman" panose="02020603050405020304" pitchFamily="18" charset="0"/>
+                <a:cs typeface="Times New Roman" panose="02020603050405020304" pitchFamily="18" charset="0"/>
+              </a:rPr>
+              <a:t>Shopify </a:t>
+            </a:r>
+          </a:p>
+          <a:p>
+            <a:r>
+              <a:rPr lang="en-US" dirty="0">
+                <a:latin typeface="Times New Roman" panose="02020603050405020304" pitchFamily="18" charset="0"/>
+                <a:cs typeface="Times New Roman" panose="02020603050405020304" pitchFamily="18" charset="0"/>
+              </a:rPr>
+              <a:t>Zapier </a:t>
+            </a:r>
+          </a:p>
+          <a:p>
+            <a:r>
+              <a:rPr lang="en-US" dirty="0">
+                <a:latin typeface="Times New Roman" panose="02020603050405020304" pitchFamily="18" charset="0"/>
+                <a:cs typeface="Times New Roman" panose="02020603050405020304" pitchFamily="18" charset="0"/>
+              </a:rPr>
+              <a:t>Glide </a:t>
+            </a:r>
+          </a:p>
+          <a:p>
+            <a:endParaRPr lang="en-US" dirty="0"/>
           </a:p>
         </p:txBody>
       </p:sp>
     </p:spTree>
     <p:extLst>
       <p:ext uri="{BB962C8B-B14F-4D97-AF65-F5344CB8AC3E}">
-        <p14:creationId xmlns:p14="http://schemas.microsoft.com/office/powerpoint/2010/main" val="2320478064"/>
+        <p14:creationId xmlns:p14="http://schemas.microsoft.com/office/powerpoint/2010/main" val="3320547315"/>
       </p:ext>
     </p:extLst>
   </p:cSld>
@@ -7220,7 +9366,7 @@
           <p:cNvPr id="2" name="Title 1">
             <a:extLst>
               <a:ext uri="{FF2B5EF4-FFF2-40B4-BE49-F238E27FC236}">
-                <a16:creationId xmlns:a16="http://schemas.microsoft.com/office/drawing/2014/main" id="{1BD154B5-7950-4B1C-9E26-88EF2B2ED4E7}"/>
+                <a16:creationId xmlns:a16="http://schemas.microsoft.com/office/drawing/2014/main" id="{9287A362-4C33-4477-A4E2-2D1DD5B8229F}"/>
               </a:ext>
             </a:extLst>
           </p:cNvPr>
@@ -7243,7 +9389,7 @@
                 <a:latin typeface="Times New Roman" panose="02020603050405020304" pitchFamily="18" charset="0"/>
                 <a:cs typeface="Times New Roman" panose="02020603050405020304" pitchFamily="18" charset="0"/>
               </a:rPr>
-              <a:t>Types and Kinds of Applications developed. </a:t>
+              <a:t>Supporting Technologies Behind LCD/NCD contd.</a:t>
             </a:r>
           </a:p>
         </p:txBody>
@@ -7253,7 +9399,7 @@
           <p:cNvPr id="3" name="Content Placeholder 2">
             <a:extLst>
               <a:ext uri="{FF2B5EF4-FFF2-40B4-BE49-F238E27FC236}">
-                <a16:creationId xmlns:a16="http://schemas.microsoft.com/office/drawing/2014/main" id="{E6AB921C-6701-499B-8776-5834A5AB8811}"/>
+                <a16:creationId xmlns:a16="http://schemas.microsoft.com/office/drawing/2014/main" id="{78BBDDB5-FD0B-47C9-9A24-226B2F930E6E}"/>
               </a:ext>
             </a:extLst>
           </p:cNvPr>
@@ -7267,7 +9413,7 @@
         <p:spPr/>
         <p:txBody>
           <a:bodyPr>
-            <a:normAutofit fontScale="92500" lnSpcReduction="20000"/>
+            <a:normAutofit/>
           </a:bodyPr>
           <a:lstStyle/>
           <a:p>
@@ -7276,37 +9422,43 @@
                 <a:latin typeface="Times New Roman" panose="02020603050405020304" pitchFamily="18" charset="0"/>
                 <a:cs typeface="Times New Roman" panose="02020603050405020304" pitchFamily="18" charset="0"/>
               </a:rPr>
-              <a:t>Mobile Applications </a:t>
-            </a:r>
-          </a:p>
-          <a:p>
-            <a:r>
-              <a:rPr lang="en-US" dirty="0">
-                <a:latin typeface="Times New Roman" panose="02020603050405020304" pitchFamily="18" charset="0"/>
-                <a:cs typeface="Times New Roman" panose="02020603050405020304" pitchFamily="18" charset="0"/>
-              </a:rPr>
-              <a:t>Web Applications</a:t>
-            </a:r>
-          </a:p>
-          <a:p>
-            <a:r>
-              <a:rPr lang="en-US" dirty="0">
-                <a:latin typeface="Times New Roman" panose="02020603050405020304" pitchFamily="18" charset="0"/>
-                <a:cs typeface="Times New Roman" panose="02020603050405020304" pitchFamily="18" charset="0"/>
-              </a:rPr>
-              <a:t>Integration Applications </a:t>
-            </a:r>
-          </a:p>
-          <a:p>
-            <a:r>
-              <a:rPr lang="en-US" sz="2700" dirty="0">
+              <a:t>1. React Native Development platform: Develop Android  and iOS apps. </a:t>
+            </a:r>
+          </a:p>
+          <a:p>
+            <a:br>
+              <a:rPr lang="en-US" dirty="0">
+                <a:latin typeface="Times New Roman" panose="02020603050405020304" pitchFamily="18" charset="0"/>
+                <a:cs typeface="Times New Roman" panose="02020603050405020304" pitchFamily="18" charset="0"/>
+              </a:rPr>
+            </a:br>
+            <a:r>
+              <a:rPr lang="en-US" dirty="0">
+                <a:latin typeface="Times New Roman" panose="02020603050405020304" pitchFamily="18" charset="0"/>
+                <a:cs typeface="Times New Roman" panose="02020603050405020304" pitchFamily="18" charset="0"/>
+              </a:rPr>
+              <a:t>OREOPS is a low code platform to develop react-native mobile applications. </a:t>
+            </a:r>
+          </a:p>
+          <a:p>
+            <a:r>
+              <a:rPr lang="en-US" dirty="0">
                 <a:solidFill>
-                  <a:srgbClr val="FF0000"/>
+                  <a:schemeClr val="bg2">
+                    <a:lumMod val="50000"/>
+                  </a:schemeClr>
                 </a:solidFill>
                 <a:latin typeface="Times New Roman" panose="02020603050405020304" pitchFamily="18" charset="0"/>
                 <a:cs typeface="Times New Roman" panose="02020603050405020304" pitchFamily="18" charset="0"/>
               </a:rPr>
-              <a:t>Kinds of Supported Applications: </a:t>
+              <a:t>Mobile Components</a:t>
+            </a:r>
+            <a:r>
+              <a:rPr lang="en-US" dirty="0">
+                <a:latin typeface="Times New Roman" panose="02020603050405020304" pitchFamily="18" charset="0"/>
+                <a:cs typeface="Times New Roman" panose="02020603050405020304" pitchFamily="18" charset="0"/>
+              </a:rPr>
+              <a:t>: Configure models for text, images, videos, lists, buttons, etc. </a:t>
             </a:r>
             <a:br>
               <a:rPr lang="en-US" dirty="0">
@@ -7316,64 +9468,110 @@
             </a:br>
             <a:r>
               <a:rPr lang="en-US" dirty="0">
-                <a:latin typeface="Times New Roman" panose="02020603050405020304" pitchFamily="18" charset="0"/>
-                <a:cs typeface="Times New Roman" panose="02020603050405020304" pitchFamily="18" charset="0"/>
-              </a:rPr>
-              <a:t>Event Monitoring</a:t>
-            </a:r>
-          </a:p>
-          <a:p>
-            <a:r>
-              <a:rPr lang="en-US" dirty="0">
-                <a:latin typeface="Times New Roman" panose="02020603050405020304" pitchFamily="18" charset="0"/>
-                <a:cs typeface="Times New Roman" panose="02020603050405020304" pitchFamily="18" charset="0"/>
-              </a:rPr>
-              <a:t>Process Automation</a:t>
-            </a:r>
-          </a:p>
-          <a:p>
-            <a:r>
-              <a:rPr lang="en-US" dirty="0">
-                <a:latin typeface="Times New Roman" panose="02020603050405020304" pitchFamily="18" charset="0"/>
-                <a:cs typeface="Times New Roman" panose="02020603050405020304" pitchFamily="18" charset="0"/>
-              </a:rPr>
-              <a:t>Approval Process Control</a:t>
-            </a:r>
-          </a:p>
-          <a:p>
-            <a:r>
-              <a:rPr lang="en-US" dirty="0">
-                <a:latin typeface="Times New Roman" panose="02020603050405020304" pitchFamily="18" charset="0"/>
-                <a:cs typeface="Times New Roman" panose="02020603050405020304" pitchFamily="18" charset="0"/>
-              </a:rPr>
-              <a:t>Escalation Management</a:t>
-            </a:r>
-          </a:p>
-          <a:p>
-            <a:r>
-              <a:rPr lang="en-US" dirty="0">
-                <a:latin typeface="Times New Roman" panose="02020603050405020304" pitchFamily="18" charset="0"/>
-                <a:cs typeface="Times New Roman" panose="02020603050405020304" pitchFamily="18" charset="0"/>
-              </a:rPr>
-              <a:t>Inventory Management</a:t>
-            </a:r>
-          </a:p>
-          <a:p>
-            <a:r>
-              <a:rPr lang="en-US" dirty="0">
-                <a:latin typeface="Times New Roman" panose="02020603050405020304" pitchFamily="18" charset="0"/>
-                <a:cs typeface="Times New Roman" panose="02020603050405020304" pitchFamily="18" charset="0"/>
-              </a:rPr>
-              <a:t>Quality Management </a:t>
-            </a:r>
-          </a:p>
-          <a:p>
-            <a:r>
-              <a:rPr lang="en-US" dirty="0">
-                <a:latin typeface="Times New Roman" panose="02020603050405020304" pitchFamily="18" charset="0"/>
-                <a:cs typeface="Times New Roman" panose="02020603050405020304" pitchFamily="18" charset="0"/>
-              </a:rPr>
-              <a:t>Workflow Management</a:t>
+                <a:solidFill>
+                  <a:schemeClr val="bg2">
+                    <a:lumMod val="50000"/>
+                  </a:schemeClr>
+                </a:solidFill>
+                <a:latin typeface="Times New Roman" panose="02020603050405020304" pitchFamily="18" charset="0"/>
+                <a:cs typeface="Times New Roman" panose="02020603050405020304" pitchFamily="18" charset="0"/>
+              </a:rPr>
+              <a:t>API Integration</a:t>
+            </a:r>
+            <a:r>
+              <a:rPr lang="en-US" dirty="0">
+                <a:latin typeface="Times New Roman" panose="02020603050405020304" pitchFamily="18" charset="0"/>
+                <a:cs typeface="Times New Roman" panose="02020603050405020304" pitchFamily="18" charset="0"/>
+              </a:rPr>
+              <a:t>: Integrate your app with legacy systems or third-party applications for easy data </a:t>
+            </a:r>
+            <a:br>
+              <a:rPr lang="en-US" dirty="0">
+                <a:latin typeface="Times New Roman" panose="02020603050405020304" pitchFamily="18" charset="0"/>
+                <a:cs typeface="Times New Roman" panose="02020603050405020304" pitchFamily="18" charset="0"/>
+              </a:rPr>
+            </a:br>
+            <a:r>
+              <a:rPr lang="en-US" dirty="0">
+                <a:latin typeface="Times New Roman" panose="02020603050405020304" pitchFamily="18" charset="0"/>
+                <a:cs typeface="Times New Roman" panose="02020603050405020304" pitchFamily="18" charset="0"/>
+              </a:rPr>
+              <a:t>		access. </a:t>
+            </a:r>
+            <a:br>
+              <a:rPr lang="en-US" dirty="0">
+                <a:latin typeface="Times New Roman" panose="02020603050405020304" pitchFamily="18" charset="0"/>
+                <a:cs typeface="Times New Roman" panose="02020603050405020304" pitchFamily="18" charset="0"/>
+              </a:rPr>
+            </a:br>
+            <a:r>
+              <a:rPr lang="en-US" dirty="0">
+                <a:solidFill>
+                  <a:schemeClr val="bg2">
+                    <a:lumMod val="50000"/>
+                  </a:schemeClr>
+                </a:solidFill>
+                <a:latin typeface="Times New Roman" panose="02020603050405020304" pitchFamily="18" charset="0"/>
+                <a:cs typeface="Times New Roman" panose="02020603050405020304" pitchFamily="18" charset="0"/>
+              </a:rPr>
+              <a:t>App Pages</a:t>
+            </a:r>
+            <a:r>
+              <a:rPr lang="en-US" dirty="0">
+                <a:latin typeface="Times New Roman" panose="02020603050405020304" pitchFamily="18" charset="0"/>
+                <a:cs typeface="Times New Roman" panose="02020603050405020304" pitchFamily="18" charset="0"/>
+              </a:rPr>
+              <a:t>: Create app pages in a click and simply drag and drop components </a:t>
+            </a:r>
+            <a:br>
+              <a:rPr lang="en-US" dirty="0">
+                <a:latin typeface="Times New Roman" panose="02020603050405020304" pitchFamily="18" charset="0"/>
+                <a:cs typeface="Times New Roman" panose="02020603050405020304" pitchFamily="18" charset="0"/>
+              </a:rPr>
+            </a:br>
+            <a:r>
+              <a:rPr lang="en-US" dirty="0">
+                <a:solidFill>
+                  <a:schemeClr val="bg2">
+                    <a:lumMod val="50000"/>
+                  </a:schemeClr>
+                </a:solidFill>
+                <a:latin typeface="Times New Roman" panose="02020603050405020304" pitchFamily="18" charset="0"/>
+                <a:cs typeface="Times New Roman" panose="02020603050405020304" pitchFamily="18" charset="0"/>
+              </a:rPr>
+              <a:t>Files and Media</a:t>
+            </a:r>
+            <a:r>
+              <a:rPr lang="en-US" dirty="0">
+                <a:latin typeface="Times New Roman" panose="02020603050405020304" pitchFamily="18" charset="0"/>
+                <a:cs typeface="Times New Roman" panose="02020603050405020304" pitchFamily="18" charset="0"/>
+              </a:rPr>
+              <a:t>: Ensures a simple upload of docs including Js files for effective use. </a:t>
+            </a:r>
+            <a:br>
+              <a:rPr lang="en-US" dirty="0">
+                <a:latin typeface="Times New Roman" panose="02020603050405020304" pitchFamily="18" charset="0"/>
+                <a:cs typeface="Times New Roman" panose="02020603050405020304" pitchFamily="18" charset="0"/>
+              </a:rPr>
+            </a:br>
+            <a:r>
+              <a:rPr lang="en-US" dirty="0" err="1">
+                <a:solidFill>
+                  <a:schemeClr val="bg2">
+                    <a:lumMod val="50000"/>
+                  </a:schemeClr>
+                </a:solidFill>
+                <a:latin typeface="Times New Roman" panose="02020603050405020304" pitchFamily="18" charset="0"/>
+                <a:cs typeface="Times New Roman" panose="02020603050405020304" pitchFamily="18" charset="0"/>
+              </a:rPr>
+              <a:t>SmartCode</a:t>
+            </a:r>
+            <a:r>
+              <a:rPr lang="en-US" dirty="0">
+                <a:latin typeface="Times New Roman" panose="02020603050405020304" pitchFamily="18" charset="0"/>
+                <a:cs typeface="Times New Roman" panose="02020603050405020304" pitchFamily="18" charset="0"/>
+              </a:rPr>
+              <a:t>: Let you design your app with limited or no coding knowledge. </a:t>
             </a:r>
           </a:p>
         </p:txBody>
@@ -7381,7 +9579,7 @@
     </p:spTree>
     <p:extLst>
       <p:ext uri="{BB962C8B-B14F-4D97-AF65-F5344CB8AC3E}">
-        <p14:creationId xmlns:p14="http://schemas.microsoft.com/office/powerpoint/2010/main" val="1530031968"/>
+        <p14:creationId xmlns:p14="http://schemas.microsoft.com/office/powerpoint/2010/main" val="2320478064"/>
       </p:ext>
     </p:extLst>
   </p:cSld>

--- a/No-Code_Low-Code Development/No-Code_Low-Code Development.pptx
+++ b/No-Code_Low-Code Development/No-Code_Low-Code Development.pptx
@@ -22,13 +22,17 @@
     <p:sldId id="285" r:id="rId16"/>
     <p:sldId id="283" r:id="rId17"/>
     <p:sldId id="262" r:id="rId18"/>
-    <p:sldId id="289" r:id="rId19"/>
-    <p:sldId id="264" r:id="rId20"/>
-    <p:sldId id="265" r:id="rId21"/>
-    <p:sldId id="269" r:id="rId22"/>
-    <p:sldId id="270" r:id="rId23"/>
-    <p:sldId id="272" r:id="rId24"/>
-    <p:sldId id="273" r:id="rId25"/>
+    <p:sldId id="290" r:id="rId19"/>
+    <p:sldId id="291" r:id="rId20"/>
+    <p:sldId id="292" r:id="rId21"/>
+    <p:sldId id="293" r:id="rId22"/>
+    <p:sldId id="289" r:id="rId23"/>
+    <p:sldId id="264" r:id="rId24"/>
+    <p:sldId id="265" r:id="rId25"/>
+    <p:sldId id="269" r:id="rId26"/>
+    <p:sldId id="270" r:id="rId27"/>
+    <p:sldId id="272" r:id="rId28"/>
+    <p:sldId id="273" r:id="rId29"/>
   </p:sldIdLst>
   <p:sldSz cx="12192000" cy="6858000"/>
   <p:notesSz cx="6858000" cy="9144000"/>
@@ -140,7 +144,7 @@
   <pc:docChgLst>
     <pc:chgData name="shemal rathnasuriya" userId="e8bb0d295c9c231f" providerId="LiveId" clId="{69DDC8F8-F0E5-4E49-A245-23C9CFE4311F}"/>
     <pc:docChg chg="undo custSel addSld delSld modSld sldOrd">
-      <pc:chgData name="shemal rathnasuriya" userId="e8bb0d295c9c231f" providerId="LiveId" clId="{69DDC8F8-F0E5-4E49-A245-23C9CFE4311F}" dt="2021-08-02T00:04:43.255" v="10372" actId="20577"/>
+      <pc:chgData name="shemal rathnasuriya" userId="e8bb0d295c9c231f" providerId="LiveId" clId="{69DDC8F8-F0E5-4E49-A245-23C9CFE4311F}" dt="2021-08-04T15:04:19.653" v="12874" actId="20577"/>
       <pc:docMkLst>
         <pc:docMk/>
       </pc:docMkLst>
@@ -160,11 +164,19 @@
         </pc:spChg>
       </pc:sldChg>
       <pc:sldChg chg="addSp delSp modSp mod ord">
-        <pc:chgData name="shemal rathnasuriya" userId="e8bb0d295c9c231f" providerId="LiveId" clId="{69DDC8F8-F0E5-4E49-A245-23C9CFE4311F}" dt="2021-08-01T19:04:29.381" v="5673"/>
+        <pc:chgData name="shemal rathnasuriya" userId="e8bb0d295c9c231f" providerId="LiveId" clId="{69DDC8F8-F0E5-4E49-A245-23C9CFE4311F}" dt="2021-08-03T23:34:10.353" v="12810" actId="1076"/>
         <pc:sldMkLst>
           <pc:docMk/>
           <pc:sldMk cId="3320547315" sldId="258"/>
         </pc:sldMkLst>
+        <pc:picChg chg="add mod">
+          <ac:chgData name="shemal rathnasuriya" userId="e8bb0d295c9c231f" providerId="LiveId" clId="{69DDC8F8-F0E5-4E49-A245-23C9CFE4311F}" dt="2021-08-03T23:34:10.353" v="12810" actId="1076"/>
+          <ac:picMkLst>
+            <pc:docMk/>
+            <pc:sldMk cId="3320547315" sldId="258"/>
+            <ac:picMk id="5" creationId="{744974AD-9A29-411D-8942-AD916A1B7E87}"/>
+          </ac:picMkLst>
+        </pc:picChg>
         <pc:picChg chg="del">
           <ac:chgData name="shemal rathnasuriya" userId="e8bb0d295c9c231f" providerId="LiveId" clId="{69DDC8F8-F0E5-4E49-A245-23C9CFE4311F}" dt="2021-08-01T18:05:30.506" v="4725" actId="478"/>
           <ac:picMkLst>
@@ -228,7 +240,7 @@
         </pc:spChg>
       </pc:sldChg>
       <pc:sldChg chg="addSp modSp mod">
-        <pc:chgData name="shemal rathnasuriya" userId="e8bb0d295c9c231f" providerId="LiveId" clId="{69DDC8F8-F0E5-4E49-A245-23C9CFE4311F}" dt="2021-08-01T23:49:49.089" v="10319" actId="1076"/>
+        <pc:chgData name="shemal rathnasuriya" userId="e8bb0d295c9c231f" providerId="LiveId" clId="{69DDC8F8-F0E5-4E49-A245-23C9CFE4311F}" dt="2021-08-04T15:03:38.696" v="12861" actId="20577"/>
         <pc:sldMkLst>
           <pc:docMk/>
           <pc:sldMk cId="1530031968" sldId="262"/>
@@ -242,7 +254,7 @@
           </ac:spMkLst>
         </pc:spChg>
         <pc:spChg chg="mod">
-          <ac:chgData name="shemal rathnasuriya" userId="e8bb0d295c9c231f" providerId="LiveId" clId="{69DDC8F8-F0E5-4E49-A245-23C9CFE4311F}" dt="2021-08-01T23:49:26.919" v="10313" actId="20577"/>
+          <ac:chgData name="shemal rathnasuriya" userId="e8bb0d295c9c231f" providerId="LiveId" clId="{69DDC8F8-F0E5-4E49-A245-23C9CFE4311F}" dt="2021-08-04T15:03:38.696" v="12861" actId="20577"/>
           <ac:spMkLst>
             <pc:docMk/>
             <pc:sldMk cId="1530031968" sldId="262"/>
@@ -266,13 +278,13 @@
         </pc:sldMkLst>
       </pc:sldChg>
       <pc:sldChg chg="modSp mod">
-        <pc:chgData name="shemal rathnasuriya" userId="e8bb0d295c9c231f" providerId="LiveId" clId="{69DDC8F8-F0E5-4E49-A245-23C9CFE4311F}" dt="2021-07-27T00:56:22.583" v="4724" actId="20577"/>
+        <pc:chgData name="shemal rathnasuriya" userId="e8bb0d295c9c231f" providerId="LiveId" clId="{69DDC8F8-F0E5-4E49-A245-23C9CFE4311F}" dt="2021-08-03T14:47:38.887" v="10475" actId="20577"/>
         <pc:sldMkLst>
           <pc:docMk/>
           <pc:sldMk cId="458327308" sldId="264"/>
         </pc:sldMkLst>
         <pc:spChg chg="mod">
-          <ac:chgData name="shemal rathnasuriya" userId="e8bb0d295c9c231f" providerId="LiveId" clId="{69DDC8F8-F0E5-4E49-A245-23C9CFE4311F}" dt="2021-07-27T00:56:22.583" v="4724" actId="20577"/>
+          <ac:chgData name="shemal rathnasuriya" userId="e8bb0d295c9c231f" providerId="LiveId" clId="{69DDC8F8-F0E5-4E49-A245-23C9CFE4311F}" dt="2021-08-03T14:47:38.887" v="10475" actId="20577"/>
           <ac:spMkLst>
             <pc:docMk/>
             <pc:sldMk cId="458327308" sldId="264"/>
@@ -427,7 +439,7 @@
         </pc:spChg>
       </pc:sldChg>
       <pc:sldChg chg="modSp new mod">
-        <pc:chgData name="shemal rathnasuriya" userId="e8bb0d295c9c231f" providerId="LiveId" clId="{69DDC8F8-F0E5-4E49-A245-23C9CFE4311F}" dt="2021-08-01T23:50:18.376" v="10325" actId="20577"/>
+        <pc:chgData name="shemal rathnasuriya" userId="e8bb0d295c9c231f" providerId="LiveId" clId="{69DDC8F8-F0E5-4E49-A245-23C9CFE4311F}" dt="2021-08-03T21:11:51.455" v="12772" actId="20577"/>
         <pc:sldMkLst>
           <pc:docMk/>
           <pc:sldMk cId="2223375267" sldId="272"/>
@@ -441,7 +453,7 @@
           </ac:spMkLst>
         </pc:spChg>
         <pc:spChg chg="mod">
-          <ac:chgData name="shemal rathnasuriya" userId="e8bb0d295c9c231f" providerId="LiveId" clId="{69DDC8F8-F0E5-4E49-A245-23C9CFE4311F}" dt="2021-08-01T23:50:18.376" v="10325" actId="20577"/>
+          <ac:chgData name="shemal rathnasuriya" userId="e8bb0d295c9c231f" providerId="LiveId" clId="{69DDC8F8-F0E5-4E49-A245-23C9CFE4311F}" dt="2021-08-03T21:11:51.455" v="12772" actId="20577"/>
           <ac:spMkLst>
             <pc:docMk/>
             <pc:sldMk cId="2223375267" sldId="272"/>
@@ -620,7 +632,7 @@
         </pc:spChg>
       </pc:sldChg>
       <pc:sldChg chg="modSp new mod">
-        <pc:chgData name="shemal rathnasuriya" userId="e8bb0d295c9c231f" providerId="LiveId" clId="{69DDC8F8-F0E5-4E49-A245-23C9CFE4311F}" dt="2021-08-01T21:55:46.072" v="8358" actId="255"/>
+        <pc:chgData name="shemal rathnasuriya" userId="e8bb0d295c9c231f" providerId="LiveId" clId="{69DDC8F8-F0E5-4E49-A245-23C9CFE4311F}" dt="2021-08-03T20:25:15.557" v="10484" actId="20577"/>
         <pc:sldMkLst>
           <pc:docMk/>
           <pc:sldMk cId="3780670187" sldId="279"/>
@@ -634,7 +646,7 @@
           </ac:spMkLst>
         </pc:spChg>
         <pc:spChg chg="mod">
-          <ac:chgData name="shemal rathnasuriya" userId="e8bb0d295c9c231f" providerId="LiveId" clId="{69DDC8F8-F0E5-4E49-A245-23C9CFE4311F}" dt="2021-08-01T21:34:18.413" v="8246" actId="20577"/>
+          <ac:chgData name="shemal rathnasuriya" userId="e8bb0d295c9c231f" providerId="LiveId" clId="{69DDC8F8-F0E5-4E49-A245-23C9CFE4311F}" dt="2021-08-03T20:25:15.557" v="10484" actId="20577"/>
           <ac:spMkLst>
             <pc:docMk/>
             <pc:sldMk cId="3780670187" sldId="279"/>
@@ -844,13 +856,13 @@
         </pc:picChg>
       </pc:sldChg>
       <pc:sldChg chg="addSp delSp modSp new mod">
-        <pc:chgData name="shemal rathnasuriya" userId="e8bb0d295c9c231f" providerId="LiveId" clId="{69DDC8F8-F0E5-4E49-A245-23C9CFE4311F}" dt="2021-08-01T22:54:58.515" v="9943" actId="14734"/>
+        <pc:chgData name="shemal rathnasuriya" userId="e8bb0d295c9c231f" providerId="LiveId" clId="{69DDC8F8-F0E5-4E49-A245-23C9CFE4311F}" dt="2021-08-04T15:02:45.969" v="12819" actId="20577"/>
         <pc:sldMkLst>
           <pc:docMk/>
           <pc:sldMk cId="3158724016" sldId="286"/>
         </pc:sldMkLst>
         <pc:spChg chg="mod">
-          <ac:chgData name="shemal rathnasuriya" userId="e8bb0d295c9c231f" providerId="LiveId" clId="{69DDC8F8-F0E5-4E49-A245-23C9CFE4311F}" dt="2021-08-01T22:46:24.363" v="9702" actId="255"/>
+          <ac:chgData name="shemal rathnasuriya" userId="e8bb0d295c9c231f" providerId="LiveId" clId="{69DDC8F8-F0E5-4E49-A245-23C9CFE4311F}" dt="2021-08-04T15:02:45.969" v="12819" actId="20577"/>
           <ac:spMkLst>
             <pc:docMk/>
             <pc:sldMk cId="3158724016" sldId="286"/>
@@ -898,13 +910,13 @@
         </pc:graphicFrameChg>
       </pc:sldChg>
       <pc:sldChg chg="modSp new mod">
-        <pc:chgData name="shemal rathnasuriya" userId="e8bb0d295c9c231f" providerId="LiveId" clId="{69DDC8F8-F0E5-4E49-A245-23C9CFE4311F}" dt="2021-08-01T23:09:01.865" v="10121" actId="20577"/>
+        <pc:chgData name="shemal rathnasuriya" userId="e8bb0d295c9c231f" providerId="LiveId" clId="{69DDC8F8-F0E5-4E49-A245-23C9CFE4311F}" dt="2021-08-04T15:01:26.218" v="12815" actId="20577"/>
         <pc:sldMkLst>
           <pc:docMk/>
           <pc:sldMk cId="1550630764" sldId="288"/>
         </pc:sldMkLst>
         <pc:spChg chg="mod">
-          <ac:chgData name="shemal rathnasuriya" userId="e8bb0d295c9c231f" providerId="LiveId" clId="{69DDC8F8-F0E5-4E49-A245-23C9CFE4311F}" dt="2021-08-01T23:06:05.041" v="10014" actId="255"/>
+          <ac:chgData name="shemal rathnasuriya" userId="e8bb0d295c9c231f" providerId="LiveId" clId="{69DDC8F8-F0E5-4E49-A245-23C9CFE4311F}" dt="2021-08-04T15:01:26.218" v="12815" actId="20577"/>
           <ac:spMkLst>
             <pc:docMk/>
             <pc:sldMk cId="1550630764" sldId="288"/>
@@ -912,7 +924,7 @@
           </ac:spMkLst>
         </pc:spChg>
         <pc:spChg chg="mod">
-          <ac:chgData name="shemal rathnasuriya" userId="e8bb0d295c9c231f" providerId="LiveId" clId="{69DDC8F8-F0E5-4E49-A245-23C9CFE4311F}" dt="2021-08-01T23:09:01.865" v="10121" actId="20577"/>
+          <ac:chgData name="shemal rathnasuriya" userId="e8bb0d295c9c231f" providerId="LiveId" clId="{69DDC8F8-F0E5-4E49-A245-23C9CFE4311F}" dt="2021-08-03T20:22:19.282" v="10476" actId="20577"/>
           <ac:spMkLst>
             <pc:docMk/>
             <pc:sldMk cId="1550630764" sldId="288"/>
@@ -921,13 +933,13 @@
         </pc:spChg>
       </pc:sldChg>
       <pc:sldChg chg="modSp new mod">
-        <pc:chgData name="shemal rathnasuriya" userId="e8bb0d295c9c231f" providerId="LiveId" clId="{69DDC8F8-F0E5-4E49-A245-23C9CFE4311F}" dt="2021-08-02T00:04:43.255" v="10372" actId="20577"/>
+        <pc:chgData name="shemal rathnasuriya" userId="e8bb0d295c9c231f" providerId="LiveId" clId="{69DDC8F8-F0E5-4E49-A245-23C9CFE4311F}" dt="2021-08-03T21:14:45.667" v="12794" actId="20577"/>
         <pc:sldMkLst>
           <pc:docMk/>
           <pc:sldMk cId="449676743" sldId="289"/>
         </pc:sldMkLst>
         <pc:spChg chg="mod">
-          <ac:chgData name="shemal rathnasuriya" userId="e8bb0d295c9c231f" providerId="LiveId" clId="{69DDC8F8-F0E5-4E49-A245-23C9CFE4311F}" dt="2021-08-01T23:34:50.437" v="10260" actId="255"/>
+          <ac:chgData name="shemal rathnasuriya" userId="e8bb0d295c9c231f" providerId="LiveId" clId="{69DDC8F8-F0E5-4E49-A245-23C9CFE4311F}" dt="2021-08-03T21:14:45.667" v="12794" actId="20577"/>
           <ac:spMkLst>
             <pc:docMk/>
             <pc:sldMk cId="449676743" sldId="289"/>
@@ -942,6 +954,137 @@
             <ac:spMk id="3" creationId="{66991791-60D4-4D71-AB36-3DB5F7BBCF2A}"/>
           </ac:spMkLst>
         </pc:spChg>
+      </pc:sldChg>
+      <pc:sldChg chg="addSp modSp new mod">
+        <pc:chgData name="shemal rathnasuriya" userId="e8bb0d295c9c231f" providerId="LiveId" clId="{69DDC8F8-F0E5-4E49-A245-23C9CFE4311F}" dt="2021-08-04T15:04:19.653" v="12874" actId="20577"/>
+        <pc:sldMkLst>
+          <pc:docMk/>
+          <pc:sldMk cId="1709270668" sldId="290"/>
+        </pc:sldMkLst>
+        <pc:spChg chg="mod">
+          <ac:chgData name="shemal rathnasuriya" userId="e8bb0d295c9c231f" providerId="LiveId" clId="{69DDC8F8-F0E5-4E49-A245-23C9CFE4311F}" dt="2021-08-04T15:04:19.653" v="12874" actId="20577"/>
+          <ac:spMkLst>
+            <pc:docMk/>
+            <pc:sldMk cId="1709270668" sldId="290"/>
+            <ac:spMk id="2" creationId="{C965D0E8-9912-4FB2-87E5-8C16BAB59343}"/>
+          </ac:spMkLst>
+        </pc:spChg>
+        <pc:spChg chg="mod">
+          <ac:chgData name="shemal rathnasuriya" userId="e8bb0d295c9c231f" providerId="LiveId" clId="{69DDC8F8-F0E5-4E49-A245-23C9CFE4311F}" dt="2021-08-03T20:44:06.841" v="10955" actId="255"/>
+          <ac:spMkLst>
+            <pc:docMk/>
+            <pc:sldMk cId="1709270668" sldId="290"/>
+            <ac:spMk id="3" creationId="{B9AA7F8A-5F56-4674-B755-641FDA673124}"/>
+          </ac:spMkLst>
+        </pc:spChg>
+        <pc:picChg chg="add mod">
+          <ac:chgData name="shemal rathnasuriya" userId="e8bb0d295c9c231f" providerId="LiveId" clId="{69DDC8F8-F0E5-4E49-A245-23C9CFE4311F}" dt="2021-08-03T20:44:47.959" v="10961" actId="14100"/>
+          <ac:picMkLst>
+            <pc:docMk/>
+            <pc:sldMk cId="1709270668" sldId="290"/>
+            <ac:picMk id="5" creationId="{8A17EEAB-CF65-4ED5-AB9E-36949A531DE2}"/>
+          </ac:picMkLst>
+        </pc:picChg>
+      </pc:sldChg>
+      <pc:sldChg chg="modSp new mod">
+        <pc:chgData name="shemal rathnasuriya" userId="e8bb0d295c9c231f" providerId="LiveId" clId="{69DDC8F8-F0E5-4E49-A245-23C9CFE4311F}" dt="2021-08-04T15:04:12.415" v="12870" actId="20577"/>
+        <pc:sldMkLst>
+          <pc:docMk/>
+          <pc:sldMk cId="2678607575" sldId="291"/>
+        </pc:sldMkLst>
+        <pc:spChg chg="mod">
+          <ac:chgData name="shemal rathnasuriya" userId="e8bb0d295c9c231f" providerId="LiveId" clId="{69DDC8F8-F0E5-4E49-A245-23C9CFE4311F}" dt="2021-08-04T15:04:12.415" v="12870" actId="20577"/>
+          <ac:spMkLst>
+            <pc:docMk/>
+            <pc:sldMk cId="2678607575" sldId="291"/>
+            <ac:spMk id="2" creationId="{CE903F72-7959-462B-99CE-D8468CAF1AB7}"/>
+          </ac:spMkLst>
+        </pc:spChg>
+        <pc:spChg chg="mod">
+          <ac:chgData name="shemal rathnasuriya" userId="e8bb0d295c9c231f" providerId="LiveId" clId="{69DDC8F8-F0E5-4E49-A245-23C9CFE4311F}" dt="2021-08-03T20:59:45.924" v="11796" actId="2711"/>
+          <ac:spMkLst>
+            <pc:docMk/>
+            <pc:sldMk cId="2678607575" sldId="291"/>
+            <ac:spMk id="3" creationId="{23B3F9F2-C007-4B74-9E97-B03F86CE5F96}"/>
+          </ac:spMkLst>
+        </pc:spChg>
+      </pc:sldChg>
+      <pc:sldChg chg="modSp new mod">
+        <pc:chgData name="shemal rathnasuriya" userId="e8bb0d295c9c231f" providerId="LiveId" clId="{69DDC8F8-F0E5-4E49-A245-23C9CFE4311F}" dt="2021-08-04T15:04:04.499" v="12866" actId="20577"/>
+        <pc:sldMkLst>
+          <pc:docMk/>
+          <pc:sldMk cId="3504463518" sldId="292"/>
+        </pc:sldMkLst>
+        <pc:spChg chg="mod">
+          <ac:chgData name="shemal rathnasuriya" userId="e8bb0d295c9c231f" providerId="LiveId" clId="{69DDC8F8-F0E5-4E49-A245-23C9CFE4311F}" dt="2021-08-04T15:04:04.499" v="12866" actId="20577"/>
+          <ac:spMkLst>
+            <pc:docMk/>
+            <pc:sldMk cId="3504463518" sldId="292"/>
+            <ac:spMk id="2" creationId="{21B251BD-FE77-4684-934A-BFD2F2AAF8CA}"/>
+          </ac:spMkLst>
+        </pc:spChg>
+        <pc:spChg chg="mod">
+          <ac:chgData name="shemal rathnasuriya" userId="e8bb0d295c9c231f" providerId="LiveId" clId="{69DDC8F8-F0E5-4E49-A245-23C9CFE4311F}" dt="2021-08-03T21:11:24.271" v="12762" actId="255"/>
+          <ac:spMkLst>
+            <pc:docMk/>
+            <pc:sldMk cId="3504463518" sldId="292"/>
+            <ac:spMk id="3" creationId="{B8FE4F70-11A0-4792-8033-AC4874880717}"/>
+          </ac:spMkLst>
+        </pc:spChg>
+      </pc:sldChg>
+      <pc:sldChg chg="addSp modSp new mod">
+        <pc:chgData name="shemal rathnasuriya" userId="e8bb0d295c9c231f" providerId="LiveId" clId="{69DDC8F8-F0E5-4E49-A245-23C9CFE4311F}" dt="2021-08-03T21:14:14.972" v="12788" actId="1076"/>
+        <pc:sldMkLst>
+          <pc:docMk/>
+          <pc:sldMk cId="1930636228" sldId="293"/>
+        </pc:sldMkLst>
+        <pc:picChg chg="add mod">
+          <ac:chgData name="shemal rathnasuriya" userId="e8bb0d295c9c231f" providerId="LiveId" clId="{69DDC8F8-F0E5-4E49-A245-23C9CFE4311F}" dt="2021-08-03T21:13:27.257" v="12778" actId="1076"/>
+          <ac:picMkLst>
+            <pc:docMk/>
+            <pc:sldMk cId="1930636228" sldId="293"/>
+            <ac:picMk id="3" creationId="{D5832CCD-5BE2-42A1-8126-859E62AEA26F}"/>
+          </ac:picMkLst>
+        </pc:picChg>
+        <pc:picChg chg="add mod">
+          <ac:chgData name="shemal rathnasuriya" userId="e8bb0d295c9c231f" providerId="LiveId" clId="{69DDC8F8-F0E5-4E49-A245-23C9CFE4311F}" dt="2021-08-03T21:13:47.521" v="12783" actId="14100"/>
+          <ac:picMkLst>
+            <pc:docMk/>
+            <pc:sldMk cId="1930636228" sldId="293"/>
+            <ac:picMk id="5" creationId="{DB44A58B-9760-418E-8F37-6D38259EB7E4}"/>
+          </ac:picMkLst>
+        </pc:picChg>
+        <pc:picChg chg="add mod">
+          <ac:chgData name="shemal rathnasuriya" userId="e8bb0d295c9c231f" providerId="LiveId" clId="{69DDC8F8-F0E5-4E49-A245-23C9CFE4311F}" dt="2021-08-03T21:14:14.972" v="12788" actId="1076"/>
+          <ac:picMkLst>
+            <pc:docMk/>
+            <pc:sldMk cId="1930636228" sldId="293"/>
+            <ac:picMk id="7" creationId="{76371DF9-0F6D-4771-B24E-3419C5DF16BD}"/>
+          </ac:picMkLst>
+        </pc:picChg>
+      </pc:sldChg>
+      <pc:sldChg chg="addSp delSp modSp new del mod ord">
+        <pc:chgData name="shemal rathnasuriya" userId="e8bb0d295c9c231f" providerId="LiveId" clId="{69DDC8F8-F0E5-4E49-A245-23C9CFE4311F}" dt="2021-08-03T23:34:15.916" v="12811" actId="2696"/>
+        <pc:sldMkLst>
+          <pc:docMk/>
+          <pc:sldMk cId="1388936345" sldId="294"/>
+        </pc:sldMkLst>
+        <pc:picChg chg="add del">
+          <ac:chgData name="shemal rathnasuriya" userId="e8bb0d295c9c231f" providerId="LiveId" clId="{69DDC8F8-F0E5-4E49-A245-23C9CFE4311F}" dt="2021-08-03T23:32:53.420" v="12797" actId="478"/>
+          <ac:picMkLst>
+            <pc:docMk/>
+            <pc:sldMk cId="1388936345" sldId="294"/>
+            <ac:picMk id="3" creationId="{E6154F8A-D843-4394-8926-03CCD7E15CD4}"/>
+          </ac:picMkLst>
+        </pc:picChg>
+        <pc:picChg chg="add mod">
+          <ac:chgData name="shemal rathnasuriya" userId="e8bb0d295c9c231f" providerId="LiveId" clId="{69DDC8F8-F0E5-4E49-A245-23C9CFE4311F}" dt="2021-08-03T23:33:23.839" v="12802" actId="1076"/>
+          <ac:picMkLst>
+            <pc:docMk/>
+            <pc:sldMk cId="1388936345" sldId="294"/>
+            <ac:picMk id="5" creationId="{E40D07FA-3370-46A2-9AFC-28389B689EF8}"/>
+          </ac:picMkLst>
+        </pc:picChg>
       </pc:sldChg>
     </pc:docChg>
   </pc:docChgLst>
@@ -1174,7 +1317,7 @@
           <a:p>
             <a:fld id="{A423BF71-38B7-8642-BFCE-EDAE9BD0CBAF}" type="datetimeFigureOut">
               <a:rPr lang="en-US" smtClean="0"/>
-              <a:t>8/1/2021</a:t>
+              <a:t>8/4/2021</a:t>
             </a:fld>
             <a:endParaRPr lang="en-US" dirty="0"/>
           </a:p>
@@ -1382,7 +1525,7 @@
           <a:p>
             <a:fld id="{73B025CB-9D18-264E-A945-2D020344C9DA}" type="datetimeFigureOut">
               <a:rPr lang="en-US" smtClean="0"/>
-              <a:t>8/1/2021</a:t>
+              <a:t>8/4/2021</a:t>
             </a:fld>
             <a:endParaRPr lang="en-US" dirty="0"/>
           </a:p>
@@ -1638,7 +1781,7 @@
           <a:p>
             <a:fld id="{507EFB6C-7E96-8F41-8872-189CA1C59F84}" type="datetimeFigureOut">
               <a:rPr lang="en-US" smtClean="0"/>
-              <a:t>8/1/2021</a:t>
+              <a:t>8/4/2021</a:t>
             </a:fld>
             <a:endParaRPr lang="en-US" dirty="0"/>
           </a:p>
@@ -1812,7 +1955,7 @@
           <a:p>
             <a:fld id="{B6981CDE-9BE7-C544-8ACB-7077DFC4270F}" type="datetimeFigureOut">
               <a:rPr lang="en-US" smtClean="0"/>
-              <a:t>8/1/2021</a:t>
+              <a:t>8/4/2021</a:t>
             </a:fld>
             <a:endParaRPr lang="en-US" dirty="0"/>
           </a:p>
@@ -2155,7 +2298,7 @@
           <a:p>
             <a:fld id="{B55BA285-9698-1B45-8319-D90A8C63F150}" type="datetimeFigureOut">
               <a:rPr lang="en-US" smtClean="0"/>
-              <a:t>8/1/2021</a:t>
+              <a:t>8/4/2021</a:t>
             </a:fld>
             <a:endParaRPr lang="en-US" dirty="0"/>
           </a:p>
@@ -2430,7 +2573,7 @@
           <a:p>
             <a:fld id="{0A86CD42-43FF-B740-998F-DCC3802C4CE3}" type="datetimeFigureOut">
               <a:rPr lang="en-US" smtClean="0"/>
-              <a:t>8/1/2021</a:t>
+              <a:t>8/4/2021</a:t>
             </a:fld>
             <a:endParaRPr lang="en-US" dirty="0"/>
           </a:p>
@@ -2809,7 +2952,7 @@
           <a:p>
             <a:fld id="{CEA0FFBD-2EE4-8547-BBAE-A1AC91C8D77E}" type="datetimeFigureOut">
               <a:rPr lang="en-US" smtClean="0"/>
-              <a:t>8/1/2021</a:t>
+              <a:t>8/4/2021</a:t>
             </a:fld>
             <a:endParaRPr lang="en-US" dirty="0"/>
           </a:p>
@@ -2927,7 +3070,7 @@
           <a:p>
             <a:fld id="{955A2352-D7AC-F242-9256-A4477BCBF354}" type="datetimeFigureOut">
               <a:rPr lang="en-US" smtClean="0"/>
-              <a:t>8/1/2021</a:t>
+              <a:t>8/4/2021</a:t>
             </a:fld>
             <a:endParaRPr lang="en-US" dirty="0"/>
           </a:p>
@@ -3098,7 +3241,7 @@
           <a:p>
             <a:fld id="{4EFCFC6A-9AE6-404D-9FDD-168B477B9C90}" type="datetimeFigureOut">
               <a:rPr lang="en-US" smtClean="0"/>
-              <a:t>8/1/2021</a:t>
+              <a:t>8/4/2021</a:t>
             </a:fld>
             <a:endParaRPr lang="en-US" dirty="0"/>
           </a:p>
@@ -3452,7 +3595,7 @@
           <a:p>
             <a:fld id="{61CFCDFD-B4CF-A241-8D71-E814B10BEAF4}" type="datetimeFigureOut">
               <a:rPr lang="en-US" smtClean="0"/>
-              <a:t>8/1/2021</a:t>
+              <a:t>8/4/2021</a:t>
             </a:fld>
             <a:endParaRPr lang="en-US" dirty="0"/>
           </a:p>
@@ -3834,7 +3977,7 @@
           <a:p>
             <a:fld id="{26A7B589-FD4B-7E46-869A-CBADC5FC564E}" type="datetimeFigureOut">
               <a:rPr lang="en-US" smtClean="0"/>
-              <a:t>8/1/2021</a:t>
+              <a:t>8/4/2021</a:t>
             </a:fld>
             <a:endParaRPr lang="en-US" dirty="0"/>
           </a:p>
@@ -4121,7 +4264,7 @@
           <a:p>
             <a:fld id="{4CD8A92E-5FF9-8143-81B3-CCB531513398}" type="datetimeFigureOut">
               <a:rPr lang="en-US" smtClean="0"/>
-              <a:t>8/1/2021</a:t>
+              <a:t>8/4/2021</a:t>
             </a:fld>
             <a:endParaRPr lang="en-US" dirty="0"/>
           </a:p>
@@ -5001,7 +5144,7 @@
                 <a:latin typeface="Times New Roman" panose="02020603050405020304" pitchFamily="18" charset="0"/>
                 <a:cs typeface="Times New Roman" panose="02020603050405020304" pitchFamily="18" charset="0"/>
               </a:rPr>
-              <a:t>2. Deploy you appl in one click</a:t>
+              <a:t>2. Deploy your application in one click</a:t>
             </a:r>
             <a:br>
               <a:rPr lang="en-US" dirty="0">
@@ -5975,6 +6118,21 @@
               <a:t>Web Applications </a:t>
             </a:r>
           </a:p>
+          <a:p>
+            <a:endParaRPr lang="en-US" dirty="0">
+              <a:latin typeface="Times New Roman" panose="02020603050405020304" pitchFamily="18" charset="0"/>
+              <a:cs typeface="Times New Roman" panose="02020603050405020304" pitchFamily="18" charset="0"/>
+            </a:endParaRPr>
+          </a:p>
+          <a:p>
+            <a:r>
+              <a:rPr lang="en-US" dirty="0">
+                <a:latin typeface="Times New Roman" panose="02020603050405020304" pitchFamily="18" charset="0"/>
+                <a:cs typeface="Times New Roman" panose="02020603050405020304" pitchFamily="18" charset="0"/>
+              </a:rPr>
+              <a:t>                             [7]</a:t>
+            </a:r>
+          </a:p>
         </p:txBody>
       </p:sp>
       <p:pic>
@@ -6042,7 +6200,7 @@
           <p:cNvPr id="2" name="Title 1">
             <a:extLst>
               <a:ext uri="{FF2B5EF4-FFF2-40B4-BE49-F238E27FC236}">
-                <a16:creationId xmlns:a16="http://schemas.microsoft.com/office/drawing/2014/main" id="{ABCBFA45-7663-406D-945A-EEB8E3D56CDE}"/>
+                <a16:creationId xmlns:a16="http://schemas.microsoft.com/office/drawing/2014/main" id="{C965D0E8-9912-4FB2-87E5-8C16BAB59343}"/>
               </a:ext>
             </a:extLst>
           </p:cNvPr>
@@ -6062,18 +6220,21 @@
           <a:p>
             <a:r>
               <a:rPr lang="en-US" sz="3600" dirty="0">
-                <a:solidFill>
-                  <a:schemeClr val="tx1"/>
-                </a:solidFill>
-                <a:latin typeface="Times New Roman" panose="02020603050405020304" pitchFamily="18" charset="0"/>
-                <a:cs typeface="Times New Roman" panose="02020603050405020304" pitchFamily="18" charset="0"/>
-              </a:rPr>
-              <a:t>Kinds of Supported Applications:</a:t>
+                <a:latin typeface="Times New Roman" panose="02020603050405020304" pitchFamily="18" charset="0"/>
+                <a:cs typeface="Times New Roman" panose="02020603050405020304" pitchFamily="18" charset="0"/>
+              </a:rPr>
+              <a:t>Customer Relationship Management with LCDP</a:t>
+            </a:r>
+            <a:r>
+              <a:rPr lang="en-US" sz="3600">
+                <a:latin typeface="Times New Roman" panose="02020603050405020304" pitchFamily="18" charset="0"/>
+                <a:cs typeface="Times New Roman" panose="02020603050405020304" pitchFamily="18" charset="0"/>
+              </a:rPr>
+              <a:t>/NCDP [8]</a:t>
             </a:r>
             <a:endParaRPr lang="en-US" sz="3600" dirty="0">
-              <a:solidFill>
-                <a:schemeClr val="tx1"/>
-              </a:solidFill>
+              <a:latin typeface="Times New Roman" panose="02020603050405020304" pitchFamily="18" charset="0"/>
+              <a:cs typeface="Times New Roman" panose="02020603050405020304" pitchFamily="18" charset="0"/>
             </a:endParaRPr>
           </a:p>
         </p:txBody>
@@ -6083,7 +6244,7 @@
           <p:cNvPr id="3" name="Content Placeholder 2">
             <a:extLst>
               <a:ext uri="{FF2B5EF4-FFF2-40B4-BE49-F238E27FC236}">
-                <a16:creationId xmlns:a16="http://schemas.microsoft.com/office/drawing/2014/main" id="{66991791-60D4-4D71-AB36-3DB5F7BBCF2A}"/>
+                <a16:creationId xmlns:a16="http://schemas.microsoft.com/office/drawing/2014/main" id="{B9AA7F8A-5F56-4674-B755-641FDA673124}"/>
               </a:ext>
             </a:extLst>
           </p:cNvPr>
@@ -6096,9 +6257,18 @@
         </p:nvSpPr>
         <p:spPr/>
         <p:txBody>
-          <a:bodyPr/>
+          <a:bodyPr>
+            <a:normAutofit/>
+          </a:bodyPr>
           <a:lstStyle/>
           <a:p>
+            <a:r>
+              <a:rPr lang="en-US" dirty="0">
+                <a:latin typeface="Times New Roman" panose="02020603050405020304" pitchFamily="18" charset="0"/>
+                <a:cs typeface="Times New Roman" panose="02020603050405020304" pitchFamily="18" charset="0"/>
+              </a:rPr>
+              <a:t>A CRM is a technology for managing all the company’s relationship and interactions with customers and potential customers.</a:t>
+            </a:r>
             <a:br>
               <a:rPr lang="en-US" dirty="0">
                 <a:latin typeface="Times New Roman" panose="02020603050405020304" pitchFamily="18" charset="0"/>
@@ -6106,78 +6276,80 @@
               </a:rPr>
             </a:br>
             <a:r>
-              <a:rPr lang="en-US">
-                <a:latin typeface="Times New Roman" panose="02020603050405020304" pitchFamily="18" charset="0"/>
-                <a:cs typeface="Times New Roman" panose="02020603050405020304" pitchFamily="18" charset="0"/>
-              </a:rPr>
-              <a:t>Event Monitoring</a:t>
-            </a:r>
-            <a:endParaRPr lang="en-US" dirty="0">
-              <a:latin typeface="Times New Roman" panose="02020603050405020304" pitchFamily="18" charset="0"/>
-              <a:cs typeface="Times New Roman" panose="02020603050405020304" pitchFamily="18" charset="0"/>
-            </a:endParaRPr>
-          </a:p>
-          <a:p>
-            <a:r>
-              <a:rPr lang="en-US" dirty="0">
-                <a:latin typeface="Times New Roman" panose="02020603050405020304" pitchFamily="18" charset="0"/>
-                <a:cs typeface="Times New Roman" panose="02020603050405020304" pitchFamily="18" charset="0"/>
-              </a:rPr>
-              <a:t>Process Automation</a:t>
-            </a:r>
-          </a:p>
-          <a:p>
-            <a:r>
-              <a:rPr lang="en-US" dirty="0">
-                <a:latin typeface="Times New Roman" panose="02020603050405020304" pitchFamily="18" charset="0"/>
-                <a:cs typeface="Times New Roman" panose="02020603050405020304" pitchFamily="18" charset="0"/>
-              </a:rPr>
-              <a:t>Approval Process Control</a:t>
-            </a:r>
-          </a:p>
-          <a:p>
-            <a:r>
-              <a:rPr lang="en-US" dirty="0">
-                <a:latin typeface="Times New Roman" panose="02020603050405020304" pitchFamily="18" charset="0"/>
-                <a:cs typeface="Times New Roman" panose="02020603050405020304" pitchFamily="18" charset="0"/>
-              </a:rPr>
-              <a:t>Escalation Management</a:t>
-            </a:r>
-          </a:p>
-          <a:p>
-            <a:r>
-              <a:rPr lang="en-US" dirty="0">
-                <a:latin typeface="Times New Roman" panose="02020603050405020304" pitchFamily="18" charset="0"/>
-                <a:cs typeface="Times New Roman" panose="02020603050405020304" pitchFamily="18" charset="0"/>
-              </a:rPr>
-              <a:t>Inventory Management</a:t>
-            </a:r>
-          </a:p>
-          <a:p>
-            <a:r>
-              <a:rPr lang="en-US" dirty="0">
-                <a:latin typeface="Times New Roman" panose="02020603050405020304" pitchFamily="18" charset="0"/>
-                <a:cs typeface="Times New Roman" panose="02020603050405020304" pitchFamily="18" charset="0"/>
-              </a:rPr>
-              <a:t>Quality Management </a:t>
-            </a:r>
-          </a:p>
-          <a:p>
-            <a:r>
-              <a:rPr lang="en-US" dirty="0">
-                <a:latin typeface="Times New Roman" panose="02020603050405020304" pitchFamily="18" charset="0"/>
-                <a:cs typeface="Times New Roman" panose="02020603050405020304" pitchFamily="18" charset="0"/>
-              </a:rPr>
-              <a:t>Workflow Management</a:t>
-            </a:r>
-            <a:endParaRPr lang="en-US" dirty="0"/>
+              <a:rPr lang="en-US" dirty="0">
+                <a:latin typeface="Times New Roman" panose="02020603050405020304" pitchFamily="18" charset="0"/>
+                <a:cs typeface="Times New Roman" panose="02020603050405020304" pitchFamily="18" charset="0"/>
+              </a:rPr>
+              <a:t>Marketing sales, customer service, and support. </a:t>
+            </a:r>
+          </a:p>
+          <a:p>
+            <a:r>
+              <a:rPr lang="en-US" dirty="0">
+                <a:latin typeface="Times New Roman" panose="02020603050405020304" pitchFamily="18" charset="0"/>
+                <a:cs typeface="Times New Roman" panose="02020603050405020304" pitchFamily="18" charset="0"/>
+              </a:rPr>
+              <a:t>Works as a customer data storage software, data analytics, interactive dashboards. </a:t>
+            </a:r>
+          </a:p>
+          <a:p>
+            <a:r>
+              <a:rPr lang="en-US" dirty="0">
+                <a:latin typeface="Times New Roman" panose="02020603050405020304" pitchFamily="18" charset="0"/>
+                <a:cs typeface="Times New Roman" panose="02020603050405020304" pitchFamily="18" charset="0"/>
+              </a:rPr>
+              <a:t>Advantages: Quick application development, low development cost, no programming knowledge </a:t>
+            </a:r>
+            <a:br>
+              <a:rPr lang="en-US" dirty="0">
+                <a:latin typeface="Times New Roman" panose="02020603050405020304" pitchFamily="18" charset="0"/>
+                <a:cs typeface="Times New Roman" panose="02020603050405020304" pitchFamily="18" charset="0"/>
+              </a:rPr>
+            </a:br>
+            <a:r>
+              <a:rPr lang="en-US" dirty="0">
+                <a:latin typeface="Times New Roman" panose="02020603050405020304" pitchFamily="18" charset="0"/>
+                <a:cs typeface="Times New Roman" panose="02020603050405020304" pitchFamily="18" charset="0"/>
+              </a:rPr>
+              <a:t>		needed. </a:t>
+            </a:r>
           </a:p>
         </p:txBody>
       </p:sp>
+      <p:pic>
+        <p:nvPicPr>
+          <p:cNvPr id="5" name="Picture 4">
+            <a:extLst>
+              <a:ext uri="{FF2B5EF4-FFF2-40B4-BE49-F238E27FC236}">
+                <a16:creationId xmlns:a16="http://schemas.microsoft.com/office/drawing/2014/main" id="{8A17EEAB-CF65-4ED5-AB9E-36949A531DE2}"/>
+              </a:ext>
+            </a:extLst>
+          </p:cNvPr>
+          <p:cNvPicPr>
+            <a:picLocks noChangeAspect="1"/>
+          </p:cNvPicPr>
+          <p:nvPr/>
+        </p:nvPicPr>
+        <p:blipFill>
+          <a:blip r:embed="rId2"/>
+          <a:stretch>
+            <a:fillRect/>
+          </a:stretch>
+        </p:blipFill>
+        <p:spPr>
+          <a:xfrm>
+            <a:off x="3734394" y="3665989"/>
+            <a:ext cx="8039100" cy="3192011"/>
+          </a:xfrm>
+          <a:prstGeom prst="rect">
+            <a:avLst/>
+          </a:prstGeom>
+        </p:spPr>
+      </p:pic>
     </p:spTree>
     <p:extLst>
       <p:ext uri="{BB962C8B-B14F-4D97-AF65-F5344CB8AC3E}">
-        <p14:creationId xmlns:p14="http://schemas.microsoft.com/office/powerpoint/2010/main" val="449676743"/>
+        <p14:creationId xmlns:p14="http://schemas.microsoft.com/office/powerpoint/2010/main" val="1709270668"/>
       </p:ext>
     </p:extLst>
   </p:cSld>
@@ -6209,7 +6381,7 @@
           <p:cNvPr id="2" name="Title 1">
             <a:extLst>
               <a:ext uri="{FF2B5EF4-FFF2-40B4-BE49-F238E27FC236}">
-                <a16:creationId xmlns:a16="http://schemas.microsoft.com/office/drawing/2014/main" id="{3612B23A-D9B9-4EDA-91D2-9352323345A0}"/>
+                <a16:creationId xmlns:a16="http://schemas.microsoft.com/office/drawing/2014/main" id="{CE903F72-7959-462B-99CE-D8468CAF1AB7}"/>
               </a:ext>
             </a:extLst>
           </p:cNvPr>
@@ -6232,7 +6404,7 @@
                 <a:latin typeface="Times New Roman" panose="02020603050405020304" pitchFamily="18" charset="0"/>
                 <a:cs typeface="Times New Roman" panose="02020603050405020304" pitchFamily="18" charset="0"/>
               </a:rPr>
-              <a:t>Benefits </a:t>
+              <a:t>LCDP/NCDP for HealthCare [9]</a:t>
             </a:r>
           </a:p>
         </p:txBody>
@@ -6242,7 +6414,7 @@
           <p:cNvPr id="3" name="Content Placeholder 2">
             <a:extLst>
               <a:ext uri="{FF2B5EF4-FFF2-40B4-BE49-F238E27FC236}">
-                <a16:creationId xmlns:a16="http://schemas.microsoft.com/office/drawing/2014/main" id="{0BAF6F50-4698-4B55-A554-3BCF47A19A2B}"/>
+                <a16:creationId xmlns:a16="http://schemas.microsoft.com/office/drawing/2014/main" id="{23B3F9F2-C007-4B74-9E97-B03F86CE5F96}"/>
               </a:ext>
             </a:extLst>
           </p:cNvPr>
@@ -6253,113 +6425,226 @@
             <p:ph idx="1"/>
           </p:nvPr>
         </p:nvSpPr>
-        <p:spPr>
-          <a:xfrm>
-            <a:off x="1097280" y="1845733"/>
-            <a:ext cx="10058400" cy="4444707"/>
-          </a:xfrm>
-        </p:spPr>
+        <p:spPr/>
         <p:txBody>
-          <a:bodyPr>
-            <a:noAutofit/>
-          </a:bodyPr>
+          <a:bodyPr/>
           <a:lstStyle/>
           <a:p>
             <a:r>
-              <a:rPr lang="en-US" dirty="0">
-                <a:latin typeface="Times New Roman" panose="02020603050405020304" pitchFamily="18" charset="0"/>
-                <a:cs typeface="Times New Roman" panose="02020603050405020304" pitchFamily="18" charset="0"/>
-              </a:rPr>
-              <a:t>Faster development </a:t>
-            </a:r>
-          </a:p>
-          <a:p>
-            <a:r>
-              <a:rPr lang="en-US" dirty="0">
-                <a:latin typeface="Times New Roman" panose="02020603050405020304" pitchFamily="18" charset="0"/>
-                <a:cs typeface="Times New Roman" panose="02020603050405020304" pitchFamily="18" charset="0"/>
-              </a:rPr>
-              <a:t>Ease of study and use </a:t>
-            </a:r>
-          </a:p>
-          <a:p>
-            <a:r>
-              <a:rPr lang="en-US" dirty="0">
-                <a:latin typeface="Times New Roman" panose="02020603050405020304" pitchFamily="18" charset="0"/>
-                <a:cs typeface="Times New Roman" panose="02020603050405020304" pitchFamily="18" charset="0"/>
-              </a:rPr>
-              <a:t>Lower IT cost </a:t>
-            </a:r>
-          </a:p>
-          <a:p>
-            <a:r>
-              <a:rPr lang="en-US" dirty="0">
-                <a:latin typeface="Times New Roman" panose="02020603050405020304" pitchFamily="18" charset="0"/>
-                <a:cs typeface="Times New Roman" panose="02020603050405020304" pitchFamily="18" charset="0"/>
-              </a:rPr>
-              <a:t>Rich and ready-to-use units </a:t>
-            </a:r>
-          </a:p>
-          <a:p>
-            <a:r>
-              <a:rPr lang="en-US" dirty="0">
-                <a:latin typeface="Times New Roman" panose="02020603050405020304" pitchFamily="18" charset="0"/>
-                <a:cs typeface="Times New Roman" panose="02020603050405020304" pitchFamily="18" charset="0"/>
-              </a:rPr>
-              <a:t>Newbie friendly </a:t>
-            </a:r>
-          </a:p>
-          <a:p>
-            <a:r>
-              <a:rPr lang="en-US" dirty="0">
-                <a:latin typeface="Times New Roman" panose="02020603050405020304" pitchFamily="18" charset="0"/>
-                <a:cs typeface="Times New Roman" panose="02020603050405020304" pitchFamily="18" charset="0"/>
-              </a:rPr>
-              <a:t>Improved system quality </a:t>
-            </a:r>
-          </a:p>
-          <a:p>
-            <a:r>
-              <a:rPr lang="en-US" dirty="0">
-                <a:latin typeface="Times New Roman" panose="02020603050405020304" pitchFamily="18" charset="0"/>
-                <a:cs typeface="Times New Roman" panose="02020603050405020304" pitchFamily="18" charset="0"/>
-              </a:rPr>
-              <a:t>Strong integration and expansion capability </a:t>
-            </a:r>
-          </a:p>
-          <a:p>
-            <a:r>
-              <a:rPr lang="en-US" dirty="0">
-                <a:latin typeface="Times New Roman" panose="02020603050405020304" pitchFamily="18" charset="0"/>
-                <a:cs typeface="Times New Roman" panose="02020603050405020304" pitchFamily="18" charset="0"/>
-              </a:rPr>
-              <a:t>Minimal efforts </a:t>
-            </a:r>
-          </a:p>
-          <a:p>
-            <a:r>
-              <a:rPr lang="en-US" dirty="0">
-                <a:latin typeface="Times New Roman" panose="02020603050405020304" pitchFamily="18" charset="0"/>
-                <a:cs typeface="Times New Roman" panose="02020603050405020304" pitchFamily="18" charset="0"/>
-              </a:rPr>
-              <a:t>Better user experience </a:t>
-            </a:r>
-          </a:p>
-          <a:p>
-            <a:r>
-              <a:rPr lang="en-US" dirty="0">
-                <a:latin typeface="Times New Roman" panose="02020603050405020304" pitchFamily="18" charset="0"/>
-                <a:cs typeface="Times New Roman" panose="02020603050405020304" pitchFamily="18" charset="0"/>
-              </a:rPr>
-              <a:t>Improved IT governance </a:t>
-            </a:r>
+              <a:rPr lang="en-US" b="0" i="0" dirty="0">
+                <a:solidFill>
+                  <a:srgbClr val="566068"/>
+                </a:solidFill>
+                <a:effectLst/>
+                <a:latin typeface="Quattrocento"/>
+              </a:rPr>
+              <a:t> </a:t>
+            </a:r>
+            <a:r>
+              <a:rPr lang="en-US" b="0" i="0" dirty="0">
+                <a:solidFill>
+                  <a:srgbClr val="566068"/>
+                </a:solidFill>
+                <a:effectLst/>
+                <a:latin typeface="Times New Roman" panose="02020603050405020304" pitchFamily="18" charset="0"/>
+                <a:cs typeface="Times New Roman" panose="02020603050405020304" pitchFamily="18" charset="0"/>
+              </a:rPr>
+              <a:t>Healthcare applications are developed with privacy, security, and compliance. A low code platform built specifically for healthcare means that all applications are custom built in a secure and HIPAA compliant environment.</a:t>
+            </a:r>
+          </a:p>
+          <a:p>
+            <a:r>
+              <a:rPr lang="en-US" dirty="0">
+                <a:solidFill>
+                  <a:srgbClr val="566068"/>
+                </a:solidFill>
+                <a:latin typeface="Times New Roman" panose="02020603050405020304" pitchFamily="18" charset="0"/>
+                <a:cs typeface="Times New Roman" panose="02020603050405020304" pitchFamily="18" charset="0"/>
+              </a:rPr>
+              <a:t>Use Cases for using in healthcare:</a:t>
+            </a:r>
+            <a:br>
+              <a:rPr lang="en-US" dirty="0">
+                <a:solidFill>
+                  <a:srgbClr val="566068"/>
+                </a:solidFill>
+                <a:latin typeface="Times New Roman" panose="02020603050405020304" pitchFamily="18" charset="0"/>
+                <a:cs typeface="Times New Roman" panose="02020603050405020304" pitchFamily="18" charset="0"/>
+              </a:rPr>
+            </a:br>
+            <a:r>
+              <a:rPr lang="en-US" dirty="0">
+                <a:solidFill>
+                  <a:srgbClr val="566068"/>
+                </a:solidFill>
+                <a:latin typeface="Times New Roman" panose="02020603050405020304" pitchFamily="18" charset="0"/>
+                <a:cs typeface="Times New Roman" panose="02020603050405020304" pitchFamily="18" charset="0"/>
+              </a:rPr>
+              <a:t>1. Patient Safety: Care teams can integrate solutions make it easier for team members to report</a:t>
+            </a:r>
+            <a:br>
+              <a:rPr lang="en-US" dirty="0">
+                <a:solidFill>
+                  <a:srgbClr val="566068"/>
+                </a:solidFill>
+                <a:latin typeface="Times New Roman" panose="02020603050405020304" pitchFamily="18" charset="0"/>
+                <a:cs typeface="Times New Roman" panose="02020603050405020304" pitchFamily="18" charset="0"/>
+              </a:rPr>
+            </a:br>
+            <a:r>
+              <a:rPr lang="en-US" dirty="0">
+                <a:solidFill>
+                  <a:srgbClr val="566068"/>
+                </a:solidFill>
+                <a:latin typeface="Times New Roman" panose="02020603050405020304" pitchFamily="18" charset="0"/>
+                <a:cs typeface="Times New Roman" panose="02020603050405020304" pitchFamily="18" charset="0"/>
+              </a:rPr>
+              <a:t>	incidents and events, manage events, perform reviews. </a:t>
+            </a:r>
+            <a:br>
+              <a:rPr lang="en-US" dirty="0">
+                <a:solidFill>
+                  <a:srgbClr val="566068"/>
+                </a:solidFill>
+                <a:latin typeface="Times New Roman" panose="02020603050405020304" pitchFamily="18" charset="0"/>
+                <a:cs typeface="Times New Roman" panose="02020603050405020304" pitchFamily="18" charset="0"/>
+              </a:rPr>
+            </a:br>
+            <a:r>
+              <a:rPr lang="en-US" dirty="0">
+                <a:solidFill>
+                  <a:srgbClr val="566068"/>
+                </a:solidFill>
+                <a:latin typeface="Times New Roman" panose="02020603050405020304" pitchFamily="18" charset="0"/>
+                <a:cs typeface="Times New Roman" panose="02020603050405020304" pitchFamily="18" charset="0"/>
+              </a:rPr>
+              <a:t>2. Quality Monitoring and Clinical Rounding Tools: Can build tools to support clinical rounding. </a:t>
+            </a:r>
+            <a:br>
+              <a:rPr lang="en-US" dirty="0">
+                <a:solidFill>
+                  <a:srgbClr val="566068"/>
+                </a:solidFill>
+                <a:latin typeface="Times New Roman" panose="02020603050405020304" pitchFamily="18" charset="0"/>
+                <a:cs typeface="Times New Roman" panose="02020603050405020304" pitchFamily="18" charset="0"/>
+              </a:rPr>
+            </a:br>
+            <a:r>
+              <a:rPr lang="en-US" dirty="0">
+                <a:solidFill>
+                  <a:srgbClr val="566068"/>
+                </a:solidFill>
+                <a:latin typeface="Times New Roman" panose="02020603050405020304" pitchFamily="18" charset="0"/>
+                <a:cs typeface="Times New Roman" panose="02020603050405020304" pitchFamily="18" charset="0"/>
+              </a:rPr>
+              <a:t>	Supports quality monitoring tools to make it easy to share data, measure outcomes, </a:t>
+            </a:r>
+            <a:br>
+              <a:rPr lang="en-US" dirty="0">
+                <a:solidFill>
+                  <a:srgbClr val="566068"/>
+                </a:solidFill>
+                <a:latin typeface="Times New Roman" panose="02020603050405020304" pitchFamily="18" charset="0"/>
+                <a:cs typeface="Times New Roman" panose="02020603050405020304" pitchFamily="18" charset="0"/>
+              </a:rPr>
+            </a:br>
+            <a:r>
+              <a:rPr lang="en-US" dirty="0">
+                <a:solidFill>
+                  <a:srgbClr val="566068"/>
+                </a:solidFill>
+                <a:latin typeface="Times New Roman" panose="02020603050405020304" pitchFamily="18" charset="0"/>
+                <a:cs typeface="Times New Roman" panose="02020603050405020304" pitchFamily="18" charset="0"/>
+              </a:rPr>
+              <a:t>	track clinical performance. </a:t>
+            </a:r>
+            <a:br>
+              <a:rPr lang="en-US" dirty="0">
+                <a:solidFill>
+                  <a:srgbClr val="566068"/>
+                </a:solidFill>
+                <a:latin typeface="Times New Roman" panose="02020603050405020304" pitchFamily="18" charset="0"/>
+                <a:cs typeface="Times New Roman" panose="02020603050405020304" pitchFamily="18" charset="0"/>
+              </a:rPr>
+            </a:br>
+            <a:r>
+              <a:rPr lang="en-US" dirty="0">
+                <a:solidFill>
+                  <a:srgbClr val="566068"/>
+                </a:solidFill>
+                <a:latin typeface="Times New Roman" panose="02020603050405020304" pitchFamily="18" charset="0"/>
+                <a:cs typeface="Times New Roman" panose="02020603050405020304" pitchFamily="18" charset="0"/>
+              </a:rPr>
+              <a:t>3. Employee Health: Can build an app to make it easy to stay up-to-date on employee health</a:t>
+            </a:r>
+            <a:br>
+              <a:rPr lang="en-US" dirty="0">
+                <a:solidFill>
+                  <a:srgbClr val="566068"/>
+                </a:solidFill>
+                <a:latin typeface="Times New Roman" panose="02020603050405020304" pitchFamily="18" charset="0"/>
+                <a:cs typeface="Times New Roman" panose="02020603050405020304" pitchFamily="18" charset="0"/>
+              </a:rPr>
+            </a:br>
+            <a:r>
+              <a:rPr lang="en-US" dirty="0">
+                <a:solidFill>
+                  <a:srgbClr val="566068"/>
+                </a:solidFill>
+                <a:latin typeface="Times New Roman" panose="02020603050405020304" pitchFamily="18" charset="0"/>
+                <a:cs typeface="Times New Roman" panose="02020603050405020304" pitchFamily="18" charset="0"/>
+              </a:rPr>
+              <a:t>	activities and records. </a:t>
+            </a:r>
+            <a:br>
+              <a:rPr lang="en-US" dirty="0">
+                <a:solidFill>
+                  <a:srgbClr val="566068"/>
+                </a:solidFill>
+                <a:latin typeface="Times New Roman" panose="02020603050405020304" pitchFamily="18" charset="0"/>
+                <a:cs typeface="Times New Roman" panose="02020603050405020304" pitchFamily="18" charset="0"/>
+              </a:rPr>
+            </a:br>
+            <a:r>
+              <a:rPr lang="en-US" dirty="0">
+                <a:solidFill>
+                  <a:srgbClr val="566068"/>
+                </a:solidFill>
+                <a:latin typeface="Times New Roman" panose="02020603050405020304" pitchFamily="18" charset="0"/>
+                <a:cs typeface="Times New Roman" panose="02020603050405020304" pitchFamily="18" charset="0"/>
+              </a:rPr>
+              <a:t>Features: Capability with mobile, tablet, and desktop devices, cloud hosting, HIPAA compliant, </a:t>
+            </a:r>
+            <a:br>
+              <a:rPr lang="en-US" dirty="0">
+                <a:solidFill>
+                  <a:srgbClr val="566068"/>
+                </a:solidFill>
+                <a:latin typeface="Times New Roman" panose="02020603050405020304" pitchFamily="18" charset="0"/>
+                <a:cs typeface="Times New Roman" panose="02020603050405020304" pitchFamily="18" charset="0"/>
+              </a:rPr>
+            </a:br>
+            <a:r>
+              <a:rPr lang="en-US" dirty="0">
+                <a:solidFill>
+                  <a:srgbClr val="566068"/>
+                </a:solidFill>
+                <a:latin typeface="Times New Roman" panose="02020603050405020304" pitchFamily="18" charset="0"/>
+                <a:cs typeface="Times New Roman" panose="02020603050405020304" pitchFamily="18" charset="0"/>
+              </a:rPr>
+              <a:t>	interoperability with other health IT systems and legacy systems. </a:t>
+            </a:r>
+            <a:endParaRPr lang="en-US" dirty="0">
+              <a:latin typeface="Times New Roman" panose="02020603050405020304" pitchFamily="18" charset="0"/>
+              <a:cs typeface="Times New Roman" panose="02020603050405020304" pitchFamily="18" charset="0"/>
+            </a:endParaRPr>
           </a:p>
         </p:txBody>
       </p:sp>
     </p:spTree>
     <p:extLst>
       <p:ext uri="{BB962C8B-B14F-4D97-AF65-F5344CB8AC3E}">
-        <p14:creationId xmlns:p14="http://schemas.microsoft.com/office/powerpoint/2010/main" val="458327308"/>
+        <p14:creationId xmlns:p14="http://schemas.microsoft.com/office/powerpoint/2010/main" val="2678607575"/>
       </p:ext>
     </p:extLst>
   </p:cSld>
@@ -6548,7 +6833,7 @@
           <p:cNvPr id="2" name="Title 1">
             <a:extLst>
               <a:ext uri="{FF2B5EF4-FFF2-40B4-BE49-F238E27FC236}">
-                <a16:creationId xmlns:a16="http://schemas.microsoft.com/office/drawing/2014/main" id="{EEC90DCA-411A-4592-956D-A8E067895552}"/>
+                <a16:creationId xmlns:a16="http://schemas.microsoft.com/office/drawing/2014/main" id="{21B251BD-FE77-4684-934A-BFD2F2AAF8CA}"/>
               </a:ext>
             </a:extLst>
           </p:cNvPr>
@@ -6559,12 +6844,7 @@
             <p:ph type="title"/>
           </p:nvPr>
         </p:nvSpPr>
-        <p:spPr>
-          <a:xfrm>
-            <a:off x="1156003" y="227880"/>
-            <a:ext cx="10058400" cy="1450757"/>
-          </a:xfrm>
-        </p:spPr>
+        <p:spPr/>
         <p:txBody>
           <a:bodyPr>
             <a:normAutofit/>
@@ -6576,7 +6856,7 @@
                 <a:latin typeface="Times New Roman" panose="02020603050405020304" pitchFamily="18" charset="0"/>
                 <a:cs typeface="Times New Roman" panose="02020603050405020304" pitchFamily="18" charset="0"/>
               </a:rPr>
-              <a:t>Limitations and Challenges </a:t>
+              <a:t>Workflow and Business Process Management with LCDP/NCDP [10]</a:t>
             </a:r>
           </a:p>
         </p:txBody>
@@ -6586,7 +6866,7 @@
           <p:cNvPr id="3" name="Content Placeholder 2">
             <a:extLst>
               <a:ext uri="{FF2B5EF4-FFF2-40B4-BE49-F238E27FC236}">
-                <a16:creationId xmlns:a16="http://schemas.microsoft.com/office/drawing/2014/main" id="{F7C67D76-1D7E-4A17-9415-FA47672571D7}"/>
+                <a16:creationId xmlns:a16="http://schemas.microsoft.com/office/drawing/2014/main" id="{B8FE4F70-11A0-4792-8033-AC4874880717}"/>
               </a:ext>
             </a:extLst>
           </p:cNvPr>
@@ -6597,114 +6877,111 @@
             <p:ph idx="1"/>
           </p:nvPr>
         </p:nvSpPr>
-        <p:spPr>
-          <a:xfrm>
-            <a:off x="1097280" y="1753299"/>
-            <a:ext cx="10058400" cy="4572000"/>
-          </a:xfrm>
-        </p:spPr>
+        <p:spPr/>
         <p:txBody>
           <a:bodyPr>
-            <a:noAutofit/>
+            <a:normAutofit/>
           </a:bodyPr>
           <a:lstStyle/>
           <a:p>
             <a:r>
-              <a:rPr lang="en-US" sz="1800" dirty="0">
-                <a:latin typeface="Times New Roman" panose="02020603050405020304" pitchFamily="18" charset="0"/>
-                <a:cs typeface="Times New Roman" panose="02020603050405020304" pitchFamily="18" charset="0"/>
-              </a:rPr>
-              <a:t>High learning curve </a:t>
-            </a:r>
-          </a:p>
-          <a:p>
-            <a:r>
-              <a:rPr lang="en-US" sz="1800" dirty="0">
-                <a:latin typeface="Times New Roman" panose="02020603050405020304" pitchFamily="18" charset="0"/>
-                <a:cs typeface="Times New Roman" panose="02020603050405020304" pitchFamily="18" charset="0"/>
-              </a:rPr>
-              <a:t>High pricing </a:t>
-            </a:r>
-          </a:p>
-          <a:p>
-            <a:r>
-              <a:rPr lang="en-US" sz="1800" dirty="0">
-                <a:latin typeface="Times New Roman" panose="02020603050405020304" pitchFamily="18" charset="0"/>
-                <a:cs typeface="Times New Roman" panose="02020603050405020304" pitchFamily="18" charset="0"/>
-              </a:rPr>
-              <a:t>Lack of customization </a:t>
-            </a:r>
-          </a:p>
-          <a:p>
-            <a:r>
-              <a:rPr lang="en-US" sz="1800" dirty="0">
-                <a:latin typeface="Times New Roman" panose="02020603050405020304" pitchFamily="18" charset="0"/>
-                <a:cs typeface="Times New Roman" panose="02020603050405020304" pitchFamily="18" charset="0"/>
-              </a:rPr>
-              <a:t>Slow loading and publishing </a:t>
-            </a:r>
-          </a:p>
-          <a:p>
-            <a:r>
-              <a:rPr lang="en-US" sz="1800" dirty="0">
-                <a:latin typeface="Times New Roman" panose="02020603050405020304" pitchFamily="18" charset="0"/>
-                <a:cs typeface="Times New Roman" panose="02020603050405020304" pitchFamily="18" charset="0"/>
-              </a:rPr>
-              <a:t>Less powerful than programming </a:t>
-            </a:r>
-          </a:p>
-          <a:p>
-            <a:r>
-              <a:rPr lang="en-US" sz="1800" dirty="0">
-                <a:latin typeface="Times New Roman" panose="02020603050405020304" pitchFamily="18" charset="0"/>
-                <a:cs typeface="Times New Roman" panose="02020603050405020304" pitchFamily="18" charset="0"/>
-              </a:rPr>
-              <a:t>Complex issues still need coding</a:t>
-            </a:r>
-          </a:p>
-          <a:p>
-            <a:r>
-              <a:rPr lang="en-US" sz="1800" dirty="0">
-                <a:latin typeface="Times New Roman" panose="02020603050405020304" pitchFamily="18" charset="0"/>
-                <a:cs typeface="Times New Roman" panose="02020603050405020304" pitchFamily="18" charset="0"/>
-              </a:rPr>
-              <a:t>No access to source code </a:t>
-            </a:r>
-          </a:p>
-          <a:p>
-            <a:r>
-              <a:rPr lang="en-US" sz="1800" dirty="0">
-                <a:latin typeface="Times New Roman" panose="02020603050405020304" pitchFamily="18" charset="0"/>
-                <a:cs typeface="Times New Roman" panose="02020603050405020304" pitchFamily="18" charset="0"/>
-              </a:rPr>
-              <a:t>Limitations for experience developers </a:t>
-            </a:r>
-          </a:p>
-          <a:p>
-            <a:r>
-              <a:rPr lang="en-US" sz="1800" dirty="0">
-                <a:latin typeface="Times New Roman" panose="02020603050405020304" pitchFamily="18" charset="0"/>
-                <a:cs typeface="Times New Roman" panose="02020603050405020304" pitchFamily="18" charset="0"/>
-              </a:rPr>
-              <a:t>Vendor lock-in </a:t>
-            </a:r>
-          </a:p>
-          <a:p>
-            <a:r>
-              <a:rPr lang="en-US" sz="1800" dirty="0">
-                <a:latin typeface="Times New Roman" panose="02020603050405020304" pitchFamily="18" charset="0"/>
-                <a:cs typeface="Times New Roman" panose="02020603050405020304" pitchFamily="18" charset="0"/>
-              </a:rPr>
-              <a:t>Difficulty of maintenance and debugging </a:t>
-            </a:r>
-          </a:p>
-          <a:p>
-            <a:r>
-              <a:rPr lang="en-US" sz="1800" dirty="0">
-                <a:latin typeface="Times New Roman" panose="02020603050405020304" pitchFamily="18" charset="0"/>
-                <a:cs typeface="Times New Roman" panose="02020603050405020304" pitchFamily="18" charset="0"/>
-              </a:rPr>
-              <a:t>Need of basic programming knowledge </a:t>
+              <a:rPr lang="en-US" dirty="0">
+                <a:latin typeface="Times New Roman" panose="02020603050405020304" pitchFamily="18" charset="0"/>
+                <a:cs typeface="Times New Roman" panose="02020603050405020304" pitchFamily="18" charset="0"/>
+              </a:rPr>
+              <a:t>BPM: Is a discipline to improve business processes that sustain the operations. </a:t>
+            </a:r>
+          </a:p>
+          <a:p>
+            <a:r>
+              <a:rPr lang="en-US" dirty="0">
+                <a:latin typeface="Times New Roman" panose="02020603050405020304" pitchFamily="18" charset="0"/>
+                <a:cs typeface="Times New Roman" panose="02020603050405020304" pitchFamily="18" charset="0"/>
+              </a:rPr>
+              <a:t>LCDP/NCDP allows to automate business processes and workflows completely without programming skills. </a:t>
+            </a:r>
+          </a:p>
+          <a:p>
+            <a:r>
+              <a:rPr lang="en-US" dirty="0">
+                <a:latin typeface="Times New Roman" panose="02020603050405020304" pitchFamily="18" charset="0"/>
+                <a:cs typeface="Times New Roman" panose="02020603050405020304" pitchFamily="18" charset="0"/>
+              </a:rPr>
+              <a:t>1. Defining the structure to store data: Tools provide a form generator to allow to drag and drop</a:t>
+            </a:r>
+            <a:br>
+              <a:rPr lang="en-US" dirty="0">
+                <a:latin typeface="Times New Roman" panose="02020603050405020304" pitchFamily="18" charset="0"/>
+                <a:cs typeface="Times New Roman" panose="02020603050405020304" pitchFamily="18" charset="0"/>
+              </a:rPr>
+            </a:br>
+            <a:r>
+              <a:rPr lang="en-US" dirty="0">
+                <a:latin typeface="Times New Roman" panose="02020603050405020304" pitchFamily="18" charset="0"/>
+                <a:cs typeface="Times New Roman" panose="02020603050405020304" pitchFamily="18" charset="0"/>
+              </a:rPr>
+              <a:t>	different fields into a form, that centralize all relevant information. </a:t>
+            </a:r>
+            <a:br>
+              <a:rPr lang="en-US" dirty="0">
+                <a:latin typeface="Times New Roman" panose="02020603050405020304" pitchFamily="18" charset="0"/>
+                <a:cs typeface="Times New Roman" panose="02020603050405020304" pitchFamily="18" charset="0"/>
+              </a:rPr>
+            </a:br>
+            <a:r>
+              <a:rPr lang="en-US" dirty="0">
+                <a:latin typeface="Times New Roman" panose="02020603050405020304" pitchFamily="18" charset="0"/>
+                <a:cs typeface="Times New Roman" panose="02020603050405020304" pitchFamily="18" charset="0"/>
+              </a:rPr>
+              <a:t>2. Drawing the process flow in an appropriate notation: Define the workflow. (Standard is BPMN</a:t>
+            </a:r>
+            <a:br>
+              <a:rPr lang="en-US" dirty="0">
+                <a:latin typeface="Times New Roman" panose="02020603050405020304" pitchFamily="18" charset="0"/>
+                <a:cs typeface="Times New Roman" panose="02020603050405020304" pitchFamily="18" charset="0"/>
+              </a:rPr>
+            </a:br>
+            <a:r>
+              <a:rPr lang="en-US" dirty="0">
+                <a:latin typeface="Times New Roman" panose="02020603050405020304" pitchFamily="18" charset="0"/>
+                <a:cs typeface="Times New Roman" panose="02020603050405020304" pitchFamily="18" charset="0"/>
+              </a:rPr>
+              <a:t>	diagrams: super simple, complete). Allows user to draw their process. So it is easy to</a:t>
+            </a:r>
+            <a:br>
+              <a:rPr lang="en-US" dirty="0">
+                <a:latin typeface="Times New Roman" panose="02020603050405020304" pitchFamily="18" charset="0"/>
+                <a:cs typeface="Times New Roman" panose="02020603050405020304" pitchFamily="18" charset="0"/>
+              </a:rPr>
+            </a:br>
+            <a:r>
+              <a:rPr lang="en-US" dirty="0">
+                <a:latin typeface="Times New Roman" panose="02020603050405020304" pitchFamily="18" charset="0"/>
+                <a:cs typeface="Times New Roman" panose="02020603050405020304" pitchFamily="18" charset="0"/>
+              </a:rPr>
+              <a:t>	specify a process in minutes, and clearly documented. </a:t>
+            </a:r>
+          </a:p>
+          <a:p>
+            <a:r>
+              <a:rPr lang="en-US" dirty="0">
+                <a:latin typeface="Times New Roman" panose="02020603050405020304" pitchFamily="18" charset="0"/>
+                <a:cs typeface="Times New Roman" panose="02020603050405020304" pitchFamily="18" charset="0"/>
+              </a:rPr>
+              <a:t>3. Deploying the process and go into production in 1 click: Pressing a single button, the process </a:t>
+            </a:r>
+            <a:br>
+              <a:rPr lang="en-US" dirty="0">
+                <a:latin typeface="Times New Roman" panose="02020603050405020304" pitchFamily="18" charset="0"/>
+                <a:cs typeface="Times New Roman" panose="02020603050405020304" pitchFamily="18" charset="0"/>
+              </a:rPr>
+            </a:br>
+            <a:r>
+              <a:rPr lang="en-US" dirty="0">
+                <a:latin typeface="Times New Roman" panose="02020603050405020304" pitchFamily="18" charset="0"/>
+                <a:cs typeface="Times New Roman" panose="02020603050405020304" pitchFamily="18" charset="0"/>
+              </a:rPr>
+              <a:t>	is deployed and made available for end-users. </a:t>
             </a:r>
           </a:p>
         </p:txBody>
@@ -6712,7 +6989,7 @@
     </p:spTree>
     <p:extLst>
       <p:ext uri="{BB962C8B-B14F-4D97-AF65-F5344CB8AC3E}">
-        <p14:creationId xmlns:p14="http://schemas.microsoft.com/office/powerpoint/2010/main" val="3870288137"/>
+        <p14:creationId xmlns:p14="http://schemas.microsoft.com/office/powerpoint/2010/main" val="3504463518"/>
       </p:ext>
     </p:extLst>
   </p:cSld>
@@ -6739,233 +7016,100 @@
           <a:chExt cx="0" cy="0"/>
         </a:xfrm>
       </p:grpSpPr>
-      <p:sp>
-        <p:nvSpPr>
-          <p:cNvPr id="2" name="Title 1">
+      <p:pic>
+        <p:nvPicPr>
+          <p:cNvPr id="3" name="Picture 2">
             <a:extLst>
               <a:ext uri="{FF2B5EF4-FFF2-40B4-BE49-F238E27FC236}">
-                <a16:creationId xmlns:a16="http://schemas.microsoft.com/office/drawing/2014/main" id="{F6D61DF8-1B99-49F9-85F4-731F4FE088A7}"/>
+                <a16:creationId xmlns:a16="http://schemas.microsoft.com/office/drawing/2014/main" id="{D5832CCD-5BE2-42A1-8126-859E62AEA26F}"/>
               </a:ext>
             </a:extLst>
           </p:cNvPr>
-          <p:cNvSpPr>
-            <a:spLocks noGrp="1"/>
-          </p:cNvSpPr>
-          <p:nvPr>
-            <p:ph type="title"/>
-          </p:nvPr>
-        </p:nvSpPr>
-        <p:spPr/>
-        <p:txBody>
-          <a:bodyPr>
-            <a:normAutofit/>
-          </a:bodyPr>
-          <a:lstStyle/>
-          <a:p>
-            <a:r>
-              <a:rPr lang="en-US" sz="3600" dirty="0">
-                <a:latin typeface="Times New Roman" panose="02020603050405020304" pitchFamily="18" charset="0"/>
-                <a:cs typeface="Times New Roman" panose="02020603050405020304" pitchFamily="18" charset="0"/>
-              </a:rPr>
-              <a:t>Capabilities that a LCD/NCD platform can Offer and their features[2]</a:t>
-            </a:r>
-          </a:p>
-        </p:txBody>
-      </p:sp>
-      <p:sp>
-        <p:nvSpPr>
-          <p:cNvPr id="3" name="Content Placeholder 2">
+          <p:cNvPicPr>
+            <a:picLocks noChangeAspect="1"/>
+          </p:cNvPicPr>
+          <p:nvPr/>
+        </p:nvPicPr>
+        <p:blipFill>
+          <a:blip r:embed="rId2"/>
+          <a:stretch>
+            <a:fillRect/>
+          </a:stretch>
+        </p:blipFill>
+        <p:spPr>
+          <a:xfrm>
+            <a:off x="61345" y="151002"/>
+            <a:ext cx="6356233" cy="3489776"/>
+          </a:xfrm>
+          <a:prstGeom prst="rect">
+            <a:avLst/>
+          </a:prstGeom>
+        </p:spPr>
+      </p:pic>
+      <p:pic>
+        <p:nvPicPr>
+          <p:cNvPr id="5" name="Picture 4">
             <a:extLst>
               <a:ext uri="{FF2B5EF4-FFF2-40B4-BE49-F238E27FC236}">
-                <a16:creationId xmlns:a16="http://schemas.microsoft.com/office/drawing/2014/main" id="{0F528519-E906-455C-B26D-7F98A78C12B5}"/>
+                <a16:creationId xmlns:a16="http://schemas.microsoft.com/office/drawing/2014/main" id="{DB44A58B-9760-418E-8F37-6D38259EB7E4}"/>
               </a:ext>
             </a:extLst>
           </p:cNvPr>
-          <p:cNvSpPr>
-            <a:spLocks noGrp="1"/>
-          </p:cNvSpPr>
-          <p:nvPr>
-            <p:ph idx="1"/>
-          </p:nvPr>
-        </p:nvSpPr>
+          <p:cNvPicPr>
+            <a:picLocks noChangeAspect="1"/>
+          </p:cNvPicPr>
+          <p:nvPr/>
+        </p:nvPicPr>
+        <p:blipFill>
+          <a:blip r:embed="rId3"/>
+          <a:stretch>
+            <a:fillRect/>
+          </a:stretch>
+        </p:blipFill>
         <p:spPr>
           <a:xfrm>
-            <a:off x="1097280" y="1845733"/>
-            <a:ext cx="10058400" cy="4244673"/>
+            <a:off x="6417578" y="151003"/>
+            <a:ext cx="5801992" cy="3624044"/>
           </a:xfrm>
+          <a:prstGeom prst="rect">
+            <a:avLst/>
+          </a:prstGeom>
         </p:spPr>
-        <p:txBody>
-          <a:bodyPr/>
-          <a:lstStyle/>
-          <a:p>
-            <a:pPr>
-              <a:buFont typeface="Arial" panose="020B0604020202020204" pitchFamily="34" charset="0"/>
-              <a:buChar char="•"/>
-            </a:pPr>
-            <a:r>
-              <a:rPr lang="en-US" dirty="0">
-                <a:latin typeface="Times New Roman" panose="02020603050405020304" pitchFamily="18" charset="0"/>
-                <a:cs typeface="Times New Roman" panose="02020603050405020304" pitchFamily="18" charset="0"/>
-              </a:rPr>
-              <a:t>Graphical User Interface: Represents provided functionalities available in frontend. </a:t>
-            </a:r>
-            <a:br>
-              <a:rPr lang="en-US" dirty="0">
-                <a:latin typeface="Times New Roman" panose="02020603050405020304" pitchFamily="18" charset="0"/>
-                <a:cs typeface="Times New Roman" panose="02020603050405020304" pitchFamily="18" charset="0"/>
-              </a:rPr>
-            </a:br>
-            <a:r>
-              <a:rPr lang="en-US" dirty="0">
-                <a:latin typeface="Times New Roman" panose="02020603050405020304" pitchFamily="18" charset="0"/>
-                <a:cs typeface="Times New Roman" panose="02020603050405020304" pitchFamily="18" charset="0"/>
-              </a:rPr>
-              <a:t>Features: Drag-and-drop tools, forms, point and click approach, pre-built dashboards, built-in </a:t>
-            </a:r>
-            <a:br>
-              <a:rPr lang="en-US" dirty="0">
-                <a:latin typeface="Times New Roman" panose="02020603050405020304" pitchFamily="18" charset="0"/>
-                <a:cs typeface="Times New Roman" panose="02020603050405020304" pitchFamily="18" charset="0"/>
-              </a:rPr>
-            </a:br>
-            <a:r>
-              <a:rPr lang="en-US" dirty="0">
-                <a:latin typeface="Times New Roman" panose="02020603050405020304" pitchFamily="18" charset="0"/>
-                <a:cs typeface="Times New Roman" panose="02020603050405020304" pitchFamily="18" charset="0"/>
-              </a:rPr>
-              <a:t>	workflows</a:t>
-            </a:r>
-          </a:p>
-          <a:p>
-            <a:pPr>
-              <a:buFont typeface="Arial" panose="020B0604020202020204" pitchFamily="34" charset="0"/>
-              <a:buChar char="•"/>
-            </a:pPr>
-            <a:r>
-              <a:rPr lang="en-US" dirty="0">
-                <a:latin typeface="Times New Roman" panose="02020603050405020304" pitchFamily="18" charset="0"/>
-                <a:cs typeface="Times New Roman" panose="02020603050405020304" pitchFamily="18" charset="0"/>
-              </a:rPr>
-              <a:t> Interoperability support with external services and data sources: </a:t>
-            </a:r>
-            <a:br>
-              <a:rPr lang="en-US" dirty="0">
-                <a:latin typeface="Times New Roman" panose="02020603050405020304" pitchFamily="18" charset="0"/>
-                <a:cs typeface="Times New Roman" panose="02020603050405020304" pitchFamily="18" charset="0"/>
-              </a:rPr>
-            </a:br>
-            <a:r>
-              <a:rPr lang="en-US" dirty="0">
-                <a:latin typeface="Times New Roman" panose="02020603050405020304" pitchFamily="18" charset="0"/>
-                <a:cs typeface="Times New Roman" panose="02020603050405020304" pitchFamily="18" charset="0"/>
-              </a:rPr>
-              <a:t>	possibility of interacting with external services. (Dropbox, Zapier, Office 365)</a:t>
-            </a:r>
-            <a:br>
-              <a:rPr lang="en-US" dirty="0">
-                <a:latin typeface="Times New Roman" panose="02020603050405020304" pitchFamily="18" charset="0"/>
-                <a:cs typeface="Times New Roman" panose="02020603050405020304" pitchFamily="18" charset="0"/>
-              </a:rPr>
-            </a:br>
-            <a:r>
-              <a:rPr lang="en-US" dirty="0">
-                <a:latin typeface="Times New Roman" panose="02020603050405020304" pitchFamily="18" charset="0"/>
-                <a:cs typeface="Times New Roman" panose="02020603050405020304" pitchFamily="18" charset="0"/>
-              </a:rPr>
-              <a:t>Features: Interoperability with external services, connection with data sources </a:t>
-            </a:r>
-          </a:p>
-          <a:p>
-            <a:pPr>
-              <a:buFont typeface="Arial" panose="020B0604020202020204" pitchFamily="34" charset="0"/>
-              <a:buChar char="•"/>
-            </a:pPr>
-            <a:r>
-              <a:rPr lang="en-US" dirty="0">
-                <a:latin typeface="Times New Roman" panose="02020603050405020304" pitchFamily="18" charset="0"/>
-                <a:cs typeface="Times New Roman" panose="02020603050405020304" pitchFamily="18" charset="0"/>
-              </a:rPr>
-              <a:t>Security Support: Security aspects like authentication mechanisms, adopted security protocols.</a:t>
-            </a:r>
-            <a:br>
-              <a:rPr lang="en-US" dirty="0">
-                <a:latin typeface="Times New Roman" panose="02020603050405020304" pitchFamily="18" charset="0"/>
-                <a:cs typeface="Times New Roman" panose="02020603050405020304" pitchFamily="18" charset="0"/>
-              </a:rPr>
-            </a:br>
-            <a:r>
-              <a:rPr lang="en-US" dirty="0">
-                <a:latin typeface="Times New Roman" panose="02020603050405020304" pitchFamily="18" charset="0"/>
-                <a:cs typeface="Times New Roman" panose="02020603050405020304" pitchFamily="18" charset="0"/>
-              </a:rPr>
-              <a:t>Features: Application, Platform security</a:t>
-            </a:r>
-          </a:p>
-          <a:p>
-            <a:pPr>
-              <a:buFont typeface="Arial" panose="020B0604020202020204" pitchFamily="34" charset="0"/>
-              <a:buChar char="•"/>
-            </a:pPr>
-            <a:r>
-              <a:rPr lang="en-US" dirty="0">
-                <a:latin typeface="Times New Roman" panose="02020603050405020304" pitchFamily="18" charset="0"/>
-                <a:cs typeface="Times New Roman" panose="02020603050405020304" pitchFamily="18" charset="0"/>
-              </a:rPr>
-              <a:t>Collaborative Development Support: Collaboration models.</a:t>
-            </a:r>
-            <a:br>
-              <a:rPr lang="en-US" dirty="0">
-                <a:latin typeface="Times New Roman" panose="02020603050405020304" pitchFamily="18" charset="0"/>
-                <a:cs typeface="Times New Roman" panose="02020603050405020304" pitchFamily="18" charset="0"/>
-              </a:rPr>
-            </a:br>
-            <a:r>
-              <a:rPr lang="en-US" dirty="0">
-                <a:latin typeface="Times New Roman" panose="02020603050405020304" pitchFamily="18" charset="0"/>
-                <a:cs typeface="Times New Roman" panose="02020603050405020304" pitchFamily="18" charset="0"/>
-              </a:rPr>
-              <a:t>Features: on-line, off-line collaborations </a:t>
-            </a:r>
-          </a:p>
-          <a:p>
-            <a:pPr>
-              <a:buFont typeface="Arial" panose="020B0604020202020204" pitchFamily="34" charset="0"/>
-              <a:buChar char="•"/>
-            </a:pPr>
-            <a:r>
-              <a:rPr lang="en-US" dirty="0">
-                <a:latin typeface="Times New Roman" panose="02020603050405020304" pitchFamily="18" charset="0"/>
-                <a:cs typeface="Times New Roman" panose="02020603050405020304" pitchFamily="18" charset="0"/>
-              </a:rPr>
-              <a:t>Reusability Support: Enable to reuse already developed artifacts. </a:t>
-            </a:r>
-            <a:br>
-              <a:rPr lang="en-US" dirty="0">
-                <a:latin typeface="Times New Roman" panose="02020603050405020304" pitchFamily="18" charset="0"/>
-                <a:cs typeface="Times New Roman" panose="02020603050405020304" pitchFamily="18" charset="0"/>
-              </a:rPr>
-            </a:br>
-            <a:r>
-              <a:rPr lang="en-US" dirty="0">
-                <a:latin typeface="Times New Roman" panose="02020603050405020304" pitchFamily="18" charset="0"/>
-                <a:cs typeface="Times New Roman" panose="02020603050405020304" pitchFamily="18" charset="0"/>
-              </a:rPr>
-              <a:t>Features: Built-in workflows, Pre-built forms/ reports, pre-built dashboards. </a:t>
-            </a:r>
-          </a:p>
-          <a:p>
-            <a:pPr>
-              <a:buFont typeface="Arial" panose="020B0604020202020204" pitchFamily="34" charset="0"/>
-              <a:buChar char="•"/>
-            </a:pPr>
-            <a:endParaRPr lang="en-US" dirty="0"/>
-          </a:p>
-        </p:txBody>
-      </p:sp>
+      </p:pic>
+      <p:pic>
+        <p:nvPicPr>
+          <p:cNvPr id="7" name="Picture 6">
+            <a:extLst>
+              <a:ext uri="{FF2B5EF4-FFF2-40B4-BE49-F238E27FC236}">
+                <a16:creationId xmlns:a16="http://schemas.microsoft.com/office/drawing/2014/main" id="{76371DF9-0F6D-4771-B24E-3419C5DF16BD}"/>
+              </a:ext>
+            </a:extLst>
+          </p:cNvPr>
+          <p:cNvPicPr>
+            <a:picLocks noChangeAspect="1"/>
+          </p:cNvPicPr>
+          <p:nvPr/>
+        </p:nvPicPr>
+        <p:blipFill>
+          <a:blip r:embed="rId4"/>
+          <a:stretch>
+            <a:fillRect/>
+          </a:stretch>
+        </p:blipFill>
+        <p:spPr>
+          <a:xfrm>
+            <a:off x="5353618" y="3553567"/>
+            <a:ext cx="4990008" cy="3153430"/>
+          </a:xfrm>
+          <a:prstGeom prst="rect">
+            <a:avLst/>
+          </a:prstGeom>
+        </p:spPr>
+      </p:pic>
     </p:spTree>
     <p:extLst>
       <p:ext uri="{BB962C8B-B14F-4D97-AF65-F5344CB8AC3E}">
-        <p14:creationId xmlns:p14="http://schemas.microsoft.com/office/powerpoint/2010/main" val="943016761"/>
+        <p14:creationId xmlns:p14="http://schemas.microsoft.com/office/powerpoint/2010/main" val="1930636228"/>
       </p:ext>
     </p:extLst>
   </p:cSld>
@@ -6997,7 +7141,7 @@
           <p:cNvPr id="2" name="Title 1">
             <a:extLst>
               <a:ext uri="{FF2B5EF4-FFF2-40B4-BE49-F238E27FC236}">
-                <a16:creationId xmlns:a16="http://schemas.microsoft.com/office/drawing/2014/main" id="{F2E11A92-8337-4A79-BD86-F917CA5E5528}"/>
+                <a16:creationId xmlns:a16="http://schemas.microsoft.com/office/drawing/2014/main" id="{ABCBFA45-7663-406D-945A-EEB8E3D56CDE}"/>
               </a:ext>
             </a:extLst>
           </p:cNvPr>
@@ -7017,11 +7161,19 @@
           <a:p>
             <a:r>
               <a:rPr lang="en-US" sz="3600" dirty="0">
-                <a:latin typeface="Times New Roman" panose="02020603050405020304" pitchFamily="18" charset="0"/>
-                <a:cs typeface="Times New Roman" panose="02020603050405020304" pitchFamily="18" charset="0"/>
-              </a:rPr>
-              <a:t>Capabilities and Features Contd. </a:t>
-            </a:r>
+                <a:solidFill>
+                  <a:schemeClr val="tx1"/>
+                </a:solidFill>
+                <a:latin typeface="Times New Roman" panose="02020603050405020304" pitchFamily="18" charset="0"/>
+                <a:cs typeface="Times New Roman" panose="02020603050405020304" pitchFamily="18" charset="0"/>
+              </a:rPr>
+              <a:t>Other Kinds of Supported Applications:</a:t>
+            </a:r>
+            <a:endParaRPr lang="en-US" sz="3600" dirty="0">
+              <a:solidFill>
+                <a:schemeClr val="tx1"/>
+              </a:solidFill>
+            </a:endParaRPr>
           </a:p>
         </p:txBody>
       </p:sp>
@@ -7030,7 +7182,7 @@
           <p:cNvPr id="3" name="Content Placeholder 2">
             <a:extLst>
               <a:ext uri="{FF2B5EF4-FFF2-40B4-BE49-F238E27FC236}">
-                <a16:creationId xmlns:a16="http://schemas.microsoft.com/office/drawing/2014/main" id="{286E75DC-8B01-4C78-B24B-B412AC263F03}"/>
+                <a16:creationId xmlns:a16="http://schemas.microsoft.com/office/drawing/2014/main" id="{66991791-60D4-4D71-AB36-3DB5F7BBCF2A}"/>
               </a:ext>
             </a:extLst>
           </p:cNvPr>
@@ -7043,22 +7195,9 @@
         </p:nvSpPr>
         <p:spPr/>
         <p:txBody>
-          <a:bodyPr>
-            <a:normAutofit/>
-          </a:bodyPr>
+          <a:bodyPr/>
           <a:lstStyle/>
           <a:p>
-            <a:pPr>
-              <a:buFont typeface="Arial" panose="020B0604020202020204" pitchFamily="34" charset="0"/>
-              <a:buChar char="•"/>
-            </a:pPr>
-            <a:r>
-              <a:rPr lang="en-US" dirty="0">
-                <a:latin typeface="Times New Roman" panose="02020603050405020304" pitchFamily="18" charset="0"/>
-                <a:cs typeface="Times New Roman" panose="02020603050405020304" pitchFamily="18" charset="0"/>
-              </a:rPr>
-              <a:t>Scalability Support: Scale up applications according to different dimensions.</a:t>
-            </a:r>
             <a:br>
               <a:rPr lang="en-US" dirty="0">
                 <a:latin typeface="Times New Roman" panose="02020603050405020304" pitchFamily="18" charset="0"/>
@@ -7070,106 +7209,70 @@
                 <a:latin typeface="Times New Roman" panose="02020603050405020304" pitchFamily="18" charset="0"/>
                 <a:cs typeface="Times New Roman" panose="02020603050405020304" pitchFamily="18" charset="0"/>
               </a:rPr>
-              <a:t>Features: Scalability on number of users, data traffic, data storage. </a:t>
-            </a:r>
-          </a:p>
-          <a:p>
-            <a:pPr>
-              <a:buFont typeface="Arial" panose="020B0604020202020204" pitchFamily="34" charset="0"/>
-              <a:buChar char="•"/>
-            </a:pPr>
-            <a:r>
-              <a:rPr lang="en-US" dirty="0">
-                <a:latin typeface="Times New Roman" panose="02020603050405020304" pitchFamily="18" charset="0"/>
-                <a:cs typeface="Times New Roman" panose="02020603050405020304" pitchFamily="18" charset="0"/>
-              </a:rPr>
-              <a:t>Business Logic Specification Mechanisms:</a:t>
-            </a:r>
-            <a:br>
-              <a:rPr lang="en-US" dirty="0">
-                <a:latin typeface="Times New Roman" panose="02020603050405020304" pitchFamily="18" charset="0"/>
-                <a:cs typeface="Times New Roman" panose="02020603050405020304" pitchFamily="18" charset="0"/>
-              </a:rPr>
-            </a:br>
-            <a:r>
-              <a:rPr lang="en-US" dirty="0">
-                <a:latin typeface="Times New Roman" panose="02020603050405020304" pitchFamily="18" charset="0"/>
-                <a:cs typeface="Times New Roman" panose="02020603050405020304" pitchFamily="18" charset="0"/>
-              </a:rPr>
-              <a:t>	Specify the business logic of the application modeled. </a:t>
-            </a:r>
-            <a:br>
-              <a:rPr lang="en-US" dirty="0">
-                <a:latin typeface="Times New Roman" panose="02020603050405020304" pitchFamily="18" charset="0"/>
-                <a:cs typeface="Times New Roman" panose="02020603050405020304" pitchFamily="18" charset="0"/>
-              </a:rPr>
-            </a:br>
-            <a:r>
-              <a:rPr lang="en-US" dirty="0">
-                <a:latin typeface="Times New Roman" panose="02020603050405020304" pitchFamily="18" charset="0"/>
-                <a:cs typeface="Times New Roman" panose="02020603050405020304" pitchFamily="18" charset="0"/>
-              </a:rPr>
-              <a:t>Features: Business rule engine, graphical workflow editor, AI enabled business logic, API support</a:t>
-            </a:r>
-          </a:p>
-          <a:p>
-            <a:pPr>
-              <a:buFont typeface="Arial" panose="020B0604020202020204" pitchFamily="34" charset="0"/>
-              <a:buChar char="•"/>
-            </a:pPr>
-            <a:r>
-              <a:rPr lang="en-US" dirty="0">
-                <a:latin typeface="Times New Roman" panose="02020603050405020304" pitchFamily="18" charset="0"/>
-                <a:cs typeface="Times New Roman" panose="02020603050405020304" pitchFamily="18" charset="0"/>
-              </a:rPr>
-              <a:t>Application Build Mechanisms: Ways the application is built. </a:t>
-            </a:r>
-            <a:br>
-              <a:rPr lang="en-US" dirty="0">
-                <a:latin typeface="Times New Roman" panose="02020603050405020304" pitchFamily="18" charset="0"/>
-                <a:cs typeface="Times New Roman" panose="02020603050405020304" pitchFamily="18" charset="0"/>
-              </a:rPr>
-            </a:br>
-            <a:r>
-              <a:rPr lang="en-US" dirty="0">
-                <a:latin typeface="Times New Roman" panose="02020603050405020304" pitchFamily="18" charset="0"/>
-                <a:cs typeface="Times New Roman" panose="02020603050405020304" pitchFamily="18" charset="0"/>
-              </a:rPr>
-              <a:t>Features: Code-generation, models at run-time. </a:t>
-            </a:r>
-          </a:p>
-          <a:p>
-            <a:pPr>
-              <a:buFont typeface="Arial" panose="020B0604020202020204" pitchFamily="34" charset="0"/>
-              <a:buChar char="•"/>
-            </a:pPr>
-            <a:r>
-              <a:rPr lang="en-US" dirty="0">
-                <a:latin typeface="Times New Roman" panose="02020603050405020304" pitchFamily="18" charset="0"/>
-                <a:cs typeface="Times New Roman" panose="02020603050405020304" pitchFamily="18" charset="0"/>
-              </a:rPr>
-              <a:t>Deployment Support: Deploying the modeled application. </a:t>
-            </a:r>
-            <a:br>
-              <a:rPr lang="en-US" dirty="0">
-                <a:latin typeface="Times New Roman" panose="02020603050405020304" pitchFamily="18" charset="0"/>
-                <a:cs typeface="Times New Roman" panose="02020603050405020304" pitchFamily="18" charset="0"/>
-              </a:rPr>
-            </a:br>
-            <a:r>
-              <a:rPr lang="en-US" dirty="0">
-                <a:latin typeface="Times New Roman" panose="02020603050405020304" pitchFamily="18" charset="0"/>
-                <a:cs typeface="Times New Roman" panose="02020603050405020304" pitchFamily="18" charset="0"/>
-              </a:rPr>
-              <a:t>Features: Deployment on cloud, local infrastructures. </a:t>
-            </a:r>
+              <a:t>Event Monitoring</a:t>
+            </a:r>
+          </a:p>
+          <a:p>
+            <a:r>
+              <a:rPr lang="en-US" dirty="0">
+                <a:latin typeface="Times New Roman" panose="02020603050405020304" pitchFamily="18" charset="0"/>
+                <a:cs typeface="Times New Roman" panose="02020603050405020304" pitchFamily="18" charset="0"/>
+              </a:rPr>
+              <a:t>Process Automation</a:t>
+            </a:r>
+          </a:p>
+          <a:p>
+            <a:r>
+              <a:rPr lang="en-US" dirty="0">
+                <a:latin typeface="Times New Roman" panose="02020603050405020304" pitchFamily="18" charset="0"/>
+                <a:cs typeface="Times New Roman" panose="02020603050405020304" pitchFamily="18" charset="0"/>
+              </a:rPr>
+              <a:t>Approval Process Control</a:t>
+            </a:r>
+          </a:p>
+          <a:p>
+            <a:r>
+              <a:rPr lang="en-US" dirty="0">
+                <a:latin typeface="Times New Roman" panose="02020603050405020304" pitchFamily="18" charset="0"/>
+                <a:cs typeface="Times New Roman" panose="02020603050405020304" pitchFamily="18" charset="0"/>
+              </a:rPr>
+              <a:t>Escalation Management</a:t>
+            </a:r>
+          </a:p>
+          <a:p>
+            <a:r>
+              <a:rPr lang="en-US" dirty="0">
+                <a:latin typeface="Times New Roman" panose="02020603050405020304" pitchFamily="18" charset="0"/>
+                <a:cs typeface="Times New Roman" panose="02020603050405020304" pitchFamily="18" charset="0"/>
+              </a:rPr>
+              <a:t>Inventory Management</a:t>
+            </a:r>
+          </a:p>
+          <a:p>
+            <a:r>
+              <a:rPr lang="en-US" dirty="0">
+                <a:latin typeface="Times New Roman" panose="02020603050405020304" pitchFamily="18" charset="0"/>
+                <a:cs typeface="Times New Roman" panose="02020603050405020304" pitchFamily="18" charset="0"/>
+              </a:rPr>
+              <a:t>Quality Management </a:t>
+            </a:r>
+          </a:p>
+          <a:p>
+            <a:r>
+              <a:rPr lang="en-US" dirty="0">
+                <a:latin typeface="Times New Roman" panose="02020603050405020304" pitchFamily="18" charset="0"/>
+                <a:cs typeface="Times New Roman" panose="02020603050405020304" pitchFamily="18" charset="0"/>
+              </a:rPr>
+              <a:t>Workflow Management</a:t>
+            </a:r>
+            <a:endParaRPr lang="en-US" dirty="0"/>
           </a:p>
         </p:txBody>
       </p:sp>
     </p:spTree>
     <p:extLst>
       <p:ext uri="{BB962C8B-B14F-4D97-AF65-F5344CB8AC3E}">
-        <p14:creationId xmlns:p14="http://schemas.microsoft.com/office/powerpoint/2010/main" val="2642145042"/>
+        <p14:creationId xmlns:p14="http://schemas.microsoft.com/office/powerpoint/2010/main" val="449676743"/>
       </p:ext>
     </p:extLst>
   </p:cSld>
@@ -7201,6 +7304,841 @@
           <p:cNvPr id="2" name="Title 1">
             <a:extLst>
               <a:ext uri="{FF2B5EF4-FFF2-40B4-BE49-F238E27FC236}">
+                <a16:creationId xmlns:a16="http://schemas.microsoft.com/office/drawing/2014/main" id="{3612B23A-D9B9-4EDA-91D2-9352323345A0}"/>
+              </a:ext>
+            </a:extLst>
+          </p:cNvPr>
+          <p:cNvSpPr>
+            <a:spLocks noGrp="1"/>
+          </p:cNvSpPr>
+          <p:nvPr>
+            <p:ph type="title"/>
+          </p:nvPr>
+        </p:nvSpPr>
+        <p:spPr/>
+        <p:txBody>
+          <a:bodyPr>
+            <a:normAutofit/>
+          </a:bodyPr>
+          <a:lstStyle/>
+          <a:p>
+            <a:r>
+              <a:rPr lang="en-US" sz="3600" dirty="0">
+                <a:latin typeface="Times New Roman" panose="02020603050405020304" pitchFamily="18" charset="0"/>
+                <a:cs typeface="Times New Roman" panose="02020603050405020304" pitchFamily="18" charset="0"/>
+              </a:rPr>
+              <a:t>Benefits </a:t>
+            </a:r>
+          </a:p>
+        </p:txBody>
+      </p:sp>
+      <p:sp>
+        <p:nvSpPr>
+          <p:cNvPr id="3" name="Content Placeholder 2">
+            <a:extLst>
+              <a:ext uri="{FF2B5EF4-FFF2-40B4-BE49-F238E27FC236}">
+                <a16:creationId xmlns:a16="http://schemas.microsoft.com/office/drawing/2014/main" id="{0BAF6F50-4698-4B55-A554-3BCF47A19A2B}"/>
+              </a:ext>
+            </a:extLst>
+          </p:cNvPr>
+          <p:cNvSpPr>
+            <a:spLocks noGrp="1"/>
+          </p:cNvSpPr>
+          <p:nvPr>
+            <p:ph idx="1"/>
+          </p:nvPr>
+        </p:nvSpPr>
+        <p:spPr>
+          <a:xfrm>
+            <a:off x="1097280" y="1845733"/>
+            <a:ext cx="10058400" cy="4444707"/>
+          </a:xfrm>
+        </p:spPr>
+        <p:txBody>
+          <a:bodyPr>
+            <a:noAutofit/>
+          </a:bodyPr>
+          <a:lstStyle/>
+          <a:p>
+            <a:r>
+              <a:rPr lang="en-US" dirty="0">
+                <a:latin typeface="Times New Roman" panose="02020603050405020304" pitchFamily="18" charset="0"/>
+                <a:cs typeface="Times New Roman" panose="02020603050405020304" pitchFamily="18" charset="0"/>
+              </a:rPr>
+              <a:t>Faster development </a:t>
+            </a:r>
+          </a:p>
+          <a:p>
+            <a:r>
+              <a:rPr lang="en-US" dirty="0">
+                <a:latin typeface="Times New Roman" panose="02020603050405020304" pitchFamily="18" charset="0"/>
+                <a:cs typeface="Times New Roman" panose="02020603050405020304" pitchFamily="18" charset="0"/>
+              </a:rPr>
+              <a:t>Ease of study and use </a:t>
+            </a:r>
+          </a:p>
+          <a:p>
+            <a:r>
+              <a:rPr lang="en-US" dirty="0">
+                <a:latin typeface="Times New Roman" panose="02020603050405020304" pitchFamily="18" charset="0"/>
+                <a:cs typeface="Times New Roman" panose="02020603050405020304" pitchFamily="18" charset="0"/>
+              </a:rPr>
+              <a:t>Lower IT cost (Open-source)</a:t>
+            </a:r>
+          </a:p>
+          <a:p>
+            <a:r>
+              <a:rPr lang="en-US" dirty="0">
+                <a:latin typeface="Times New Roman" panose="02020603050405020304" pitchFamily="18" charset="0"/>
+                <a:cs typeface="Times New Roman" panose="02020603050405020304" pitchFamily="18" charset="0"/>
+              </a:rPr>
+              <a:t>Rich and ready-to-use units </a:t>
+            </a:r>
+          </a:p>
+          <a:p>
+            <a:r>
+              <a:rPr lang="en-US" dirty="0">
+                <a:latin typeface="Times New Roman" panose="02020603050405020304" pitchFamily="18" charset="0"/>
+                <a:cs typeface="Times New Roman" panose="02020603050405020304" pitchFamily="18" charset="0"/>
+              </a:rPr>
+              <a:t>Newbie friendly </a:t>
+            </a:r>
+          </a:p>
+          <a:p>
+            <a:r>
+              <a:rPr lang="en-US" dirty="0">
+                <a:latin typeface="Times New Roman" panose="02020603050405020304" pitchFamily="18" charset="0"/>
+                <a:cs typeface="Times New Roman" panose="02020603050405020304" pitchFamily="18" charset="0"/>
+              </a:rPr>
+              <a:t>Improved system quality </a:t>
+            </a:r>
+          </a:p>
+          <a:p>
+            <a:r>
+              <a:rPr lang="en-US" dirty="0">
+                <a:latin typeface="Times New Roman" panose="02020603050405020304" pitchFamily="18" charset="0"/>
+                <a:cs typeface="Times New Roman" panose="02020603050405020304" pitchFamily="18" charset="0"/>
+              </a:rPr>
+              <a:t>Strong integration and expansion capability </a:t>
+            </a:r>
+          </a:p>
+          <a:p>
+            <a:r>
+              <a:rPr lang="en-US" dirty="0">
+                <a:latin typeface="Times New Roman" panose="02020603050405020304" pitchFamily="18" charset="0"/>
+                <a:cs typeface="Times New Roman" panose="02020603050405020304" pitchFamily="18" charset="0"/>
+              </a:rPr>
+              <a:t>Minimal efforts </a:t>
+            </a:r>
+          </a:p>
+          <a:p>
+            <a:r>
+              <a:rPr lang="en-US" dirty="0">
+                <a:latin typeface="Times New Roman" panose="02020603050405020304" pitchFamily="18" charset="0"/>
+                <a:cs typeface="Times New Roman" panose="02020603050405020304" pitchFamily="18" charset="0"/>
+              </a:rPr>
+              <a:t>Better user experience </a:t>
+            </a:r>
+          </a:p>
+          <a:p>
+            <a:r>
+              <a:rPr lang="en-US" dirty="0">
+                <a:latin typeface="Times New Roman" panose="02020603050405020304" pitchFamily="18" charset="0"/>
+                <a:cs typeface="Times New Roman" panose="02020603050405020304" pitchFamily="18" charset="0"/>
+              </a:rPr>
+              <a:t>Improved IT governance </a:t>
+            </a:r>
+          </a:p>
+        </p:txBody>
+      </p:sp>
+    </p:spTree>
+    <p:extLst>
+      <p:ext uri="{BB962C8B-B14F-4D97-AF65-F5344CB8AC3E}">
+        <p14:creationId xmlns:p14="http://schemas.microsoft.com/office/powerpoint/2010/main" val="458327308"/>
+      </p:ext>
+    </p:extLst>
+  </p:cSld>
+  <p:clrMapOvr>
+    <a:masterClrMapping/>
+  </p:clrMapOvr>
+</p:sld>
+</file>
+
+<file path=ppt/slides/slide24.xml><?xml version="1.0" encoding="utf-8"?>
+<p:sld xmlns:a="http://schemas.openxmlformats.org/drawingml/2006/main" xmlns:r="http://schemas.openxmlformats.org/officeDocument/2006/relationships" xmlns:p="http://schemas.openxmlformats.org/presentationml/2006/main">
+  <p:cSld>
+    <p:spTree>
+      <p:nvGrpSpPr>
+        <p:cNvPr id="1" name=""/>
+        <p:cNvGrpSpPr/>
+        <p:nvPr/>
+      </p:nvGrpSpPr>
+      <p:grpSpPr>
+        <a:xfrm>
+          <a:off x="0" y="0"/>
+          <a:ext cx="0" cy="0"/>
+          <a:chOff x="0" y="0"/>
+          <a:chExt cx="0" cy="0"/>
+        </a:xfrm>
+      </p:grpSpPr>
+      <p:sp>
+        <p:nvSpPr>
+          <p:cNvPr id="2" name="Title 1">
+            <a:extLst>
+              <a:ext uri="{FF2B5EF4-FFF2-40B4-BE49-F238E27FC236}">
+                <a16:creationId xmlns:a16="http://schemas.microsoft.com/office/drawing/2014/main" id="{EEC90DCA-411A-4592-956D-A8E067895552}"/>
+              </a:ext>
+            </a:extLst>
+          </p:cNvPr>
+          <p:cNvSpPr>
+            <a:spLocks noGrp="1"/>
+          </p:cNvSpPr>
+          <p:nvPr>
+            <p:ph type="title"/>
+          </p:nvPr>
+        </p:nvSpPr>
+        <p:spPr>
+          <a:xfrm>
+            <a:off x="1156003" y="227880"/>
+            <a:ext cx="10058400" cy="1450757"/>
+          </a:xfrm>
+        </p:spPr>
+        <p:txBody>
+          <a:bodyPr>
+            <a:normAutofit/>
+          </a:bodyPr>
+          <a:lstStyle/>
+          <a:p>
+            <a:r>
+              <a:rPr lang="en-US" sz="3600" dirty="0">
+                <a:latin typeface="Times New Roman" panose="02020603050405020304" pitchFamily="18" charset="0"/>
+                <a:cs typeface="Times New Roman" panose="02020603050405020304" pitchFamily="18" charset="0"/>
+              </a:rPr>
+              <a:t>Limitations and Challenges </a:t>
+            </a:r>
+          </a:p>
+        </p:txBody>
+      </p:sp>
+      <p:sp>
+        <p:nvSpPr>
+          <p:cNvPr id="3" name="Content Placeholder 2">
+            <a:extLst>
+              <a:ext uri="{FF2B5EF4-FFF2-40B4-BE49-F238E27FC236}">
+                <a16:creationId xmlns:a16="http://schemas.microsoft.com/office/drawing/2014/main" id="{F7C67D76-1D7E-4A17-9415-FA47672571D7}"/>
+              </a:ext>
+            </a:extLst>
+          </p:cNvPr>
+          <p:cNvSpPr>
+            <a:spLocks noGrp="1"/>
+          </p:cNvSpPr>
+          <p:nvPr>
+            <p:ph idx="1"/>
+          </p:nvPr>
+        </p:nvSpPr>
+        <p:spPr>
+          <a:xfrm>
+            <a:off x="1097280" y="1753299"/>
+            <a:ext cx="10058400" cy="4572000"/>
+          </a:xfrm>
+        </p:spPr>
+        <p:txBody>
+          <a:bodyPr>
+            <a:noAutofit/>
+          </a:bodyPr>
+          <a:lstStyle/>
+          <a:p>
+            <a:r>
+              <a:rPr lang="en-US" sz="1800" dirty="0">
+                <a:latin typeface="Times New Roman" panose="02020603050405020304" pitchFamily="18" charset="0"/>
+                <a:cs typeface="Times New Roman" panose="02020603050405020304" pitchFamily="18" charset="0"/>
+              </a:rPr>
+              <a:t>High learning curve </a:t>
+            </a:r>
+          </a:p>
+          <a:p>
+            <a:r>
+              <a:rPr lang="en-US" sz="1800" dirty="0">
+                <a:latin typeface="Times New Roman" panose="02020603050405020304" pitchFamily="18" charset="0"/>
+                <a:cs typeface="Times New Roman" panose="02020603050405020304" pitchFamily="18" charset="0"/>
+              </a:rPr>
+              <a:t>High pricing </a:t>
+            </a:r>
+          </a:p>
+          <a:p>
+            <a:r>
+              <a:rPr lang="en-US" sz="1800" dirty="0">
+                <a:latin typeface="Times New Roman" panose="02020603050405020304" pitchFamily="18" charset="0"/>
+                <a:cs typeface="Times New Roman" panose="02020603050405020304" pitchFamily="18" charset="0"/>
+              </a:rPr>
+              <a:t>Lack of customization </a:t>
+            </a:r>
+          </a:p>
+          <a:p>
+            <a:r>
+              <a:rPr lang="en-US" sz="1800" dirty="0">
+                <a:latin typeface="Times New Roman" panose="02020603050405020304" pitchFamily="18" charset="0"/>
+                <a:cs typeface="Times New Roman" panose="02020603050405020304" pitchFamily="18" charset="0"/>
+              </a:rPr>
+              <a:t>Slow loading and publishing </a:t>
+            </a:r>
+          </a:p>
+          <a:p>
+            <a:r>
+              <a:rPr lang="en-US" sz="1800" dirty="0">
+                <a:latin typeface="Times New Roman" panose="02020603050405020304" pitchFamily="18" charset="0"/>
+                <a:cs typeface="Times New Roman" panose="02020603050405020304" pitchFamily="18" charset="0"/>
+              </a:rPr>
+              <a:t>Less powerful than programming </a:t>
+            </a:r>
+          </a:p>
+          <a:p>
+            <a:r>
+              <a:rPr lang="en-US" sz="1800" dirty="0">
+                <a:latin typeface="Times New Roman" panose="02020603050405020304" pitchFamily="18" charset="0"/>
+                <a:cs typeface="Times New Roman" panose="02020603050405020304" pitchFamily="18" charset="0"/>
+              </a:rPr>
+              <a:t>Complex issues still need coding</a:t>
+            </a:r>
+          </a:p>
+          <a:p>
+            <a:r>
+              <a:rPr lang="en-US" sz="1800" dirty="0">
+                <a:latin typeface="Times New Roman" panose="02020603050405020304" pitchFamily="18" charset="0"/>
+                <a:cs typeface="Times New Roman" panose="02020603050405020304" pitchFamily="18" charset="0"/>
+              </a:rPr>
+              <a:t>No access to source code </a:t>
+            </a:r>
+          </a:p>
+          <a:p>
+            <a:r>
+              <a:rPr lang="en-US" sz="1800" dirty="0">
+                <a:latin typeface="Times New Roman" panose="02020603050405020304" pitchFamily="18" charset="0"/>
+                <a:cs typeface="Times New Roman" panose="02020603050405020304" pitchFamily="18" charset="0"/>
+              </a:rPr>
+              <a:t>Limitations for experience developers </a:t>
+            </a:r>
+          </a:p>
+          <a:p>
+            <a:r>
+              <a:rPr lang="en-US" sz="1800" dirty="0">
+                <a:latin typeface="Times New Roman" panose="02020603050405020304" pitchFamily="18" charset="0"/>
+                <a:cs typeface="Times New Roman" panose="02020603050405020304" pitchFamily="18" charset="0"/>
+              </a:rPr>
+              <a:t>Vendor lock-in </a:t>
+            </a:r>
+          </a:p>
+          <a:p>
+            <a:r>
+              <a:rPr lang="en-US" sz="1800" dirty="0">
+                <a:latin typeface="Times New Roman" panose="02020603050405020304" pitchFamily="18" charset="0"/>
+                <a:cs typeface="Times New Roman" panose="02020603050405020304" pitchFamily="18" charset="0"/>
+              </a:rPr>
+              <a:t>Difficulty of maintenance and debugging </a:t>
+            </a:r>
+          </a:p>
+          <a:p>
+            <a:r>
+              <a:rPr lang="en-US" sz="1800" dirty="0">
+                <a:latin typeface="Times New Roman" panose="02020603050405020304" pitchFamily="18" charset="0"/>
+                <a:cs typeface="Times New Roman" panose="02020603050405020304" pitchFamily="18" charset="0"/>
+              </a:rPr>
+              <a:t>Need of basic programming knowledge </a:t>
+            </a:r>
+          </a:p>
+        </p:txBody>
+      </p:sp>
+    </p:spTree>
+    <p:extLst>
+      <p:ext uri="{BB962C8B-B14F-4D97-AF65-F5344CB8AC3E}">
+        <p14:creationId xmlns:p14="http://schemas.microsoft.com/office/powerpoint/2010/main" val="3870288137"/>
+      </p:ext>
+    </p:extLst>
+  </p:cSld>
+  <p:clrMapOvr>
+    <a:masterClrMapping/>
+  </p:clrMapOvr>
+</p:sld>
+</file>
+
+<file path=ppt/slides/slide25.xml><?xml version="1.0" encoding="utf-8"?>
+<p:sld xmlns:a="http://schemas.openxmlformats.org/drawingml/2006/main" xmlns:r="http://schemas.openxmlformats.org/officeDocument/2006/relationships" xmlns:p="http://schemas.openxmlformats.org/presentationml/2006/main">
+  <p:cSld>
+    <p:spTree>
+      <p:nvGrpSpPr>
+        <p:cNvPr id="1" name=""/>
+        <p:cNvGrpSpPr/>
+        <p:nvPr/>
+      </p:nvGrpSpPr>
+      <p:grpSpPr>
+        <a:xfrm>
+          <a:off x="0" y="0"/>
+          <a:ext cx="0" cy="0"/>
+          <a:chOff x="0" y="0"/>
+          <a:chExt cx="0" cy="0"/>
+        </a:xfrm>
+      </p:grpSpPr>
+      <p:sp>
+        <p:nvSpPr>
+          <p:cNvPr id="2" name="Title 1">
+            <a:extLst>
+              <a:ext uri="{FF2B5EF4-FFF2-40B4-BE49-F238E27FC236}">
+                <a16:creationId xmlns:a16="http://schemas.microsoft.com/office/drawing/2014/main" id="{F6D61DF8-1B99-49F9-85F4-731F4FE088A7}"/>
+              </a:ext>
+            </a:extLst>
+          </p:cNvPr>
+          <p:cNvSpPr>
+            <a:spLocks noGrp="1"/>
+          </p:cNvSpPr>
+          <p:nvPr>
+            <p:ph type="title"/>
+          </p:nvPr>
+        </p:nvSpPr>
+        <p:spPr/>
+        <p:txBody>
+          <a:bodyPr>
+            <a:normAutofit/>
+          </a:bodyPr>
+          <a:lstStyle/>
+          <a:p>
+            <a:r>
+              <a:rPr lang="en-US" sz="3600" dirty="0">
+                <a:latin typeface="Times New Roman" panose="02020603050405020304" pitchFamily="18" charset="0"/>
+                <a:cs typeface="Times New Roman" panose="02020603050405020304" pitchFamily="18" charset="0"/>
+              </a:rPr>
+              <a:t>Capabilities that a LCD/NCD platform can Offer and their features[2]</a:t>
+            </a:r>
+          </a:p>
+        </p:txBody>
+      </p:sp>
+      <p:sp>
+        <p:nvSpPr>
+          <p:cNvPr id="3" name="Content Placeholder 2">
+            <a:extLst>
+              <a:ext uri="{FF2B5EF4-FFF2-40B4-BE49-F238E27FC236}">
+                <a16:creationId xmlns:a16="http://schemas.microsoft.com/office/drawing/2014/main" id="{0F528519-E906-455C-B26D-7F98A78C12B5}"/>
+              </a:ext>
+            </a:extLst>
+          </p:cNvPr>
+          <p:cNvSpPr>
+            <a:spLocks noGrp="1"/>
+          </p:cNvSpPr>
+          <p:nvPr>
+            <p:ph idx="1"/>
+          </p:nvPr>
+        </p:nvSpPr>
+        <p:spPr>
+          <a:xfrm>
+            <a:off x="1097280" y="1845733"/>
+            <a:ext cx="10058400" cy="4244673"/>
+          </a:xfrm>
+        </p:spPr>
+        <p:txBody>
+          <a:bodyPr/>
+          <a:lstStyle/>
+          <a:p>
+            <a:pPr>
+              <a:buFont typeface="Arial" panose="020B0604020202020204" pitchFamily="34" charset="0"/>
+              <a:buChar char="•"/>
+            </a:pPr>
+            <a:r>
+              <a:rPr lang="en-US" dirty="0">
+                <a:latin typeface="Times New Roman" panose="02020603050405020304" pitchFamily="18" charset="0"/>
+                <a:cs typeface="Times New Roman" panose="02020603050405020304" pitchFamily="18" charset="0"/>
+              </a:rPr>
+              <a:t>Graphical User Interface: Represents provided functionalities available in frontend. </a:t>
+            </a:r>
+            <a:br>
+              <a:rPr lang="en-US" dirty="0">
+                <a:latin typeface="Times New Roman" panose="02020603050405020304" pitchFamily="18" charset="0"/>
+                <a:cs typeface="Times New Roman" panose="02020603050405020304" pitchFamily="18" charset="0"/>
+              </a:rPr>
+            </a:br>
+            <a:r>
+              <a:rPr lang="en-US" dirty="0">
+                <a:latin typeface="Times New Roman" panose="02020603050405020304" pitchFamily="18" charset="0"/>
+                <a:cs typeface="Times New Roman" panose="02020603050405020304" pitchFamily="18" charset="0"/>
+              </a:rPr>
+              <a:t>Features: Drag-and-drop tools, forms, point and click approach, pre-built dashboards, built-in </a:t>
+            </a:r>
+            <a:br>
+              <a:rPr lang="en-US" dirty="0">
+                <a:latin typeface="Times New Roman" panose="02020603050405020304" pitchFamily="18" charset="0"/>
+                <a:cs typeface="Times New Roman" panose="02020603050405020304" pitchFamily="18" charset="0"/>
+              </a:rPr>
+            </a:br>
+            <a:r>
+              <a:rPr lang="en-US" dirty="0">
+                <a:latin typeface="Times New Roman" panose="02020603050405020304" pitchFamily="18" charset="0"/>
+                <a:cs typeface="Times New Roman" panose="02020603050405020304" pitchFamily="18" charset="0"/>
+              </a:rPr>
+              <a:t>	workflows</a:t>
+            </a:r>
+          </a:p>
+          <a:p>
+            <a:pPr>
+              <a:buFont typeface="Arial" panose="020B0604020202020204" pitchFamily="34" charset="0"/>
+              <a:buChar char="•"/>
+            </a:pPr>
+            <a:r>
+              <a:rPr lang="en-US" dirty="0">
+                <a:latin typeface="Times New Roman" panose="02020603050405020304" pitchFamily="18" charset="0"/>
+                <a:cs typeface="Times New Roman" panose="02020603050405020304" pitchFamily="18" charset="0"/>
+              </a:rPr>
+              <a:t> Interoperability support with external services and data sources: </a:t>
+            </a:r>
+            <a:br>
+              <a:rPr lang="en-US" dirty="0">
+                <a:latin typeface="Times New Roman" panose="02020603050405020304" pitchFamily="18" charset="0"/>
+                <a:cs typeface="Times New Roman" panose="02020603050405020304" pitchFamily="18" charset="0"/>
+              </a:rPr>
+            </a:br>
+            <a:r>
+              <a:rPr lang="en-US" dirty="0">
+                <a:latin typeface="Times New Roman" panose="02020603050405020304" pitchFamily="18" charset="0"/>
+                <a:cs typeface="Times New Roman" panose="02020603050405020304" pitchFamily="18" charset="0"/>
+              </a:rPr>
+              <a:t>	possibility of interacting with external services. (Dropbox, Zapier, Office 365)</a:t>
+            </a:r>
+            <a:br>
+              <a:rPr lang="en-US" dirty="0">
+                <a:latin typeface="Times New Roman" panose="02020603050405020304" pitchFamily="18" charset="0"/>
+                <a:cs typeface="Times New Roman" panose="02020603050405020304" pitchFamily="18" charset="0"/>
+              </a:rPr>
+            </a:br>
+            <a:r>
+              <a:rPr lang="en-US" dirty="0">
+                <a:latin typeface="Times New Roman" panose="02020603050405020304" pitchFamily="18" charset="0"/>
+                <a:cs typeface="Times New Roman" panose="02020603050405020304" pitchFamily="18" charset="0"/>
+              </a:rPr>
+              <a:t>Features: Interoperability with external services, connection with data sources </a:t>
+            </a:r>
+          </a:p>
+          <a:p>
+            <a:pPr>
+              <a:buFont typeface="Arial" panose="020B0604020202020204" pitchFamily="34" charset="0"/>
+              <a:buChar char="•"/>
+            </a:pPr>
+            <a:r>
+              <a:rPr lang="en-US" dirty="0">
+                <a:latin typeface="Times New Roman" panose="02020603050405020304" pitchFamily="18" charset="0"/>
+                <a:cs typeface="Times New Roman" panose="02020603050405020304" pitchFamily="18" charset="0"/>
+              </a:rPr>
+              <a:t>Security Support: Security aspects like authentication mechanisms, adopted security protocols.</a:t>
+            </a:r>
+            <a:br>
+              <a:rPr lang="en-US" dirty="0">
+                <a:latin typeface="Times New Roman" panose="02020603050405020304" pitchFamily="18" charset="0"/>
+                <a:cs typeface="Times New Roman" panose="02020603050405020304" pitchFamily="18" charset="0"/>
+              </a:rPr>
+            </a:br>
+            <a:r>
+              <a:rPr lang="en-US" dirty="0">
+                <a:latin typeface="Times New Roman" panose="02020603050405020304" pitchFamily="18" charset="0"/>
+                <a:cs typeface="Times New Roman" panose="02020603050405020304" pitchFamily="18" charset="0"/>
+              </a:rPr>
+              <a:t>Features: Application, Platform security</a:t>
+            </a:r>
+          </a:p>
+          <a:p>
+            <a:pPr>
+              <a:buFont typeface="Arial" panose="020B0604020202020204" pitchFamily="34" charset="0"/>
+              <a:buChar char="•"/>
+            </a:pPr>
+            <a:r>
+              <a:rPr lang="en-US" dirty="0">
+                <a:latin typeface="Times New Roman" panose="02020603050405020304" pitchFamily="18" charset="0"/>
+                <a:cs typeface="Times New Roman" panose="02020603050405020304" pitchFamily="18" charset="0"/>
+              </a:rPr>
+              <a:t>Collaborative Development Support: Collaboration models.</a:t>
+            </a:r>
+            <a:br>
+              <a:rPr lang="en-US" dirty="0">
+                <a:latin typeface="Times New Roman" panose="02020603050405020304" pitchFamily="18" charset="0"/>
+                <a:cs typeface="Times New Roman" panose="02020603050405020304" pitchFamily="18" charset="0"/>
+              </a:rPr>
+            </a:br>
+            <a:r>
+              <a:rPr lang="en-US" dirty="0">
+                <a:latin typeface="Times New Roman" panose="02020603050405020304" pitchFamily="18" charset="0"/>
+                <a:cs typeface="Times New Roman" panose="02020603050405020304" pitchFamily="18" charset="0"/>
+              </a:rPr>
+              <a:t>Features: on-line, off-line collaborations </a:t>
+            </a:r>
+          </a:p>
+          <a:p>
+            <a:pPr>
+              <a:buFont typeface="Arial" panose="020B0604020202020204" pitchFamily="34" charset="0"/>
+              <a:buChar char="•"/>
+            </a:pPr>
+            <a:r>
+              <a:rPr lang="en-US" dirty="0">
+                <a:latin typeface="Times New Roman" panose="02020603050405020304" pitchFamily="18" charset="0"/>
+                <a:cs typeface="Times New Roman" panose="02020603050405020304" pitchFamily="18" charset="0"/>
+              </a:rPr>
+              <a:t>Reusability Support: Enable to reuse already developed artifacts. </a:t>
+            </a:r>
+            <a:br>
+              <a:rPr lang="en-US" dirty="0">
+                <a:latin typeface="Times New Roman" panose="02020603050405020304" pitchFamily="18" charset="0"/>
+                <a:cs typeface="Times New Roman" panose="02020603050405020304" pitchFamily="18" charset="0"/>
+              </a:rPr>
+            </a:br>
+            <a:r>
+              <a:rPr lang="en-US" dirty="0">
+                <a:latin typeface="Times New Roman" panose="02020603050405020304" pitchFamily="18" charset="0"/>
+                <a:cs typeface="Times New Roman" panose="02020603050405020304" pitchFamily="18" charset="0"/>
+              </a:rPr>
+              <a:t>Features: Built-in workflows, Pre-built forms/ reports, pre-built dashboards. </a:t>
+            </a:r>
+          </a:p>
+          <a:p>
+            <a:pPr>
+              <a:buFont typeface="Arial" panose="020B0604020202020204" pitchFamily="34" charset="0"/>
+              <a:buChar char="•"/>
+            </a:pPr>
+            <a:endParaRPr lang="en-US" dirty="0"/>
+          </a:p>
+        </p:txBody>
+      </p:sp>
+    </p:spTree>
+    <p:extLst>
+      <p:ext uri="{BB962C8B-B14F-4D97-AF65-F5344CB8AC3E}">
+        <p14:creationId xmlns:p14="http://schemas.microsoft.com/office/powerpoint/2010/main" val="943016761"/>
+      </p:ext>
+    </p:extLst>
+  </p:cSld>
+  <p:clrMapOvr>
+    <a:masterClrMapping/>
+  </p:clrMapOvr>
+</p:sld>
+</file>
+
+<file path=ppt/slides/slide26.xml><?xml version="1.0" encoding="utf-8"?>
+<p:sld xmlns:a="http://schemas.openxmlformats.org/drawingml/2006/main" xmlns:r="http://schemas.openxmlformats.org/officeDocument/2006/relationships" xmlns:p="http://schemas.openxmlformats.org/presentationml/2006/main">
+  <p:cSld>
+    <p:spTree>
+      <p:nvGrpSpPr>
+        <p:cNvPr id="1" name=""/>
+        <p:cNvGrpSpPr/>
+        <p:nvPr/>
+      </p:nvGrpSpPr>
+      <p:grpSpPr>
+        <a:xfrm>
+          <a:off x="0" y="0"/>
+          <a:ext cx="0" cy="0"/>
+          <a:chOff x="0" y="0"/>
+          <a:chExt cx="0" cy="0"/>
+        </a:xfrm>
+      </p:grpSpPr>
+      <p:sp>
+        <p:nvSpPr>
+          <p:cNvPr id="2" name="Title 1">
+            <a:extLst>
+              <a:ext uri="{FF2B5EF4-FFF2-40B4-BE49-F238E27FC236}">
+                <a16:creationId xmlns:a16="http://schemas.microsoft.com/office/drawing/2014/main" id="{F2E11A92-8337-4A79-BD86-F917CA5E5528}"/>
+              </a:ext>
+            </a:extLst>
+          </p:cNvPr>
+          <p:cNvSpPr>
+            <a:spLocks noGrp="1"/>
+          </p:cNvSpPr>
+          <p:nvPr>
+            <p:ph type="title"/>
+          </p:nvPr>
+        </p:nvSpPr>
+        <p:spPr/>
+        <p:txBody>
+          <a:bodyPr>
+            <a:normAutofit/>
+          </a:bodyPr>
+          <a:lstStyle/>
+          <a:p>
+            <a:r>
+              <a:rPr lang="en-US" sz="3600" dirty="0">
+                <a:latin typeface="Times New Roman" panose="02020603050405020304" pitchFamily="18" charset="0"/>
+                <a:cs typeface="Times New Roman" panose="02020603050405020304" pitchFamily="18" charset="0"/>
+              </a:rPr>
+              <a:t>Capabilities and Features Contd. </a:t>
+            </a:r>
+          </a:p>
+        </p:txBody>
+      </p:sp>
+      <p:sp>
+        <p:nvSpPr>
+          <p:cNvPr id="3" name="Content Placeholder 2">
+            <a:extLst>
+              <a:ext uri="{FF2B5EF4-FFF2-40B4-BE49-F238E27FC236}">
+                <a16:creationId xmlns:a16="http://schemas.microsoft.com/office/drawing/2014/main" id="{286E75DC-8B01-4C78-B24B-B412AC263F03}"/>
+              </a:ext>
+            </a:extLst>
+          </p:cNvPr>
+          <p:cNvSpPr>
+            <a:spLocks noGrp="1"/>
+          </p:cNvSpPr>
+          <p:nvPr>
+            <p:ph idx="1"/>
+          </p:nvPr>
+        </p:nvSpPr>
+        <p:spPr/>
+        <p:txBody>
+          <a:bodyPr>
+            <a:normAutofit/>
+          </a:bodyPr>
+          <a:lstStyle/>
+          <a:p>
+            <a:pPr>
+              <a:buFont typeface="Arial" panose="020B0604020202020204" pitchFamily="34" charset="0"/>
+              <a:buChar char="•"/>
+            </a:pPr>
+            <a:r>
+              <a:rPr lang="en-US" dirty="0">
+                <a:latin typeface="Times New Roman" panose="02020603050405020304" pitchFamily="18" charset="0"/>
+                <a:cs typeface="Times New Roman" panose="02020603050405020304" pitchFamily="18" charset="0"/>
+              </a:rPr>
+              <a:t>Scalability Support: Scale up applications according to different dimensions.</a:t>
+            </a:r>
+            <a:br>
+              <a:rPr lang="en-US" dirty="0">
+                <a:latin typeface="Times New Roman" panose="02020603050405020304" pitchFamily="18" charset="0"/>
+                <a:cs typeface="Times New Roman" panose="02020603050405020304" pitchFamily="18" charset="0"/>
+              </a:rPr>
+            </a:br>
+            <a:r>
+              <a:rPr lang="en-US" dirty="0">
+                <a:latin typeface="Times New Roman" panose="02020603050405020304" pitchFamily="18" charset="0"/>
+                <a:cs typeface="Times New Roman" panose="02020603050405020304" pitchFamily="18" charset="0"/>
+              </a:rPr>
+              <a:t>Features: Scalability on number of users, data traffic, data storage. </a:t>
+            </a:r>
+          </a:p>
+          <a:p>
+            <a:pPr>
+              <a:buFont typeface="Arial" panose="020B0604020202020204" pitchFamily="34" charset="0"/>
+              <a:buChar char="•"/>
+            </a:pPr>
+            <a:r>
+              <a:rPr lang="en-US" dirty="0">
+                <a:latin typeface="Times New Roman" panose="02020603050405020304" pitchFamily="18" charset="0"/>
+                <a:cs typeface="Times New Roman" panose="02020603050405020304" pitchFamily="18" charset="0"/>
+              </a:rPr>
+              <a:t>Business Logic Specification Mechanisms:</a:t>
+            </a:r>
+            <a:br>
+              <a:rPr lang="en-US" dirty="0">
+                <a:latin typeface="Times New Roman" panose="02020603050405020304" pitchFamily="18" charset="0"/>
+                <a:cs typeface="Times New Roman" panose="02020603050405020304" pitchFamily="18" charset="0"/>
+              </a:rPr>
+            </a:br>
+            <a:r>
+              <a:rPr lang="en-US" dirty="0">
+                <a:latin typeface="Times New Roman" panose="02020603050405020304" pitchFamily="18" charset="0"/>
+                <a:cs typeface="Times New Roman" panose="02020603050405020304" pitchFamily="18" charset="0"/>
+              </a:rPr>
+              <a:t>	Specify the business logic of the application modeled. </a:t>
+            </a:r>
+            <a:br>
+              <a:rPr lang="en-US" dirty="0">
+                <a:latin typeface="Times New Roman" panose="02020603050405020304" pitchFamily="18" charset="0"/>
+                <a:cs typeface="Times New Roman" panose="02020603050405020304" pitchFamily="18" charset="0"/>
+              </a:rPr>
+            </a:br>
+            <a:r>
+              <a:rPr lang="en-US" dirty="0">
+                <a:latin typeface="Times New Roman" panose="02020603050405020304" pitchFamily="18" charset="0"/>
+                <a:cs typeface="Times New Roman" panose="02020603050405020304" pitchFamily="18" charset="0"/>
+              </a:rPr>
+              <a:t>Features: Business rule engine, graphical workflow editor, AI enabled business logic, API support</a:t>
+            </a:r>
+          </a:p>
+          <a:p>
+            <a:pPr>
+              <a:buFont typeface="Arial" panose="020B0604020202020204" pitchFamily="34" charset="0"/>
+              <a:buChar char="•"/>
+            </a:pPr>
+            <a:r>
+              <a:rPr lang="en-US" dirty="0">
+                <a:latin typeface="Times New Roman" panose="02020603050405020304" pitchFamily="18" charset="0"/>
+                <a:cs typeface="Times New Roman" panose="02020603050405020304" pitchFamily="18" charset="0"/>
+              </a:rPr>
+              <a:t>Application Build Mechanisms: Ways the application is built. </a:t>
+            </a:r>
+            <a:br>
+              <a:rPr lang="en-US" dirty="0">
+                <a:latin typeface="Times New Roman" panose="02020603050405020304" pitchFamily="18" charset="0"/>
+                <a:cs typeface="Times New Roman" panose="02020603050405020304" pitchFamily="18" charset="0"/>
+              </a:rPr>
+            </a:br>
+            <a:r>
+              <a:rPr lang="en-US" dirty="0">
+                <a:latin typeface="Times New Roman" panose="02020603050405020304" pitchFamily="18" charset="0"/>
+                <a:cs typeface="Times New Roman" panose="02020603050405020304" pitchFamily="18" charset="0"/>
+              </a:rPr>
+              <a:t>Features: Code-generation, models at run-time. </a:t>
+            </a:r>
+          </a:p>
+          <a:p>
+            <a:pPr>
+              <a:buFont typeface="Arial" panose="020B0604020202020204" pitchFamily="34" charset="0"/>
+              <a:buChar char="•"/>
+            </a:pPr>
+            <a:r>
+              <a:rPr lang="en-US" dirty="0">
+                <a:latin typeface="Times New Roman" panose="02020603050405020304" pitchFamily="18" charset="0"/>
+                <a:cs typeface="Times New Roman" panose="02020603050405020304" pitchFamily="18" charset="0"/>
+              </a:rPr>
+              <a:t>Deployment Support: Deploying the modeled application. </a:t>
+            </a:r>
+            <a:br>
+              <a:rPr lang="en-US" dirty="0">
+                <a:latin typeface="Times New Roman" panose="02020603050405020304" pitchFamily="18" charset="0"/>
+                <a:cs typeface="Times New Roman" panose="02020603050405020304" pitchFamily="18" charset="0"/>
+              </a:rPr>
+            </a:br>
+            <a:r>
+              <a:rPr lang="en-US" dirty="0">
+                <a:latin typeface="Times New Roman" panose="02020603050405020304" pitchFamily="18" charset="0"/>
+                <a:cs typeface="Times New Roman" panose="02020603050405020304" pitchFamily="18" charset="0"/>
+              </a:rPr>
+              <a:t>Features: Deployment on cloud, local infrastructures. </a:t>
+            </a:r>
+          </a:p>
+        </p:txBody>
+      </p:sp>
+    </p:spTree>
+    <p:extLst>
+      <p:ext uri="{BB962C8B-B14F-4D97-AF65-F5344CB8AC3E}">
+        <p14:creationId xmlns:p14="http://schemas.microsoft.com/office/powerpoint/2010/main" val="2642145042"/>
+      </p:ext>
+    </p:extLst>
+  </p:cSld>
+  <p:clrMapOvr>
+    <a:masterClrMapping/>
+  </p:clrMapOvr>
+</p:sld>
+</file>
+
+<file path=ppt/slides/slide27.xml><?xml version="1.0" encoding="utf-8"?>
+<p:sld xmlns:a="http://schemas.openxmlformats.org/drawingml/2006/main" xmlns:r="http://schemas.openxmlformats.org/officeDocument/2006/relationships" xmlns:p="http://schemas.openxmlformats.org/presentationml/2006/main">
+  <p:cSld>
+    <p:spTree>
+      <p:nvGrpSpPr>
+        <p:cNvPr id="1" name=""/>
+        <p:cNvGrpSpPr/>
+        <p:nvPr/>
+      </p:nvGrpSpPr>
+      <p:grpSpPr>
+        <a:xfrm>
+          <a:off x="0" y="0"/>
+          <a:ext cx="0" cy="0"/>
+          <a:chOff x="0" y="0"/>
+          <a:chExt cx="0" cy="0"/>
+        </a:xfrm>
+      </p:grpSpPr>
+      <p:sp>
+        <p:nvSpPr>
+          <p:cNvPr id="2" name="Title 1">
+            <a:extLst>
+              <a:ext uri="{FF2B5EF4-FFF2-40B4-BE49-F238E27FC236}">
                 <a16:creationId xmlns:a16="http://schemas.microsoft.com/office/drawing/2014/main" id="{D8667DAB-83AB-4413-AE7E-6EB3DE613043}"/>
               </a:ext>
             </a:extLst>
@@ -7245,9 +8183,16 @@
             <p:ph idx="1"/>
           </p:nvPr>
         </p:nvSpPr>
-        <p:spPr/>
+        <p:spPr>
+          <a:xfrm>
+            <a:off x="1066800" y="1803789"/>
+            <a:ext cx="10058400" cy="4023360"/>
+          </a:xfrm>
+        </p:spPr>
         <p:txBody>
-          <a:bodyPr/>
+          <a:bodyPr>
+            <a:normAutofit fontScale="85000" lnSpcReduction="20000"/>
+          </a:bodyPr>
           <a:lstStyle/>
           <a:p>
             <a:r>
@@ -7399,6 +8344,87 @@
               </a:rPr>
               <a:t>https://stackify.com/low-code-dev-platform/</a:t>
             </a:r>
+            <a:endParaRPr lang="en-US" dirty="0">
+              <a:latin typeface="Times New Roman" panose="02020603050405020304" pitchFamily="18" charset="0"/>
+              <a:cs typeface="Times New Roman" panose="02020603050405020304" pitchFamily="18" charset="0"/>
+            </a:endParaRPr>
+          </a:p>
+          <a:p>
+            <a:r>
+              <a:rPr lang="en-US" dirty="0">
+                <a:latin typeface="Times New Roman" panose="02020603050405020304" pitchFamily="18" charset="0"/>
+                <a:cs typeface="Times New Roman" panose="02020603050405020304" pitchFamily="18" charset="0"/>
+              </a:rPr>
+              <a:t>8. </a:t>
+            </a:r>
+            <a:r>
+              <a:rPr lang="en-US" dirty="0">
+                <a:latin typeface="Times New Roman" panose="02020603050405020304" pitchFamily="18" charset="0"/>
+                <a:cs typeface="Times New Roman" panose="02020603050405020304" pitchFamily="18" charset="0"/>
+                <a:hlinkClick r:id="rId9"/>
+              </a:rPr>
+              <a:t>https://www.crust.tech/why-is-a-crm-based-on-low-code-your-best-option/</a:t>
+            </a:r>
+            <a:endParaRPr lang="en-US" dirty="0">
+              <a:latin typeface="Times New Roman" panose="02020603050405020304" pitchFamily="18" charset="0"/>
+              <a:cs typeface="Times New Roman" panose="02020603050405020304" pitchFamily="18" charset="0"/>
+            </a:endParaRPr>
+          </a:p>
+          <a:p>
+            <a:r>
+              <a:rPr lang="en-US" dirty="0">
+                <a:latin typeface="Times New Roman" panose="02020603050405020304" pitchFamily="18" charset="0"/>
+                <a:cs typeface="Times New Roman" panose="02020603050405020304" pitchFamily="18" charset="0"/>
+              </a:rPr>
+              <a:t>9. </a:t>
+            </a:r>
+            <a:r>
+              <a:rPr lang="en-US" dirty="0">
+                <a:latin typeface="Times New Roman" panose="02020603050405020304" pitchFamily="18" charset="0"/>
+                <a:cs typeface="Times New Roman" panose="02020603050405020304" pitchFamily="18" charset="0"/>
+                <a:hlinkClick r:id="rId10"/>
+              </a:rPr>
+              <a:t>https://www.performancehealthus.com/blog/low-code-solutions-drive-digital-transformation</a:t>
+            </a:r>
+            <a:endParaRPr lang="en-US" dirty="0">
+              <a:latin typeface="Times New Roman" panose="02020603050405020304" pitchFamily="18" charset="0"/>
+              <a:cs typeface="Times New Roman" panose="02020603050405020304" pitchFamily="18" charset="0"/>
+            </a:endParaRPr>
+          </a:p>
+          <a:p>
+            <a:r>
+              <a:rPr lang="en-US" dirty="0">
+                <a:latin typeface="Times New Roman" panose="02020603050405020304" pitchFamily="18" charset="0"/>
+                <a:cs typeface="Times New Roman" panose="02020603050405020304" pitchFamily="18" charset="0"/>
+              </a:rPr>
+              <a:t>10. </a:t>
+            </a:r>
+            <a:r>
+              <a:rPr lang="en-US" dirty="0">
+                <a:latin typeface="Times New Roman" panose="02020603050405020304" pitchFamily="18" charset="0"/>
+                <a:cs typeface="Times New Roman" panose="02020603050405020304" pitchFamily="18" charset="0"/>
+                <a:hlinkClick r:id="rId11"/>
+              </a:rPr>
+              <a:t>https://www.flokzu.com/blog/en/uncategorized-en/low-code-no-code-workflow-bpm-platforms-give-it-a-breath/</a:t>
+            </a:r>
+            <a:endParaRPr lang="en-US" dirty="0">
+              <a:latin typeface="Times New Roman" panose="02020603050405020304" pitchFamily="18" charset="0"/>
+              <a:cs typeface="Times New Roman" panose="02020603050405020304" pitchFamily="18" charset="0"/>
+            </a:endParaRPr>
+          </a:p>
+          <a:p>
+            <a:endParaRPr lang="en-US" dirty="0">
+              <a:latin typeface="Times New Roman" panose="02020603050405020304" pitchFamily="18" charset="0"/>
+              <a:cs typeface="Times New Roman" panose="02020603050405020304" pitchFamily="18" charset="0"/>
+            </a:endParaRPr>
+          </a:p>
+          <a:p>
+            <a:endParaRPr lang="en-US" dirty="0">
+              <a:latin typeface="Times New Roman" panose="02020603050405020304" pitchFamily="18" charset="0"/>
+              <a:cs typeface="Times New Roman" panose="02020603050405020304" pitchFamily="18" charset="0"/>
+            </a:endParaRPr>
+          </a:p>
+          <a:p>
             <a:endParaRPr lang="en-US" dirty="0">
               <a:latin typeface="Times New Roman" panose="02020603050405020304" pitchFamily="18" charset="0"/>
               <a:cs typeface="Times New Roman" panose="02020603050405020304" pitchFamily="18" charset="0"/>
@@ -7447,7 +8473,7 @@
 </p:sld>
 </file>
 
-<file path=ppt/slides/slide24.xml><?xml version="1.0" encoding="utf-8"?>
+<file path=ppt/slides/slide28.xml><?xml version="1.0" encoding="utf-8"?>
 <p:sld xmlns:a="http://schemas.openxmlformats.org/drawingml/2006/main" xmlns:r="http://schemas.openxmlformats.org/officeDocument/2006/relationships" xmlns:p="http://schemas.openxmlformats.org/presentationml/2006/main">
   <p:cSld>
     <p:spTree>
@@ -7843,7 +8869,7 @@
                 <a:latin typeface="Times New Roman" panose="02020603050405020304" pitchFamily="18" charset="0"/>
                 <a:cs typeface="Times New Roman" panose="02020603050405020304" pitchFamily="18" charset="0"/>
               </a:rPr>
-              <a:t>Traditional Development vs NCD/LCD </a:t>
+              <a:t>Traditional Development vs NCD/LCD [5] </a:t>
             </a:r>
           </a:p>
         </p:txBody>
@@ -8001,7 +9027,7 @@
                     <a:p>
                       <a:pPr algn="l" fontAlgn="base"/>
                       <a:r>
-                        <a:rPr lang="en-US" sz="1600" b="0">
+                        <a:rPr lang="en-US" sz="1600" b="0" dirty="0">
                           <a:solidFill>
                             <a:srgbClr val="090909"/>
                           </a:solidFill>
@@ -8018,7 +9044,7 @@
                         <a:buChar char="•"/>
                       </a:pPr>
                       <a:r>
-                        <a:rPr lang="en-US" sz="1600" b="0">
+                        <a:rPr lang="en-US" sz="1600" b="0" dirty="0">
                           <a:solidFill>
                             <a:srgbClr val="090909"/>
                           </a:solidFill>
@@ -8035,7 +9061,7 @@
                         <a:buChar char="•"/>
                       </a:pPr>
                       <a:r>
-                        <a:rPr lang="en-US" sz="1600" b="0">
+                        <a:rPr lang="en-US" sz="1600" b="0" dirty="0">
                           <a:solidFill>
                             <a:srgbClr val="090909"/>
                           </a:solidFill>
@@ -8453,7 +9479,7 @@
                   </a:extLst>
                 </a:gridCol>
               </a:tblGrid>
-              <a:tr h="370840">
+              <a:tr h="0">
                 <a:tc>
                   <a:txBody>
                     <a:bodyPr/>
@@ -8520,7 +9546,7 @@
                   </a:ext>
                 </a:extLst>
               </a:tr>
-              <a:tr h="370840">
+              <a:tr h="0">
                 <a:tc>
                   <a:txBody>
                     <a:bodyPr/>
@@ -8641,7 +9667,7 @@
                   </a:ext>
                 </a:extLst>
               </a:tr>
-              <a:tr h="370840">
+              <a:tr h="0">
                 <a:tc>
                   <a:txBody>
                     <a:bodyPr/>
@@ -8673,7 +9699,7 @@
                         <a:buChar char="•"/>
                       </a:pPr>
                       <a:r>
-                        <a:rPr lang="en-US" b="0">
+                        <a:rPr lang="en-US" b="0" dirty="0">
                           <a:solidFill>
                             <a:srgbClr val="090909"/>
                           </a:solidFill>
@@ -8690,7 +9716,7 @@
                         <a:buChar char="•"/>
                       </a:pPr>
                       <a:r>
-                        <a:rPr lang="en-US" b="0">
+                        <a:rPr lang="en-US" b="0" dirty="0">
                           <a:solidFill>
                             <a:srgbClr val="090909"/>
                           </a:solidFill>
@@ -8751,7 +9777,7 @@
                   </a:ext>
                 </a:extLst>
               </a:tr>
-              <a:tr h="370840">
+              <a:tr h="0">
                 <a:tc>
                   <a:txBody>
                     <a:bodyPr/>
@@ -8923,7 +9949,7 @@
                 <a:latin typeface="Times New Roman" panose="02020603050405020304" pitchFamily="18" charset="0"/>
                 <a:cs typeface="Times New Roman" panose="02020603050405020304" pitchFamily="18" charset="0"/>
               </a:rPr>
-              <a:t>When to Use LCD/NCD and Traditional Development  </a:t>
+              <a:t>When to Use LCD/NCD and Traditional Development[6] </a:t>
             </a:r>
           </a:p>
         </p:txBody>
@@ -8946,7 +9972,9 @@
         </p:nvSpPr>
         <p:spPr/>
         <p:txBody>
-          <a:bodyPr/>
+          <a:bodyPr>
+            <a:normAutofit lnSpcReduction="10000"/>
+          </a:bodyPr>
           <a:lstStyle/>
           <a:p>
             <a:r>
@@ -9091,8 +10119,94 @@
                 <a:latin typeface="Times New Roman" panose="02020603050405020304" pitchFamily="18" charset="0"/>
                 <a:cs typeface="Times New Roman" panose="02020603050405020304" pitchFamily="18" charset="0"/>
               </a:rPr>
+              <a:t>	</a:t>
+            </a:r>
+            <a:r>
+              <a:rPr lang="en-US" b="0" i="0" dirty="0">
+                <a:solidFill>
+                  <a:schemeClr val="tx1"/>
+                </a:solidFill>
+                <a:effectLst/>
+                <a:latin typeface="Times New Roman" panose="02020603050405020304" pitchFamily="18" charset="0"/>
+                <a:cs typeface="Times New Roman" panose="02020603050405020304" pitchFamily="18" charset="0"/>
+              </a:rPr>
+              <a:t>problems require open-ended thinking</a:t>
+            </a:r>
+          </a:p>
+          <a:p>
+            <a:pPr marL="201168" lvl="1" indent="0">
+              <a:buNone/>
+            </a:pPr>
+            <a:r>
+              <a:rPr lang="en-US" sz="2000" dirty="0">
+                <a:solidFill>
+                  <a:schemeClr val="tx1"/>
+                </a:solidFill>
+                <a:latin typeface="Times New Roman" panose="02020603050405020304" pitchFamily="18" charset="0"/>
+                <a:cs typeface="Times New Roman" panose="02020603050405020304" pitchFamily="18" charset="0"/>
+              </a:rPr>
+              <a:t>	</a:t>
+            </a:r>
+            <a:br>
+              <a:rPr lang="en-US" sz="2000" b="0" i="0" dirty="0">
+                <a:solidFill>
+                  <a:schemeClr val="tx1"/>
+                </a:solidFill>
+                <a:effectLst/>
+                <a:latin typeface="Times New Roman" panose="02020603050405020304" pitchFamily="18" charset="0"/>
+                <a:cs typeface="Times New Roman" panose="02020603050405020304" pitchFamily="18" charset="0"/>
+              </a:rPr>
+            </a:br>
+            <a:r>
+              <a:rPr lang="en-US" sz="2000" b="0" i="0" dirty="0">
+                <a:solidFill>
+                  <a:schemeClr val="tx1"/>
+                </a:solidFill>
+                <a:effectLst/>
+                <a:latin typeface="Times New Roman" panose="02020603050405020304" pitchFamily="18" charset="0"/>
+                <a:cs typeface="Times New Roman" panose="02020603050405020304" pitchFamily="18" charset="0"/>
+              </a:rPr>
               <a:t>2. For Applications Requiring High Level of Specialized Interactivity</a:t>
             </a:r>
+            <a:br>
+              <a:rPr lang="en-US" sz="2000" b="0" i="0" dirty="0">
+                <a:solidFill>
+                  <a:schemeClr val="tx1"/>
+                </a:solidFill>
+                <a:effectLst/>
+                <a:latin typeface="Times New Roman" panose="02020603050405020304" pitchFamily="18" charset="0"/>
+                <a:cs typeface="Times New Roman" panose="02020603050405020304" pitchFamily="18" charset="0"/>
+              </a:rPr>
+            </a:br>
+            <a:r>
+              <a:rPr lang="en-US" sz="2000" b="0" i="0" dirty="0">
+                <a:solidFill>
+                  <a:schemeClr val="tx1"/>
+                </a:solidFill>
+                <a:effectLst/>
+                <a:latin typeface="Times New Roman" panose="02020603050405020304" pitchFamily="18" charset="0"/>
+                <a:cs typeface="Times New Roman" panose="02020603050405020304" pitchFamily="18" charset="0"/>
+              </a:rPr>
+              <a:t>	applications require a high level of specialized interactivity. provide the flexibility and freedom </a:t>
+            </a:r>
+            <a:r>
+              <a:rPr lang="en-US" sz="2000" dirty="0">
+                <a:solidFill>
+                  <a:schemeClr val="tx1"/>
+                </a:solidFill>
+                <a:latin typeface="Times New Roman" panose="02020603050405020304" pitchFamily="18" charset="0"/>
+                <a:cs typeface="Times New Roman" panose="02020603050405020304" pitchFamily="18" charset="0"/>
+              </a:rPr>
+              <a:t>because of infinite number of functionalities. </a:t>
+            </a:r>
+            <a:endParaRPr lang="en-US" sz="2000" b="0" i="0" dirty="0">
+              <a:solidFill>
+                <a:schemeClr val="tx1"/>
+              </a:solidFill>
+              <a:effectLst/>
+              <a:latin typeface="Times New Roman" panose="02020603050405020304" pitchFamily="18" charset="0"/>
+              <a:cs typeface="Times New Roman" panose="02020603050405020304" pitchFamily="18" charset="0"/>
+            </a:endParaRPr>
           </a:p>
           <a:p>
             <a:endParaRPr lang="en-US" b="0" i="0" dirty="0">
@@ -9331,6 +10445,36 @@
           </a:p>
         </p:txBody>
       </p:sp>
+      <p:pic>
+        <p:nvPicPr>
+          <p:cNvPr id="5" name="Picture 4">
+            <a:extLst>
+              <a:ext uri="{FF2B5EF4-FFF2-40B4-BE49-F238E27FC236}">
+                <a16:creationId xmlns:a16="http://schemas.microsoft.com/office/drawing/2014/main" id="{744974AD-9A29-411D-8942-AD916A1B7E87}"/>
+              </a:ext>
+            </a:extLst>
+          </p:cNvPr>
+          <p:cNvPicPr>
+            <a:picLocks noChangeAspect="1"/>
+          </p:cNvPicPr>
+          <p:nvPr/>
+        </p:nvPicPr>
+        <p:blipFill>
+          <a:blip r:embed="rId2"/>
+          <a:stretch>
+            <a:fillRect/>
+          </a:stretch>
+        </p:blipFill>
+        <p:spPr>
+          <a:xfrm>
+            <a:off x="4278385" y="1845733"/>
+            <a:ext cx="6085514" cy="4462787"/>
+          </a:xfrm>
+          <a:prstGeom prst="rect">
+            <a:avLst/>
+          </a:prstGeom>
+        </p:spPr>
+      </p:pic>
     </p:spTree>
     <p:extLst>
       <p:ext uri="{BB962C8B-B14F-4D97-AF65-F5344CB8AC3E}">
